--- a/Art/StartPageMockup.pptx
+++ b/Art/StartPageMockup.pptx
@@ -111,7 +111,16 @@
       </a:defRPr>
     </a:lvl9pPr>
   </p:defaultTextStyle>
+  <p:extLst>
+    <p:ext uri="{EFAFB233-063F-42B5-8137-9DF3F51BA10A}">
+      <p15:sldGuideLst xmlns:p15="http://schemas.microsoft.com/office/powerpoint/2012/main"/>
+    </p:ext>
+  </p:extLst>
 </p:presentation>
+</file>
+
+<file path=ppt/revisionInfo.xml><?xml version="1.0" encoding="utf-8"?>
+<p1510:revInfo xmlns:a="http://schemas.openxmlformats.org/drawingml/2006/main" xmlns:r="http://schemas.openxmlformats.org/officeDocument/2006/relationships" xmlns:p1510="http://schemas.microsoft.com/office/powerpoint/2015/10/main"/>
 </file>
 
 <file path=ppt/notesMasters/notesMaster1.xml><?xml version="1.0" encoding="utf-8"?>
@@ -196,7 +205,7 @@
           <a:p>
             <a:fld id="{E68376E5-8BF7-419C-8A6A-DA0D4191CD89}" type="datetimeFigureOut">
               <a:rPr lang="en-US" smtClean="0"/>
-              <a:t>12/1/2017</a:t>
+              <a:t>12/7/2017</a:t>
             </a:fld>
             <a:endParaRPr lang="en-US"/>
           </a:p>
@@ -1030,7 +1039,7 @@
           <a:p>
             <a:fld id="{D4E819DD-013E-4DBF-AC13-153FC4836066}" type="datetimeFigureOut">
               <a:rPr lang="en-US" smtClean="0"/>
-              <a:t>12/1/2017</a:t>
+              <a:t>12/7/2017</a:t>
             </a:fld>
             <a:endParaRPr lang="en-US"/>
           </a:p>
@@ -1228,7 +1237,7 @@
           <a:p>
             <a:fld id="{D4E819DD-013E-4DBF-AC13-153FC4836066}" type="datetimeFigureOut">
               <a:rPr lang="en-US" smtClean="0"/>
-              <a:t>12/1/2017</a:t>
+              <a:t>12/7/2017</a:t>
             </a:fld>
             <a:endParaRPr lang="en-US"/>
           </a:p>
@@ -1436,7 +1445,7 @@
           <a:p>
             <a:fld id="{D4E819DD-013E-4DBF-AC13-153FC4836066}" type="datetimeFigureOut">
               <a:rPr lang="en-US" smtClean="0"/>
-              <a:t>12/1/2017</a:t>
+              <a:t>12/7/2017</a:t>
             </a:fld>
             <a:endParaRPr lang="en-US"/>
           </a:p>
@@ -1634,7 +1643,7 @@
           <a:p>
             <a:fld id="{D4E819DD-013E-4DBF-AC13-153FC4836066}" type="datetimeFigureOut">
               <a:rPr lang="en-US" smtClean="0"/>
-              <a:t>12/1/2017</a:t>
+              <a:t>12/7/2017</a:t>
             </a:fld>
             <a:endParaRPr lang="en-US"/>
           </a:p>
@@ -1909,7 +1918,7 @@
           <a:p>
             <a:fld id="{D4E819DD-013E-4DBF-AC13-153FC4836066}" type="datetimeFigureOut">
               <a:rPr lang="en-US" smtClean="0"/>
-              <a:t>12/1/2017</a:t>
+              <a:t>12/7/2017</a:t>
             </a:fld>
             <a:endParaRPr lang="en-US"/>
           </a:p>
@@ -2174,7 +2183,7 @@
           <a:p>
             <a:fld id="{D4E819DD-013E-4DBF-AC13-153FC4836066}" type="datetimeFigureOut">
               <a:rPr lang="en-US" smtClean="0"/>
-              <a:t>12/1/2017</a:t>
+              <a:t>12/7/2017</a:t>
             </a:fld>
             <a:endParaRPr lang="en-US"/>
           </a:p>
@@ -2586,7 +2595,7 @@
           <a:p>
             <a:fld id="{D4E819DD-013E-4DBF-AC13-153FC4836066}" type="datetimeFigureOut">
               <a:rPr lang="en-US" smtClean="0"/>
-              <a:t>12/1/2017</a:t>
+              <a:t>12/7/2017</a:t>
             </a:fld>
             <a:endParaRPr lang="en-US"/>
           </a:p>
@@ -2727,7 +2736,7 @@
           <a:p>
             <a:fld id="{D4E819DD-013E-4DBF-AC13-153FC4836066}" type="datetimeFigureOut">
               <a:rPr lang="en-US" smtClean="0"/>
-              <a:t>12/1/2017</a:t>
+              <a:t>12/7/2017</a:t>
             </a:fld>
             <a:endParaRPr lang="en-US"/>
           </a:p>
@@ -2840,7 +2849,7 @@
           <a:p>
             <a:fld id="{D4E819DD-013E-4DBF-AC13-153FC4836066}" type="datetimeFigureOut">
               <a:rPr lang="en-US" smtClean="0"/>
-              <a:t>12/1/2017</a:t>
+              <a:t>12/7/2017</a:t>
             </a:fld>
             <a:endParaRPr lang="en-US"/>
           </a:p>
@@ -3151,7 +3160,7 @@
           <a:p>
             <a:fld id="{D4E819DD-013E-4DBF-AC13-153FC4836066}" type="datetimeFigureOut">
               <a:rPr lang="en-US" smtClean="0"/>
-              <a:t>12/1/2017</a:t>
+              <a:t>12/7/2017</a:t>
             </a:fld>
             <a:endParaRPr lang="en-US"/>
           </a:p>
@@ -3439,7 +3448,7 @@
           <a:p>
             <a:fld id="{D4E819DD-013E-4DBF-AC13-153FC4836066}" type="datetimeFigureOut">
               <a:rPr lang="en-US" smtClean="0"/>
-              <a:t>12/1/2017</a:t>
+              <a:t>12/7/2017</a:t>
             </a:fld>
             <a:endParaRPr lang="en-US"/>
           </a:p>
@@ -3680,7 +3689,7 @@
           <a:p>
             <a:fld id="{D4E819DD-013E-4DBF-AC13-153FC4836066}" type="datetimeFigureOut">
               <a:rPr lang="en-US" smtClean="0"/>
-              <a:t>12/1/2017</a:t>
+              <a:t>12/7/2017</a:t>
             </a:fld>
             <a:endParaRPr lang="en-US"/>
           </a:p>
@@ -5880,16 +5889,15 @@
           </p:cNvPicPr>
           <p:nvPr/>
         </p:nvPicPr>
-        <p:blipFill>
+        <p:blipFill rotWithShape="1">
           <a:blip r:embed="rId3"/>
-          <a:stretch>
-            <a:fillRect/>
-          </a:stretch>
+          <a:srcRect l="2547" t="5332" r="6271" b="5928"/>
+          <a:stretch/>
         </p:blipFill>
         <p:spPr>
           <a:xfrm>
-            <a:off x="3995280" y="1850560"/>
-            <a:ext cx="1420224" cy="1455148"/>
+            <a:off x="3984302" y="1843016"/>
+            <a:ext cx="1463225" cy="1459066"/>
           </a:xfrm>
           <a:prstGeom prst="rect">
             <a:avLst/>
@@ -5946,8 +5954,8 @@
         </p:nvSpPr>
         <p:spPr>
           <a:xfrm>
-            <a:off x="3900321" y="815640"/>
-            <a:ext cx="3875989" cy="830997"/>
+            <a:off x="3900321" y="710641"/>
+            <a:ext cx="3875989" cy="1015663"/>
           </a:xfrm>
           <a:prstGeom prst="rect">
             <a:avLst/>
@@ -5961,8 +5969,8 @@
           <a:lstStyle/>
           <a:p>
             <a:r>
-              <a:rPr lang="en-US" sz="1600" dirty="0"/>
-              <a:t>Select adjacent tiles in any direction to spell words.  Longer words improve your fortune, which means better replacement letters.  </a:t>
+              <a:rPr lang="en-US" sz="1200" dirty="0"/>
+              <a:t>Pangram the letter volcano is about to blow!  Legend tells of a magical prodigy who’s knowledge of words will save the day.  Select adjacent tiles in any direction to spell words.  Longer words improve your fortune, which means better replacement letters.  </a:t>
             </a:r>
           </a:p>
         </p:txBody>
@@ -6296,8 +6304,8 @@
         </p:nvSpPr>
         <p:spPr>
           <a:xfrm>
-            <a:off x="5430069" y="1662371"/>
-            <a:ext cx="2380871" cy="1815882"/>
+            <a:off x="5494681" y="1751790"/>
+            <a:ext cx="2380871" cy="1600438"/>
           </a:xfrm>
           <a:prstGeom prst="rect">
             <a:avLst/>
@@ -6311,8 +6319,17 @@
           <a:lstStyle/>
           <a:p>
             <a:r>
-              <a:rPr lang="en-US" sz="1600" dirty="0"/>
-              <a:t>Advance levels to gain spells which let you rearrange the letters.  And beware of lava tiles (like the E), because if they reach the bottom, the game is over.</a:t>
+              <a:rPr lang="en-US" sz="1400" dirty="0"/>
+              <a:t>Advance levels to gain spells which let you rearrange the letters.  </a:t>
+            </a:r>
+          </a:p>
+          <a:p>
+            <a:endParaRPr lang="en-US" sz="1400" dirty="0"/>
+          </a:p>
+          <a:p>
+            <a:r>
+              <a:rPr lang="en-US" sz="1400" dirty="0"/>
+              <a:t>Beware of lava tiles (like the E), because if they reach the bottom, the game is over.</a:t>
             </a:r>
           </a:p>
         </p:txBody>
@@ -6467,6 +6484,61 @@
               <a:t>Longest</a:t>
             </a:r>
             <a:endParaRPr lang="en-US" dirty="0"/>
+          </a:p>
+        </p:txBody>
+      </p:sp>
+      <p:sp>
+        <p:nvSpPr>
+          <p:cNvPr id="2" name="Arrow: Right 1">
+            <a:extLst>
+              <a:ext uri="{FF2B5EF4-FFF2-40B4-BE49-F238E27FC236}">
+                <a16:creationId xmlns:a16="http://schemas.microsoft.com/office/drawing/2014/main" id="{8FCE44C9-862D-4C35-BD7E-2F6D21FC6376}"/>
+              </a:ext>
+            </a:extLst>
+          </p:cNvPr>
+          <p:cNvSpPr/>
+          <p:nvPr/>
+        </p:nvSpPr>
+        <p:spPr>
+          <a:xfrm rot="9926062">
+            <a:off x="4458294" y="2881191"/>
+            <a:ext cx="950831" cy="178985"/>
+          </a:xfrm>
+          <a:prstGeom prst="rightArrow">
+            <a:avLst>
+              <a:gd name="adj1" fmla="val 29534"/>
+              <a:gd name="adj2" fmla="val 131652"/>
+            </a:avLst>
+          </a:prstGeom>
+          <a:solidFill>
+            <a:srgbClr val="FF0000"/>
+          </a:solidFill>
+          <a:ln>
+            <a:noFill/>
+          </a:ln>
+        </p:spPr>
+        <p:style>
+          <a:lnRef idx="2">
+            <a:schemeClr val="accent1">
+              <a:shade val="50000"/>
+            </a:schemeClr>
+          </a:lnRef>
+          <a:fillRef idx="1">
+            <a:schemeClr val="accent1"/>
+          </a:fillRef>
+          <a:effectRef idx="0">
+            <a:schemeClr val="accent1"/>
+          </a:effectRef>
+          <a:fontRef idx="minor">
+            <a:schemeClr val="lt1"/>
+          </a:fontRef>
+        </p:style>
+        <p:txBody>
+          <a:bodyPr rtlCol="0" anchor="ctr"/>
+          <a:lstStyle/>
+          <a:p>
+            <a:pPr algn="ctr"/>
+            <a:endParaRPr lang="en-US"/>
           </a:p>
         </p:txBody>
       </p:sp>

--- a/Art/StartPageMockup.pptx
+++ b/Art/StartPageMockup.pptx
@@ -205,7 +205,7 @@
           <a:p>
             <a:fld id="{E68376E5-8BF7-419C-8A6A-DA0D4191CD89}" type="datetimeFigureOut">
               <a:rPr lang="en-US" smtClean="0"/>
-              <a:t>12/7/2017</a:t>
+              <a:t>12/19/2017</a:t>
             </a:fld>
             <a:endParaRPr lang="en-US"/>
           </a:p>
@@ -1039,7 +1039,7 @@
           <a:p>
             <a:fld id="{D4E819DD-013E-4DBF-AC13-153FC4836066}" type="datetimeFigureOut">
               <a:rPr lang="en-US" smtClean="0"/>
-              <a:t>12/7/2017</a:t>
+              <a:t>12/19/2017</a:t>
             </a:fld>
             <a:endParaRPr lang="en-US"/>
           </a:p>
@@ -1237,7 +1237,7 @@
           <a:p>
             <a:fld id="{D4E819DD-013E-4DBF-AC13-153FC4836066}" type="datetimeFigureOut">
               <a:rPr lang="en-US" smtClean="0"/>
-              <a:t>12/7/2017</a:t>
+              <a:t>12/19/2017</a:t>
             </a:fld>
             <a:endParaRPr lang="en-US"/>
           </a:p>
@@ -1445,7 +1445,7 @@
           <a:p>
             <a:fld id="{D4E819DD-013E-4DBF-AC13-153FC4836066}" type="datetimeFigureOut">
               <a:rPr lang="en-US" smtClean="0"/>
-              <a:t>12/7/2017</a:t>
+              <a:t>12/19/2017</a:t>
             </a:fld>
             <a:endParaRPr lang="en-US"/>
           </a:p>
@@ -1643,7 +1643,7 @@
           <a:p>
             <a:fld id="{D4E819DD-013E-4DBF-AC13-153FC4836066}" type="datetimeFigureOut">
               <a:rPr lang="en-US" smtClean="0"/>
-              <a:t>12/7/2017</a:t>
+              <a:t>12/19/2017</a:t>
             </a:fld>
             <a:endParaRPr lang="en-US"/>
           </a:p>
@@ -1918,7 +1918,7 @@
           <a:p>
             <a:fld id="{D4E819DD-013E-4DBF-AC13-153FC4836066}" type="datetimeFigureOut">
               <a:rPr lang="en-US" smtClean="0"/>
-              <a:t>12/7/2017</a:t>
+              <a:t>12/19/2017</a:t>
             </a:fld>
             <a:endParaRPr lang="en-US"/>
           </a:p>
@@ -2183,7 +2183,7 @@
           <a:p>
             <a:fld id="{D4E819DD-013E-4DBF-AC13-153FC4836066}" type="datetimeFigureOut">
               <a:rPr lang="en-US" smtClean="0"/>
-              <a:t>12/7/2017</a:t>
+              <a:t>12/19/2017</a:t>
             </a:fld>
             <a:endParaRPr lang="en-US"/>
           </a:p>
@@ -2595,7 +2595,7 @@
           <a:p>
             <a:fld id="{D4E819DD-013E-4DBF-AC13-153FC4836066}" type="datetimeFigureOut">
               <a:rPr lang="en-US" smtClean="0"/>
-              <a:t>12/7/2017</a:t>
+              <a:t>12/19/2017</a:t>
             </a:fld>
             <a:endParaRPr lang="en-US"/>
           </a:p>
@@ -2736,7 +2736,7 @@
           <a:p>
             <a:fld id="{D4E819DD-013E-4DBF-AC13-153FC4836066}" type="datetimeFigureOut">
               <a:rPr lang="en-US" smtClean="0"/>
-              <a:t>12/7/2017</a:t>
+              <a:t>12/19/2017</a:t>
             </a:fld>
             <a:endParaRPr lang="en-US"/>
           </a:p>
@@ -2849,7 +2849,7 @@
           <a:p>
             <a:fld id="{D4E819DD-013E-4DBF-AC13-153FC4836066}" type="datetimeFigureOut">
               <a:rPr lang="en-US" smtClean="0"/>
-              <a:t>12/7/2017</a:t>
+              <a:t>12/19/2017</a:t>
             </a:fld>
             <a:endParaRPr lang="en-US"/>
           </a:p>
@@ -3160,7 +3160,7 @@
           <a:p>
             <a:fld id="{D4E819DD-013E-4DBF-AC13-153FC4836066}" type="datetimeFigureOut">
               <a:rPr lang="en-US" smtClean="0"/>
-              <a:t>12/7/2017</a:t>
+              <a:t>12/19/2017</a:t>
             </a:fld>
             <a:endParaRPr lang="en-US"/>
           </a:p>
@@ -3448,7 +3448,7 @@
           <a:p>
             <a:fld id="{D4E819DD-013E-4DBF-AC13-153FC4836066}" type="datetimeFigureOut">
               <a:rPr lang="en-US" smtClean="0"/>
-              <a:t>12/7/2017</a:t>
+              <a:t>12/19/2017</a:t>
             </a:fld>
             <a:endParaRPr lang="en-US"/>
           </a:p>
@@ -3689,7 +3689,7 @@
           <a:p>
             <a:fld id="{D4E819DD-013E-4DBF-AC13-153FC4836066}" type="datetimeFigureOut">
               <a:rPr lang="en-US" smtClean="0"/>
-              <a:t>12/7/2017</a:t>
+              <a:t>12/19/2017</a:t>
             </a:fld>
             <a:endParaRPr lang="en-US"/>
           </a:p>
@@ -5877,10 +5877,10 @@
       </p:grpSpPr>
       <p:pic>
         <p:nvPicPr>
-          <p:cNvPr id="18" name="Picture 17">
-            <a:extLst>
-              <a:ext uri="{FF2B5EF4-FFF2-40B4-BE49-F238E27FC236}">
-                <a16:creationId xmlns:a16="http://schemas.microsoft.com/office/drawing/2014/main" id="{A66FDE1F-0012-442F-A900-738D516A2E83}"/>
+          <p:cNvPr id="5" name="Picture 4">
+            <a:extLst>
+              <a:ext uri="{FF2B5EF4-FFF2-40B4-BE49-F238E27FC236}">
+                <a16:creationId xmlns:a16="http://schemas.microsoft.com/office/drawing/2014/main" id="{A6971018-6ACF-4BE2-9BB4-5BF5FAAFC416}"/>
               </a:ext>
             </a:extLst>
           </p:cNvPr>
@@ -5891,13 +5891,13 @@
         </p:nvPicPr>
         <p:blipFill rotWithShape="1">
           <a:blip r:embed="rId3"/>
-          <a:srcRect l="2547" t="5332" r="6271" b="5928"/>
+          <a:srcRect l="11572" t="5354" r="11830" b="6696"/>
           <a:stretch/>
         </p:blipFill>
         <p:spPr>
           <a:xfrm>
-            <a:off x="3984302" y="1843016"/>
-            <a:ext cx="1463225" cy="1459066"/>
+            <a:off x="3941266" y="1797296"/>
+            <a:ext cx="1497320" cy="1491706"/>
           </a:xfrm>
           <a:prstGeom prst="rect">
             <a:avLst/>

--- a/Art/StartPageMockup.pptx
+++ b/Art/StartPageMockup.pptx
@@ -5,14 +5,15 @@
     <p:sldMasterId id="2147483648" r:id="rId1"/>
   </p:sldMasterIdLst>
   <p:notesMasterIdLst>
-    <p:notesMasterId r:id="rId7"/>
+    <p:notesMasterId r:id="rId8"/>
   </p:notesMasterIdLst>
   <p:sldIdLst>
     <p:sldId id="256" r:id="rId2"/>
     <p:sldId id="257" r:id="rId3"/>
     <p:sldId id="258" r:id="rId4"/>
     <p:sldId id="260" r:id="rId5"/>
-    <p:sldId id="259" r:id="rId6"/>
+    <p:sldId id="261" r:id="rId6"/>
+    <p:sldId id="259" r:id="rId7"/>
   </p:sldIdLst>
   <p:sldSz cx="12192000" cy="6858000"/>
   <p:notesSz cx="6858000" cy="9144000"/>
@@ -205,7 +206,7 @@
           <a:p>
             <a:fld id="{E68376E5-8BF7-419C-8A6A-DA0D4191CD89}" type="datetimeFigureOut">
               <a:rPr lang="en-US" smtClean="0"/>
-              <a:t>12/19/2017</a:t>
+              <a:t>1/25/2018</a:t>
             </a:fld>
             <a:endParaRPr lang="en-US"/>
           </a:p>
@@ -882,6 +883,90 @@
     </p:spTree>
     <p:extLst>
       <p:ext uri="{BB962C8B-B14F-4D97-AF65-F5344CB8AC3E}">
+        <p14:creationId xmlns:p14="http://schemas.microsoft.com/office/powerpoint/2010/main" val="1502880736"/>
+      </p:ext>
+    </p:extLst>
+  </p:cSld>
+  <p:clrMapOvr>
+    <a:masterClrMapping/>
+  </p:clrMapOvr>
+</p:notes>
+</file>
+
+<file path=ppt/notesSlides/notesSlide6.xml><?xml version="1.0" encoding="utf-8"?>
+<p:notes xmlns:a="http://schemas.openxmlformats.org/drawingml/2006/main" xmlns:r="http://schemas.openxmlformats.org/officeDocument/2006/relationships" xmlns:p="http://schemas.openxmlformats.org/presentationml/2006/main">
+  <p:cSld>
+    <p:spTree>
+      <p:nvGrpSpPr>
+        <p:cNvPr id="1" name=""/>
+        <p:cNvGrpSpPr/>
+        <p:nvPr/>
+      </p:nvGrpSpPr>
+      <p:grpSpPr>
+        <a:xfrm>
+          <a:off x="0" y="0"/>
+          <a:ext cx="0" cy="0"/>
+          <a:chOff x="0" y="0"/>
+          <a:chExt cx="0" cy="0"/>
+        </a:xfrm>
+      </p:grpSpPr>
+      <p:sp>
+        <p:nvSpPr>
+          <p:cNvPr id="2" name="Slide Image Placeholder 1"/>
+          <p:cNvSpPr>
+            <a:spLocks noGrp="1" noRot="1" noChangeAspect="1"/>
+          </p:cNvSpPr>
+          <p:nvPr>
+            <p:ph type="sldImg"/>
+          </p:nvPr>
+        </p:nvSpPr>
+        <p:spPr/>
+      </p:sp>
+      <p:sp>
+        <p:nvSpPr>
+          <p:cNvPr id="3" name="Notes Placeholder 2"/>
+          <p:cNvSpPr>
+            <a:spLocks noGrp="1"/>
+          </p:cNvSpPr>
+          <p:nvPr>
+            <p:ph type="body" idx="1"/>
+          </p:nvPr>
+        </p:nvSpPr>
+        <p:spPr/>
+        <p:txBody>
+          <a:bodyPr/>
+          <a:lstStyle/>
+          <a:p>
+            <a:endParaRPr lang="en-US"/>
+          </a:p>
+        </p:txBody>
+      </p:sp>
+      <p:sp>
+        <p:nvSpPr>
+          <p:cNvPr id="4" name="Slide Number Placeholder 3"/>
+          <p:cNvSpPr>
+            <a:spLocks noGrp="1"/>
+          </p:cNvSpPr>
+          <p:nvPr>
+            <p:ph type="sldNum" sz="quarter" idx="10"/>
+          </p:nvPr>
+        </p:nvSpPr>
+        <p:spPr/>
+        <p:txBody>
+          <a:bodyPr/>
+          <a:lstStyle/>
+          <a:p>
+            <a:fld id="{7A0BE228-525B-46CA-9B2A-D6891A552F95}" type="slidenum">
+              <a:rPr lang="en-US" smtClean="0"/>
+              <a:t>6</a:t>
+            </a:fld>
+            <a:endParaRPr lang="en-US"/>
+          </a:p>
+        </p:txBody>
+      </p:sp>
+    </p:spTree>
+    <p:extLst>
+      <p:ext uri="{BB962C8B-B14F-4D97-AF65-F5344CB8AC3E}">
         <p14:creationId xmlns:p14="http://schemas.microsoft.com/office/powerpoint/2010/main" val="741842877"/>
       </p:ext>
     </p:extLst>
@@ -1039,7 +1124,7 @@
           <a:p>
             <a:fld id="{D4E819DD-013E-4DBF-AC13-153FC4836066}" type="datetimeFigureOut">
               <a:rPr lang="en-US" smtClean="0"/>
-              <a:t>12/19/2017</a:t>
+              <a:t>1/25/2018</a:t>
             </a:fld>
             <a:endParaRPr lang="en-US"/>
           </a:p>
@@ -1237,7 +1322,7 @@
           <a:p>
             <a:fld id="{D4E819DD-013E-4DBF-AC13-153FC4836066}" type="datetimeFigureOut">
               <a:rPr lang="en-US" smtClean="0"/>
-              <a:t>12/19/2017</a:t>
+              <a:t>1/25/2018</a:t>
             </a:fld>
             <a:endParaRPr lang="en-US"/>
           </a:p>
@@ -1445,7 +1530,7 @@
           <a:p>
             <a:fld id="{D4E819DD-013E-4DBF-AC13-153FC4836066}" type="datetimeFigureOut">
               <a:rPr lang="en-US" smtClean="0"/>
-              <a:t>12/19/2017</a:t>
+              <a:t>1/25/2018</a:t>
             </a:fld>
             <a:endParaRPr lang="en-US"/>
           </a:p>
@@ -1643,7 +1728,7 @@
           <a:p>
             <a:fld id="{D4E819DD-013E-4DBF-AC13-153FC4836066}" type="datetimeFigureOut">
               <a:rPr lang="en-US" smtClean="0"/>
-              <a:t>12/19/2017</a:t>
+              <a:t>1/25/2018</a:t>
             </a:fld>
             <a:endParaRPr lang="en-US"/>
           </a:p>
@@ -1918,7 +2003,7 @@
           <a:p>
             <a:fld id="{D4E819DD-013E-4DBF-AC13-153FC4836066}" type="datetimeFigureOut">
               <a:rPr lang="en-US" smtClean="0"/>
-              <a:t>12/19/2017</a:t>
+              <a:t>1/25/2018</a:t>
             </a:fld>
             <a:endParaRPr lang="en-US"/>
           </a:p>
@@ -2183,7 +2268,7 @@
           <a:p>
             <a:fld id="{D4E819DD-013E-4DBF-AC13-153FC4836066}" type="datetimeFigureOut">
               <a:rPr lang="en-US" smtClean="0"/>
-              <a:t>12/19/2017</a:t>
+              <a:t>1/25/2018</a:t>
             </a:fld>
             <a:endParaRPr lang="en-US"/>
           </a:p>
@@ -2595,7 +2680,7 @@
           <a:p>
             <a:fld id="{D4E819DD-013E-4DBF-AC13-153FC4836066}" type="datetimeFigureOut">
               <a:rPr lang="en-US" smtClean="0"/>
-              <a:t>12/19/2017</a:t>
+              <a:t>1/25/2018</a:t>
             </a:fld>
             <a:endParaRPr lang="en-US"/>
           </a:p>
@@ -2736,7 +2821,7 @@
           <a:p>
             <a:fld id="{D4E819DD-013E-4DBF-AC13-153FC4836066}" type="datetimeFigureOut">
               <a:rPr lang="en-US" smtClean="0"/>
-              <a:t>12/19/2017</a:t>
+              <a:t>1/25/2018</a:t>
             </a:fld>
             <a:endParaRPr lang="en-US"/>
           </a:p>
@@ -2849,7 +2934,7 @@
           <a:p>
             <a:fld id="{D4E819DD-013E-4DBF-AC13-153FC4836066}" type="datetimeFigureOut">
               <a:rPr lang="en-US" smtClean="0"/>
-              <a:t>12/19/2017</a:t>
+              <a:t>1/25/2018</a:t>
             </a:fld>
             <a:endParaRPr lang="en-US"/>
           </a:p>
@@ -3160,7 +3245,7 @@
           <a:p>
             <a:fld id="{D4E819DD-013E-4DBF-AC13-153FC4836066}" type="datetimeFigureOut">
               <a:rPr lang="en-US" smtClean="0"/>
-              <a:t>12/19/2017</a:t>
+              <a:t>1/25/2018</a:t>
             </a:fld>
             <a:endParaRPr lang="en-US"/>
           </a:p>
@@ -3448,7 +3533,7 @@
           <a:p>
             <a:fld id="{D4E819DD-013E-4DBF-AC13-153FC4836066}" type="datetimeFigureOut">
               <a:rPr lang="en-US" smtClean="0"/>
-              <a:t>12/19/2017</a:t>
+              <a:t>1/25/2018</a:t>
             </a:fld>
             <a:endParaRPr lang="en-US"/>
           </a:p>
@@ -3689,7 +3774,7 @@
           <a:p>
             <a:fld id="{D4E819DD-013E-4DBF-AC13-153FC4836066}" type="datetimeFigureOut">
               <a:rPr lang="en-US" smtClean="0"/>
-              <a:t>12/19/2017</a:t>
+              <a:t>1/25/2018</a:t>
             </a:fld>
             <a:endParaRPr lang="en-US"/>
           </a:p>
@@ -6556,6 +6641,345 @@
 </file>
 
 <file path=ppt/slides/slide5.xml><?xml version="1.0" encoding="utf-8"?>
+<p:sld xmlns:a="http://schemas.openxmlformats.org/drawingml/2006/main" xmlns:r="http://schemas.openxmlformats.org/officeDocument/2006/relationships" xmlns:p="http://schemas.openxmlformats.org/presentationml/2006/main">
+  <p:cSld>
+    <p:spTree>
+      <p:nvGrpSpPr>
+        <p:cNvPr id="1" name=""/>
+        <p:cNvGrpSpPr/>
+        <p:nvPr/>
+      </p:nvGrpSpPr>
+      <p:grpSpPr>
+        <a:xfrm>
+          <a:off x="0" y="0"/>
+          <a:ext cx="0" cy="0"/>
+          <a:chOff x="0" y="0"/>
+          <a:chExt cx="0" cy="0"/>
+        </a:xfrm>
+      </p:grpSpPr>
+      <p:pic>
+        <p:nvPicPr>
+          <p:cNvPr id="2" name="Picture 1">
+            <a:extLst>
+              <a:ext uri="{FF2B5EF4-FFF2-40B4-BE49-F238E27FC236}">
+                <a16:creationId xmlns:a16="http://schemas.microsoft.com/office/drawing/2014/main" id="{35E5672E-909F-4A9E-9DD9-2F7B582F998F}"/>
+              </a:ext>
+            </a:extLst>
+          </p:cNvPr>
+          <p:cNvPicPr>
+            <a:picLocks noChangeAspect="1"/>
+          </p:cNvPicPr>
+          <p:nvPr/>
+        </p:nvPicPr>
+        <p:blipFill rotWithShape="1">
+          <a:blip r:embed="rId3"/>
+          <a:srcRect l="27934" t="22284" r="29171" b="19428"/>
+          <a:stretch/>
+        </p:blipFill>
+        <p:spPr>
+          <a:xfrm>
+            <a:off x="3856653" y="2329197"/>
+            <a:ext cx="2052553" cy="3294051"/>
+          </a:xfrm>
+          <a:prstGeom prst="rect">
+            <a:avLst/>
+          </a:prstGeom>
+        </p:spPr>
+      </p:pic>
+      <p:sp>
+        <p:nvSpPr>
+          <p:cNvPr id="3" name="Arrow: Right 2">
+            <a:extLst>
+              <a:ext uri="{FF2B5EF4-FFF2-40B4-BE49-F238E27FC236}">
+                <a16:creationId xmlns:a16="http://schemas.microsoft.com/office/drawing/2014/main" id="{62C486B7-E42D-4521-9242-695087D8EBCB}"/>
+              </a:ext>
+            </a:extLst>
+          </p:cNvPr>
+          <p:cNvSpPr/>
+          <p:nvPr/>
+        </p:nvSpPr>
+        <p:spPr>
+          <a:xfrm rot="10800000">
+            <a:off x="5090967" y="4549949"/>
+            <a:ext cx="191278" cy="191282"/>
+          </a:xfrm>
+          <a:prstGeom prst="rightArrow">
+            <a:avLst/>
+          </a:prstGeom>
+          <a:solidFill>
+            <a:srgbClr val="FFFF00"/>
+          </a:solidFill>
+          <a:ln>
+            <a:noFill/>
+          </a:ln>
+        </p:spPr>
+        <p:style>
+          <a:lnRef idx="2">
+            <a:schemeClr val="accent1">
+              <a:shade val="50000"/>
+            </a:schemeClr>
+          </a:lnRef>
+          <a:fillRef idx="1">
+            <a:schemeClr val="accent1"/>
+          </a:fillRef>
+          <a:effectRef idx="0">
+            <a:schemeClr val="accent1"/>
+          </a:effectRef>
+          <a:fontRef idx="minor">
+            <a:schemeClr val="lt1"/>
+          </a:fontRef>
+        </p:style>
+        <p:txBody>
+          <a:bodyPr rtlCol="0" anchor="ctr"/>
+          <a:lstStyle/>
+          <a:p>
+            <a:pPr algn="ctr"/>
+            <a:endParaRPr lang="en-US">
+              <a:solidFill>
+                <a:srgbClr val="FFFF00"/>
+              </a:solidFill>
+            </a:endParaRPr>
+          </a:p>
+        </p:txBody>
+      </p:sp>
+      <p:sp>
+        <p:nvSpPr>
+          <p:cNvPr id="4" name="Arrow: Right 3">
+            <a:extLst>
+              <a:ext uri="{FF2B5EF4-FFF2-40B4-BE49-F238E27FC236}">
+                <a16:creationId xmlns:a16="http://schemas.microsoft.com/office/drawing/2014/main" id="{04686C55-A323-4C06-BB54-FFFF7889BA05}"/>
+              </a:ext>
+            </a:extLst>
+          </p:cNvPr>
+          <p:cNvSpPr/>
+          <p:nvPr/>
+        </p:nvSpPr>
+        <p:spPr>
+          <a:xfrm rot="2439065">
+            <a:off x="4480530" y="3522868"/>
+            <a:ext cx="191278" cy="191282"/>
+          </a:xfrm>
+          <a:prstGeom prst="rightArrow">
+            <a:avLst/>
+          </a:prstGeom>
+          <a:solidFill>
+            <a:srgbClr val="FFFF00"/>
+          </a:solidFill>
+          <a:ln>
+            <a:noFill/>
+          </a:ln>
+        </p:spPr>
+        <p:style>
+          <a:lnRef idx="2">
+            <a:schemeClr val="accent1">
+              <a:shade val="50000"/>
+            </a:schemeClr>
+          </a:lnRef>
+          <a:fillRef idx="1">
+            <a:schemeClr val="accent1"/>
+          </a:fillRef>
+          <a:effectRef idx="0">
+            <a:schemeClr val="accent1"/>
+          </a:effectRef>
+          <a:fontRef idx="minor">
+            <a:schemeClr val="lt1"/>
+          </a:fontRef>
+        </p:style>
+        <p:txBody>
+          <a:bodyPr rtlCol="0" anchor="ctr"/>
+          <a:lstStyle/>
+          <a:p>
+            <a:pPr algn="ctr"/>
+            <a:endParaRPr lang="en-US">
+              <a:solidFill>
+                <a:srgbClr val="FFFF00"/>
+              </a:solidFill>
+            </a:endParaRPr>
+          </a:p>
+        </p:txBody>
+      </p:sp>
+      <p:sp>
+        <p:nvSpPr>
+          <p:cNvPr id="5" name="Arrow: Right 4">
+            <a:extLst>
+              <a:ext uri="{FF2B5EF4-FFF2-40B4-BE49-F238E27FC236}">
+                <a16:creationId xmlns:a16="http://schemas.microsoft.com/office/drawing/2014/main" id="{E2AC9755-9D72-4EC1-92F3-F273F166C02F}"/>
+              </a:ext>
+            </a:extLst>
+          </p:cNvPr>
+          <p:cNvSpPr/>
+          <p:nvPr/>
+        </p:nvSpPr>
+        <p:spPr>
+          <a:xfrm rot="10800000">
+            <a:off x="4441037" y="4549949"/>
+            <a:ext cx="191278" cy="191282"/>
+          </a:xfrm>
+          <a:prstGeom prst="rightArrow">
+            <a:avLst/>
+          </a:prstGeom>
+          <a:solidFill>
+            <a:srgbClr val="FFFF00"/>
+          </a:solidFill>
+          <a:ln>
+            <a:noFill/>
+          </a:ln>
+        </p:spPr>
+        <p:style>
+          <a:lnRef idx="2">
+            <a:schemeClr val="accent1">
+              <a:shade val="50000"/>
+            </a:schemeClr>
+          </a:lnRef>
+          <a:fillRef idx="1">
+            <a:schemeClr val="accent1"/>
+          </a:fillRef>
+          <a:effectRef idx="0">
+            <a:schemeClr val="accent1"/>
+          </a:effectRef>
+          <a:fontRef idx="minor">
+            <a:schemeClr val="lt1"/>
+          </a:fontRef>
+        </p:style>
+        <p:txBody>
+          <a:bodyPr rtlCol="0" anchor="ctr"/>
+          <a:lstStyle/>
+          <a:p>
+            <a:pPr algn="ctr"/>
+            <a:endParaRPr lang="en-US">
+              <a:solidFill>
+                <a:srgbClr val="FFFF00"/>
+              </a:solidFill>
+            </a:endParaRPr>
+          </a:p>
+        </p:txBody>
+      </p:sp>
+      <p:sp>
+        <p:nvSpPr>
+          <p:cNvPr id="6" name="Arrow: Right 5">
+            <a:extLst>
+              <a:ext uri="{FF2B5EF4-FFF2-40B4-BE49-F238E27FC236}">
+                <a16:creationId xmlns:a16="http://schemas.microsoft.com/office/drawing/2014/main" id="{2BBB08E6-1976-44A3-B78B-7C52230CEF28}"/>
+              </a:ext>
+            </a:extLst>
+          </p:cNvPr>
+          <p:cNvSpPr/>
+          <p:nvPr/>
+        </p:nvSpPr>
+        <p:spPr>
+          <a:xfrm rot="2439065">
+            <a:off x="5138599" y="4191563"/>
+            <a:ext cx="191278" cy="191282"/>
+          </a:xfrm>
+          <a:prstGeom prst="rightArrow">
+            <a:avLst/>
+          </a:prstGeom>
+          <a:solidFill>
+            <a:srgbClr val="FFFF00"/>
+          </a:solidFill>
+          <a:ln>
+            <a:noFill/>
+          </a:ln>
+        </p:spPr>
+        <p:style>
+          <a:lnRef idx="2">
+            <a:schemeClr val="accent1">
+              <a:shade val="50000"/>
+            </a:schemeClr>
+          </a:lnRef>
+          <a:fillRef idx="1">
+            <a:schemeClr val="accent1"/>
+          </a:fillRef>
+          <a:effectRef idx="0">
+            <a:schemeClr val="accent1"/>
+          </a:effectRef>
+          <a:fontRef idx="minor">
+            <a:schemeClr val="lt1"/>
+          </a:fontRef>
+        </p:style>
+        <p:txBody>
+          <a:bodyPr rtlCol="0" anchor="ctr"/>
+          <a:lstStyle/>
+          <a:p>
+            <a:pPr algn="ctr"/>
+            <a:endParaRPr lang="en-US">
+              <a:solidFill>
+                <a:srgbClr val="FFFF00"/>
+              </a:solidFill>
+            </a:endParaRPr>
+          </a:p>
+        </p:txBody>
+      </p:sp>
+      <p:sp>
+        <p:nvSpPr>
+          <p:cNvPr id="7" name="Arrow: Right 6">
+            <a:extLst>
+              <a:ext uri="{FF2B5EF4-FFF2-40B4-BE49-F238E27FC236}">
+                <a16:creationId xmlns:a16="http://schemas.microsoft.com/office/drawing/2014/main" id="{F419AD58-C67B-4879-8E03-83E230B6D2B3}"/>
+              </a:ext>
+            </a:extLst>
+          </p:cNvPr>
+          <p:cNvSpPr/>
+          <p:nvPr/>
+        </p:nvSpPr>
+        <p:spPr>
+          <a:xfrm rot="16200000">
+            <a:off x="4097975" y="4191563"/>
+            <a:ext cx="191278" cy="191282"/>
+          </a:xfrm>
+          <a:prstGeom prst="rightArrow">
+            <a:avLst/>
+          </a:prstGeom>
+          <a:solidFill>
+            <a:srgbClr val="FFFF00"/>
+          </a:solidFill>
+          <a:ln>
+            <a:noFill/>
+          </a:ln>
+        </p:spPr>
+        <p:style>
+          <a:lnRef idx="2">
+            <a:schemeClr val="accent1">
+              <a:shade val="50000"/>
+            </a:schemeClr>
+          </a:lnRef>
+          <a:fillRef idx="1">
+            <a:schemeClr val="accent1"/>
+          </a:fillRef>
+          <a:effectRef idx="0">
+            <a:schemeClr val="accent1"/>
+          </a:effectRef>
+          <a:fontRef idx="minor">
+            <a:schemeClr val="lt1"/>
+          </a:fontRef>
+        </p:style>
+        <p:txBody>
+          <a:bodyPr rtlCol="0" anchor="ctr"/>
+          <a:lstStyle/>
+          <a:p>
+            <a:pPr algn="ctr"/>
+            <a:endParaRPr lang="en-US">
+              <a:solidFill>
+                <a:srgbClr val="FFFF00"/>
+              </a:solidFill>
+            </a:endParaRPr>
+          </a:p>
+        </p:txBody>
+      </p:sp>
+    </p:spTree>
+    <p:extLst>
+      <p:ext uri="{BB962C8B-B14F-4D97-AF65-F5344CB8AC3E}">
+        <p14:creationId xmlns:p14="http://schemas.microsoft.com/office/powerpoint/2010/main" val="2197273077"/>
+      </p:ext>
+    </p:extLst>
+  </p:cSld>
+  <p:clrMapOvr>
+    <a:masterClrMapping/>
+  </p:clrMapOvr>
+</p:sld>
+</file>
+
+<file path=ppt/slides/slide6.xml><?xml version="1.0" encoding="utf-8"?>
 <p:sld xmlns:a="http://schemas.openxmlformats.org/drawingml/2006/main" xmlns:r="http://schemas.openxmlformats.org/officeDocument/2006/relationships" xmlns:p="http://schemas.openxmlformats.org/presentationml/2006/main">
   <p:cSld>
     <p:spTree>

--- a/Art/StartPageMockup.pptx
+++ b/Art/StartPageMockup.pptx
@@ -5,7 +5,7 @@
     <p:sldMasterId id="2147483648" r:id="rId1"/>
   </p:sldMasterIdLst>
   <p:notesMasterIdLst>
-    <p:notesMasterId r:id="rId8"/>
+    <p:notesMasterId r:id="rId16"/>
   </p:notesMasterIdLst>
   <p:sldIdLst>
     <p:sldId id="256" r:id="rId2"/>
@@ -14,6 +14,14 @@
     <p:sldId id="260" r:id="rId5"/>
     <p:sldId id="261" r:id="rId6"/>
     <p:sldId id="259" r:id="rId7"/>
+    <p:sldId id="262" r:id="rId8"/>
+    <p:sldId id="263" r:id="rId9"/>
+    <p:sldId id="265" r:id="rId10"/>
+    <p:sldId id="266" r:id="rId11"/>
+    <p:sldId id="264" r:id="rId12"/>
+    <p:sldId id="267" r:id="rId13"/>
+    <p:sldId id="268" r:id="rId14"/>
+    <p:sldId id="269" r:id="rId15"/>
   </p:sldIdLst>
   <p:sldSz cx="12192000" cy="6858000"/>
   <p:notesSz cx="6858000" cy="9144000"/>
@@ -206,7 +214,7 @@
           <a:p>
             <a:fld id="{E68376E5-8BF7-419C-8A6A-DA0D4191CD89}" type="datetimeFigureOut">
               <a:rPr lang="en-US" smtClean="0"/>
-              <a:t>1/25/2018</a:t>
+              <a:t>2/5/2018</a:t>
             </a:fld>
             <a:endParaRPr lang="en-US"/>
           </a:p>
@@ -557,6 +565,426 @@
 </p:notes>
 </file>
 
+<file path=ppt/notesSlides/notesSlide10.xml><?xml version="1.0" encoding="utf-8"?>
+<p:notes xmlns:a="http://schemas.openxmlformats.org/drawingml/2006/main" xmlns:r="http://schemas.openxmlformats.org/officeDocument/2006/relationships" xmlns:p="http://schemas.openxmlformats.org/presentationml/2006/main">
+  <p:cSld>
+    <p:spTree>
+      <p:nvGrpSpPr>
+        <p:cNvPr id="1" name=""/>
+        <p:cNvGrpSpPr/>
+        <p:nvPr/>
+      </p:nvGrpSpPr>
+      <p:grpSpPr>
+        <a:xfrm>
+          <a:off x="0" y="0"/>
+          <a:ext cx="0" cy="0"/>
+          <a:chOff x="0" y="0"/>
+          <a:chExt cx="0" cy="0"/>
+        </a:xfrm>
+      </p:grpSpPr>
+      <p:sp>
+        <p:nvSpPr>
+          <p:cNvPr id="2" name="Slide Image Placeholder 1"/>
+          <p:cNvSpPr>
+            <a:spLocks noGrp="1" noRot="1" noChangeAspect="1"/>
+          </p:cNvSpPr>
+          <p:nvPr>
+            <p:ph type="sldImg"/>
+          </p:nvPr>
+        </p:nvSpPr>
+        <p:spPr/>
+      </p:sp>
+      <p:sp>
+        <p:nvSpPr>
+          <p:cNvPr id="3" name="Notes Placeholder 2"/>
+          <p:cNvSpPr>
+            <a:spLocks noGrp="1"/>
+          </p:cNvSpPr>
+          <p:nvPr>
+            <p:ph type="body" idx="1"/>
+          </p:nvPr>
+        </p:nvSpPr>
+        <p:spPr/>
+        <p:txBody>
+          <a:bodyPr/>
+          <a:lstStyle/>
+          <a:p>
+            <a:endParaRPr lang="en-US"/>
+          </a:p>
+        </p:txBody>
+      </p:sp>
+      <p:sp>
+        <p:nvSpPr>
+          <p:cNvPr id="4" name="Slide Number Placeholder 3"/>
+          <p:cNvSpPr>
+            <a:spLocks noGrp="1"/>
+          </p:cNvSpPr>
+          <p:nvPr>
+            <p:ph type="sldNum" sz="quarter" idx="10"/>
+          </p:nvPr>
+        </p:nvSpPr>
+        <p:spPr/>
+        <p:txBody>
+          <a:bodyPr/>
+          <a:lstStyle/>
+          <a:p>
+            <a:fld id="{7A0BE228-525B-46CA-9B2A-D6891A552F95}" type="slidenum">
+              <a:rPr lang="en-US" smtClean="0"/>
+              <a:t>10</a:t>
+            </a:fld>
+            <a:endParaRPr lang="en-US"/>
+          </a:p>
+        </p:txBody>
+      </p:sp>
+    </p:spTree>
+    <p:extLst>
+      <p:ext uri="{BB962C8B-B14F-4D97-AF65-F5344CB8AC3E}">
+        <p14:creationId xmlns:p14="http://schemas.microsoft.com/office/powerpoint/2010/main" val="2923790216"/>
+      </p:ext>
+    </p:extLst>
+  </p:cSld>
+  <p:clrMapOvr>
+    <a:masterClrMapping/>
+  </p:clrMapOvr>
+</p:notes>
+</file>
+
+<file path=ppt/notesSlides/notesSlide11.xml><?xml version="1.0" encoding="utf-8"?>
+<p:notes xmlns:a="http://schemas.openxmlformats.org/drawingml/2006/main" xmlns:r="http://schemas.openxmlformats.org/officeDocument/2006/relationships" xmlns:p="http://schemas.openxmlformats.org/presentationml/2006/main">
+  <p:cSld>
+    <p:spTree>
+      <p:nvGrpSpPr>
+        <p:cNvPr id="1" name=""/>
+        <p:cNvGrpSpPr/>
+        <p:nvPr/>
+      </p:nvGrpSpPr>
+      <p:grpSpPr>
+        <a:xfrm>
+          <a:off x="0" y="0"/>
+          <a:ext cx="0" cy="0"/>
+          <a:chOff x="0" y="0"/>
+          <a:chExt cx="0" cy="0"/>
+        </a:xfrm>
+      </p:grpSpPr>
+      <p:sp>
+        <p:nvSpPr>
+          <p:cNvPr id="2" name="Slide Image Placeholder 1"/>
+          <p:cNvSpPr>
+            <a:spLocks noGrp="1" noRot="1" noChangeAspect="1"/>
+          </p:cNvSpPr>
+          <p:nvPr>
+            <p:ph type="sldImg"/>
+          </p:nvPr>
+        </p:nvSpPr>
+        <p:spPr/>
+      </p:sp>
+      <p:sp>
+        <p:nvSpPr>
+          <p:cNvPr id="3" name="Notes Placeholder 2"/>
+          <p:cNvSpPr>
+            <a:spLocks noGrp="1"/>
+          </p:cNvSpPr>
+          <p:nvPr>
+            <p:ph type="body" idx="1"/>
+          </p:nvPr>
+        </p:nvSpPr>
+        <p:spPr/>
+        <p:txBody>
+          <a:bodyPr/>
+          <a:lstStyle/>
+          <a:p>
+            <a:endParaRPr lang="en-US"/>
+          </a:p>
+        </p:txBody>
+      </p:sp>
+      <p:sp>
+        <p:nvSpPr>
+          <p:cNvPr id="4" name="Slide Number Placeholder 3"/>
+          <p:cNvSpPr>
+            <a:spLocks noGrp="1"/>
+          </p:cNvSpPr>
+          <p:nvPr>
+            <p:ph type="sldNum" sz="quarter" idx="10"/>
+          </p:nvPr>
+        </p:nvSpPr>
+        <p:spPr/>
+        <p:txBody>
+          <a:bodyPr/>
+          <a:lstStyle/>
+          <a:p>
+            <a:fld id="{7A0BE228-525B-46CA-9B2A-D6891A552F95}" type="slidenum">
+              <a:rPr lang="en-US" smtClean="0"/>
+              <a:t>11</a:t>
+            </a:fld>
+            <a:endParaRPr lang="en-US"/>
+          </a:p>
+        </p:txBody>
+      </p:sp>
+    </p:spTree>
+    <p:extLst>
+      <p:ext uri="{BB962C8B-B14F-4D97-AF65-F5344CB8AC3E}">
+        <p14:creationId xmlns:p14="http://schemas.microsoft.com/office/powerpoint/2010/main" val="1761167817"/>
+      </p:ext>
+    </p:extLst>
+  </p:cSld>
+  <p:clrMapOvr>
+    <a:masterClrMapping/>
+  </p:clrMapOvr>
+</p:notes>
+</file>
+
+<file path=ppt/notesSlides/notesSlide12.xml><?xml version="1.0" encoding="utf-8"?>
+<p:notes xmlns:a="http://schemas.openxmlformats.org/drawingml/2006/main" xmlns:r="http://schemas.openxmlformats.org/officeDocument/2006/relationships" xmlns:p="http://schemas.openxmlformats.org/presentationml/2006/main">
+  <p:cSld>
+    <p:spTree>
+      <p:nvGrpSpPr>
+        <p:cNvPr id="1" name=""/>
+        <p:cNvGrpSpPr/>
+        <p:nvPr/>
+      </p:nvGrpSpPr>
+      <p:grpSpPr>
+        <a:xfrm>
+          <a:off x="0" y="0"/>
+          <a:ext cx="0" cy="0"/>
+          <a:chOff x="0" y="0"/>
+          <a:chExt cx="0" cy="0"/>
+        </a:xfrm>
+      </p:grpSpPr>
+      <p:sp>
+        <p:nvSpPr>
+          <p:cNvPr id="2" name="Slide Image Placeholder 1"/>
+          <p:cNvSpPr>
+            <a:spLocks noGrp="1" noRot="1" noChangeAspect="1"/>
+          </p:cNvSpPr>
+          <p:nvPr>
+            <p:ph type="sldImg"/>
+          </p:nvPr>
+        </p:nvSpPr>
+        <p:spPr/>
+      </p:sp>
+      <p:sp>
+        <p:nvSpPr>
+          <p:cNvPr id="3" name="Notes Placeholder 2"/>
+          <p:cNvSpPr>
+            <a:spLocks noGrp="1"/>
+          </p:cNvSpPr>
+          <p:nvPr>
+            <p:ph type="body" idx="1"/>
+          </p:nvPr>
+        </p:nvSpPr>
+        <p:spPr/>
+        <p:txBody>
+          <a:bodyPr/>
+          <a:lstStyle/>
+          <a:p>
+            <a:endParaRPr lang="en-US"/>
+          </a:p>
+        </p:txBody>
+      </p:sp>
+      <p:sp>
+        <p:nvSpPr>
+          <p:cNvPr id="4" name="Slide Number Placeholder 3"/>
+          <p:cNvSpPr>
+            <a:spLocks noGrp="1"/>
+          </p:cNvSpPr>
+          <p:nvPr>
+            <p:ph type="sldNum" sz="quarter" idx="10"/>
+          </p:nvPr>
+        </p:nvSpPr>
+        <p:spPr/>
+        <p:txBody>
+          <a:bodyPr/>
+          <a:lstStyle/>
+          <a:p>
+            <a:fld id="{7A0BE228-525B-46CA-9B2A-D6891A552F95}" type="slidenum">
+              <a:rPr lang="en-US" smtClean="0"/>
+              <a:t>12</a:t>
+            </a:fld>
+            <a:endParaRPr lang="en-US"/>
+          </a:p>
+        </p:txBody>
+      </p:sp>
+    </p:spTree>
+    <p:extLst>
+      <p:ext uri="{BB962C8B-B14F-4D97-AF65-F5344CB8AC3E}">
+        <p14:creationId xmlns:p14="http://schemas.microsoft.com/office/powerpoint/2010/main" val="3366858397"/>
+      </p:ext>
+    </p:extLst>
+  </p:cSld>
+  <p:clrMapOvr>
+    <a:masterClrMapping/>
+  </p:clrMapOvr>
+</p:notes>
+</file>
+
+<file path=ppt/notesSlides/notesSlide13.xml><?xml version="1.0" encoding="utf-8"?>
+<p:notes xmlns:a="http://schemas.openxmlformats.org/drawingml/2006/main" xmlns:r="http://schemas.openxmlformats.org/officeDocument/2006/relationships" xmlns:p="http://schemas.openxmlformats.org/presentationml/2006/main">
+  <p:cSld>
+    <p:spTree>
+      <p:nvGrpSpPr>
+        <p:cNvPr id="1" name=""/>
+        <p:cNvGrpSpPr/>
+        <p:nvPr/>
+      </p:nvGrpSpPr>
+      <p:grpSpPr>
+        <a:xfrm>
+          <a:off x="0" y="0"/>
+          <a:ext cx="0" cy="0"/>
+          <a:chOff x="0" y="0"/>
+          <a:chExt cx="0" cy="0"/>
+        </a:xfrm>
+      </p:grpSpPr>
+      <p:sp>
+        <p:nvSpPr>
+          <p:cNvPr id="2" name="Slide Image Placeholder 1"/>
+          <p:cNvSpPr>
+            <a:spLocks noGrp="1" noRot="1" noChangeAspect="1"/>
+          </p:cNvSpPr>
+          <p:nvPr>
+            <p:ph type="sldImg"/>
+          </p:nvPr>
+        </p:nvSpPr>
+        <p:spPr/>
+      </p:sp>
+      <p:sp>
+        <p:nvSpPr>
+          <p:cNvPr id="3" name="Notes Placeholder 2"/>
+          <p:cNvSpPr>
+            <a:spLocks noGrp="1"/>
+          </p:cNvSpPr>
+          <p:nvPr>
+            <p:ph type="body" idx="1"/>
+          </p:nvPr>
+        </p:nvSpPr>
+        <p:spPr/>
+        <p:txBody>
+          <a:bodyPr/>
+          <a:lstStyle/>
+          <a:p>
+            <a:endParaRPr lang="en-US"/>
+          </a:p>
+        </p:txBody>
+      </p:sp>
+      <p:sp>
+        <p:nvSpPr>
+          <p:cNvPr id="4" name="Slide Number Placeholder 3"/>
+          <p:cNvSpPr>
+            <a:spLocks noGrp="1"/>
+          </p:cNvSpPr>
+          <p:nvPr>
+            <p:ph type="sldNum" sz="quarter" idx="10"/>
+          </p:nvPr>
+        </p:nvSpPr>
+        <p:spPr/>
+        <p:txBody>
+          <a:bodyPr/>
+          <a:lstStyle/>
+          <a:p>
+            <a:fld id="{7A0BE228-525B-46CA-9B2A-D6891A552F95}" type="slidenum">
+              <a:rPr lang="en-US" smtClean="0"/>
+              <a:t>13</a:t>
+            </a:fld>
+            <a:endParaRPr lang="en-US"/>
+          </a:p>
+        </p:txBody>
+      </p:sp>
+    </p:spTree>
+    <p:extLst>
+      <p:ext uri="{BB962C8B-B14F-4D97-AF65-F5344CB8AC3E}">
+        <p14:creationId xmlns:p14="http://schemas.microsoft.com/office/powerpoint/2010/main" val="335771008"/>
+      </p:ext>
+    </p:extLst>
+  </p:cSld>
+  <p:clrMapOvr>
+    <a:masterClrMapping/>
+  </p:clrMapOvr>
+</p:notes>
+</file>
+
+<file path=ppt/notesSlides/notesSlide14.xml><?xml version="1.0" encoding="utf-8"?>
+<p:notes xmlns:a="http://schemas.openxmlformats.org/drawingml/2006/main" xmlns:r="http://schemas.openxmlformats.org/officeDocument/2006/relationships" xmlns:p="http://schemas.openxmlformats.org/presentationml/2006/main">
+  <p:cSld>
+    <p:spTree>
+      <p:nvGrpSpPr>
+        <p:cNvPr id="1" name=""/>
+        <p:cNvGrpSpPr/>
+        <p:nvPr/>
+      </p:nvGrpSpPr>
+      <p:grpSpPr>
+        <a:xfrm>
+          <a:off x="0" y="0"/>
+          <a:ext cx="0" cy="0"/>
+          <a:chOff x="0" y="0"/>
+          <a:chExt cx="0" cy="0"/>
+        </a:xfrm>
+      </p:grpSpPr>
+      <p:sp>
+        <p:nvSpPr>
+          <p:cNvPr id="2" name="Slide Image Placeholder 1"/>
+          <p:cNvSpPr>
+            <a:spLocks noGrp="1" noRot="1" noChangeAspect="1"/>
+          </p:cNvSpPr>
+          <p:nvPr>
+            <p:ph type="sldImg"/>
+          </p:nvPr>
+        </p:nvSpPr>
+        <p:spPr/>
+      </p:sp>
+      <p:sp>
+        <p:nvSpPr>
+          <p:cNvPr id="3" name="Notes Placeholder 2"/>
+          <p:cNvSpPr>
+            <a:spLocks noGrp="1"/>
+          </p:cNvSpPr>
+          <p:nvPr>
+            <p:ph type="body" idx="1"/>
+          </p:nvPr>
+        </p:nvSpPr>
+        <p:spPr/>
+        <p:txBody>
+          <a:bodyPr/>
+          <a:lstStyle/>
+          <a:p>
+            <a:endParaRPr lang="en-US"/>
+          </a:p>
+        </p:txBody>
+      </p:sp>
+      <p:sp>
+        <p:nvSpPr>
+          <p:cNvPr id="4" name="Slide Number Placeholder 3"/>
+          <p:cNvSpPr>
+            <a:spLocks noGrp="1"/>
+          </p:cNvSpPr>
+          <p:nvPr>
+            <p:ph type="sldNum" sz="quarter" idx="10"/>
+          </p:nvPr>
+        </p:nvSpPr>
+        <p:spPr/>
+        <p:txBody>
+          <a:bodyPr/>
+          <a:lstStyle/>
+          <a:p>
+            <a:fld id="{7A0BE228-525B-46CA-9B2A-D6891A552F95}" type="slidenum">
+              <a:rPr lang="en-US" smtClean="0"/>
+              <a:t>14</a:t>
+            </a:fld>
+            <a:endParaRPr lang="en-US"/>
+          </a:p>
+        </p:txBody>
+      </p:sp>
+    </p:spTree>
+    <p:extLst>
+      <p:ext uri="{BB962C8B-B14F-4D97-AF65-F5344CB8AC3E}">
+        <p14:creationId xmlns:p14="http://schemas.microsoft.com/office/powerpoint/2010/main" val="1447645818"/>
+      </p:ext>
+    </p:extLst>
+  </p:cSld>
+  <p:clrMapOvr>
+    <a:masterClrMapping/>
+  </p:clrMapOvr>
+</p:notes>
+</file>
+
 <file path=ppt/notesSlides/notesSlide2.xml><?xml version="1.0" encoding="utf-8"?>
 <p:notes xmlns:a="http://schemas.openxmlformats.org/drawingml/2006/main" xmlns:r="http://schemas.openxmlformats.org/officeDocument/2006/relationships" xmlns:p="http://schemas.openxmlformats.org/presentationml/2006/main">
   <p:cSld>
@@ -968,6 +1396,258 @@
     <p:extLst>
       <p:ext uri="{BB962C8B-B14F-4D97-AF65-F5344CB8AC3E}">
         <p14:creationId xmlns:p14="http://schemas.microsoft.com/office/powerpoint/2010/main" val="741842877"/>
+      </p:ext>
+    </p:extLst>
+  </p:cSld>
+  <p:clrMapOvr>
+    <a:masterClrMapping/>
+  </p:clrMapOvr>
+</p:notes>
+</file>
+
+<file path=ppt/notesSlides/notesSlide7.xml><?xml version="1.0" encoding="utf-8"?>
+<p:notes xmlns:a="http://schemas.openxmlformats.org/drawingml/2006/main" xmlns:r="http://schemas.openxmlformats.org/officeDocument/2006/relationships" xmlns:p="http://schemas.openxmlformats.org/presentationml/2006/main">
+  <p:cSld>
+    <p:spTree>
+      <p:nvGrpSpPr>
+        <p:cNvPr id="1" name=""/>
+        <p:cNvGrpSpPr/>
+        <p:nvPr/>
+      </p:nvGrpSpPr>
+      <p:grpSpPr>
+        <a:xfrm>
+          <a:off x="0" y="0"/>
+          <a:ext cx="0" cy="0"/>
+          <a:chOff x="0" y="0"/>
+          <a:chExt cx="0" cy="0"/>
+        </a:xfrm>
+      </p:grpSpPr>
+      <p:sp>
+        <p:nvSpPr>
+          <p:cNvPr id="2" name="Slide Image Placeholder 1"/>
+          <p:cNvSpPr>
+            <a:spLocks noGrp="1" noRot="1" noChangeAspect="1"/>
+          </p:cNvSpPr>
+          <p:nvPr>
+            <p:ph type="sldImg"/>
+          </p:nvPr>
+        </p:nvSpPr>
+        <p:spPr/>
+      </p:sp>
+      <p:sp>
+        <p:nvSpPr>
+          <p:cNvPr id="3" name="Notes Placeholder 2"/>
+          <p:cNvSpPr>
+            <a:spLocks noGrp="1"/>
+          </p:cNvSpPr>
+          <p:nvPr>
+            <p:ph type="body" idx="1"/>
+          </p:nvPr>
+        </p:nvSpPr>
+        <p:spPr/>
+        <p:txBody>
+          <a:bodyPr/>
+          <a:lstStyle/>
+          <a:p>
+            <a:endParaRPr lang="en-US"/>
+          </a:p>
+        </p:txBody>
+      </p:sp>
+      <p:sp>
+        <p:nvSpPr>
+          <p:cNvPr id="4" name="Slide Number Placeholder 3"/>
+          <p:cNvSpPr>
+            <a:spLocks noGrp="1"/>
+          </p:cNvSpPr>
+          <p:nvPr>
+            <p:ph type="sldNum" sz="quarter" idx="10"/>
+          </p:nvPr>
+        </p:nvSpPr>
+        <p:spPr/>
+        <p:txBody>
+          <a:bodyPr/>
+          <a:lstStyle/>
+          <a:p>
+            <a:fld id="{7A0BE228-525B-46CA-9B2A-D6891A552F95}" type="slidenum">
+              <a:rPr lang="en-US" smtClean="0"/>
+              <a:t>7</a:t>
+            </a:fld>
+            <a:endParaRPr lang="en-US"/>
+          </a:p>
+        </p:txBody>
+      </p:sp>
+    </p:spTree>
+    <p:extLst>
+      <p:ext uri="{BB962C8B-B14F-4D97-AF65-F5344CB8AC3E}">
+        <p14:creationId xmlns:p14="http://schemas.microsoft.com/office/powerpoint/2010/main" val="3341640225"/>
+      </p:ext>
+    </p:extLst>
+  </p:cSld>
+  <p:clrMapOvr>
+    <a:masterClrMapping/>
+  </p:clrMapOvr>
+</p:notes>
+</file>
+
+<file path=ppt/notesSlides/notesSlide8.xml><?xml version="1.0" encoding="utf-8"?>
+<p:notes xmlns:a="http://schemas.openxmlformats.org/drawingml/2006/main" xmlns:r="http://schemas.openxmlformats.org/officeDocument/2006/relationships" xmlns:p="http://schemas.openxmlformats.org/presentationml/2006/main">
+  <p:cSld>
+    <p:spTree>
+      <p:nvGrpSpPr>
+        <p:cNvPr id="1" name=""/>
+        <p:cNvGrpSpPr/>
+        <p:nvPr/>
+      </p:nvGrpSpPr>
+      <p:grpSpPr>
+        <a:xfrm>
+          <a:off x="0" y="0"/>
+          <a:ext cx="0" cy="0"/>
+          <a:chOff x="0" y="0"/>
+          <a:chExt cx="0" cy="0"/>
+        </a:xfrm>
+      </p:grpSpPr>
+      <p:sp>
+        <p:nvSpPr>
+          <p:cNvPr id="2" name="Slide Image Placeholder 1"/>
+          <p:cNvSpPr>
+            <a:spLocks noGrp="1" noRot="1" noChangeAspect="1"/>
+          </p:cNvSpPr>
+          <p:nvPr>
+            <p:ph type="sldImg"/>
+          </p:nvPr>
+        </p:nvSpPr>
+        <p:spPr/>
+      </p:sp>
+      <p:sp>
+        <p:nvSpPr>
+          <p:cNvPr id="3" name="Notes Placeholder 2"/>
+          <p:cNvSpPr>
+            <a:spLocks noGrp="1"/>
+          </p:cNvSpPr>
+          <p:nvPr>
+            <p:ph type="body" idx="1"/>
+          </p:nvPr>
+        </p:nvSpPr>
+        <p:spPr/>
+        <p:txBody>
+          <a:bodyPr/>
+          <a:lstStyle/>
+          <a:p>
+            <a:endParaRPr lang="en-US"/>
+          </a:p>
+        </p:txBody>
+      </p:sp>
+      <p:sp>
+        <p:nvSpPr>
+          <p:cNvPr id="4" name="Slide Number Placeholder 3"/>
+          <p:cNvSpPr>
+            <a:spLocks noGrp="1"/>
+          </p:cNvSpPr>
+          <p:nvPr>
+            <p:ph type="sldNum" sz="quarter" idx="10"/>
+          </p:nvPr>
+        </p:nvSpPr>
+        <p:spPr/>
+        <p:txBody>
+          <a:bodyPr/>
+          <a:lstStyle/>
+          <a:p>
+            <a:fld id="{7A0BE228-525B-46CA-9B2A-D6891A552F95}" type="slidenum">
+              <a:rPr lang="en-US" smtClean="0"/>
+              <a:t>8</a:t>
+            </a:fld>
+            <a:endParaRPr lang="en-US"/>
+          </a:p>
+        </p:txBody>
+      </p:sp>
+    </p:spTree>
+    <p:extLst>
+      <p:ext uri="{BB962C8B-B14F-4D97-AF65-F5344CB8AC3E}">
+        <p14:creationId xmlns:p14="http://schemas.microsoft.com/office/powerpoint/2010/main" val="2607349858"/>
+      </p:ext>
+    </p:extLst>
+  </p:cSld>
+  <p:clrMapOvr>
+    <a:masterClrMapping/>
+  </p:clrMapOvr>
+</p:notes>
+</file>
+
+<file path=ppt/notesSlides/notesSlide9.xml><?xml version="1.0" encoding="utf-8"?>
+<p:notes xmlns:a="http://schemas.openxmlformats.org/drawingml/2006/main" xmlns:r="http://schemas.openxmlformats.org/officeDocument/2006/relationships" xmlns:p="http://schemas.openxmlformats.org/presentationml/2006/main">
+  <p:cSld>
+    <p:spTree>
+      <p:nvGrpSpPr>
+        <p:cNvPr id="1" name=""/>
+        <p:cNvGrpSpPr/>
+        <p:nvPr/>
+      </p:nvGrpSpPr>
+      <p:grpSpPr>
+        <a:xfrm>
+          <a:off x="0" y="0"/>
+          <a:ext cx="0" cy="0"/>
+          <a:chOff x="0" y="0"/>
+          <a:chExt cx="0" cy="0"/>
+        </a:xfrm>
+      </p:grpSpPr>
+      <p:sp>
+        <p:nvSpPr>
+          <p:cNvPr id="2" name="Slide Image Placeholder 1"/>
+          <p:cNvSpPr>
+            <a:spLocks noGrp="1" noRot="1" noChangeAspect="1"/>
+          </p:cNvSpPr>
+          <p:nvPr>
+            <p:ph type="sldImg"/>
+          </p:nvPr>
+        </p:nvSpPr>
+        <p:spPr/>
+      </p:sp>
+      <p:sp>
+        <p:nvSpPr>
+          <p:cNvPr id="3" name="Notes Placeholder 2"/>
+          <p:cNvSpPr>
+            <a:spLocks noGrp="1"/>
+          </p:cNvSpPr>
+          <p:nvPr>
+            <p:ph type="body" idx="1"/>
+          </p:nvPr>
+        </p:nvSpPr>
+        <p:spPr/>
+        <p:txBody>
+          <a:bodyPr/>
+          <a:lstStyle/>
+          <a:p>
+            <a:endParaRPr lang="en-US"/>
+          </a:p>
+        </p:txBody>
+      </p:sp>
+      <p:sp>
+        <p:nvSpPr>
+          <p:cNvPr id="4" name="Slide Number Placeholder 3"/>
+          <p:cNvSpPr>
+            <a:spLocks noGrp="1"/>
+          </p:cNvSpPr>
+          <p:nvPr>
+            <p:ph type="sldNum" sz="quarter" idx="10"/>
+          </p:nvPr>
+        </p:nvSpPr>
+        <p:spPr/>
+        <p:txBody>
+          <a:bodyPr/>
+          <a:lstStyle/>
+          <a:p>
+            <a:fld id="{7A0BE228-525B-46CA-9B2A-D6891A552F95}" type="slidenum">
+              <a:rPr lang="en-US" smtClean="0"/>
+              <a:t>9</a:t>
+            </a:fld>
+            <a:endParaRPr lang="en-US"/>
+          </a:p>
+        </p:txBody>
+      </p:sp>
+    </p:spTree>
+    <p:extLst>
+      <p:ext uri="{BB962C8B-B14F-4D97-AF65-F5344CB8AC3E}">
+        <p14:creationId xmlns:p14="http://schemas.microsoft.com/office/powerpoint/2010/main" val="1652839733"/>
       </p:ext>
     </p:extLst>
   </p:cSld>
@@ -1124,7 +1804,7 @@
           <a:p>
             <a:fld id="{D4E819DD-013E-4DBF-AC13-153FC4836066}" type="datetimeFigureOut">
               <a:rPr lang="en-US" smtClean="0"/>
-              <a:t>1/25/2018</a:t>
+              <a:t>2/5/2018</a:t>
             </a:fld>
             <a:endParaRPr lang="en-US"/>
           </a:p>
@@ -1322,7 +2002,7 @@
           <a:p>
             <a:fld id="{D4E819DD-013E-4DBF-AC13-153FC4836066}" type="datetimeFigureOut">
               <a:rPr lang="en-US" smtClean="0"/>
-              <a:t>1/25/2018</a:t>
+              <a:t>2/5/2018</a:t>
             </a:fld>
             <a:endParaRPr lang="en-US"/>
           </a:p>
@@ -1530,7 +2210,7 @@
           <a:p>
             <a:fld id="{D4E819DD-013E-4DBF-AC13-153FC4836066}" type="datetimeFigureOut">
               <a:rPr lang="en-US" smtClean="0"/>
-              <a:t>1/25/2018</a:t>
+              <a:t>2/5/2018</a:t>
             </a:fld>
             <a:endParaRPr lang="en-US"/>
           </a:p>
@@ -1728,7 +2408,7 @@
           <a:p>
             <a:fld id="{D4E819DD-013E-4DBF-AC13-153FC4836066}" type="datetimeFigureOut">
               <a:rPr lang="en-US" smtClean="0"/>
-              <a:t>1/25/2018</a:t>
+              <a:t>2/5/2018</a:t>
             </a:fld>
             <a:endParaRPr lang="en-US"/>
           </a:p>
@@ -2003,7 +2683,7 @@
           <a:p>
             <a:fld id="{D4E819DD-013E-4DBF-AC13-153FC4836066}" type="datetimeFigureOut">
               <a:rPr lang="en-US" smtClean="0"/>
-              <a:t>1/25/2018</a:t>
+              <a:t>2/5/2018</a:t>
             </a:fld>
             <a:endParaRPr lang="en-US"/>
           </a:p>
@@ -2268,7 +2948,7 @@
           <a:p>
             <a:fld id="{D4E819DD-013E-4DBF-AC13-153FC4836066}" type="datetimeFigureOut">
               <a:rPr lang="en-US" smtClean="0"/>
-              <a:t>1/25/2018</a:t>
+              <a:t>2/5/2018</a:t>
             </a:fld>
             <a:endParaRPr lang="en-US"/>
           </a:p>
@@ -2680,7 +3360,7 @@
           <a:p>
             <a:fld id="{D4E819DD-013E-4DBF-AC13-153FC4836066}" type="datetimeFigureOut">
               <a:rPr lang="en-US" smtClean="0"/>
-              <a:t>1/25/2018</a:t>
+              <a:t>2/5/2018</a:t>
             </a:fld>
             <a:endParaRPr lang="en-US"/>
           </a:p>
@@ -2821,7 +3501,7 @@
           <a:p>
             <a:fld id="{D4E819DD-013E-4DBF-AC13-153FC4836066}" type="datetimeFigureOut">
               <a:rPr lang="en-US" smtClean="0"/>
-              <a:t>1/25/2018</a:t>
+              <a:t>2/5/2018</a:t>
             </a:fld>
             <a:endParaRPr lang="en-US"/>
           </a:p>
@@ -2934,7 +3614,7 @@
           <a:p>
             <a:fld id="{D4E819DD-013E-4DBF-AC13-153FC4836066}" type="datetimeFigureOut">
               <a:rPr lang="en-US" smtClean="0"/>
-              <a:t>1/25/2018</a:t>
+              <a:t>2/5/2018</a:t>
             </a:fld>
             <a:endParaRPr lang="en-US"/>
           </a:p>
@@ -3245,7 +3925,7 @@
           <a:p>
             <a:fld id="{D4E819DD-013E-4DBF-AC13-153FC4836066}" type="datetimeFigureOut">
               <a:rPr lang="en-US" smtClean="0"/>
-              <a:t>1/25/2018</a:t>
+              <a:t>2/5/2018</a:t>
             </a:fld>
             <a:endParaRPr lang="en-US"/>
           </a:p>
@@ -3533,7 +4213,7 @@
           <a:p>
             <a:fld id="{D4E819DD-013E-4DBF-AC13-153FC4836066}" type="datetimeFigureOut">
               <a:rPr lang="en-US" smtClean="0"/>
-              <a:t>1/25/2018</a:t>
+              <a:t>2/5/2018</a:t>
             </a:fld>
             <a:endParaRPr lang="en-US"/>
           </a:p>
@@ -3774,7 +4454,7 @@
           <a:p>
             <a:fld id="{D4E819DD-013E-4DBF-AC13-153FC4836066}" type="datetimeFigureOut">
               <a:rPr lang="en-US" smtClean="0"/>
-              <a:t>1/25/2018</a:t>
+              <a:t>2/5/2018</a:t>
             </a:fld>
             <a:endParaRPr lang="en-US"/>
           </a:p>
@@ -4458,6 +5138,4799 @@
 </p:sld>
 </file>
 
+<file path=ppt/slides/slide10.xml><?xml version="1.0" encoding="utf-8"?>
+<p:sld xmlns:a="http://schemas.openxmlformats.org/drawingml/2006/main" xmlns:r="http://schemas.openxmlformats.org/officeDocument/2006/relationships" xmlns:p="http://schemas.openxmlformats.org/presentationml/2006/main">
+  <p:cSld>
+    <p:spTree>
+      <p:nvGrpSpPr>
+        <p:cNvPr id="1" name=""/>
+        <p:cNvGrpSpPr/>
+        <p:nvPr/>
+      </p:nvGrpSpPr>
+      <p:grpSpPr>
+        <a:xfrm>
+          <a:off x="0" y="0"/>
+          <a:ext cx="0" cy="0"/>
+          <a:chOff x="0" y="0"/>
+          <a:chExt cx="0" cy="0"/>
+        </a:xfrm>
+      </p:grpSpPr>
+      <p:pic>
+        <p:nvPicPr>
+          <p:cNvPr id="22" name="Picture 21">
+            <a:extLst>
+              <a:ext uri="{FF2B5EF4-FFF2-40B4-BE49-F238E27FC236}">
+                <a16:creationId xmlns:a16="http://schemas.microsoft.com/office/drawing/2014/main" id="{0FCA5D36-8C1E-4241-8338-51CAAC079E31}"/>
+              </a:ext>
+            </a:extLst>
+          </p:cNvPr>
+          <p:cNvPicPr>
+            <a:picLocks noChangeAspect="1"/>
+          </p:cNvPicPr>
+          <p:nvPr/>
+        </p:nvPicPr>
+        <p:blipFill rotWithShape="1">
+          <a:blip r:embed="rId3">
+            <a:extLst>
+              <a:ext uri="{28A0092B-C50C-407E-A947-70E740481C1C}">
+                <a14:useLocalDpi xmlns:a14="http://schemas.microsoft.com/office/drawing/2010/main" val="0"/>
+              </a:ext>
+            </a:extLst>
+          </a:blip>
+          <a:srcRect l="18699" r="24152"/>
+          <a:stretch/>
+        </p:blipFill>
+        <p:spPr>
+          <a:xfrm>
+            <a:off x="4037847" y="-169104"/>
+            <a:ext cx="4436198" cy="6858000"/>
+          </a:xfrm>
+          <a:prstGeom prst="rect">
+            <a:avLst/>
+          </a:prstGeom>
+        </p:spPr>
+      </p:pic>
+      <p:sp>
+        <p:nvSpPr>
+          <p:cNvPr id="30" name="Rectangle 29">
+            <a:extLst>
+              <a:ext uri="{FF2B5EF4-FFF2-40B4-BE49-F238E27FC236}">
+                <a16:creationId xmlns:a16="http://schemas.microsoft.com/office/drawing/2014/main" id="{2E875998-5134-4334-B56A-52CBA7EDC258}"/>
+              </a:ext>
+            </a:extLst>
+          </p:cNvPr>
+          <p:cNvSpPr/>
+          <p:nvPr/>
+        </p:nvSpPr>
+        <p:spPr>
+          <a:xfrm>
+            <a:off x="6617148" y="4469718"/>
+            <a:ext cx="1296761" cy="201869"/>
+          </a:xfrm>
+          <a:prstGeom prst="rect">
+            <a:avLst/>
+          </a:prstGeom>
+          <a:solidFill>
+            <a:schemeClr val="tx1">
+              <a:lumMod val="75000"/>
+              <a:lumOff val="25000"/>
+            </a:schemeClr>
+          </a:solidFill>
+          <a:ln>
+            <a:noFill/>
+          </a:ln>
+        </p:spPr>
+        <p:style>
+          <a:lnRef idx="2">
+            <a:schemeClr val="accent1">
+              <a:shade val="50000"/>
+            </a:schemeClr>
+          </a:lnRef>
+          <a:fillRef idx="1">
+            <a:schemeClr val="accent1"/>
+          </a:fillRef>
+          <a:effectRef idx="0">
+            <a:schemeClr val="accent1"/>
+          </a:effectRef>
+          <a:fontRef idx="minor">
+            <a:schemeClr val="lt1"/>
+          </a:fontRef>
+        </p:style>
+        <p:txBody>
+          <a:bodyPr rtlCol="0" anchor="ctr"/>
+          <a:lstStyle/>
+          <a:p>
+            <a:pPr algn="ctr"/>
+            <a:endParaRPr lang="en-US"/>
+          </a:p>
+        </p:txBody>
+      </p:sp>
+      <p:sp>
+        <p:nvSpPr>
+          <p:cNvPr id="29" name="Rectangle 28">
+            <a:extLst>
+              <a:ext uri="{FF2B5EF4-FFF2-40B4-BE49-F238E27FC236}">
+                <a16:creationId xmlns:a16="http://schemas.microsoft.com/office/drawing/2014/main" id="{E33C2376-9A44-498A-BC5B-DA616901B2F5}"/>
+              </a:ext>
+            </a:extLst>
+          </p:cNvPr>
+          <p:cNvSpPr/>
+          <p:nvPr/>
+        </p:nvSpPr>
+        <p:spPr>
+          <a:xfrm>
+            <a:off x="4224718" y="4483449"/>
+            <a:ext cx="2274469" cy="211860"/>
+          </a:xfrm>
+          <a:prstGeom prst="rect">
+            <a:avLst/>
+          </a:prstGeom>
+          <a:solidFill>
+            <a:schemeClr val="tx1">
+              <a:lumMod val="75000"/>
+              <a:lumOff val="25000"/>
+            </a:schemeClr>
+          </a:solidFill>
+          <a:ln>
+            <a:noFill/>
+          </a:ln>
+        </p:spPr>
+        <p:style>
+          <a:lnRef idx="2">
+            <a:schemeClr val="accent1">
+              <a:shade val="50000"/>
+            </a:schemeClr>
+          </a:lnRef>
+          <a:fillRef idx="1">
+            <a:schemeClr val="accent1"/>
+          </a:fillRef>
+          <a:effectRef idx="0">
+            <a:schemeClr val="accent1"/>
+          </a:effectRef>
+          <a:fontRef idx="minor">
+            <a:schemeClr val="lt1"/>
+          </a:fontRef>
+        </p:style>
+        <p:txBody>
+          <a:bodyPr rtlCol="0" anchor="ctr"/>
+          <a:lstStyle/>
+          <a:p>
+            <a:pPr algn="ctr"/>
+            <a:endParaRPr lang="en-US"/>
+          </a:p>
+        </p:txBody>
+      </p:sp>
+      <p:sp>
+        <p:nvSpPr>
+          <p:cNvPr id="28" name="Rectangle 27">
+            <a:extLst>
+              <a:ext uri="{FF2B5EF4-FFF2-40B4-BE49-F238E27FC236}">
+                <a16:creationId xmlns:a16="http://schemas.microsoft.com/office/drawing/2014/main" id="{2D61F2A4-31DA-431F-A6FD-B186EE73D619}"/>
+              </a:ext>
+            </a:extLst>
+          </p:cNvPr>
+          <p:cNvSpPr/>
+          <p:nvPr/>
+        </p:nvSpPr>
+        <p:spPr>
+          <a:xfrm>
+            <a:off x="4671148" y="889910"/>
+            <a:ext cx="2412373" cy="195829"/>
+          </a:xfrm>
+          <a:prstGeom prst="rect">
+            <a:avLst/>
+          </a:prstGeom>
+          <a:solidFill>
+            <a:schemeClr val="tx1">
+              <a:lumMod val="75000"/>
+              <a:lumOff val="25000"/>
+            </a:schemeClr>
+          </a:solidFill>
+          <a:ln>
+            <a:noFill/>
+          </a:ln>
+        </p:spPr>
+        <p:style>
+          <a:lnRef idx="2">
+            <a:schemeClr val="accent1">
+              <a:shade val="50000"/>
+            </a:schemeClr>
+          </a:lnRef>
+          <a:fillRef idx="1">
+            <a:schemeClr val="accent1"/>
+          </a:fillRef>
+          <a:effectRef idx="0">
+            <a:schemeClr val="accent1"/>
+          </a:effectRef>
+          <a:fontRef idx="minor">
+            <a:schemeClr val="lt1"/>
+          </a:fontRef>
+        </p:style>
+        <p:txBody>
+          <a:bodyPr rtlCol="0" anchor="ctr"/>
+          <a:lstStyle/>
+          <a:p>
+            <a:pPr algn="ctr"/>
+            <a:endParaRPr lang="en-US"/>
+          </a:p>
+        </p:txBody>
+      </p:sp>
+      <p:sp>
+        <p:nvSpPr>
+          <p:cNvPr id="27" name="Rectangle 26">
+            <a:extLst>
+              <a:ext uri="{FF2B5EF4-FFF2-40B4-BE49-F238E27FC236}">
+                <a16:creationId xmlns:a16="http://schemas.microsoft.com/office/drawing/2014/main" id="{43CB8AFC-BEB2-4F3D-BADA-7817EDE52DA7}"/>
+              </a:ext>
+            </a:extLst>
+          </p:cNvPr>
+          <p:cNvSpPr/>
+          <p:nvPr/>
+        </p:nvSpPr>
+        <p:spPr>
+          <a:xfrm>
+            <a:off x="7099949" y="177458"/>
+            <a:ext cx="901178" cy="682060"/>
+          </a:xfrm>
+          <a:prstGeom prst="rect">
+            <a:avLst/>
+          </a:prstGeom>
+          <a:solidFill>
+            <a:schemeClr val="tx1">
+              <a:lumMod val="75000"/>
+              <a:lumOff val="25000"/>
+            </a:schemeClr>
+          </a:solidFill>
+          <a:ln>
+            <a:noFill/>
+          </a:ln>
+        </p:spPr>
+        <p:style>
+          <a:lnRef idx="2">
+            <a:schemeClr val="accent1">
+              <a:shade val="50000"/>
+            </a:schemeClr>
+          </a:lnRef>
+          <a:fillRef idx="1">
+            <a:schemeClr val="accent1"/>
+          </a:fillRef>
+          <a:effectRef idx="0">
+            <a:schemeClr val="accent1"/>
+          </a:effectRef>
+          <a:fontRef idx="minor">
+            <a:schemeClr val="lt1"/>
+          </a:fontRef>
+        </p:style>
+        <p:txBody>
+          <a:bodyPr rtlCol="0" anchor="ctr"/>
+          <a:lstStyle/>
+          <a:p>
+            <a:pPr algn="ctr"/>
+            <a:endParaRPr lang="en-US"/>
+          </a:p>
+        </p:txBody>
+      </p:sp>
+      <p:sp>
+        <p:nvSpPr>
+          <p:cNvPr id="26" name="Rectangle 25">
+            <a:extLst>
+              <a:ext uri="{FF2B5EF4-FFF2-40B4-BE49-F238E27FC236}">
+                <a16:creationId xmlns:a16="http://schemas.microsoft.com/office/drawing/2014/main" id="{EEA356B7-F52F-4BC6-9D20-1056F3D1A3BC}"/>
+              </a:ext>
+            </a:extLst>
+          </p:cNvPr>
+          <p:cNvSpPr/>
+          <p:nvPr/>
+        </p:nvSpPr>
+        <p:spPr>
+          <a:xfrm>
+            <a:off x="5306383" y="177458"/>
+            <a:ext cx="1310765" cy="682060"/>
+          </a:xfrm>
+          <a:prstGeom prst="rect">
+            <a:avLst/>
+          </a:prstGeom>
+          <a:solidFill>
+            <a:schemeClr val="tx1">
+              <a:lumMod val="75000"/>
+              <a:lumOff val="25000"/>
+            </a:schemeClr>
+          </a:solidFill>
+          <a:ln>
+            <a:noFill/>
+          </a:ln>
+        </p:spPr>
+        <p:style>
+          <a:lnRef idx="2">
+            <a:schemeClr val="accent1">
+              <a:shade val="50000"/>
+            </a:schemeClr>
+          </a:lnRef>
+          <a:fillRef idx="1">
+            <a:schemeClr val="accent1"/>
+          </a:fillRef>
+          <a:effectRef idx="0">
+            <a:schemeClr val="accent1"/>
+          </a:effectRef>
+          <a:fontRef idx="minor">
+            <a:schemeClr val="lt1"/>
+          </a:fontRef>
+        </p:style>
+        <p:txBody>
+          <a:bodyPr rtlCol="0" anchor="ctr"/>
+          <a:lstStyle/>
+          <a:p>
+            <a:pPr algn="ctr"/>
+            <a:endParaRPr lang="en-US"/>
+          </a:p>
+        </p:txBody>
+      </p:sp>
+      <p:sp>
+        <p:nvSpPr>
+          <p:cNvPr id="5" name="Rectangle 4">
+            <a:extLst>
+              <a:ext uri="{FF2B5EF4-FFF2-40B4-BE49-F238E27FC236}">
+                <a16:creationId xmlns:a16="http://schemas.microsoft.com/office/drawing/2014/main" id="{175491A8-EA5B-4C2C-A048-E751C5A7E636}"/>
+              </a:ext>
+            </a:extLst>
+          </p:cNvPr>
+          <p:cNvSpPr/>
+          <p:nvPr/>
+        </p:nvSpPr>
+        <p:spPr>
+          <a:xfrm>
+            <a:off x="4152898" y="169104"/>
+            <a:ext cx="901178" cy="682060"/>
+          </a:xfrm>
+          <a:prstGeom prst="rect">
+            <a:avLst/>
+          </a:prstGeom>
+          <a:solidFill>
+            <a:schemeClr val="tx1">
+              <a:lumMod val="75000"/>
+              <a:lumOff val="25000"/>
+            </a:schemeClr>
+          </a:solidFill>
+          <a:ln>
+            <a:noFill/>
+          </a:ln>
+        </p:spPr>
+        <p:style>
+          <a:lnRef idx="2">
+            <a:schemeClr val="accent1">
+              <a:shade val="50000"/>
+            </a:schemeClr>
+          </a:lnRef>
+          <a:fillRef idx="1">
+            <a:schemeClr val="accent1"/>
+          </a:fillRef>
+          <a:effectRef idx="0">
+            <a:schemeClr val="accent1"/>
+          </a:effectRef>
+          <a:fontRef idx="minor">
+            <a:schemeClr val="lt1"/>
+          </a:fontRef>
+        </p:style>
+        <p:txBody>
+          <a:bodyPr rtlCol="0" anchor="ctr"/>
+          <a:lstStyle/>
+          <a:p>
+            <a:pPr algn="ctr"/>
+            <a:endParaRPr lang="en-US"/>
+          </a:p>
+        </p:txBody>
+      </p:sp>
+      <p:sp>
+        <p:nvSpPr>
+          <p:cNvPr id="6" name="TextBox 5">
+            <a:extLst>
+              <a:ext uri="{FF2B5EF4-FFF2-40B4-BE49-F238E27FC236}">
+                <a16:creationId xmlns:a16="http://schemas.microsoft.com/office/drawing/2014/main" id="{C5A2D7AE-E779-41F9-B90A-BC5411D76DD9}"/>
+              </a:ext>
+            </a:extLst>
+          </p:cNvPr>
+          <p:cNvSpPr txBox="1"/>
+          <p:nvPr/>
+        </p:nvSpPr>
+        <p:spPr>
+          <a:xfrm>
+            <a:off x="4223652" y="131919"/>
+            <a:ext cx="755780" cy="369332"/>
+          </a:xfrm>
+          <a:prstGeom prst="rect">
+            <a:avLst/>
+          </a:prstGeom>
+          <a:noFill/>
+        </p:spPr>
+        <p:txBody>
+          <a:bodyPr wrap="square" rtlCol="0">
+            <a:spAutoFit/>
+          </a:bodyPr>
+          <a:lstStyle/>
+          <a:p>
+            <a:pPr algn="ctr"/>
+            <a:r>
+              <a:rPr lang="en-US" dirty="0">
+                <a:solidFill>
+                  <a:schemeClr val="bg1"/>
+                </a:solidFill>
+              </a:rPr>
+              <a:t>Level</a:t>
+            </a:r>
+          </a:p>
+        </p:txBody>
+      </p:sp>
+      <p:sp>
+        <p:nvSpPr>
+          <p:cNvPr id="8" name="TextBox 7">
+            <a:extLst>
+              <a:ext uri="{FF2B5EF4-FFF2-40B4-BE49-F238E27FC236}">
+                <a16:creationId xmlns:a16="http://schemas.microsoft.com/office/drawing/2014/main" id="{E1BE5118-306B-4FFA-A54E-5C601C8394FA}"/>
+              </a:ext>
+            </a:extLst>
+          </p:cNvPr>
+          <p:cNvSpPr txBox="1"/>
+          <p:nvPr/>
+        </p:nvSpPr>
+        <p:spPr>
+          <a:xfrm>
+            <a:off x="5634127" y="133209"/>
+            <a:ext cx="755780" cy="369332"/>
+          </a:xfrm>
+          <a:prstGeom prst="rect">
+            <a:avLst/>
+          </a:prstGeom>
+          <a:noFill/>
+        </p:spPr>
+        <p:txBody>
+          <a:bodyPr wrap="square" rtlCol="0">
+            <a:spAutoFit/>
+          </a:bodyPr>
+          <a:lstStyle/>
+          <a:p>
+            <a:pPr algn="ctr"/>
+            <a:r>
+              <a:rPr lang="en-US" dirty="0">
+                <a:solidFill>
+                  <a:schemeClr val="bg1"/>
+                </a:solidFill>
+              </a:rPr>
+              <a:t>Score</a:t>
+            </a:r>
+          </a:p>
+        </p:txBody>
+      </p:sp>
+      <p:sp>
+        <p:nvSpPr>
+          <p:cNvPr id="9" name="TextBox 8">
+            <a:extLst>
+              <a:ext uri="{FF2B5EF4-FFF2-40B4-BE49-F238E27FC236}">
+                <a16:creationId xmlns:a16="http://schemas.microsoft.com/office/drawing/2014/main" id="{8AAC14BD-8A83-4C74-898C-3B4C9220ED91}"/>
+              </a:ext>
+            </a:extLst>
+          </p:cNvPr>
+          <p:cNvSpPr txBox="1"/>
+          <p:nvPr/>
+        </p:nvSpPr>
+        <p:spPr>
+          <a:xfrm>
+            <a:off x="7194677" y="131917"/>
+            <a:ext cx="755780" cy="369332"/>
+          </a:xfrm>
+          <a:prstGeom prst="rect">
+            <a:avLst/>
+          </a:prstGeom>
+          <a:noFill/>
+        </p:spPr>
+        <p:txBody>
+          <a:bodyPr wrap="square" rtlCol="0">
+            <a:spAutoFit/>
+          </a:bodyPr>
+          <a:lstStyle/>
+          <a:p>
+            <a:pPr algn="ctr"/>
+            <a:r>
+              <a:rPr lang="en-US" dirty="0">
+                <a:solidFill>
+                  <a:schemeClr val="bg1"/>
+                </a:solidFill>
+              </a:rPr>
+              <a:t>Mana</a:t>
+            </a:r>
+          </a:p>
+        </p:txBody>
+      </p:sp>
+      <p:sp>
+        <p:nvSpPr>
+          <p:cNvPr id="12" name="Rectangle 11">
+            <a:extLst>
+              <a:ext uri="{FF2B5EF4-FFF2-40B4-BE49-F238E27FC236}">
+                <a16:creationId xmlns:a16="http://schemas.microsoft.com/office/drawing/2014/main" id="{136EB81B-AFB2-4FBA-9D99-048A1C443DF8}"/>
+              </a:ext>
+            </a:extLst>
+          </p:cNvPr>
+          <p:cNvSpPr/>
+          <p:nvPr/>
+        </p:nvSpPr>
+        <p:spPr>
+          <a:xfrm>
+            <a:off x="4220733" y="4671588"/>
+            <a:ext cx="2276669" cy="1393571"/>
+          </a:xfrm>
+          <a:prstGeom prst="rect">
+            <a:avLst/>
+          </a:prstGeom>
+          <a:solidFill>
+            <a:schemeClr val="tx1">
+              <a:lumMod val="65000"/>
+              <a:lumOff val="35000"/>
+            </a:schemeClr>
+          </a:solidFill>
+          <a:ln>
+            <a:solidFill>
+              <a:schemeClr val="bg1">
+                <a:lumMod val="50000"/>
+              </a:schemeClr>
+            </a:solidFill>
+          </a:ln>
+        </p:spPr>
+        <p:style>
+          <a:lnRef idx="2">
+            <a:schemeClr val="accent1">
+              <a:shade val="50000"/>
+            </a:schemeClr>
+          </a:lnRef>
+          <a:fillRef idx="1">
+            <a:schemeClr val="accent1"/>
+          </a:fillRef>
+          <a:effectRef idx="0">
+            <a:schemeClr val="accent1"/>
+          </a:effectRef>
+          <a:fontRef idx="minor">
+            <a:schemeClr val="lt1"/>
+          </a:fontRef>
+        </p:style>
+        <p:txBody>
+          <a:bodyPr rtlCol="0" anchor="ctr"/>
+          <a:lstStyle/>
+          <a:p>
+            <a:pPr algn="ctr"/>
+            <a:endParaRPr lang="en-US"/>
+          </a:p>
+        </p:txBody>
+      </p:sp>
+      <p:sp>
+        <p:nvSpPr>
+          <p:cNvPr id="13" name="Rectangle 12">
+            <a:extLst>
+              <a:ext uri="{FF2B5EF4-FFF2-40B4-BE49-F238E27FC236}">
+                <a16:creationId xmlns:a16="http://schemas.microsoft.com/office/drawing/2014/main" id="{529EBA8E-B57F-4AE8-BBE1-B837D15B557C}"/>
+              </a:ext>
+            </a:extLst>
+          </p:cNvPr>
+          <p:cNvSpPr/>
+          <p:nvPr/>
+        </p:nvSpPr>
+        <p:spPr>
+          <a:xfrm>
+            <a:off x="6609371" y="4671588"/>
+            <a:ext cx="1304539" cy="1393571"/>
+          </a:xfrm>
+          <a:prstGeom prst="rect">
+            <a:avLst/>
+          </a:prstGeom>
+          <a:solidFill>
+            <a:schemeClr val="tx1">
+              <a:lumMod val="65000"/>
+              <a:lumOff val="35000"/>
+            </a:schemeClr>
+          </a:solidFill>
+          <a:ln>
+            <a:solidFill>
+              <a:schemeClr val="bg1">
+                <a:lumMod val="50000"/>
+              </a:schemeClr>
+            </a:solidFill>
+          </a:ln>
+        </p:spPr>
+        <p:style>
+          <a:lnRef idx="2">
+            <a:schemeClr val="accent1">
+              <a:shade val="50000"/>
+            </a:schemeClr>
+          </a:lnRef>
+          <a:fillRef idx="1">
+            <a:schemeClr val="accent1"/>
+          </a:fillRef>
+          <a:effectRef idx="0">
+            <a:schemeClr val="accent1"/>
+          </a:effectRef>
+          <a:fontRef idx="minor">
+            <a:schemeClr val="lt1"/>
+          </a:fontRef>
+        </p:style>
+        <p:txBody>
+          <a:bodyPr rtlCol="0" anchor="ctr"/>
+          <a:lstStyle/>
+          <a:p>
+            <a:pPr algn="ctr"/>
+            <a:endParaRPr lang="en-US"/>
+          </a:p>
+        </p:txBody>
+      </p:sp>
+      <p:sp>
+        <p:nvSpPr>
+          <p:cNvPr id="14" name="Rectangle: Rounded Corners 13">
+            <a:extLst>
+              <a:ext uri="{FF2B5EF4-FFF2-40B4-BE49-F238E27FC236}">
+                <a16:creationId xmlns:a16="http://schemas.microsoft.com/office/drawing/2014/main" id="{9336D1A6-639E-481D-BECE-EECC489038CC}"/>
+              </a:ext>
+            </a:extLst>
+          </p:cNvPr>
+          <p:cNvSpPr/>
+          <p:nvPr/>
+        </p:nvSpPr>
+        <p:spPr>
+          <a:xfrm>
+            <a:off x="7187168" y="851163"/>
+            <a:ext cx="726741" cy="245416"/>
+          </a:xfrm>
+          <a:prstGeom prst="roundRect">
+            <a:avLst/>
+          </a:prstGeom>
+          <a:solidFill>
+            <a:srgbClr val="4C1F65"/>
+          </a:solidFill>
+          <a:ln>
+            <a:solidFill>
+              <a:schemeClr val="tx1">
+                <a:lumMod val="50000"/>
+                <a:lumOff val="50000"/>
+              </a:schemeClr>
+            </a:solidFill>
+          </a:ln>
+        </p:spPr>
+        <p:style>
+          <a:lnRef idx="2">
+            <a:schemeClr val="accent1">
+              <a:shade val="50000"/>
+            </a:schemeClr>
+          </a:lnRef>
+          <a:fillRef idx="1">
+            <a:schemeClr val="accent1"/>
+          </a:fillRef>
+          <a:effectRef idx="0">
+            <a:schemeClr val="accent1"/>
+          </a:effectRef>
+          <a:fontRef idx="minor">
+            <a:schemeClr val="lt1"/>
+          </a:fontRef>
+        </p:style>
+        <p:txBody>
+          <a:bodyPr rtlCol="0" anchor="ctr"/>
+          <a:lstStyle/>
+          <a:p>
+            <a:pPr algn="ctr"/>
+            <a:r>
+              <a:rPr lang="en-US" sz="1400" dirty="0"/>
+              <a:t>Cast</a:t>
+            </a:r>
+          </a:p>
+        </p:txBody>
+      </p:sp>
+      <p:sp>
+        <p:nvSpPr>
+          <p:cNvPr id="15" name="Rectangle 14">
+            <a:extLst>
+              <a:ext uri="{FF2B5EF4-FFF2-40B4-BE49-F238E27FC236}">
+                <a16:creationId xmlns:a16="http://schemas.microsoft.com/office/drawing/2014/main" id="{599D2AFE-9F9D-4115-A04C-0E9E528FA050}"/>
+              </a:ext>
+            </a:extLst>
+          </p:cNvPr>
+          <p:cNvSpPr/>
+          <p:nvPr/>
+        </p:nvSpPr>
+        <p:spPr>
+          <a:xfrm>
+            <a:off x="10207690" y="1838131"/>
+            <a:ext cx="914400" cy="914400"/>
+          </a:xfrm>
+          <a:prstGeom prst="rect">
+            <a:avLst/>
+          </a:prstGeom>
+        </p:spPr>
+        <p:style>
+          <a:lnRef idx="2">
+            <a:schemeClr val="accent1">
+              <a:shade val="50000"/>
+            </a:schemeClr>
+          </a:lnRef>
+          <a:fillRef idx="1">
+            <a:schemeClr val="accent1"/>
+          </a:fillRef>
+          <a:effectRef idx="0">
+            <a:schemeClr val="accent1"/>
+          </a:effectRef>
+          <a:fontRef idx="minor">
+            <a:schemeClr val="lt1"/>
+          </a:fontRef>
+        </p:style>
+        <p:txBody>
+          <a:bodyPr rtlCol="0" anchor="ctr"/>
+          <a:lstStyle/>
+          <a:p>
+            <a:pPr algn="ctr"/>
+            <a:endParaRPr lang="en-US"/>
+          </a:p>
+        </p:txBody>
+      </p:sp>
+      <p:sp>
+        <p:nvSpPr>
+          <p:cNvPr id="16" name="Rectangle: Rounded Corners 15">
+            <a:extLst>
+              <a:ext uri="{FF2B5EF4-FFF2-40B4-BE49-F238E27FC236}">
+                <a16:creationId xmlns:a16="http://schemas.microsoft.com/office/drawing/2014/main" id="{5E679ADA-4B52-45D8-B69C-70ED61D3419C}"/>
+              </a:ext>
+            </a:extLst>
+          </p:cNvPr>
+          <p:cNvSpPr/>
+          <p:nvPr/>
+        </p:nvSpPr>
+        <p:spPr>
+          <a:xfrm>
+            <a:off x="4961941" y="6130212"/>
+            <a:ext cx="2959748" cy="450072"/>
+          </a:xfrm>
+          <a:prstGeom prst="roundRect">
+            <a:avLst/>
+          </a:prstGeom>
+          <a:solidFill>
+            <a:schemeClr val="tx1">
+              <a:lumMod val="85000"/>
+              <a:lumOff val="15000"/>
+            </a:schemeClr>
+          </a:solidFill>
+          <a:ln>
+            <a:solidFill>
+              <a:schemeClr val="tx1">
+                <a:lumMod val="50000"/>
+                <a:lumOff val="50000"/>
+              </a:schemeClr>
+            </a:solidFill>
+          </a:ln>
+        </p:spPr>
+        <p:style>
+          <a:lnRef idx="2">
+            <a:schemeClr val="accent1">
+              <a:shade val="50000"/>
+            </a:schemeClr>
+          </a:lnRef>
+          <a:fillRef idx="1">
+            <a:schemeClr val="accent1"/>
+          </a:fillRef>
+          <a:effectRef idx="0">
+            <a:schemeClr val="accent1"/>
+          </a:effectRef>
+          <a:fontRef idx="minor">
+            <a:schemeClr val="lt1"/>
+          </a:fontRef>
+        </p:style>
+        <p:txBody>
+          <a:bodyPr rtlCol="0" anchor="ctr"/>
+          <a:lstStyle/>
+          <a:p>
+            <a:pPr algn="ctr"/>
+            <a:r>
+              <a:rPr lang="en-US" sz="1400" dirty="0"/>
+              <a:t>Click on letters </a:t>
+            </a:r>
+          </a:p>
+          <a:p>
+            <a:pPr algn="ctr"/>
+            <a:r>
+              <a:rPr lang="en-US" sz="1400" dirty="0"/>
+              <a:t>to spell a word</a:t>
+            </a:r>
+          </a:p>
+        </p:txBody>
+      </p:sp>
+      <p:sp>
+        <p:nvSpPr>
+          <p:cNvPr id="18" name="Frame 17">
+            <a:extLst>
+              <a:ext uri="{FF2B5EF4-FFF2-40B4-BE49-F238E27FC236}">
+                <a16:creationId xmlns:a16="http://schemas.microsoft.com/office/drawing/2014/main" id="{846FA173-1D6E-473B-B9BB-4ACE6EC26BD4}"/>
+              </a:ext>
+            </a:extLst>
+          </p:cNvPr>
+          <p:cNvSpPr/>
+          <p:nvPr/>
+        </p:nvSpPr>
+        <p:spPr>
+          <a:xfrm>
+            <a:off x="3498980" y="-475860"/>
+            <a:ext cx="5178489" cy="7791060"/>
+          </a:xfrm>
+          <a:prstGeom prst="frame">
+            <a:avLst/>
+          </a:prstGeom>
+          <a:solidFill>
+            <a:schemeClr val="bg1"/>
+          </a:solidFill>
+        </p:spPr>
+        <p:style>
+          <a:lnRef idx="2">
+            <a:schemeClr val="accent1">
+              <a:shade val="50000"/>
+            </a:schemeClr>
+          </a:lnRef>
+          <a:fillRef idx="1">
+            <a:schemeClr val="accent1"/>
+          </a:fillRef>
+          <a:effectRef idx="0">
+            <a:schemeClr val="accent1"/>
+          </a:effectRef>
+          <a:fontRef idx="minor">
+            <a:schemeClr val="lt1"/>
+          </a:fontRef>
+        </p:style>
+        <p:txBody>
+          <a:bodyPr rtlCol="0" anchor="ctr"/>
+          <a:lstStyle/>
+          <a:p>
+            <a:pPr algn="ctr"/>
+            <a:endParaRPr lang="en-US">
+              <a:solidFill>
+                <a:schemeClr val="tx1"/>
+              </a:solidFill>
+            </a:endParaRPr>
+          </a:p>
+        </p:txBody>
+      </p:sp>
+      <p:sp>
+        <p:nvSpPr>
+          <p:cNvPr id="2" name="TextBox 1">
+            <a:extLst>
+              <a:ext uri="{FF2B5EF4-FFF2-40B4-BE49-F238E27FC236}">
+                <a16:creationId xmlns:a16="http://schemas.microsoft.com/office/drawing/2014/main" id="{0A759929-BDA3-420D-BC64-1584AF85EDF3}"/>
+              </a:ext>
+            </a:extLst>
+          </p:cNvPr>
+          <p:cNvSpPr txBox="1"/>
+          <p:nvPr/>
+        </p:nvSpPr>
+        <p:spPr>
+          <a:xfrm>
+            <a:off x="5549375" y="290018"/>
+            <a:ext cx="918290" cy="646331"/>
+          </a:xfrm>
+          <a:prstGeom prst="rect">
+            <a:avLst/>
+          </a:prstGeom>
+          <a:noFill/>
+        </p:spPr>
+        <p:txBody>
+          <a:bodyPr wrap="square" rtlCol="0">
+            <a:spAutoFit/>
+          </a:bodyPr>
+          <a:lstStyle/>
+          <a:p>
+            <a:pPr algn="ctr"/>
+            <a:r>
+              <a:rPr lang="en-US" sz="3600" dirty="0">
+                <a:solidFill>
+                  <a:schemeClr val="bg1"/>
+                </a:solidFill>
+              </a:rPr>
+              <a:t>205</a:t>
+            </a:r>
+          </a:p>
+        </p:txBody>
+      </p:sp>
+      <p:sp>
+        <p:nvSpPr>
+          <p:cNvPr id="19" name="TextBox 18">
+            <a:extLst>
+              <a:ext uri="{FF2B5EF4-FFF2-40B4-BE49-F238E27FC236}">
+                <a16:creationId xmlns:a16="http://schemas.microsoft.com/office/drawing/2014/main" id="{CF636CAF-E37E-49CC-90E0-59ACB65E3E51}"/>
+              </a:ext>
+            </a:extLst>
+          </p:cNvPr>
+          <p:cNvSpPr txBox="1"/>
+          <p:nvPr/>
+        </p:nvSpPr>
+        <p:spPr>
+          <a:xfrm>
+            <a:off x="4135786" y="290018"/>
+            <a:ext cx="918290" cy="646331"/>
+          </a:xfrm>
+          <a:prstGeom prst="rect">
+            <a:avLst/>
+          </a:prstGeom>
+          <a:noFill/>
+        </p:spPr>
+        <p:txBody>
+          <a:bodyPr wrap="square" rtlCol="0">
+            <a:spAutoFit/>
+          </a:bodyPr>
+          <a:lstStyle/>
+          <a:p>
+            <a:pPr algn="ctr"/>
+            <a:r>
+              <a:rPr lang="en-US" sz="3600" dirty="0">
+                <a:solidFill>
+                  <a:schemeClr val="bg1"/>
+                </a:solidFill>
+              </a:rPr>
+              <a:t>5</a:t>
+            </a:r>
+          </a:p>
+        </p:txBody>
+      </p:sp>
+      <p:sp>
+        <p:nvSpPr>
+          <p:cNvPr id="20" name="TextBox 19">
+            <a:extLst>
+              <a:ext uri="{FF2B5EF4-FFF2-40B4-BE49-F238E27FC236}">
+                <a16:creationId xmlns:a16="http://schemas.microsoft.com/office/drawing/2014/main" id="{C5FF8574-4F5C-4C8A-8536-DF9E68318D6B}"/>
+              </a:ext>
+            </a:extLst>
+          </p:cNvPr>
+          <p:cNvSpPr txBox="1"/>
+          <p:nvPr/>
+        </p:nvSpPr>
+        <p:spPr>
+          <a:xfrm>
+            <a:off x="7120806" y="316583"/>
+            <a:ext cx="918290" cy="646331"/>
+          </a:xfrm>
+          <a:prstGeom prst="rect">
+            <a:avLst/>
+          </a:prstGeom>
+          <a:noFill/>
+        </p:spPr>
+        <p:txBody>
+          <a:bodyPr wrap="square" rtlCol="0">
+            <a:spAutoFit/>
+          </a:bodyPr>
+          <a:lstStyle/>
+          <a:p>
+            <a:pPr algn="ctr"/>
+            <a:r>
+              <a:rPr lang="en-US" sz="3600" dirty="0">
+                <a:solidFill>
+                  <a:schemeClr val="bg1"/>
+                </a:solidFill>
+              </a:rPr>
+              <a:t>31</a:t>
+            </a:r>
+          </a:p>
+        </p:txBody>
+      </p:sp>
+      <p:sp>
+        <p:nvSpPr>
+          <p:cNvPr id="7" name="TextBox 6">
+            <a:extLst>
+              <a:ext uri="{FF2B5EF4-FFF2-40B4-BE49-F238E27FC236}">
+                <a16:creationId xmlns:a16="http://schemas.microsoft.com/office/drawing/2014/main" id="{BE3FA923-B472-49D2-A73E-C082D5A7211F}"/>
+              </a:ext>
+            </a:extLst>
+          </p:cNvPr>
+          <p:cNvSpPr txBox="1"/>
+          <p:nvPr/>
+        </p:nvSpPr>
+        <p:spPr>
+          <a:xfrm>
+            <a:off x="4601542" y="809025"/>
+            <a:ext cx="1081560" cy="307777"/>
+          </a:xfrm>
+          <a:prstGeom prst="rect">
+            <a:avLst/>
+          </a:prstGeom>
+          <a:noFill/>
+        </p:spPr>
+        <p:txBody>
+          <a:bodyPr wrap="square" rtlCol="0">
+            <a:spAutoFit/>
+          </a:bodyPr>
+          <a:lstStyle/>
+          <a:p>
+            <a:r>
+              <a:rPr lang="en-US" sz="1400" dirty="0">
+                <a:solidFill>
+                  <a:schemeClr val="bg1"/>
+                </a:solidFill>
+              </a:rPr>
+              <a:t>Fortune</a:t>
+            </a:r>
+          </a:p>
+        </p:txBody>
+      </p:sp>
+      <p:pic>
+        <p:nvPicPr>
+          <p:cNvPr id="21" name="Picture 20">
+            <a:extLst>
+              <a:ext uri="{FF2B5EF4-FFF2-40B4-BE49-F238E27FC236}">
+                <a16:creationId xmlns:a16="http://schemas.microsoft.com/office/drawing/2014/main" id="{42A5FF73-754B-45B0-9ED8-9B0A6D1EF089}"/>
+              </a:ext>
+            </a:extLst>
+          </p:cNvPr>
+          <p:cNvPicPr>
+            <a:picLocks noChangeAspect="1"/>
+          </p:cNvPicPr>
+          <p:nvPr/>
+        </p:nvPicPr>
+        <p:blipFill rotWithShape="1">
+          <a:blip r:embed="rId4"/>
+          <a:srcRect l="3324" t="15484" r="5058" b="24467"/>
+          <a:stretch/>
+        </p:blipFill>
+        <p:spPr>
+          <a:xfrm>
+            <a:off x="5379077" y="936349"/>
+            <a:ext cx="1055908" cy="102953"/>
+          </a:xfrm>
+          <a:prstGeom prst="rect">
+            <a:avLst/>
+          </a:prstGeom>
+        </p:spPr>
+      </p:pic>
+      <p:sp>
+        <p:nvSpPr>
+          <p:cNvPr id="23" name="Rectangle: Rounded Corners 22">
+            <a:extLst>
+              <a:ext uri="{FF2B5EF4-FFF2-40B4-BE49-F238E27FC236}">
+                <a16:creationId xmlns:a16="http://schemas.microsoft.com/office/drawing/2014/main" id="{DECEE237-B7F2-447F-ADC9-0EE88DFB9FCD}"/>
+              </a:ext>
+            </a:extLst>
+          </p:cNvPr>
+          <p:cNvSpPr/>
+          <p:nvPr/>
+        </p:nvSpPr>
+        <p:spPr>
+          <a:xfrm>
+            <a:off x="4203228" y="6130212"/>
+            <a:ext cx="641305" cy="450072"/>
+          </a:xfrm>
+          <a:prstGeom prst="roundRect">
+            <a:avLst/>
+          </a:prstGeom>
+          <a:solidFill>
+            <a:schemeClr val="tx1">
+              <a:lumMod val="85000"/>
+              <a:lumOff val="15000"/>
+            </a:schemeClr>
+          </a:solidFill>
+          <a:ln>
+            <a:solidFill>
+              <a:schemeClr val="tx1">
+                <a:lumMod val="50000"/>
+                <a:lumOff val="50000"/>
+              </a:schemeClr>
+            </a:solidFill>
+          </a:ln>
+        </p:spPr>
+        <p:style>
+          <a:lnRef idx="2">
+            <a:schemeClr val="accent1">
+              <a:shade val="50000"/>
+            </a:schemeClr>
+          </a:lnRef>
+          <a:fillRef idx="1">
+            <a:schemeClr val="accent1"/>
+          </a:fillRef>
+          <a:effectRef idx="0">
+            <a:schemeClr val="accent1"/>
+          </a:effectRef>
+          <a:fontRef idx="minor">
+            <a:schemeClr val="lt1"/>
+          </a:fontRef>
+        </p:style>
+        <p:txBody>
+          <a:bodyPr rtlCol="0" anchor="ctr"/>
+          <a:lstStyle/>
+          <a:p>
+            <a:pPr algn="ctr"/>
+            <a:r>
+              <a:rPr lang="en-US" sz="2800" dirty="0"/>
+              <a:t>?</a:t>
+            </a:r>
+          </a:p>
+        </p:txBody>
+      </p:sp>
+      <p:sp>
+        <p:nvSpPr>
+          <p:cNvPr id="24" name="TextBox 23">
+            <a:extLst>
+              <a:ext uri="{FF2B5EF4-FFF2-40B4-BE49-F238E27FC236}">
+                <a16:creationId xmlns:a16="http://schemas.microsoft.com/office/drawing/2014/main" id="{79E992C7-1C4D-4AB8-A6BC-87F9464F40ED}"/>
+              </a:ext>
+            </a:extLst>
+          </p:cNvPr>
+          <p:cNvSpPr txBox="1"/>
+          <p:nvPr/>
+        </p:nvSpPr>
+        <p:spPr>
+          <a:xfrm>
+            <a:off x="4220733" y="4404402"/>
+            <a:ext cx="2276669" cy="307777"/>
+          </a:xfrm>
+          <a:prstGeom prst="rect">
+            <a:avLst/>
+          </a:prstGeom>
+          <a:noFill/>
+        </p:spPr>
+        <p:txBody>
+          <a:bodyPr wrap="square" rtlCol="0" anchor="ctr">
+            <a:spAutoFit/>
+          </a:bodyPr>
+          <a:lstStyle/>
+          <a:p>
+            <a:pPr algn="ctr"/>
+            <a:r>
+              <a:rPr lang="en-US" sz="1400" dirty="0">
+                <a:solidFill>
+                  <a:schemeClr val="bg1"/>
+                </a:solidFill>
+              </a:rPr>
+              <a:t>Submitted Words</a:t>
+            </a:r>
+          </a:p>
+        </p:txBody>
+      </p:sp>
+      <p:sp>
+        <p:nvSpPr>
+          <p:cNvPr id="25" name="TextBox 24">
+            <a:extLst>
+              <a:ext uri="{FF2B5EF4-FFF2-40B4-BE49-F238E27FC236}">
+                <a16:creationId xmlns:a16="http://schemas.microsoft.com/office/drawing/2014/main" id="{979DB00E-0FCE-40D9-91C8-B68D2DF9D7EA}"/>
+              </a:ext>
+            </a:extLst>
+          </p:cNvPr>
+          <p:cNvSpPr txBox="1"/>
+          <p:nvPr/>
+        </p:nvSpPr>
+        <p:spPr>
+          <a:xfrm>
+            <a:off x="6617149" y="4404401"/>
+            <a:ext cx="1304540" cy="307777"/>
+          </a:xfrm>
+          <a:prstGeom prst="rect">
+            <a:avLst/>
+          </a:prstGeom>
+          <a:noFill/>
+        </p:spPr>
+        <p:txBody>
+          <a:bodyPr wrap="square" rtlCol="0" anchor="ctr">
+            <a:spAutoFit/>
+          </a:bodyPr>
+          <a:lstStyle/>
+          <a:p>
+            <a:pPr algn="ctr"/>
+            <a:r>
+              <a:rPr lang="en-US" sz="1400" dirty="0">
+                <a:solidFill>
+                  <a:schemeClr val="bg1"/>
+                </a:solidFill>
+              </a:rPr>
+              <a:t>Auditioned</a:t>
+            </a:r>
+          </a:p>
+        </p:txBody>
+      </p:sp>
+      <p:pic>
+        <p:nvPicPr>
+          <p:cNvPr id="32" name="Picture 31">
+            <a:extLst>
+              <a:ext uri="{FF2B5EF4-FFF2-40B4-BE49-F238E27FC236}">
+                <a16:creationId xmlns:a16="http://schemas.microsoft.com/office/drawing/2014/main" id="{1C819673-0B0C-4ACE-A45E-22F4C5989616}"/>
+              </a:ext>
+            </a:extLst>
+          </p:cNvPr>
+          <p:cNvPicPr>
+            <a:picLocks noChangeAspect="1"/>
+          </p:cNvPicPr>
+          <p:nvPr/>
+        </p:nvPicPr>
+        <p:blipFill>
+          <a:blip r:embed="rId5">
+            <a:extLst>
+              <a:ext uri="{28A0092B-C50C-407E-A947-70E740481C1C}">
+                <a14:useLocalDpi xmlns:a14="http://schemas.microsoft.com/office/drawing/2010/main" val="0"/>
+              </a:ext>
+            </a:extLst>
+          </a:blip>
+          <a:stretch>
+            <a:fillRect/>
+          </a:stretch>
+        </p:blipFill>
+        <p:spPr>
+          <a:xfrm>
+            <a:off x="4235622" y="993306"/>
+            <a:ext cx="3642779" cy="3642779"/>
+          </a:xfrm>
+          <a:prstGeom prst="rect">
+            <a:avLst/>
+          </a:prstGeom>
+        </p:spPr>
+      </p:pic>
+    </p:spTree>
+    <p:extLst>
+      <p:ext uri="{BB962C8B-B14F-4D97-AF65-F5344CB8AC3E}">
+        <p14:creationId xmlns:p14="http://schemas.microsoft.com/office/powerpoint/2010/main" val="2829790499"/>
+      </p:ext>
+    </p:extLst>
+  </p:cSld>
+  <p:clrMapOvr>
+    <a:masterClrMapping/>
+  </p:clrMapOvr>
+</p:sld>
+</file>
+
+<file path=ppt/slides/slide11.xml><?xml version="1.0" encoding="utf-8"?>
+<p:sld xmlns:a="http://schemas.openxmlformats.org/drawingml/2006/main" xmlns:r="http://schemas.openxmlformats.org/officeDocument/2006/relationships" xmlns:p="http://schemas.openxmlformats.org/presentationml/2006/main">
+  <p:cSld>
+    <p:spTree>
+      <p:nvGrpSpPr>
+        <p:cNvPr id="1" name=""/>
+        <p:cNvGrpSpPr/>
+        <p:nvPr/>
+      </p:nvGrpSpPr>
+      <p:grpSpPr>
+        <a:xfrm>
+          <a:off x="0" y="0"/>
+          <a:ext cx="0" cy="0"/>
+          <a:chOff x="0" y="0"/>
+          <a:chExt cx="0" cy="0"/>
+        </a:xfrm>
+      </p:grpSpPr>
+      <p:sp>
+        <p:nvSpPr>
+          <p:cNvPr id="4" name="Rectangle 3">
+            <a:extLst>
+              <a:ext uri="{FF2B5EF4-FFF2-40B4-BE49-F238E27FC236}">
+                <a16:creationId xmlns:a16="http://schemas.microsoft.com/office/drawing/2014/main" id="{7389EE0F-66DD-4EC4-8CEC-987B22D60A1D}"/>
+              </a:ext>
+            </a:extLst>
+          </p:cNvPr>
+          <p:cNvSpPr/>
+          <p:nvPr/>
+        </p:nvSpPr>
+        <p:spPr>
+          <a:xfrm>
+            <a:off x="4152899" y="169104"/>
+            <a:ext cx="3886199" cy="6483623"/>
+          </a:xfrm>
+          <a:prstGeom prst="rect">
+            <a:avLst/>
+          </a:prstGeom>
+        </p:spPr>
+        <p:style>
+          <a:lnRef idx="2">
+            <a:schemeClr val="accent1">
+              <a:shade val="50000"/>
+            </a:schemeClr>
+          </a:lnRef>
+          <a:fillRef idx="1">
+            <a:schemeClr val="accent1"/>
+          </a:fillRef>
+          <a:effectRef idx="0">
+            <a:schemeClr val="accent1"/>
+          </a:effectRef>
+          <a:fontRef idx="minor">
+            <a:schemeClr val="lt1"/>
+          </a:fontRef>
+        </p:style>
+        <p:txBody>
+          <a:bodyPr rtlCol="0" anchor="ctr"/>
+          <a:lstStyle/>
+          <a:p>
+            <a:pPr algn="ctr"/>
+            <a:endParaRPr lang="en-US"/>
+          </a:p>
+        </p:txBody>
+      </p:sp>
+      <p:sp>
+        <p:nvSpPr>
+          <p:cNvPr id="11" name="Rectangle 10">
+            <a:extLst>
+              <a:ext uri="{FF2B5EF4-FFF2-40B4-BE49-F238E27FC236}">
+                <a16:creationId xmlns:a16="http://schemas.microsoft.com/office/drawing/2014/main" id="{6F84A7B2-8A83-40D6-8C0D-E76FFA516B5F}"/>
+              </a:ext>
+            </a:extLst>
+          </p:cNvPr>
+          <p:cNvSpPr/>
+          <p:nvPr/>
+        </p:nvSpPr>
+        <p:spPr>
+          <a:xfrm>
+            <a:off x="4152898" y="169103"/>
+            <a:ext cx="3886199" cy="6483624"/>
+          </a:xfrm>
+          <a:prstGeom prst="rect">
+            <a:avLst/>
+          </a:prstGeom>
+          <a:solidFill>
+            <a:srgbClr val="404040"/>
+          </a:solidFill>
+          <a:ln>
+            <a:noFill/>
+          </a:ln>
+        </p:spPr>
+        <p:style>
+          <a:lnRef idx="2">
+            <a:schemeClr val="accent1">
+              <a:shade val="50000"/>
+            </a:schemeClr>
+          </a:lnRef>
+          <a:fillRef idx="1">
+            <a:schemeClr val="accent1"/>
+          </a:fillRef>
+          <a:effectRef idx="0">
+            <a:schemeClr val="accent1"/>
+          </a:effectRef>
+          <a:fontRef idx="minor">
+            <a:schemeClr val="lt1"/>
+          </a:fontRef>
+        </p:style>
+        <p:txBody>
+          <a:bodyPr rtlCol="0" anchor="ctr"/>
+          <a:lstStyle/>
+          <a:p>
+            <a:pPr algn="ctr"/>
+            <a:endParaRPr lang="en-US"/>
+          </a:p>
+        </p:txBody>
+      </p:sp>
+      <p:pic>
+        <p:nvPicPr>
+          <p:cNvPr id="3" name="Picture 2">
+            <a:extLst>
+              <a:ext uri="{FF2B5EF4-FFF2-40B4-BE49-F238E27FC236}">
+                <a16:creationId xmlns:a16="http://schemas.microsoft.com/office/drawing/2014/main" id="{FED94A2B-26C1-48B6-82EF-BA1F1CFDC0A8}"/>
+              </a:ext>
+            </a:extLst>
+          </p:cNvPr>
+          <p:cNvPicPr>
+            <a:picLocks noChangeAspect="1"/>
+          </p:cNvPicPr>
+          <p:nvPr/>
+        </p:nvPicPr>
+        <p:blipFill>
+          <a:blip r:embed="rId3"/>
+          <a:stretch>
+            <a:fillRect/>
+          </a:stretch>
+        </p:blipFill>
+        <p:spPr>
+          <a:xfrm>
+            <a:off x="3768952" y="1104355"/>
+            <a:ext cx="4433210" cy="3314042"/>
+          </a:xfrm>
+          <a:prstGeom prst="rect">
+            <a:avLst/>
+          </a:prstGeom>
+        </p:spPr>
+      </p:pic>
+      <p:sp>
+        <p:nvSpPr>
+          <p:cNvPr id="5" name="Rectangle 4">
+            <a:extLst>
+              <a:ext uri="{FF2B5EF4-FFF2-40B4-BE49-F238E27FC236}">
+                <a16:creationId xmlns:a16="http://schemas.microsoft.com/office/drawing/2014/main" id="{175491A8-EA5B-4C2C-A048-E751C5A7E636}"/>
+              </a:ext>
+            </a:extLst>
+          </p:cNvPr>
+          <p:cNvSpPr/>
+          <p:nvPr/>
+        </p:nvSpPr>
+        <p:spPr>
+          <a:xfrm>
+            <a:off x="4152898" y="169103"/>
+            <a:ext cx="3886200" cy="939923"/>
+          </a:xfrm>
+          <a:prstGeom prst="rect">
+            <a:avLst/>
+          </a:prstGeom>
+          <a:solidFill>
+            <a:schemeClr val="tx1">
+              <a:lumMod val="75000"/>
+              <a:lumOff val="25000"/>
+            </a:schemeClr>
+          </a:solidFill>
+          <a:ln>
+            <a:noFill/>
+          </a:ln>
+        </p:spPr>
+        <p:style>
+          <a:lnRef idx="2">
+            <a:schemeClr val="accent1">
+              <a:shade val="50000"/>
+            </a:schemeClr>
+          </a:lnRef>
+          <a:fillRef idx="1">
+            <a:schemeClr val="accent1"/>
+          </a:fillRef>
+          <a:effectRef idx="0">
+            <a:schemeClr val="accent1"/>
+          </a:effectRef>
+          <a:fontRef idx="minor">
+            <a:schemeClr val="lt1"/>
+          </a:fontRef>
+        </p:style>
+        <p:txBody>
+          <a:bodyPr rtlCol="0" anchor="ctr"/>
+          <a:lstStyle/>
+          <a:p>
+            <a:pPr algn="ctr"/>
+            <a:endParaRPr lang="en-US"/>
+          </a:p>
+        </p:txBody>
+      </p:sp>
+      <p:sp>
+        <p:nvSpPr>
+          <p:cNvPr id="6" name="TextBox 5">
+            <a:extLst>
+              <a:ext uri="{FF2B5EF4-FFF2-40B4-BE49-F238E27FC236}">
+                <a16:creationId xmlns:a16="http://schemas.microsoft.com/office/drawing/2014/main" id="{C5A2D7AE-E779-41F9-B90A-BC5411D76DD9}"/>
+              </a:ext>
+            </a:extLst>
+          </p:cNvPr>
+          <p:cNvSpPr txBox="1"/>
+          <p:nvPr/>
+        </p:nvSpPr>
+        <p:spPr>
+          <a:xfrm>
+            <a:off x="4223652" y="131919"/>
+            <a:ext cx="755780" cy="369332"/>
+          </a:xfrm>
+          <a:prstGeom prst="rect">
+            <a:avLst/>
+          </a:prstGeom>
+          <a:noFill/>
+        </p:spPr>
+        <p:txBody>
+          <a:bodyPr wrap="square" rtlCol="0">
+            <a:spAutoFit/>
+          </a:bodyPr>
+          <a:lstStyle/>
+          <a:p>
+            <a:pPr algn="ctr"/>
+            <a:r>
+              <a:rPr lang="en-US" dirty="0">
+                <a:solidFill>
+                  <a:schemeClr val="bg1"/>
+                </a:solidFill>
+              </a:rPr>
+              <a:t>Level</a:t>
+            </a:r>
+          </a:p>
+        </p:txBody>
+      </p:sp>
+      <p:sp>
+        <p:nvSpPr>
+          <p:cNvPr id="8" name="TextBox 7">
+            <a:extLst>
+              <a:ext uri="{FF2B5EF4-FFF2-40B4-BE49-F238E27FC236}">
+                <a16:creationId xmlns:a16="http://schemas.microsoft.com/office/drawing/2014/main" id="{E1BE5118-306B-4FFA-A54E-5C601C8394FA}"/>
+              </a:ext>
+            </a:extLst>
+          </p:cNvPr>
+          <p:cNvSpPr txBox="1"/>
+          <p:nvPr/>
+        </p:nvSpPr>
+        <p:spPr>
+          <a:xfrm>
+            <a:off x="5634127" y="133209"/>
+            <a:ext cx="755780" cy="369332"/>
+          </a:xfrm>
+          <a:prstGeom prst="rect">
+            <a:avLst/>
+          </a:prstGeom>
+          <a:noFill/>
+        </p:spPr>
+        <p:txBody>
+          <a:bodyPr wrap="square" rtlCol="0">
+            <a:spAutoFit/>
+          </a:bodyPr>
+          <a:lstStyle/>
+          <a:p>
+            <a:pPr algn="ctr"/>
+            <a:r>
+              <a:rPr lang="en-US" dirty="0">
+                <a:solidFill>
+                  <a:schemeClr val="bg1"/>
+                </a:solidFill>
+              </a:rPr>
+              <a:t>Score</a:t>
+            </a:r>
+          </a:p>
+        </p:txBody>
+      </p:sp>
+      <p:sp>
+        <p:nvSpPr>
+          <p:cNvPr id="9" name="TextBox 8">
+            <a:extLst>
+              <a:ext uri="{FF2B5EF4-FFF2-40B4-BE49-F238E27FC236}">
+                <a16:creationId xmlns:a16="http://schemas.microsoft.com/office/drawing/2014/main" id="{8AAC14BD-8A83-4C74-898C-3B4C9220ED91}"/>
+              </a:ext>
+            </a:extLst>
+          </p:cNvPr>
+          <p:cNvSpPr txBox="1"/>
+          <p:nvPr/>
+        </p:nvSpPr>
+        <p:spPr>
+          <a:xfrm>
+            <a:off x="7194677" y="131917"/>
+            <a:ext cx="755780" cy="369332"/>
+          </a:xfrm>
+          <a:prstGeom prst="rect">
+            <a:avLst/>
+          </a:prstGeom>
+          <a:noFill/>
+        </p:spPr>
+        <p:txBody>
+          <a:bodyPr wrap="square" rtlCol="0">
+            <a:spAutoFit/>
+          </a:bodyPr>
+          <a:lstStyle/>
+          <a:p>
+            <a:pPr algn="ctr"/>
+            <a:r>
+              <a:rPr lang="en-US" dirty="0">
+                <a:solidFill>
+                  <a:schemeClr val="bg1"/>
+                </a:solidFill>
+              </a:rPr>
+              <a:t>Mana</a:t>
+            </a:r>
+          </a:p>
+        </p:txBody>
+      </p:sp>
+      <p:sp>
+        <p:nvSpPr>
+          <p:cNvPr id="12" name="Rectangle 11">
+            <a:extLst>
+              <a:ext uri="{FF2B5EF4-FFF2-40B4-BE49-F238E27FC236}">
+                <a16:creationId xmlns:a16="http://schemas.microsoft.com/office/drawing/2014/main" id="{136EB81B-AFB2-4FBA-9D99-048A1C443DF8}"/>
+              </a:ext>
+            </a:extLst>
+          </p:cNvPr>
+          <p:cNvSpPr/>
+          <p:nvPr/>
+        </p:nvSpPr>
+        <p:spPr>
+          <a:xfrm>
+            <a:off x="4220733" y="4671588"/>
+            <a:ext cx="2276669" cy="1393571"/>
+          </a:xfrm>
+          <a:prstGeom prst="rect">
+            <a:avLst/>
+          </a:prstGeom>
+          <a:solidFill>
+            <a:schemeClr val="tx1">
+              <a:lumMod val="65000"/>
+              <a:lumOff val="35000"/>
+            </a:schemeClr>
+          </a:solidFill>
+          <a:ln>
+            <a:solidFill>
+              <a:schemeClr val="bg1">
+                <a:lumMod val="50000"/>
+              </a:schemeClr>
+            </a:solidFill>
+          </a:ln>
+        </p:spPr>
+        <p:style>
+          <a:lnRef idx="2">
+            <a:schemeClr val="accent1">
+              <a:shade val="50000"/>
+            </a:schemeClr>
+          </a:lnRef>
+          <a:fillRef idx="1">
+            <a:schemeClr val="accent1"/>
+          </a:fillRef>
+          <a:effectRef idx="0">
+            <a:schemeClr val="accent1"/>
+          </a:effectRef>
+          <a:fontRef idx="minor">
+            <a:schemeClr val="lt1"/>
+          </a:fontRef>
+        </p:style>
+        <p:txBody>
+          <a:bodyPr rtlCol="0" anchor="ctr"/>
+          <a:lstStyle/>
+          <a:p>
+            <a:pPr algn="ctr"/>
+            <a:endParaRPr lang="en-US"/>
+          </a:p>
+        </p:txBody>
+      </p:sp>
+      <p:sp>
+        <p:nvSpPr>
+          <p:cNvPr id="13" name="Rectangle 12">
+            <a:extLst>
+              <a:ext uri="{FF2B5EF4-FFF2-40B4-BE49-F238E27FC236}">
+                <a16:creationId xmlns:a16="http://schemas.microsoft.com/office/drawing/2014/main" id="{529EBA8E-B57F-4AE8-BBE1-B837D15B557C}"/>
+              </a:ext>
+            </a:extLst>
+          </p:cNvPr>
+          <p:cNvSpPr/>
+          <p:nvPr/>
+        </p:nvSpPr>
+        <p:spPr>
+          <a:xfrm>
+            <a:off x="6609371" y="4671588"/>
+            <a:ext cx="1304539" cy="1393571"/>
+          </a:xfrm>
+          <a:prstGeom prst="rect">
+            <a:avLst/>
+          </a:prstGeom>
+          <a:solidFill>
+            <a:schemeClr val="tx1">
+              <a:lumMod val="65000"/>
+              <a:lumOff val="35000"/>
+            </a:schemeClr>
+          </a:solidFill>
+          <a:ln>
+            <a:solidFill>
+              <a:schemeClr val="bg1">
+                <a:lumMod val="50000"/>
+              </a:schemeClr>
+            </a:solidFill>
+          </a:ln>
+        </p:spPr>
+        <p:style>
+          <a:lnRef idx="2">
+            <a:schemeClr val="accent1">
+              <a:shade val="50000"/>
+            </a:schemeClr>
+          </a:lnRef>
+          <a:fillRef idx="1">
+            <a:schemeClr val="accent1"/>
+          </a:fillRef>
+          <a:effectRef idx="0">
+            <a:schemeClr val="accent1"/>
+          </a:effectRef>
+          <a:fontRef idx="minor">
+            <a:schemeClr val="lt1"/>
+          </a:fontRef>
+        </p:style>
+        <p:txBody>
+          <a:bodyPr rtlCol="0" anchor="ctr"/>
+          <a:lstStyle/>
+          <a:p>
+            <a:pPr algn="ctr"/>
+            <a:endParaRPr lang="en-US"/>
+          </a:p>
+        </p:txBody>
+      </p:sp>
+      <p:sp>
+        <p:nvSpPr>
+          <p:cNvPr id="14" name="Rectangle: Rounded Corners 13">
+            <a:extLst>
+              <a:ext uri="{FF2B5EF4-FFF2-40B4-BE49-F238E27FC236}">
+                <a16:creationId xmlns:a16="http://schemas.microsoft.com/office/drawing/2014/main" id="{9336D1A6-639E-481D-BECE-EECC489038CC}"/>
+              </a:ext>
+            </a:extLst>
+          </p:cNvPr>
+          <p:cNvSpPr/>
+          <p:nvPr/>
+        </p:nvSpPr>
+        <p:spPr>
+          <a:xfrm>
+            <a:off x="7187168" y="851163"/>
+            <a:ext cx="726741" cy="245416"/>
+          </a:xfrm>
+          <a:prstGeom prst="roundRect">
+            <a:avLst/>
+          </a:prstGeom>
+          <a:solidFill>
+            <a:srgbClr val="4C1F65"/>
+          </a:solidFill>
+          <a:ln>
+            <a:solidFill>
+              <a:schemeClr val="tx1">
+                <a:lumMod val="50000"/>
+                <a:lumOff val="50000"/>
+              </a:schemeClr>
+            </a:solidFill>
+          </a:ln>
+        </p:spPr>
+        <p:style>
+          <a:lnRef idx="2">
+            <a:schemeClr val="accent1">
+              <a:shade val="50000"/>
+            </a:schemeClr>
+          </a:lnRef>
+          <a:fillRef idx="1">
+            <a:schemeClr val="accent1"/>
+          </a:fillRef>
+          <a:effectRef idx="0">
+            <a:schemeClr val="accent1"/>
+          </a:effectRef>
+          <a:fontRef idx="minor">
+            <a:schemeClr val="lt1"/>
+          </a:fontRef>
+        </p:style>
+        <p:txBody>
+          <a:bodyPr rtlCol="0" anchor="ctr"/>
+          <a:lstStyle/>
+          <a:p>
+            <a:pPr algn="ctr"/>
+            <a:r>
+              <a:rPr lang="en-US" sz="1400" dirty="0"/>
+              <a:t>Cast</a:t>
+            </a:r>
+          </a:p>
+        </p:txBody>
+      </p:sp>
+      <p:sp>
+        <p:nvSpPr>
+          <p:cNvPr id="15" name="Rectangle 14">
+            <a:extLst>
+              <a:ext uri="{FF2B5EF4-FFF2-40B4-BE49-F238E27FC236}">
+                <a16:creationId xmlns:a16="http://schemas.microsoft.com/office/drawing/2014/main" id="{599D2AFE-9F9D-4115-A04C-0E9E528FA050}"/>
+              </a:ext>
+            </a:extLst>
+          </p:cNvPr>
+          <p:cNvSpPr/>
+          <p:nvPr/>
+        </p:nvSpPr>
+        <p:spPr>
+          <a:xfrm>
+            <a:off x="10207690" y="1838131"/>
+            <a:ext cx="914400" cy="914400"/>
+          </a:xfrm>
+          <a:prstGeom prst="rect">
+            <a:avLst/>
+          </a:prstGeom>
+        </p:spPr>
+        <p:style>
+          <a:lnRef idx="2">
+            <a:schemeClr val="accent1">
+              <a:shade val="50000"/>
+            </a:schemeClr>
+          </a:lnRef>
+          <a:fillRef idx="1">
+            <a:schemeClr val="accent1"/>
+          </a:fillRef>
+          <a:effectRef idx="0">
+            <a:schemeClr val="accent1"/>
+          </a:effectRef>
+          <a:fontRef idx="minor">
+            <a:schemeClr val="lt1"/>
+          </a:fontRef>
+        </p:style>
+        <p:txBody>
+          <a:bodyPr rtlCol="0" anchor="ctr"/>
+          <a:lstStyle/>
+          <a:p>
+            <a:pPr algn="ctr"/>
+            <a:endParaRPr lang="en-US"/>
+          </a:p>
+        </p:txBody>
+      </p:sp>
+      <p:sp>
+        <p:nvSpPr>
+          <p:cNvPr id="16" name="Rectangle: Rounded Corners 15">
+            <a:extLst>
+              <a:ext uri="{FF2B5EF4-FFF2-40B4-BE49-F238E27FC236}">
+                <a16:creationId xmlns:a16="http://schemas.microsoft.com/office/drawing/2014/main" id="{5E679ADA-4B52-45D8-B69C-70ED61D3419C}"/>
+              </a:ext>
+            </a:extLst>
+          </p:cNvPr>
+          <p:cNvSpPr/>
+          <p:nvPr/>
+        </p:nvSpPr>
+        <p:spPr>
+          <a:xfrm>
+            <a:off x="4961941" y="6130212"/>
+            <a:ext cx="2959748" cy="450072"/>
+          </a:xfrm>
+          <a:prstGeom prst="roundRect">
+            <a:avLst/>
+          </a:prstGeom>
+          <a:solidFill>
+            <a:schemeClr val="tx1">
+              <a:lumMod val="85000"/>
+              <a:lumOff val="15000"/>
+            </a:schemeClr>
+          </a:solidFill>
+          <a:ln>
+            <a:solidFill>
+              <a:schemeClr val="tx1">
+                <a:lumMod val="50000"/>
+                <a:lumOff val="50000"/>
+              </a:schemeClr>
+            </a:solidFill>
+          </a:ln>
+        </p:spPr>
+        <p:style>
+          <a:lnRef idx="2">
+            <a:schemeClr val="accent1">
+              <a:shade val="50000"/>
+            </a:schemeClr>
+          </a:lnRef>
+          <a:fillRef idx="1">
+            <a:schemeClr val="accent1"/>
+          </a:fillRef>
+          <a:effectRef idx="0">
+            <a:schemeClr val="accent1"/>
+          </a:effectRef>
+          <a:fontRef idx="minor">
+            <a:schemeClr val="lt1"/>
+          </a:fontRef>
+        </p:style>
+        <p:txBody>
+          <a:bodyPr rtlCol="0" anchor="ctr"/>
+          <a:lstStyle/>
+          <a:p>
+            <a:pPr algn="ctr"/>
+            <a:r>
+              <a:rPr lang="en-US" sz="1400" dirty="0"/>
+              <a:t>Click on letters </a:t>
+            </a:r>
+          </a:p>
+          <a:p>
+            <a:pPr algn="ctr"/>
+            <a:r>
+              <a:rPr lang="en-US" sz="1400" dirty="0"/>
+              <a:t>to spell a word</a:t>
+            </a:r>
+          </a:p>
+        </p:txBody>
+      </p:sp>
+      <p:sp>
+        <p:nvSpPr>
+          <p:cNvPr id="17" name="Frame 16">
+            <a:extLst>
+              <a:ext uri="{FF2B5EF4-FFF2-40B4-BE49-F238E27FC236}">
+                <a16:creationId xmlns:a16="http://schemas.microsoft.com/office/drawing/2014/main" id="{F90CFC72-B5F9-43D2-93D5-4AA9525D2CA3}"/>
+              </a:ext>
+            </a:extLst>
+          </p:cNvPr>
+          <p:cNvSpPr/>
+          <p:nvPr/>
+        </p:nvSpPr>
+        <p:spPr>
+          <a:xfrm>
+            <a:off x="4153452" y="1104354"/>
+            <a:ext cx="3886198" cy="3314042"/>
+          </a:xfrm>
+          <a:prstGeom prst="frame">
+            <a:avLst>
+              <a:gd name="adj1" fmla="val 2322"/>
+            </a:avLst>
+          </a:prstGeom>
+          <a:solidFill>
+            <a:srgbClr val="404040"/>
+          </a:solidFill>
+          <a:ln>
+            <a:noFill/>
+          </a:ln>
+        </p:spPr>
+        <p:style>
+          <a:lnRef idx="2">
+            <a:schemeClr val="accent1">
+              <a:shade val="50000"/>
+            </a:schemeClr>
+          </a:lnRef>
+          <a:fillRef idx="1">
+            <a:schemeClr val="accent1"/>
+          </a:fillRef>
+          <a:effectRef idx="0">
+            <a:schemeClr val="accent1"/>
+          </a:effectRef>
+          <a:fontRef idx="minor">
+            <a:schemeClr val="lt1"/>
+          </a:fontRef>
+        </p:style>
+        <p:txBody>
+          <a:bodyPr rtlCol="0" anchor="ctr"/>
+          <a:lstStyle/>
+          <a:p>
+            <a:pPr algn="ctr"/>
+            <a:endParaRPr lang="en-US">
+              <a:solidFill>
+                <a:schemeClr val="tx1"/>
+              </a:solidFill>
+            </a:endParaRPr>
+          </a:p>
+        </p:txBody>
+      </p:sp>
+      <p:sp>
+        <p:nvSpPr>
+          <p:cNvPr id="18" name="Frame 17">
+            <a:extLst>
+              <a:ext uri="{FF2B5EF4-FFF2-40B4-BE49-F238E27FC236}">
+                <a16:creationId xmlns:a16="http://schemas.microsoft.com/office/drawing/2014/main" id="{846FA173-1D6E-473B-B9BB-4ACE6EC26BD4}"/>
+              </a:ext>
+            </a:extLst>
+          </p:cNvPr>
+          <p:cNvSpPr/>
+          <p:nvPr/>
+        </p:nvSpPr>
+        <p:spPr>
+          <a:xfrm>
+            <a:off x="3498980" y="-475860"/>
+            <a:ext cx="5178489" cy="7791060"/>
+          </a:xfrm>
+          <a:prstGeom prst="frame">
+            <a:avLst/>
+          </a:prstGeom>
+          <a:solidFill>
+            <a:schemeClr val="bg1"/>
+          </a:solidFill>
+        </p:spPr>
+        <p:style>
+          <a:lnRef idx="2">
+            <a:schemeClr val="accent1">
+              <a:shade val="50000"/>
+            </a:schemeClr>
+          </a:lnRef>
+          <a:fillRef idx="1">
+            <a:schemeClr val="accent1"/>
+          </a:fillRef>
+          <a:effectRef idx="0">
+            <a:schemeClr val="accent1"/>
+          </a:effectRef>
+          <a:fontRef idx="minor">
+            <a:schemeClr val="lt1"/>
+          </a:fontRef>
+        </p:style>
+        <p:txBody>
+          <a:bodyPr rtlCol="0" anchor="ctr"/>
+          <a:lstStyle/>
+          <a:p>
+            <a:pPr algn="ctr"/>
+            <a:endParaRPr lang="en-US">
+              <a:solidFill>
+                <a:schemeClr val="tx1"/>
+              </a:solidFill>
+            </a:endParaRPr>
+          </a:p>
+        </p:txBody>
+      </p:sp>
+      <p:sp>
+        <p:nvSpPr>
+          <p:cNvPr id="2" name="TextBox 1">
+            <a:extLst>
+              <a:ext uri="{FF2B5EF4-FFF2-40B4-BE49-F238E27FC236}">
+                <a16:creationId xmlns:a16="http://schemas.microsoft.com/office/drawing/2014/main" id="{0A759929-BDA3-420D-BC64-1584AF85EDF3}"/>
+              </a:ext>
+            </a:extLst>
+          </p:cNvPr>
+          <p:cNvSpPr txBox="1"/>
+          <p:nvPr/>
+        </p:nvSpPr>
+        <p:spPr>
+          <a:xfrm>
+            <a:off x="5549375" y="290018"/>
+            <a:ext cx="918290" cy="646331"/>
+          </a:xfrm>
+          <a:prstGeom prst="rect">
+            <a:avLst/>
+          </a:prstGeom>
+          <a:noFill/>
+        </p:spPr>
+        <p:txBody>
+          <a:bodyPr wrap="square" rtlCol="0">
+            <a:spAutoFit/>
+          </a:bodyPr>
+          <a:lstStyle/>
+          <a:p>
+            <a:pPr algn="ctr"/>
+            <a:r>
+              <a:rPr lang="en-US" sz="3600" dirty="0">
+                <a:solidFill>
+                  <a:schemeClr val="bg1"/>
+                </a:solidFill>
+              </a:rPr>
+              <a:t>205</a:t>
+            </a:r>
+          </a:p>
+        </p:txBody>
+      </p:sp>
+      <p:sp>
+        <p:nvSpPr>
+          <p:cNvPr id="19" name="TextBox 18">
+            <a:extLst>
+              <a:ext uri="{FF2B5EF4-FFF2-40B4-BE49-F238E27FC236}">
+                <a16:creationId xmlns:a16="http://schemas.microsoft.com/office/drawing/2014/main" id="{CF636CAF-E37E-49CC-90E0-59ACB65E3E51}"/>
+              </a:ext>
+            </a:extLst>
+          </p:cNvPr>
+          <p:cNvSpPr txBox="1"/>
+          <p:nvPr/>
+        </p:nvSpPr>
+        <p:spPr>
+          <a:xfrm>
+            <a:off x="4135786" y="290018"/>
+            <a:ext cx="918290" cy="646331"/>
+          </a:xfrm>
+          <a:prstGeom prst="rect">
+            <a:avLst/>
+          </a:prstGeom>
+          <a:noFill/>
+        </p:spPr>
+        <p:txBody>
+          <a:bodyPr wrap="square" rtlCol="0">
+            <a:spAutoFit/>
+          </a:bodyPr>
+          <a:lstStyle/>
+          <a:p>
+            <a:pPr algn="ctr"/>
+            <a:r>
+              <a:rPr lang="en-US" sz="3600" dirty="0">
+                <a:solidFill>
+                  <a:schemeClr val="bg1"/>
+                </a:solidFill>
+              </a:rPr>
+              <a:t>5</a:t>
+            </a:r>
+          </a:p>
+        </p:txBody>
+      </p:sp>
+      <p:sp>
+        <p:nvSpPr>
+          <p:cNvPr id="20" name="TextBox 19">
+            <a:extLst>
+              <a:ext uri="{FF2B5EF4-FFF2-40B4-BE49-F238E27FC236}">
+                <a16:creationId xmlns:a16="http://schemas.microsoft.com/office/drawing/2014/main" id="{C5FF8574-4F5C-4C8A-8536-DF9E68318D6B}"/>
+              </a:ext>
+            </a:extLst>
+          </p:cNvPr>
+          <p:cNvSpPr txBox="1"/>
+          <p:nvPr/>
+        </p:nvSpPr>
+        <p:spPr>
+          <a:xfrm>
+            <a:off x="7120806" y="316583"/>
+            <a:ext cx="918290" cy="646331"/>
+          </a:xfrm>
+          <a:prstGeom prst="rect">
+            <a:avLst/>
+          </a:prstGeom>
+          <a:noFill/>
+        </p:spPr>
+        <p:txBody>
+          <a:bodyPr wrap="square" rtlCol="0">
+            <a:spAutoFit/>
+          </a:bodyPr>
+          <a:lstStyle/>
+          <a:p>
+            <a:pPr algn="ctr"/>
+            <a:r>
+              <a:rPr lang="en-US" sz="3600" dirty="0">
+                <a:solidFill>
+                  <a:schemeClr val="bg1"/>
+                </a:solidFill>
+              </a:rPr>
+              <a:t>31</a:t>
+            </a:r>
+          </a:p>
+        </p:txBody>
+      </p:sp>
+      <p:sp>
+        <p:nvSpPr>
+          <p:cNvPr id="7" name="TextBox 6">
+            <a:extLst>
+              <a:ext uri="{FF2B5EF4-FFF2-40B4-BE49-F238E27FC236}">
+                <a16:creationId xmlns:a16="http://schemas.microsoft.com/office/drawing/2014/main" id="{BE3FA923-B472-49D2-A73E-C082D5A7211F}"/>
+              </a:ext>
+            </a:extLst>
+          </p:cNvPr>
+          <p:cNvSpPr txBox="1"/>
+          <p:nvPr/>
+        </p:nvSpPr>
+        <p:spPr>
+          <a:xfrm>
+            <a:off x="4601542" y="809025"/>
+            <a:ext cx="1081560" cy="307777"/>
+          </a:xfrm>
+          <a:prstGeom prst="rect">
+            <a:avLst/>
+          </a:prstGeom>
+          <a:noFill/>
+        </p:spPr>
+        <p:txBody>
+          <a:bodyPr wrap="square" rtlCol="0">
+            <a:spAutoFit/>
+          </a:bodyPr>
+          <a:lstStyle/>
+          <a:p>
+            <a:r>
+              <a:rPr lang="en-US" sz="1400" dirty="0">
+                <a:solidFill>
+                  <a:schemeClr val="bg1"/>
+                </a:solidFill>
+              </a:rPr>
+              <a:t>Fortune</a:t>
+            </a:r>
+          </a:p>
+        </p:txBody>
+      </p:sp>
+      <p:pic>
+        <p:nvPicPr>
+          <p:cNvPr id="21" name="Picture 20">
+            <a:extLst>
+              <a:ext uri="{FF2B5EF4-FFF2-40B4-BE49-F238E27FC236}">
+                <a16:creationId xmlns:a16="http://schemas.microsoft.com/office/drawing/2014/main" id="{42A5FF73-754B-45B0-9ED8-9B0A6D1EF089}"/>
+              </a:ext>
+            </a:extLst>
+          </p:cNvPr>
+          <p:cNvPicPr>
+            <a:picLocks noChangeAspect="1"/>
+          </p:cNvPicPr>
+          <p:nvPr/>
+        </p:nvPicPr>
+        <p:blipFill rotWithShape="1">
+          <a:blip r:embed="rId4"/>
+          <a:srcRect l="3324" t="15484" r="5058" b="24467"/>
+          <a:stretch/>
+        </p:blipFill>
+        <p:spPr>
+          <a:xfrm>
+            <a:off x="5379077" y="936349"/>
+            <a:ext cx="1055908" cy="102953"/>
+          </a:xfrm>
+          <a:prstGeom prst="rect">
+            <a:avLst/>
+          </a:prstGeom>
+        </p:spPr>
+      </p:pic>
+      <p:sp>
+        <p:nvSpPr>
+          <p:cNvPr id="23" name="Rectangle: Rounded Corners 22">
+            <a:extLst>
+              <a:ext uri="{FF2B5EF4-FFF2-40B4-BE49-F238E27FC236}">
+                <a16:creationId xmlns:a16="http://schemas.microsoft.com/office/drawing/2014/main" id="{DECEE237-B7F2-447F-ADC9-0EE88DFB9FCD}"/>
+              </a:ext>
+            </a:extLst>
+          </p:cNvPr>
+          <p:cNvSpPr/>
+          <p:nvPr/>
+        </p:nvSpPr>
+        <p:spPr>
+          <a:xfrm>
+            <a:off x="4203228" y="6130212"/>
+            <a:ext cx="641305" cy="450072"/>
+          </a:xfrm>
+          <a:prstGeom prst="roundRect">
+            <a:avLst/>
+          </a:prstGeom>
+          <a:solidFill>
+            <a:schemeClr val="tx1">
+              <a:lumMod val="85000"/>
+              <a:lumOff val="15000"/>
+            </a:schemeClr>
+          </a:solidFill>
+          <a:ln>
+            <a:solidFill>
+              <a:schemeClr val="tx1">
+                <a:lumMod val="50000"/>
+                <a:lumOff val="50000"/>
+              </a:schemeClr>
+            </a:solidFill>
+          </a:ln>
+        </p:spPr>
+        <p:style>
+          <a:lnRef idx="2">
+            <a:schemeClr val="accent1">
+              <a:shade val="50000"/>
+            </a:schemeClr>
+          </a:lnRef>
+          <a:fillRef idx="1">
+            <a:schemeClr val="accent1"/>
+          </a:fillRef>
+          <a:effectRef idx="0">
+            <a:schemeClr val="accent1"/>
+          </a:effectRef>
+          <a:fontRef idx="minor">
+            <a:schemeClr val="lt1"/>
+          </a:fontRef>
+        </p:style>
+        <p:txBody>
+          <a:bodyPr rtlCol="0" anchor="ctr"/>
+          <a:lstStyle/>
+          <a:p>
+            <a:pPr algn="ctr"/>
+            <a:r>
+              <a:rPr lang="en-US" sz="2800" dirty="0"/>
+              <a:t>?</a:t>
+            </a:r>
+          </a:p>
+        </p:txBody>
+      </p:sp>
+      <p:sp>
+        <p:nvSpPr>
+          <p:cNvPr id="24" name="TextBox 23">
+            <a:extLst>
+              <a:ext uri="{FF2B5EF4-FFF2-40B4-BE49-F238E27FC236}">
+                <a16:creationId xmlns:a16="http://schemas.microsoft.com/office/drawing/2014/main" id="{79E992C7-1C4D-4AB8-A6BC-87F9464F40ED}"/>
+              </a:ext>
+            </a:extLst>
+          </p:cNvPr>
+          <p:cNvSpPr txBox="1"/>
+          <p:nvPr/>
+        </p:nvSpPr>
+        <p:spPr>
+          <a:xfrm>
+            <a:off x="4220733" y="4404402"/>
+            <a:ext cx="2276669" cy="307777"/>
+          </a:xfrm>
+          <a:prstGeom prst="rect">
+            <a:avLst/>
+          </a:prstGeom>
+          <a:noFill/>
+        </p:spPr>
+        <p:txBody>
+          <a:bodyPr wrap="square" rtlCol="0" anchor="ctr">
+            <a:spAutoFit/>
+          </a:bodyPr>
+          <a:lstStyle/>
+          <a:p>
+            <a:pPr algn="ctr"/>
+            <a:r>
+              <a:rPr lang="en-US" sz="1400" dirty="0">
+                <a:solidFill>
+                  <a:schemeClr val="bg1"/>
+                </a:solidFill>
+              </a:rPr>
+              <a:t>Submitted Words</a:t>
+            </a:r>
+          </a:p>
+        </p:txBody>
+      </p:sp>
+      <p:sp>
+        <p:nvSpPr>
+          <p:cNvPr id="25" name="TextBox 24">
+            <a:extLst>
+              <a:ext uri="{FF2B5EF4-FFF2-40B4-BE49-F238E27FC236}">
+                <a16:creationId xmlns:a16="http://schemas.microsoft.com/office/drawing/2014/main" id="{979DB00E-0FCE-40D9-91C8-B68D2DF9D7EA}"/>
+              </a:ext>
+            </a:extLst>
+          </p:cNvPr>
+          <p:cNvSpPr txBox="1"/>
+          <p:nvPr/>
+        </p:nvSpPr>
+        <p:spPr>
+          <a:xfrm>
+            <a:off x="6617149" y="4404401"/>
+            <a:ext cx="1304540" cy="307777"/>
+          </a:xfrm>
+          <a:prstGeom prst="rect">
+            <a:avLst/>
+          </a:prstGeom>
+          <a:noFill/>
+        </p:spPr>
+        <p:txBody>
+          <a:bodyPr wrap="square" rtlCol="0" anchor="ctr">
+            <a:spAutoFit/>
+          </a:bodyPr>
+          <a:lstStyle/>
+          <a:p>
+            <a:pPr algn="ctr"/>
+            <a:r>
+              <a:rPr lang="en-US" sz="1400" dirty="0">
+                <a:solidFill>
+                  <a:schemeClr val="bg1"/>
+                </a:solidFill>
+              </a:rPr>
+              <a:t>Auditioned</a:t>
+            </a:r>
+          </a:p>
+        </p:txBody>
+      </p:sp>
+    </p:spTree>
+    <p:extLst>
+      <p:ext uri="{BB962C8B-B14F-4D97-AF65-F5344CB8AC3E}">
+        <p14:creationId xmlns:p14="http://schemas.microsoft.com/office/powerpoint/2010/main" val="2681480680"/>
+      </p:ext>
+    </p:extLst>
+  </p:cSld>
+  <p:clrMapOvr>
+    <a:masterClrMapping/>
+  </p:clrMapOvr>
+</p:sld>
+</file>
+
+<file path=ppt/slides/slide12.xml><?xml version="1.0" encoding="utf-8"?>
+<p:sld xmlns:a="http://schemas.openxmlformats.org/drawingml/2006/main" xmlns:r="http://schemas.openxmlformats.org/officeDocument/2006/relationships" xmlns:p="http://schemas.openxmlformats.org/presentationml/2006/main">
+  <p:cSld>
+    <p:spTree>
+      <p:nvGrpSpPr>
+        <p:cNvPr id="1" name=""/>
+        <p:cNvGrpSpPr/>
+        <p:nvPr/>
+      </p:nvGrpSpPr>
+      <p:grpSpPr>
+        <a:xfrm>
+          <a:off x="0" y="0"/>
+          <a:ext cx="0" cy="0"/>
+          <a:chOff x="0" y="0"/>
+          <a:chExt cx="0" cy="0"/>
+        </a:xfrm>
+      </p:grpSpPr>
+      <p:pic>
+        <p:nvPicPr>
+          <p:cNvPr id="22" name="Picture 21">
+            <a:extLst>
+              <a:ext uri="{FF2B5EF4-FFF2-40B4-BE49-F238E27FC236}">
+                <a16:creationId xmlns:a16="http://schemas.microsoft.com/office/drawing/2014/main" id="{0FCA5D36-8C1E-4241-8338-51CAAC079E31}"/>
+              </a:ext>
+            </a:extLst>
+          </p:cNvPr>
+          <p:cNvPicPr>
+            <a:picLocks noChangeAspect="1"/>
+          </p:cNvPicPr>
+          <p:nvPr/>
+        </p:nvPicPr>
+        <p:blipFill rotWithShape="1">
+          <a:blip r:embed="rId3">
+            <a:extLst>
+              <a:ext uri="{28A0092B-C50C-407E-A947-70E740481C1C}">
+                <a14:useLocalDpi xmlns:a14="http://schemas.microsoft.com/office/drawing/2010/main" val="0"/>
+              </a:ext>
+            </a:extLst>
+          </a:blip>
+          <a:srcRect l="18699" r="24152"/>
+          <a:stretch/>
+        </p:blipFill>
+        <p:spPr>
+          <a:xfrm>
+            <a:off x="4037847" y="-169104"/>
+            <a:ext cx="4436198" cy="6858000"/>
+          </a:xfrm>
+          <a:prstGeom prst="rect">
+            <a:avLst/>
+          </a:prstGeom>
+        </p:spPr>
+      </p:pic>
+      <p:sp>
+        <p:nvSpPr>
+          <p:cNvPr id="31" name="Rectangle 30">
+            <a:extLst>
+              <a:ext uri="{FF2B5EF4-FFF2-40B4-BE49-F238E27FC236}">
+                <a16:creationId xmlns:a16="http://schemas.microsoft.com/office/drawing/2014/main" id="{9193FDD5-A21E-4C5E-9DF6-01D6CDFEECAE}"/>
+              </a:ext>
+            </a:extLst>
+          </p:cNvPr>
+          <p:cNvSpPr/>
+          <p:nvPr/>
+        </p:nvSpPr>
+        <p:spPr>
+          <a:xfrm>
+            <a:off x="4147560" y="4424625"/>
+            <a:ext cx="3891535" cy="2255918"/>
+          </a:xfrm>
+          <a:prstGeom prst="rect">
+            <a:avLst/>
+          </a:prstGeom>
+          <a:solidFill>
+            <a:schemeClr val="tx1">
+              <a:lumMod val="75000"/>
+              <a:lumOff val="25000"/>
+            </a:schemeClr>
+          </a:solidFill>
+          <a:ln>
+            <a:noFill/>
+          </a:ln>
+        </p:spPr>
+        <p:style>
+          <a:lnRef idx="2">
+            <a:schemeClr val="accent1">
+              <a:shade val="50000"/>
+            </a:schemeClr>
+          </a:lnRef>
+          <a:fillRef idx="1">
+            <a:schemeClr val="accent1"/>
+          </a:fillRef>
+          <a:effectRef idx="0">
+            <a:schemeClr val="accent1"/>
+          </a:effectRef>
+          <a:fontRef idx="minor">
+            <a:schemeClr val="lt1"/>
+          </a:fontRef>
+        </p:style>
+        <p:txBody>
+          <a:bodyPr rtlCol="0" anchor="ctr"/>
+          <a:lstStyle/>
+          <a:p>
+            <a:pPr algn="ctr"/>
+            <a:endParaRPr lang="en-US"/>
+          </a:p>
+        </p:txBody>
+      </p:sp>
+      <p:sp>
+        <p:nvSpPr>
+          <p:cNvPr id="30" name="Rectangle 29">
+            <a:extLst>
+              <a:ext uri="{FF2B5EF4-FFF2-40B4-BE49-F238E27FC236}">
+                <a16:creationId xmlns:a16="http://schemas.microsoft.com/office/drawing/2014/main" id="{2E875998-5134-4334-B56A-52CBA7EDC258}"/>
+              </a:ext>
+            </a:extLst>
+          </p:cNvPr>
+          <p:cNvSpPr/>
+          <p:nvPr/>
+        </p:nvSpPr>
+        <p:spPr>
+          <a:xfrm>
+            <a:off x="6617148" y="4469718"/>
+            <a:ext cx="1296761" cy="201869"/>
+          </a:xfrm>
+          <a:prstGeom prst="rect">
+            <a:avLst/>
+          </a:prstGeom>
+          <a:solidFill>
+            <a:schemeClr val="tx1">
+              <a:lumMod val="75000"/>
+              <a:lumOff val="25000"/>
+            </a:schemeClr>
+          </a:solidFill>
+          <a:ln>
+            <a:noFill/>
+          </a:ln>
+        </p:spPr>
+        <p:style>
+          <a:lnRef idx="2">
+            <a:schemeClr val="accent1">
+              <a:shade val="50000"/>
+            </a:schemeClr>
+          </a:lnRef>
+          <a:fillRef idx="1">
+            <a:schemeClr val="accent1"/>
+          </a:fillRef>
+          <a:effectRef idx="0">
+            <a:schemeClr val="accent1"/>
+          </a:effectRef>
+          <a:fontRef idx="minor">
+            <a:schemeClr val="lt1"/>
+          </a:fontRef>
+        </p:style>
+        <p:txBody>
+          <a:bodyPr rtlCol="0" anchor="ctr"/>
+          <a:lstStyle/>
+          <a:p>
+            <a:pPr algn="ctr"/>
+            <a:endParaRPr lang="en-US"/>
+          </a:p>
+        </p:txBody>
+      </p:sp>
+      <p:sp>
+        <p:nvSpPr>
+          <p:cNvPr id="29" name="Rectangle 28">
+            <a:extLst>
+              <a:ext uri="{FF2B5EF4-FFF2-40B4-BE49-F238E27FC236}">
+                <a16:creationId xmlns:a16="http://schemas.microsoft.com/office/drawing/2014/main" id="{E33C2376-9A44-498A-BC5B-DA616901B2F5}"/>
+              </a:ext>
+            </a:extLst>
+          </p:cNvPr>
+          <p:cNvSpPr/>
+          <p:nvPr/>
+        </p:nvSpPr>
+        <p:spPr>
+          <a:xfrm>
+            <a:off x="4224718" y="4483449"/>
+            <a:ext cx="2274469" cy="211860"/>
+          </a:xfrm>
+          <a:prstGeom prst="rect">
+            <a:avLst/>
+          </a:prstGeom>
+          <a:solidFill>
+            <a:schemeClr val="tx1">
+              <a:lumMod val="75000"/>
+              <a:lumOff val="25000"/>
+            </a:schemeClr>
+          </a:solidFill>
+          <a:ln>
+            <a:noFill/>
+          </a:ln>
+        </p:spPr>
+        <p:style>
+          <a:lnRef idx="2">
+            <a:schemeClr val="accent1">
+              <a:shade val="50000"/>
+            </a:schemeClr>
+          </a:lnRef>
+          <a:fillRef idx="1">
+            <a:schemeClr val="accent1"/>
+          </a:fillRef>
+          <a:effectRef idx="0">
+            <a:schemeClr val="accent1"/>
+          </a:effectRef>
+          <a:fontRef idx="minor">
+            <a:schemeClr val="lt1"/>
+          </a:fontRef>
+        </p:style>
+        <p:txBody>
+          <a:bodyPr rtlCol="0" anchor="ctr"/>
+          <a:lstStyle/>
+          <a:p>
+            <a:pPr algn="ctr"/>
+            <a:endParaRPr lang="en-US"/>
+          </a:p>
+        </p:txBody>
+      </p:sp>
+      <p:sp>
+        <p:nvSpPr>
+          <p:cNvPr id="28" name="Rectangle 27">
+            <a:extLst>
+              <a:ext uri="{FF2B5EF4-FFF2-40B4-BE49-F238E27FC236}">
+                <a16:creationId xmlns:a16="http://schemas.microsoft.com/office/drawing/2014/main" id="{2D61F2A4-31DA-431F-A6FD-B186EE73D619}"/>
+              </a:ext>
+            </a:extLst>
+          </p:cNvPr>
+          <p:cNvSpPr/>
+          <p:nvPr/>
+        </p:nvSpPr>
+        <p:spPr>
+          <a:xfrm>
+            <a:off x="4671148" y="889910"/>
+            <a:ext cx="2412373" cy="195829"/>
+          </a:xfrm>
+          <a:prstGeom prst="rect">
+            <a:avLst/>
+          </a:prstGeom>
+          <a:solidFill>
+            <a:schemeClr val="tx1">
+              <a:lumMod val="75000"/>
+              <a:lumOff val="25000"/>
+            </a:schemeClr>
+          </a:solidFill>
+          <a:ln>
+            <a:noFill/>
+          </a:ln>
+        </p:spPr>
+        <p:style>
+          <a:lnRef idx="2">
+            <a:schemeClr val="accent1">
+              <a:shade val="50000"/>
+            </a:schemeClr>
+          </a:lnRef>
+          <a:fillRef idx="1">
+            <a:schemeClr val="accent1"/>
+          </a:fillRef>
+          <a:effectRef idx="0">
+            <a:schemeClr val="accent1"/>
+          </a:effectRef>
+          <a:fontRef idx="minor">
+            <a:schemeClr val="lt1"/>
+          </a:fontRef>
+        </p:style>
+        <p:txBody>
+          <a:bodyPr rtlCol="0" anchor="ctr"/>
+          <a:lstStyle/>
+          <a:p>
+            <a:pPr algn="ctr"/>
+            <a:endParaRPr lang="en-US"/>
+          </a:p>
+        </p:txBody>
+      </p:sp>
+      <p:sp>
+        <p:nvSpPr>
+          <p:cNvPr id="27" name="Rectangle 26">
+            <a:extLst>
+              <a:ext uri="{FF2B5EF4-FFF2-40B4-BE49-F238E27FC236}">
+                <a16:creationId xmlns:a16="http://schemas.microsoft.com/office/drawing/2014/main" id="{43CB8AFC-BEB2-4F3D-BADA-7817EDE52DA7}"/>
+              </a:ext>
+            </a:extLst>
+          </p:cNvPr>
+          <p:cNvSpPr/>
+          <p:nvPr/>
+        </p:nvSpPr>
+        <p:spPr>
+          <a:xfrm>
+            <a:off x="7099949" y="177458"/>
+            <a:ext cx="901178" cy="682060"/>
+          </a:xfrm>
+          <a:prstGeom prst="rect">
+            <a:avLst/>
+          </a:prstGeom>
+          <a:solidFill>
+            <a:schemeClr val="tx1">
+              <a:lumMod val="75000"/>
+              <a:lumOff val="25000"/>
+            </a:schemeClr>
+          </a:solidFill>
+          <a:ln>
+            <a:noFill/>
+          </a:ln>
+        </p:spPr>
+        <p:style>
+          <a:lnRef idx="2">
+            <a:schemeClr val="accent1">
+              <a:shade val="50000"/>
+            </a:schemeClr>
+          </a:lnRef>
+          <a:fillRef idx="1">
+            <a:schemeClr val="accent1"/>
+          </a:fillRef>
+          <a:effectRef idx="0">
+            <a:schemeClr val="accent1"/>
+          </a:effectRef>
+          <a:fontRef idx="minor">
+            <a:schemeClr val="lt1"/>
+          </a:fontRef>
+        </p:style>
+        <p:txBody>
+          <a:bodyPr rtlCol="0" anchor="ctr"/>
+          <a:lstStyle/>
+          <a:p>
+            <a:pPr algn="ctr"/>
+            <a:endParaRPr lang="en-US"/>
+          </a:p>
+        </p:txBody>
+      </p:sp>
+      <p:sp>
+        <p:nvSpPr>
+          <p:cNvPr id="26" name="Rectangle 25">
+            <a:extLst>
+              <a:ext uri="{FF2B5EF4-FFF2-40B4-BE49-F238E27FC236}">
+                <a16:creationId xmlns:a16="http://schemas.microsoft.com/office/drawing/2014/main" id="{EEA356B7-F52F-4BC6-9D20-1056F3D1A3BC}"/>
+              </a:ext>
+            </a:extLst>
+          </p:cNvPr>
+          <p:cNvSpPr/>
+          <p:nvPr/>
+        </p:nvSpPr>
+        <p:spPr>
+          <a:xfrm>
+            <a:off x="4147561" y="177457"/>
+            <a:ext cx="3853566" cy="919121"/>
+          </a:xfrm>
+          <a:prstGeom prst="rect">
+            <a:avLst/>
+          </a:prstGeom>
+          <a:solidFill>
+            <a:schemeClr val="tx1">
+              <a:lumMod val="75000"/>
+              <a:lumOff val="25000"/>
+            </a:schemeClr>
+          </a:solidFill>
+          <a:ln>
+            <a:noFill/>
+          </a:ln>
+        </p:spPr>
+        <p:style>
+          <a:lnRef idx="2">
+            <a:schemeClr val="accent1">
+              <a:shade val="50000"/>
+            </a:schemeClr>
+          </a:lnRef>
+          <a:fillRef idx="1">
+            <a:schemeClr val="accent1"/>
+          </a:fillRef>
+          <a:effectRef idx="0">
+            <a:schemeClr val="accent1"/>
+          </a:effectRef>
+          <a:fontRef idx="minor">
+            <a:schemeClr val="lt1"/>
+          </a:fontRef>
+        </p:style>
+        <p:txBody>
+          <a:bodyPr rtlCol="0" anchor="ctr"/>
+          <a:lstStyle/>
+          <a:p>
+            <a:pPr algn="ctr"/>
+            <a:endParaRPr lang="en-US"/>
+          </a:p>
+        </p:txBody>
+      </p:sp>
+      <p:sp>
+        <p:nvSpPr>
+          <p:cNvPr id="5" name="Rectangle 4">
+            <a:extLst>
+              <a:ext uri="{FF2B5EF4-FFF2-40B4-BE49-F238E27FC236}">
+                <a16:creationId xmlns:a16="http://schemas.microsoft.com/office/drawing/2014/main" id="{175491A8-EA5B-4C2C-A048-E751C5A7E636}"/>
+              </a:ext>
+            </a:extLst>
+          </p:cNvPr>
+          <p:cNvSpPr/>
+          <p:nvPr/>
+        </p:nvSpPr>
+        <p:spPr>
+          <a:xfrm>
+            <a:off x="4152898" y="169104"/>
+            <a:ext cx="901178" cy="682060"/>
+          </a:xfrm>
+          <a:prstGeom prst="rect">
+            <a:avLst/>
+          </a:prstGeom>
+          <a:solidFill>
+            <a:schemeClr val="tx1">
+              <a:lumMod val="75000"/>
+              <a:lumOff val="25000"/>
+            </a:schemeClr>
+          </a:solidFill>
+          <a:ln>
+            <a:noFill/>
+          </a:ln>
+        </p:spPr>
+        <p:style>
+          <a:lnRef idx="2">
+            <a:schemeClr val="accent1">
+              <a:shade val="50000"/>
+            </a:schemeClr>
+          </a:lnRef>
+          <a:fillRef idx="1">
+            <a:schemeClr val="accent1"/>
+          </a:fillRef>
+          <a:effectRef idx="0">
+            <a:schemeClr val="accent1"/>
+          </a:effectRef>
+          <a:fontRef idx="minor">
+            <a:schemeClr val="lt1"/>
+          </a:fontRef>
+        </p:style>
+        <p:txBody>
+          <a:bodyPr rtlCol="0" anchor="ctr"/>
+          <a:lstStyle/>
+          <a:p>
+            <a:pPr algn="ctr"/>
+            <a:endParaRPr lang="en-US"/>
+          </a:p>
+        </p:txBody>
+      </p:sp>
+      <p:sp>
+        <p:nvSpPr>
+          <p:cNvPr id="6" name="TextBox 5">
+            <a:extLst>
+              <a:ext uri="{FF2B5EF4-FFF2-40B4-BE49-F238E27FC236}">
+                <a16:creationId xmlns:a16="http://schemas.microsoft.com/office/drawing/2014/main" id="{C5A2D7AE-E779-41F9-B90A-BC5411D76DD9}"/>
+              </a:ext>
+            </a:extLst>
+          </p:cNvPr>
+          <p:cNvSpPr txBox="1"/>
+          <p:nvPr/>
+        </p:nvSpPr>
+        <p:spPr>
+          <a:xfrm>
+            <a:off x="4223652" y="131919"/>
+            <a:ext cx="755780" cy="369332"/>
+          </a:xfrm>
+          <a:prstGeom prst="rect">
+            <a:avLst/>
+          </a:prstGeom>
+          <a:noFill/>
+        </p:spPr>
+        <p:txBody>
+          <a:bodyPr wrap="square" rtlCol="0">
+            <a:spAutoFit/>
+          </a:bodyPr>
+          <a:lstStyle/>
+          <a:p>
+            <a:pPr algn="ctr"/>
+            <a:r>
+              <a:rPr lang="en-US" dirty="0">
+                <a:solidFill>
+                  <a:schemeClr val="bg1"/>
+                </a:solidFill>
+              </a:rPr>
+              <a:t>Level</a:t>
+            </a:r>
+          </a:p>
+        </p:txBody>
+      </p:sp>
+      <p:sp>
+        <p:nvSpPr>
+          <p:cNvPr id="8" name="TextBox 7">
+            <a:extLst>
+              <a:ext uri="{FF2B5EF4-FFF2-40B4-BE49-F238E27FC236}">
+                <a16:creationId xmlns:a16="http://schemas.microsoft.com/office/drawing/2014/main" id="{E1BE5118-306B-4FFA-A54E-5C601C8394FA}"/>
+              </a:ext>
+            </a:extLst>
+          </p:cNvPr>
+          <p:cNvSpPr txBox="1"/>
+          <p:nvPr/>
+        </p:nvSpPr>
+        <p:spPr>
+          <a:xfrm>
+            <a:off x="5634127" y="133209"/>
+            <a:ext cx="755780" cy="369332"/>
+          </a:xfrm>
+          <a:prstGeom prst="rect">
+            <a:avLst/>
+          </a:prstGeom>
+          <a:noFill/>
+        </p:spPr>
+        <p:txBody>
+          <a:bodyPr wrap="square" rtlCol="0">
+            <a:spAutoFit/>
+          </a:bodyPr>
+          <a:lstStyle/>
+          <a:p>
+            <a:pPr algn="ctr"/>
+            <a:r>
+              <a:rPr lang="en-US" dirty="0">
+                <a:solidFill>
+                  <a:schemeClr val="bg1"/>
+                </a:solidFill>
+              </a:rPr>
+              <a:t>Score</a:t>
+            </a:r>
+          </a:p>
+        </p:txBody>
+      </p:sp>
+      <p:sp>
+        <p:nvSpPr>
+          <p:cNvPr id="9" name="TextBox 8">
+            <a:extLst>
+              <a:ext uri="{FF2B5EF4-FFF2-40B4-BE49-F238E27FC236}">
+                <a16:creationId xmlns:a16="http://schemas.microsoft.com/office/drawing/2014/main" id="{8AAC14BD-8A83-4C74-898C-3B4C9220ED91}"/>
+              </a:ext>
+            </a:extLst>
+          </p:cNvPr>
+          <p:cNvSpPr txBox="1"/>
+          <p:nvPr/>
+        </p:nvSpPr>
+        <p:spPr>
+          <a:xfrm>
+            <a:off x="7194677" y="131917"/>
+            <a:ext cx="755780" cy="369332"/>
+          </a:xfrm>
+          <a:prstGeom prst="rect">
+            <a:avLst/>
+          </a:prstGeom>
+          <a:noFill/>
+        </p:spPr>
+        <p:txBody>
+          <a:bodyPr wrap="square" rtlCol="0">
+            <a:spAutoFit/>
+          </a:bodyPr>
+          <a:lstStyle/>
+          <a:p>
+            <a:pPr algn="ctr"/>
+            <a:r>
+              <a:rPr lang="en-US" dirty="0">
+                <a:solidFill>
+                  <a:schemeClr val="bg1"/>
+                </a:solidFill>
+              </a:rPr>
+              <a:t>Mana</a:t>
+            </a:r>
+          </a:p>
+        </p:txBody>
+      </p:sp>
+      <p:sp>
+        <p:nvSpPr>
+          <p:cNvPr id="12" name="Rectangle 11">
+            <a:extLst>
+              <a:ext uri="{FF2B5EF4-FFF2-40B4-BE49-F238E27FC236}">
+                <a16:creationId xmlns:a16="http://schemas.microsoft.com/office/drawing/2014/main" id="{136EB81B-AFB2-4FBA-9D99-048A1C443DF8}"/>
+              </a:ext>
+            </a:extLst>
+          </p:cNvPr>
+          <p:cNvSpPr/>
+          <p:nvPr/>
+        </p:nvSpPr>
+        <p:spPr>
+          <a:xfrm>
+            <a:off x="4220733" y="4671588"/>
+            <a:ext cx="2276669" cy="1393571"/>
+          </a:xfrm>
+          <a:prstGeom prst="rect">
+            <a:avLst/>
+          </a:prstGeom>
+          <a:solidFill>
+            <a:schemeClr val="tx1">
+              <a:lumMod val="65000"/>
+              <a:lumOff val="35000"/>
+            </a:schemeClr>
+          </a:solidFill>
+          <a:ln>
+            <a:solidFill>
+              <a:schemeClr val="bg1">
+                <a:lumMod val="50000"/>
+              </a:schemeClr>
+            </a:solidFill>
+          </a:ln>
+        </p:spPr>
+        <p:style>
+          <a:lnRef idx="2">
+            <a:schemeClr val="accent1">
+              <a:shade val="50000"/>
+            </a:schemeClr>
+          </a:lnRef>
+          <a:fillRef idx="1">
+            <a:schemeClr val="accent1"/>
+          </a:fillRef>
+          <a:effectRef idx="0">
+            <a:schemeClr val="accent1"/>
+          </a:effectRef>
+          <a:fontRef idx="minor">
+            <a:schemeClr val="lt1"/>
+          </a:fontRef>
+        </p:style>
+        <p:txBody>
+          <a:bodyPr rtlCol="0" anchor="ctr"/>
+          <a:lstStyle/>
+          <a:p>
+            <a:pPr algn="ctr"/>
+            <a:endParaRPr lang="en-US"/>
+          </a:p>
+        </p:txBody>
+      </p:sp>
+      <p:sp>
+        <p:nvSpPr>
+          <p:cNvPr id="13" name="Rectangle 12">
+            <a:extLst>
+              <a:ext uri="{FF2B5EF4-FFF2-40B4-BE49-F238E27FC236}">
+                <a16:creationId xmlns:a16="http://schemas.microsoft.com/office/drawing/2014/main" id="{529EBA8E-B57F-4AE8-BBE1-B837D15B557C}"/>
+              </a:ext>
+            </a:extLst>
+          </p:cNvPr>
+          <p:cNvSpPr/>
+          <p:nvPr/>
+        </p:nvSpPr>
+        <p:spPr>
+          <a:xfrm>
+            <a:off x="6609371" y="4671588"/>
+            <a:ext cx="1304539" cy="1393571"/>
+          </a:xfrm>
+          <a:prstGeom prst="rect">
+            <a:avLst/>
+          </a:prstGeom>
+          <a:solidFill>
+            <a:schemeClr val="tx1">
+              <a:lumMod val="65000"/>
+              <a:lumOff val="35000"/>
+            </a:schemeClr>
+          </a:solidFill>
+          <a:ln>
+            <a:solidFill>
+              <a:schemeClr val="bg1">
+                <a:lumMod val="50000"/>
+              </a:schemeClr>
+            </a:solidFill>
+          </a:ln>
+        </p:spPr>
+        <p:style>
+          <a:lnRef idx="2">
+            <a:schemeClr val="accent1">
+              <a:shade val="50000"/>
+            </a:schemeClr>
+          </a:lnRef>
+          <a:fillRef idx="1">
+            <a:schemeClr val="accent1"/>
+          </a:fillRef>
+          <a:effectRef idx="0">
+            <a:schemeClr val="accent1"/>
+          </a:effectRef>
+          <a:fontRef idx="minor">
+            <a:schemeClr val="lt1"/>
+          </a:fontRef>
+        </p:style>
+        <p:txBody>
+          <a:bodyPr rtlCol="0" anchor="ctr"/>
+          <a:lstStyle/>
+          <a:p>
+            <a:pPr algn="ctr"/>
+            <a:endParaRPr lang="en-US"/>
+          </a:p>
+        </p:txBody>
+      </p:sp>
+      <p:sp>
+        <p:nvSpPr>
+          <p:cNvPr id="14" name="Rectangle: Rounded Corners 13">
+            <a:extLst>
+              <a:ext uri="{FF2B5EF4-FFF2-40B4-BE49-F238E27FC236}">
+                <a16:creationId xmlns:a16="http://schemas.microsoft.com/office/drawing/2014/main" id="{9336D1A6-639E-481D-BECE-EECC489038CC}"/>
+              </a:ext>
+            </a:extLst>
+          </p:cNvPr>
+          <p:cNvSpPr/>
+          <p:nvPr/>
+        </p:nvSpPr>
+        <p:spPr>
+          <a:xfrm>
+            <a:off x="7187168" y="851163"/>
+            <a:ext cx="726741" cy="245416"/>
+          </a:xfrm>
+          <a:prstGeom prst="roundRect">
+            <a:avLst/>
+          </a:prstGeom>
+          <a:solidFill>
+            <a:srgbClr val="4C1F65"/>
+          </a:solidFill>
+          <a:ln>
+            <a:solidFill>
+              <a:schemeClr val="tx1">
+                <a:lumMod val="50000"/>
+                <a:lumOff val="50000"/>
+              </a:schemeClr>
+            </a:solidFill>
+          </a:ln>
+        </p:spPr>
+        <p:style>
+          <a:lnRef idx="2">
+            <a:schemeClr val="accent1">
+              <a:shade val="50000"/>
+            </a:schemeClr>
+          </a:lnRef>
+          <a:fillRef idx="1">
+            <a:schemeClr val="accent1"/>
+          </a:fillRef>
+          <a:effectRef idx="0">
+            <a:schemeClr val="accent1"/>
+          </a:effectRef>
+          <a:fontRef idx="minor">
+            <a:schemeClr val="lt1"/>
+          </a:fontRef>
+        </p:style>
+        <p:txBody>
+          <a:bodyPr rtlCol="0" anchor="ctr"/>
+          <a:lstStyle/>
+          <a:p>
+            <a:pPr algn="ctr"/>
+            <a:r>
+              <a:rPr lang="en-US" sz="1400" dirty="0"/>
+              <a:t>Cast</a:t>
+            </a:r>
+          </a:p>
+        </p:txBody>
+      </p:sp>
+      <p:sp>
+        <p:nvSpPr>
+          <p:cNvPr id="15" name="Rectangle 14">
+            <a:extLst>
+              <a:ext uri="{FF2B5EF4-FFF2-40B4-BE49-F238E27FC236}">
+                <a16:creationId xmlns:a16="http://schemas.microsoft.com/office/drawing/2014/main" id="{599D2AFE-9F9D-4115-A04C-0E9E528FA050}"/>
+              </a:ext>
+            </a:extLst>
+          </p:cNvPr>
+          <p:cNvSpPr/>
+          <p:nvPr/>
+        </p:nvSpPr>
+        <p:spPr>
+          <a:xfrm>
+            <a:off x="10207690" y="1838131"/>
+            <a:ext cx="914400" cy="914400"/>
+          </a:xfrm>
+          <a:prstGeom prst="rect">
+            <a:avLst/>
+          </a:prstGeom>
+        </p:spPr>
+        <p:style>
+          <a:lnRef idx="2">
+            <a:schemeClr val="accent1">
+              <a:shade val="50000"/>
+            </a:schemeClr>
+          </a:lnRef>
+          <a:fillRef idx="1">
+            <a:schemeClr val="accent1"/>
+          </a:fillRef>
+          <a:effectRef idx="0">
+            <a:schemeClr val="accent1"/>
+          </a:effectRef>
+          <a:fontRef idx="minor">
+            <a:schemeClr val="lt1"/>
+          </a:fontRef>
+        </p:style>
+        <p:txBody>
+          <a:bodyPr rtlCol="0" anchor="ctr"/>
+          <a:lstStyle/>
+          <a:p>
+            <a:pPr algn="ctr"/>
+            <a:endParaRPr lang="en-US"/>
+          </a:p>
+        </p:txBody>
+      </p:sp>
+      <p:sp>
+        <p:nvSpPr>
+          <p:cNvPr id="16" name="Rectangle: Rounded Corners 15">
+            <a:extLst>
+              <a:ext uri="{FF2B5EF4-FFF2-40B4-BE49-F238E27FC236}">
+                <a16:creationId xmlns:a16="http://schemas.microsoft.com/office/drawing/2014/main" id="{5E679ADA-4B52-45D8-B69C-70ED61D3419C}"/>
+              </a:ext>
+            </a:extLst>
+          </p:cNvPr>
+          <p:cNvSpPr/>
+          <p:nvPr/>
+        </p:nvSpPr>
+        <p:spPr>
+          <a:xfrm>
+            <a:off x="4961941" y="6130212"/>
+            <a:ext cx="2959748" cy="450072"/>
+          </a:xfrm>
+          <a:prstGeom prst="roundRect">
+            <a:avLst/>
+          </a:prstGeom>
+          <a:solidFill>
+            <a:schemeClr val="tx1">
+              <a:lumMod val="85000"/>
+              <a:lumOff val="15000"/>
+            </a:schemeClr>
+          </a:solidFill>
+          <a:ln>
+            <a:solidFill>
+              <a:schemeClr val="tx1">
+                <a:lumMod val="50000"/>
+                <a:lumOff val="50000"/>
+              </a:schemeClr>
+            </a:solidFill>
+          </a:ln>
+        </p:spPr>
+        <p:style>
+          <a:lnRef idx="2">
+            <a:schemeClr val="accent1">
+              <a:shade val="50000"/>
+            </a:schemeClr>
+          </a:lnRef>
+          <a:fillRef idx="1">
+            <a:schemeClr val="accent1"/>
+          </a:fillRef>
+          <a:effectRef idx="0">
+            <a:schemeClr val="accent1"/>
+          </a:effectRef>
+          <a:fontRef idx="minor">
+            <a:schemeClr val="lt1"/>
+          </a:fontRef>
+        </p:style>
+        <p:txBody>
+          <a:bodyPr rtlCol="0" anchor="ctr"/>
+          <a:lstStyle/>
+          <a:p>
+            <a:pPr algn="ctr"/>
+            <a:r>
+              <a:rPr lang="en-US" sz="1400" dirty="0"/>
+              <a:t>Click on letters </a:t>
+            </a:r>
+          </a:p>
+          <a:p>
+            <a:pPr algn="ctr"/>
+            <a:r>
+              <a:rPr lang="en-US" sz="1400" dirty="0"/>
+              <a:t>to spell a word</a:t>
+            </a:r>
+          </a:p>
+        </p:txBody>
+      </p:sp>
+      <p:sp>
+        <p:nvSpPr>
+          <p:cNvPr id="18" name="Frame 17">
+            <a:extLst>
+              <a:ext uri="{FF2B5EF4-FFF2-40B4-BE49-F238E27FC236}">
+                <a16:creationId xmlns:a16="http://schemas.microsoft.com/office/drawing/2014/main" id="{846FA173-1D6E-473B-B9BB-4ACE6EC26BD4}"/>
+              </a:ext>
+            </a:extLst>
+          </p:cNvPr>
+          <p:cNvSpPr/>
+          <p:nvPr/>
+        </p:nvSpPr>
+        <p:spPr>
+          <a:xfrm>
+            <a:off x="3498980" y="-475860"/>
+            <a:ext cx="5178489" cy="7791060"/>
+          </a:xfrm>
+          <a:prstGeom prst="frame">
+            <a:avLst/>
+          </a:prstGeom>
+          <a:solidFill>
+            <a:schemeClr val="bg1"/>
+          </a:solidFill>
+        </p:spPr>
+        <p:style>
+          <a:lnRef idx="2">
+            <a:schemeClr val="accent1">
+              <a:shade val="50000"/>
+            </a:schemeClr>
+          </a:lnRef>
+          <a:fillRef idx="1">
+            <a:schemeClr val="accent1"/>
+          </a:fillRef>
+          <a:effectRef idx="0">
+            <a:schemeClr val="accent1"/>
+          </a:effectRef>
+          <a:fontRef idx="minor">
+            <a:schemeClr val="lt1"/>
+          </a:fontRef>
+        </p:style>
+        <p:txBody>
+          <a:bodyPr rtlCol="0" anchor="ctr"/>
+          <a:lstStyle/>
+          <a:p>
+            <a:pPr algn="ctr"/>
+            <a:endParaRPr lang="en-US">
+              <a:solidFill>
+                <a:schemeClr val="tx1"/>
+              </a:solidFill>
+            </a:endParaRPr>
+          </a:p>
+        </p:txBody>
+      </p:sp>
+      <p:sp>
+        <p:nvSpPr>
+          <p:cNvPr id="2" name="TextBox 1">
+            <a:extLst>
+              <a:ext uri="{FF2B5EF4-FFF2-40B4-BE49-F238E27FC236}">
+                <a16:creationId xmlns:a16="http://schemas.microsoft.com/office/drawing/2014/main" id="{0A759929-BDA3-420D-BC64-1584AF85EDF3}"/>
+              </a:ext>
+            </a:extLst>
+          </p:cNvPr>
+          <p:cNvSpPr txBox="1"/>
+          <p:nvPr/>
+        </p:nvSpPr>
+        <p:spPr>
+          <a:xfrm>
+            <a:off x="5549375" y="290018"/>
+            <a:ext cx="918290" cy="646331"/>
+          </a:xfrm>
+          <a:prstGeom prst="rect">
+            <a:avLst/>
+          </a:prstGeom>
+          <a:noFill/>
+        </p:spPr>
+        <p:txBody>
+          <a:bodyPr wrap="square" rtlCol="0">
+            <a:spAutoFit/>
+          </a:bodyPr>
+          <a:lstStyle/>
+          <a:p>
+            <a:pPr algn="ctr"/>
+            <a:r>
+              <a:rPr lang="en-US" sz="3600" dirty="0">
+                <a:solidFill>
+                  <a:schemeClr val="bg1"/>
+                </a:solidFill>
+              </a:rPr>
+              <a:t>205</a:t>
+            </a:r>
+          </a:p>
+        </p:txBody>
+      </p:sp>
+      <p:sp>
+        <p:nvSpPr>
+          <p:cNvPr id="19" name="TextBox 18">
+            <a:extLst>
+              <a:ext uri="{FF2B5EF4-FFF2-40B4-BE49-F238E27FC236}">
+                <a16:creationId xmlns:a16="http://schemas.microsoft.com/office/drawing/2014/main" id="{CF636CAF-E37E-49CC-90E0-59ACB65E3E51}"/>
+              </a:ext>
+            </a:extLst>
+          </p:cNvPr>
+          <p:cNvSpPr txBox="1"/>
+          <p:nvPr/>
+        </p:nvSpPr>
+        <p:spPr>
+          <a:xfrm>
+            <a:off x="4135786" y="290018"/>
+            <a:ext cx="918290" cy="646331"/>
+          </a:xfrm>
+          <a:prstGeom prst="rect">
+            <a:avLst/>
+          </a:prstGeom>
+          <a:noFill/>
+        </p:spPr>
+        <p:txBody>
+          <a:bodyPr wrap="square" rtlCol="0">
+            <a:spAutoFit/>
+          </a:bodyPr>
+          <a:lstStyle/>
+          <a:p>
+            <a:pPr algn="ctr"/>
+            <a:r>
+              <a:rPr lang="en-US" sz="3600" dirty="0">
+                <a:solidFill>
+                  <a:schemeClr val="bg1"/>
+                </a:solidFill>
+              </a:rPr>
+              <a:t>5</a:t>
+            </a:r>
+          </a:p>
+        </p:txBody>
+      </p:sp>
+      <p:sp>
+        <p:nvSpPr>
+          <p:cNvPr id="20" name="TextBox 19">
+            <a:extLst>
+              <a:ext uri="{FF2B5EF4-FFF2-40B4-BE49-F238E27FC236}">
+                <a16:creationId xmlns:a16="http://schemas.microsoft.com/office/drawing/2014/main" id="{C5FF8574-4F5C-4C8A-8536-DF9E68318D6B}"/>
+              </a:ext>
+            </a:extLst>
+          </p:cNvPr>
+          <p:cNvSpPr txBox="1"/>
+          <p:nvPr/>
+        </p:nvSpPr>
+        <p:spPr>
+          <a:xfrm>
+            <a:off x="7120806" y="316583"/>
+            <a:ext cx="918290" cy="646331"/>
+          </a:xfrm>
+          <a:prstGeom prst="rect">
+            <a:avLst/>
+          </a:prstGeom>
+          <a:noFill/>
+        </p:spPr>
+        <p:txBody>
+          <a:bodyPr wrap="square" rtlCol="0">
+            <a:spAutoFit/>
+          </a:bodyPr>
+          <a:lstStyle/>
+          <a:p>
+            <a:pPr algn="ctr"/>
+            <a:r>
+              <a:rPr lang="en-US" sz="3600" dirty="0">
+                <a:solidFill>
+                  <a:schemeClr val="bg1"/>
+                </a:solidFill>
+              </a:rPr>
+              <a:t>0</a:t>
+            </a:r>
+          </a:p>
+        </p:txBody>
+      </p:sp>
+      <p:sp>
+        <p:nvSpPr>
+          <p:cNvPr id="7" name="TextBox 6">
+            <a:extLst>
+              <a:ext uri="{FF2B5EF4-FFF2-40B4-BE49-F238E27FC236}">
+                <a16:creationId xmlns:a16="http://schemas.microsoft.com/office/drawing/2014/main" id="{BE3FA923-B472-49D2-A73E-C082D5A7211F}"/>
+              </a:ext>
+            </a:extLst>
+          </p:cNvPr>
+          <p:cNvSpPr txBox="1"/>
+          <p:nvPr/>
+        </p:nvSpPr>
+        <p:spPr>
+          <a:xfrm>
+            <a:off x="4601542" y="809025"/>
+            <a:ext cx="1081560" cy="307777"/>
+          </a:xfrm>
+          <a:prstGeom prst="rect">
+            <a:avLst/>
+          </a:prstGeom>
+          <a:noFill/>
+        </p:spPr>
+        <p:txBody>
+          <a:bodyPr wrap="square" rtlCol="0">
+            <a:spAutoFit/>
+          </a:bodyPr>
+          <a:lstStyle/>
+          <a:p>
+            <a:r>
+              <a:rPr lang="en-US" sz="1400" dirty="0">
+                <a:solidFill>
+                  <a:schemeClr val="bg1"/>
+                </a:solidFill>
+              </a:rPr>
+              <a:t>Fortune</a:t>
+            </a:r>
+          </a:p>
+        </p:txBody>
+      </p:sp>
+      <p:pic>
+        <p:nvPicPr>
+          <p:cNvPr id="21" name="Picture 20">
+            <a:extLst>
+              <a:ext uri="{FF2B5EF4-FFF2-40B4-BE49-F238E27FC236}">
+                <a16:creationId xmlns:a16="http://schemas.microsoft.com/office/drawing/2014/main" id="{42A5FF73-754B-45B0-9ED8-9B0A6D1EF089}"/>
+              </a:ext>
+            </a:extLst>
+          </p:cNvPr>
+          <p:cNvPicPr>
+            <a:picLocks noChangeAspect="1"/>
+          </p:cNvPicPr>
+          <p:nvPr/>
+        </p:nvPicPr>
+        <p:blipFill rotWithShape="1">
+          <a:blip r:embed="rId4"/>
+          <a:srcRect l="3324" t="15484" r="5058" b="24467"/>
+          <a:stretch/>
+        </p:blipFill>
+        <p:spPr>
+          <a:xfrm>
+            <a:off x="5379077" y="936349"/>
+            <a:ext cx="1055908" cy="102953"/>
+          </a:xfrm>
+          <a:prstGeom prst="rect">
+            <a:avLst/>
+          </a:prstGeom>
+        </p:spPr>
+      </p:pic>
+      <p:sp>
+        <p:nvSpPr>
+          <p:cNvPr id="23" name="Rectangle: Rounded Corners 22">
+            <a:extLst>
+              <a:ext uri="{FF2B5EF4-FFF2-40B4-BE49-F238E27FC236}">
+                <a16:creationId xmlns:a16="http://schemas.microsoft.com/office/drawing/2014/main" id="{DECEE237-B7F2-447F-ADC9-0EE88DFB9FCD}"/>
+              </a:ext>
+            </a:extLst>
+          </p:cNvPr>
+          <p:cNvSpPr/>
+          <p:nvPr/>
+        </p:nvSpPr>
+        <p:spPr>
+          <a:xfrm>
+            <a:off x="4203228" y="6130212"/>
+            <a:ext cx="641305" cy="450072"/>
+          </a:xfrm>
+          <a:prstGeom prst="roundRect">
+            <a:avLst/>
+          </a:prstGeom>
+          <a:solidFill>
+            <a:schemeClr val="tx1">
+              <a:lumMod val="85000"/>
+              <a:lumOff val="15000"/>
+            </a:schemeClr>
+          </a:solidFill>
+          <a:ln>
+            <a:solidFill>
+              <a:schemeClr val="tx1">
+                <a:lumMod val="50000"/>
+                <a:lumOff val="50000"/>
+              </a:schemeClr>
+            </a:solidFill>
+          </a:ln>
+        </p:spPr>
+        <p:style>
+          <a:lnRef idx="2">
+            <a:schemeClr val="accent1">
+              <a:shade val="50000"/>
+            </a:schemeClr>
+          </a:lnRef>
+          <a:fillRef idx="1">
+            <a:schemeClr val="accent1"/>
+          </a:fillRef>
+          <a:effectRef idx="0">
+            <a:schemeClr val="accent1"/>
+          </a:effectRef>
+          <a:fontRef idx="minor">
+            <a:schemeClr val="lt1"/>
+          </a:fontRef>
+        </p:style>
+        <p:txBody>
+          <a:bodyPr rtlCol="0" anchor="ctr"/>
+          <a:lstStyle/>
+          <a:p>
+            <a:pPr algn="ctr"/>
+            <a:r>
+              <a:rPr lang="en-US" sz="2800" dirty="0"/>
+              <a:t>?</a:t>
+            </a:r>
+          </a:p>
+        </p:txBody>
+      </p:sp>
+      <p:sp>
+        <p:nvSpPr>
+          <p:cNvPr id="24" name="TextBox 23">
+            <a:extLst>
+              <a:ext uri="{FF2B5EF4-FFF2-40B4-BE49-F238E27FC236}">
+                <a16:creationId xmlns:a16="http://schemas.microsoft.com/office/drawing/2014/main" id="{79E992C7-1C4D-4AB8-A6BC-87F9464F40ED}"/>
+              </a:ext>
+            </a:extLst>
+          </p:cNvPr>
+          <p:cNvSpPr txBox="1"/>
+          <p:nvPr/>
+        </p:nvSpPr>
+        <p:spPr>
+          <a:xfrm>
+            <a:off x="4220733" y="4404402"/>
+            <a:ext cx="2276669" cy="307777"/>
+          </a:xfrm>
+          <a:prstGeom prst="rect">
+            <a:avLst/>
+          </a:prstGeom>
+          <a:noFill/>
+        </p:spPr>
+        <p:txBody>
+          <a:bodyPr wrap="square" rtlCol="0" anchor="ctr">
+            <a:spAutoFit/>
+          </a:bodyPr>
+          <a:lstStyle/>
+          <a:p>
+            <a:pPr algn="ctr"/>
+            <a:r>
+              <a:rPr lang="en-US" sz="1400" dirty="0">
+                <a:solidFill>
+                  <a:schemeClr val="bg1"/>
+                </a:solidFill>
+              </a:rPr>
+              <a:t>Submitted Words</a:t>
+            </a:r>
+          </a:p>
+        </p:txBody>
+      </p:sp>
+      <p:sp>
+        <p:nvSpPr>
+          <p:cNvPr id="25" name="TextBox 24">
+            <a:extLst>
+              <a:ext uri="{FF2B5EF4-FFF2-40B4-BE49-F238E27FC236}">
+                <a16:creationId xmlns:a16="http://schemas.microsoft.com/office/drawing/2014/main" id="{979DB00E-0FCE-40D9-91C8-B68D2DF9D7EA}"/>
+              </a:ext>
+            </a:extLst>
+          </p:cNvPr>
+          <p:cNvSpPr txBox="1"/>
+          <p:nvPr/>
+        </p:nvSpPr>
+        <p:spPr>
+          <a:xfrm>
+            <a:off x="6617149" y="4404401"/>
+            <a:ext cx="1304540" cy="307777"/>
+          </a:xfrm>
+          <a:prstGeom prst="rect">
+            <a:avLst/>
+          </a:prstGeom>
+          <a:noFill/>
+        </p:spPr>
+        <p:txBody>
+          <a:bodyPr wrap="square" rtlCol="0" anchor="ctr">
+            <a:spAutoFit/>
+          </a:bodyPr>
+          <a:lstStyle/>
+          <a:p>
+            <a:pPr algn="ctr"/>
+            <a:r>
+              <a:rPr lang="en-US" sz="1400" dirty="0">
+                <a:solidFill>
+                  <a:schemeClr val="bg1"/>
+                </a:solidFill>
+              </a:rPr>
+              <a:t>Auditioned</a:t>
+            </a:r>
+          </a:p>
+        </p:txBody>
+      </p:sp>
+      <p:pic>
+        <p:nvPicPr>
+          <p:cNvPr id="32" name="Picture 31">
+            <a:extLst>
+              <a:ext uri="{FF2B5EF4-FFF2-40B4-BE49-F238E27FC236}">
+                <a16:creationId xmlns:a16="http://schemas.microsoft.com/office/drawing/2014/main" id="{1C819673-0B0C-4ACE-A45E-22F4C5989616}"/>
+              </a:ext>
+            </a:extLst>
+          </p:cNvPr>
+          <p:cNvPicPr>
+            <a:picLocks noChangeAspect="1"/>
+          </p:cNvPicPr>
+          <p:nvPr/>
+        </p:nvPicPr>
+        <p:blipFill>
+          <a:blip r:embed="rId5">
+            <a:extLst>
+              <a:ext uri="{28A0092B-C50C-407E-A947-70E740481C1C}">
+                <a14:useLocalDpi xmlns:a14="http://schemas.microsoft.com/office/drawing/2010/main" val="0"/>
+              </a:ext>
+            </a:extLst>
+          </a:blip>
+          <a:stretch>
+            <a:fillRect/>
+          </a:stretch>
+        </p:blipFill>
+        <p:spPr>
+          <a:xfrm>
+            <a:off x="4235622" y="993306"/>
+            <a:ext cx="3642779" cy="3642779"/>
+          </a:xfrm>
+          <a:prstGeom prst="rect">
+            <a:avLst/>
+          </a:prstGeom>
+        </p:spPr>
+      </p:pic>
+    </p:spTree>
+    <p:extLst>
+      <p:ext uri="{BB962C8B-B14F-4D97-AF65-F5344CB8AC3E}">
+        <p14:creationId xmlns:p14="http://schemas.microsoft.com/office/powerpoint/2010/main" val="3341350015"/>
+      </p:ext>
+    </p:extLst>
+  </p:cSld>
+  <p:clrMapOvr>
+    <a:masterClrMapping/>
+  </p:clrMapOvr>
+</p:sld>
+</file>
+
+<file path=ppt/slides/slide13.xml><?xml version="1.0" encoding="utf-8"?>
+<p:sld xmlns:a="http://schemas.openxmlformats.org/drawingml/2006/main" xmlns:r="http://schemas.openxmlformats.org/officeDocument/2006/relationships" xmlns:p="http://schemas.openxmlformats.org/presentationml/2006/main">
+  <p:cSld>
+    <p:spTree>
+      <p:nvGrpSpPr>
+        <p:cNvPr id="1" name=""/>
+        <p:cNvGrpSpPr/>
+        <p:nvPr/>
+      </p:nvGrpSpPr>
+      <p:grpSpPr>
+        <a:xfrm>
+          <a:off x="0" y="0"/>
+          <a:ext cx="0" cy="0"/>
+          <a:chOff x="0" y="0"/>
+          <a:chExt cx="0" cy="0"/>
+        </a:xfrm>
+      </p:grpSpPr>
+      <p:pic>
+        <p:nvPicPr>
+          <p:cNvPr id="22" name="Picture 21">
+            <a:extLst>
+              <a:ext uri="{FF2B5EF4-FFF2-40B4-BE49-F238E27FC236}">
+                <a16:creationId xmlns:a16="http://schemas.microsoft.com/office/drawing/2014/main" id="{0FCA5D36-8C1E-4241-8338-51CAAC079E31}"/>
+              </a:ext>
+            </a:extLst>
+          </p:cNvPr>
+          <p:cNvPicPr>
+            <a:picLocks noChangeAspect="1"/>
+          </p:cNvPicPr>
+          <p:nvPr/>
+        </p:nvPicPr>
+        <p:blipFill rotWithShape="1">
+          <a:blip r:embed="rId3">
+            <a:extLst>
+              <a:ext uri="{28A0092B-C50C-407E-A947-70E740481C1C}">
+                <a14:useLocalDpi xmlns:a14="http://schemas.microsoft.com/office/drawing/2010/main" val="0"/>
+              </a:ext>
+            </a:extLst>
+          </a:blip>
+          <a:srcRect l="18699" r="24152"/>
+          <a:stretch/>
+        </p:blipFill>
+        <p:spPr>
+          <a:xfrm>
+            <a:off x="4037847" y="-169104"/>
+            <a:ext cx="4436198" cy="6858000"/>
+          </a:xfrm>
+          <a:prstGeom prst="rect">
+            <a:avLst/>
+          </a:prstGeom>
+        </p:spPr>
+      </p:pic>
+      <p:sp>
+        <p:nvSpPr>
+          <p:cNvPr id="31" name="Rectangle 30">
+            <a:extLst>
+              <a:ext uri="{FF2B5EF4-FFF2-40B4-BE49-F238E27FC236}">
+                <a16:creationId xmlns:a16="http://schemas.microsoft.com/office/drawing/2014/main" id="{9193FDD5-A21E-4C5E-9DF6-01D6CDFEECAE}"/>
+              </a:ext>
+            </a:extLst>
+          </p:cNvPr>
+          <p:cNvSpPr/>
+          <p:nvPr/>
+        </p:nvSpPr>
+        <p:spPr>
+          <a:xfrm>
+            <a:off x="4147560" y="4424625"/>
+            <a:ext cx="3891535" cy="2255918"/>
+          </a:xfrm>
+          <a:prstGeom prst="rect">
+            <a:avLst/>
+          </a:prstGeom>
+          <a:solidFill>
+            <a:schemeClr val="tx1">
+              <a:lumMod val="75000"/>
+              <a:lumOff val="25000"/>
+            </a:schemeClr>
+          </a:solidFill>
+          <a:ln>
+            <a:noFill/>
+          </a:ln>
+        </p:spPr>
+        <p:style>
+          <a:lnRef idx="2">
+            <a:schemeClr val="accent1">
+              <a:shade val="50000"/>
+            </a:schemeClr>
+          </a:lnRef>
+          <a:fillRef idx="1">
+            <a:schemeClr val="accent1"/>
+          </a:fillRef>
+          <a:effectRef idx="0">
+            <a:schemeClr val="accent1"/>
+          </a:effectRef>
+          <a:fontRef idx="minor">
+            <a:schemeClr val="lt1"/>
+          </a:fontRef>
+        </p:style>
+        <p:txBody>
+          <a:bodyPr rtlCol="0" anchor="ctr"/>
+          <a:lstStyle/>
+          <a:p>
+            <a:pPr algn="ctr"/>
+            <a:endParaRPr lang="en-US"/>
+          </a:p>
+        </p:txBody>
+      </p:sp>
+      <p:sp>
+        <p:nvSpPr>
+          <p:cNvPr id="30" name="Rectangle 29">
+            <a:extLst>
+              <a:ext uri="{FF2B5EF4-FFF2-40B4-BE49-F238E27FC236}">
+                <a16:creationId xmlns:a16="http://schemas.microsoft.com/office/drawing/2014/main" id="{2E875998-5134-4334-B56A-52CBA7EDC258}"/>
+              </a:ext>
+            </a:extLst>
+          </p:cNvPr>
+          <p:cNvSpPr/>
+          <p:nvPr/>
+        </p:nvSpPr>
+        <p:spPr>
+          <a:xfrm>
+            <a:off x="6617148" y="4469718"/>
+            <a:ext cx="1296761" cy="201869"/>
+          </a:xfrm>
+          <a:prstGeom prst="rect">
+            <a:avLst/>
+          </a:prstGeom>
+          <a:solidFill>
+            <a:schemeClr val="tx1">
+              <a:lumMod val="75000"/>
+              <a:lumOff val="25000"/>
+            </a:schemeClr>
+          </a:solidFill>
+          <a:ln>
+            <a:noFill/>
+          </a:ln>
+        </p:spPr>
+        <p:style>
+          <a:lnRef idx="2">
+            <a:schemeClr val="accent1">
+              <a:shade val="50000"/>
+            </a:schemeClr>
+          </a:lnRef>
+          <a:fillRef idx="1">
+            <a:schemeClr val="accent1"/>
+          </a:fillRef>
+          <a:effectRef idx="0">
+            <a:schemeClr val="accent1"/>
+          </a:effectRef>
+          <a:fontRef idx="minor">
+            <a:schemeClr val="lt1"/>
+          </a:fontRef>
+        </p:style>
+        <p:txBody>
+          <a:bodyPr rtlCol="0" anchor="ctr"/>
+          <a:lstStyle/>
+          <a:p>
+            <a:pPr algn="ctr"/>
+            <a:endParaRPr lang="en-US"/>
+          </a:p>
+        </p:txBody>
+      </p:sp>
+      <p:sp>
+        <p:nvSpPr>
+          <p:cNvPr id="29" name="Rectangle 28">
+            <a:extLst>
+              <a:ext uri="{FF2B5EF4-FFF2-40B4-BE49-F238E27FC236}">
+                <a16:creationId xmlns:a16="http://schemas.microsoft.com/office/drawing/2014/main" id="{E33C2376-9A44-498A-BC5B-DA616901B2F5}"/>
+              </a:ext>
+            </a:extLst>
+          </p:cNvPr>
+          <p:cNvSpPr/>
+          <p:nvPr/>
+        </p:nvSpPr>
+        <p:spPr>
+          <a:xfrm>
+            <a:off x="4224718" y="4483449"/>
+            <a:ext cx="2274469" cy="211860"/>
+          </a:xfrm>
+          <a:prstGeom prst="rect">
+            <a:avLst/>
+          </a:prstGeom>
+          <a:solidFill>
+            <a:schemeClr val="tx1">
+              <a:lumMod val="75000"/>
+              <a:lumOff val="25000"/>
+            </a:schemeClr>
+          </a:solidFill>
+          <a:ln>
+            <a:noFill/>
+          </a:ln>
+        </p:spPr>
+        <p:style>
+          <a:lnRef idx="2">
+            <a:schemeClr val="accent1">
+              <a:shade val="50000"/>
+            </a:schemeClr>
+          </a:lnRef>
+          <a:fillRef idx="1">
+            <a:schemeClr val="accent1"/>
+          </a:fillRef>
+          <a:effectRef idx="0">
+            <a:schemeClr val="accent1"/>
+          </a:effectRef>
+          <a:fontRef idx="minor">
+            <a:schemeClr val="lt1"/>
+          </a:fontRef>
+        </p:style>
+        <p:txBody>
+          <a:bodyPr rtlCol="0" anchor="ctr"/>
+          <a:lstStyle/>
+          <a:p>
+            <a:pPr algn="ctr"/>
+            <a:endParaRPr lang="en-US"/>
+          </a:p>
+        </p:txBody>
+      </p:sp>
+      <p:sp>
+        <p:nvSpPr>
+          <p:cNvPr id="28" name="Rectangle 27">
+            <a:extLst>
+              <a:ext uri="{FF2B5EF4-FFF2-40B4-BE49-F238E27FC236}">
+                <a16:creationId xmlns:a16="http://schemas.microsoft.com/office/drawing/2014/main" id="{2D61F2A4-31DA-431F-A6FD-B186EE73D619}"/>
+              </a:ext>
+            </a:extLst>
+          </p:cNvPr>
+          <p:cNvSpPr/>
+          <p:nvPr/>
+        </p:nvSpPr>
+        <p:spPr>
+          <a:xfrm>
+            <a:off x="4671148" y="889910"/>
+            <a:ext cx="2412373" cy="195829"/>
+          </a:xfrm>
+          <a:prstGeom prst="rect">
+            <a:avLst/>
+          </a:prstGeom>
+          <a:solidFill>
+            <a:schemeClr val="tx1">
+              <a:lumMod val="75000"/>
+              <a:lumOff val="25000"/>
+            </a:schemeClr>
+          </a:solidFill>
+          <a:ln>
+            <a:noFill/>
+          </a:ln>
+        </p:spPr>
+        <p:style>
+          <a:lnRef idx="2">
+            <a:schemeClr val="accent1">
+              <a:shade val="50000"/>
+            </a:schemeClr>
+          </a:lnRef>
+          <a:fillRef idx="1">
+            <a:schemeClr val="accent1"/>
+          </a:fillRef>
+          <a:effectRef idx="0">
+            <a:schemeClr val="accent1"/>
+          </a:effectRef>
+          <a:fontRef idx="minor">
+            <a:schemeClr val="lt1"/>
+          </a:fontRef>
+        </p:style>
+        <p:txBody>
+          <a:bodyPr rtlCol="0" anchor="ctr"/>
+          <a:lstStyle/>
+          <a:p>
+            <a:pPr algn="ctr"/>
+            <a:endParaRPr lang="en-US"/>
+          </a:p>
+        </p:txBody>
+      </p:sp>
+      <p:sp>
+        <p:nvSpPr>
+          <p:cNvPr id="26" name="Rectangle 25">
+            <a:extLst>
+              <a:ext uri="{FF2B5EF4-FFF2-40B4-BE49-F238E27FC236}">
+                <a16:creationId xmlns:a16="http://schemas.microsoft.com/office/drawing/2014/main" id="{EEA356B7-F52F-4BC6-9D20-1056F3D1A3BC}"/>
+              </a:ext>
+            </a:extLst>
+          </p:cNvPr>
+          <p:cNvSpPr/>
+          <p:nvPr/>
+        </p:nvSpPr>
+        <p:spPr>
+          <a:xfrm>
+            <a:off x="4147561" y="177457"/>
+            <a:ext cx="3853566" cy="919121"/>
+          </a:xfrm>
+          <a:prstGeom prst="rect">
+            <a:avLst/>
+          </a:prstGeom>
+          <a:solidFill>
+            <a:schemeClr val="tx1">
+              <a:lumMod val="75000"/>
+              <a:lumOff val="25000"/>
+            </a:schemeClr>
+          </a:solidFill>
+          <a:ln>
+            <a:noFill/>
+          </a:ln>
+        </p:spPr>
+        <p:style>
+          <a:lnRef idx="2">
+            <a:schemeClr val="accent1">
+              <a:shade val="50000"/>
+            </a:schemeClr>
+          </a:lnRef>
+          <a:fillRef idx="1">
+            <a:schemeClr val="accent1"/>
+          </a:fillRef>
+          <a:effectRef idx="0">
+            <a:schemeClr val="accent1"/>
+          </a:effectRef>
+          <a:fontRef idx="minor">
+            <a:schemeClr val="lt1"/>
+          </a:fontRef>
+        </p:style>
+        <p:txBody>
+          <a:bodyPr rtlCol="0" anchor="ctr"/>
+          <a:lstStyle/>
+          <a:p>
+            <a:pPr algn="ctr"/>
+            <a:endParaRPr lang="en-US"/>
+          </a:p>
+        </p:txBody>
+      </p:sp>
+      <p:sp>
+        <p:nvSpPr>
+          <p:cNvPr id="5" name="Rectangle 4">
+            <a:extLst>
+              <a:ext uri="{FF2B5EF4-FFF2-40B4-BE49-F238E27FC236}">
+                <a16:creationId xmlns:a16="http://schemas.microsoft.com/office/drawing/2014/main" id="{175491A8-EA5B-4C2C-A048-E751C5A7E636}"/>
+              </a:ext>
+            </a:extLst>
+          </p:cNvPr>
+          <p:cNvSpPr/>
+          <p:nvPr/>
+        </p:nvSpPr>
+        <p:spPr>
+          <a:xfrm>
+            <a:off x="4152898" y="169104"/>
+            <a:ext cx="901178" cy="682060"/>
+          </a:xfrm>
+          <a:prstGeom prst="rect">
+            <a:avLst/>
+          </a:prstGeom>
+          <a:solidFill>
+            <a:schemeClr val="tx1">
+              <a:lumMod val="75000"/>
+              <a:lumOff val="25000"/>
+            </a:schemeClr>
+          </a:solidFill>
+          <a:ln>
+            <a:noFill/>
+          </a:ln>
+        </p:spPr>
+        <p:style>
+          <a:lnRef idx="2">
+            <a:schemeClr val="accent1">
+              <a:shade val="50000"/>
+            </a:schemeClr>
+          </a:lnRef>
+          <a:fillRef idx="1">
+            <a:schemeClr val="accent1"/>
+          </a:fillRef>
+          <a:effectRef idx="0">
+            <a:schemeClr val="accent1"/>
+          </a:effectRef>
+          <a:fontRef idx="minor">
+            <a:schemeClr val="lt1"/>
+          </a:fontRef>
+        </p:style>
+        <p:txBody>
+          <a:bodyPr rtlCol="0" anchor="ctr"/>
+          <a:lstStyle/>
+          <a:p>
+            <a:pPr algn="ctr"/>
+            <a:endParaRPr lang="en-US"/>
+          </a:p>
+        </p:txBody>
+      </p:sp>
+      <p:sp>
+        <p:nvSpPr>
+          <p:cNvPr id="6" name="TextBox 5">
+            <a:extLst>
+              <a:ext uri="{FF2B5EF4-FFF2-40B4-BE49-F238E27FC236}">
+                <a16:creationId xmlns:a16="http://schemas.microsoft.com/office/drawing/2014/main" id="{C5A2D7AE-E779-41F9-B90A-BC5411D76DD9}"/>
+              </a:ext>
+            </a:extLst>
+          </p:cNvPr>
+          <p:cNvSpPr txBox="1"/>
+          <p:nvPr/>
+        </p:nvSpPr>
+        <p:spPr>
+          <a:xfrm>
+            <a:off x="4223652" y="131919"/>
+            <a:ext cx="755780" cy="369332"/>
+          </a:xfrm>
+          <a:prstGeom prst="rect">
+            <a:avLst/>
+          </a:prstGeom>
+          <a:noFill/>
+        </p:spPr>
+        <p:txBody>
+          <a:bodyPr wrap="square" rtlCol="0">
+            <a:spAutoFit/>
+          </a:bodyPr>
+          <a:lstStyle/>
+          <a:p>
+            <a:pPr algn="ctr"/>
+            <a:r>
+              <a:rPr lang="en-US" dirty="0">
+                <a:solidFill>
+                  <a:schemeClr val="bg1"/>
+                </a:solidFill>
+              </a:rPr>
+              <a:t>Level</a:t>
+            </a:r>
+          </a:p>
+        </p:txBody>
+      </p:sp>
+      <p:sp>
+        <p:nvSpPr>
+          <p:cNvPr id="8" name="TextBox 7">
+            <a:extLst>
+              <a:ext uri="{FF2B5EF4-FFF2-40B4-BE49-F238E27FC236}">
+                <a16:creationId xmlns:a16="http://schemas.microsoft.com/office/drawing/2014/main" id="{E1BE5118-306B-4FFA-A54E-5C601C8394FA}"/>
+              </a:ext>
+            </a:extLst>
+          </p:cNvPr>
+          <p:cNvSpPr txBox="1"/>
+          <p:nvPr/>
+        </p:nvSpPr>
+        <p:spPr>
+          <a:xfrm>
+            <a:off x="5634127" y="133209"/>
+            <a:ext cx="755780" cy="369332"/>
+          </a:xfrm>
+          <a:prstGeom prst="rect">
+            <a:avLst/>
+          </a:prstGeom>
+          <a:noFill/>
+        </p:spPr>
+        <p:txBody>
+          <a:bodyPr wrap="square" rtlCol="0">
+            <a:spAutoFit/>
+          </a:bodyPr>
+          <a:lstStyle/>
+          <a:p>
+            <a:pPr algn="ctr"/>
+            <a:r>
+              <a:rPr lang="en-US" dirty="0">
+                <a:solidFill>
+                  <a:schemeClr val="bg1"/>
+                </a:solidFill>
+              </a:rPr>
+              <a:t>Score</a:t>
+            </a:r>
+          </a:p>
+        </p:txBody>
+      </p:sp>
+      <p:sp>
+        <p:nvSpPr>
+          <p:cNvPr id="12" name="Rectangle 11">
+            <a:extLst>
+              <a:ext uri="{FF2B5EF4-FFF2-40B4-BE49-F238E27FC236}">
+                <a16:creationId xmlns:a16="http://schemas.microsoft.com/office/drawing/2014/main" id="{136EB81B-AFB2-4FBA-9D99-048A1C443DF8}"/>
+              </a:ext>
+            </a:extLst>
+          </p:cNvPr>
+          <p:cNvSpPr/>
+          <p:nvPr/>
+        </p:nvSpPr>
+        <p:spPr>
+          <a:xfrm>
+            <a:off x="4220733" y="4671588"/>
+            <a:ext cx="2276669" cy="1393571"/>
+          </a:xfrm>
+          <a:prstGeom prst="rect">
+            <a:avLst/>
+          </a:prstGeom>
+          <a:solidFill>
+            <a:schemeClr val="tx1">
+              <a:lumMod val="65000"/>
+              <a:lumOff val="35000"/>
+            </a:schemeClr>
+          </a:solidFill>
+          <a:ln>
+            <a:solidFill>
+              <a:schemeClr val="bg1">
+                <a:lumMod val="50000"/>
+              </a:schemeClr>
+            </a:solidFill>
+          </a:ln>
+        </p:spPr>
+        <p:style>
+          <a:lnRef idx="2">
+            <a:schemeClr val="accent1">
+              <a:shade val="50000"/>
+            </a:schemeClr>
+          </a:lnRef>
+          <a:fillRef idx="1">
+            <a:schemeClr val="accent1"/>
+          </a:fillRef>
+          <a:effectRef idx="0">
+            <a:schemeClr val="accent1"/>
+          </a:effectRef>
+          <a:fontRef idx="minor">
+            <a:schemeClr val="lt1"/>
+          </a:fontRef>
+        </p:style>
+        <p:txBody>
+          <a:bodyPr rtlCol="0" anchor="ctr"/>
+          <a:lstStyle/>
+          <a:p>
+            <a:pPr algn="ctr"/>
+            <a:endParaRPr lang="en-US"/>
+          </a:p>
+        </p:txBody>
+      </p:sp>
+      <p:sp>
+        <p:nvSpPr>
+          <p:cNvPr id="13" name="Rectangle 12">
+            <a:extLst>
+              <a:ext uri="{FF2B5EF4-FFF2-40B4-BE49-F238E27FC236}">
+                <a16:creationId xmlns:a16="http://schemas.microsoft.com/office/drawing/2014/main" id="{529EBA8E-B57F-4AE8-BBE1-B837D15B557C}"/>
+              </a:ext>
+            </a:extLst>
+          </p:cNvPr>
+          <p:cNvSpPr/>
+          <p:nvPr/>
+        </p:nvSpPr>
+        <p:spPr>
+          <a:xfrm>
+            <a:off x="6609371" y="4671588"/>
+            <a:ext cx="1304539" cy="1393571"/>
+          </a:xfrm>
+          <a:prstGeom prst="rect">
+            <a:avLst/>
+          </a:prstGeom>
+          <a:solidFill>
+            <a:schemeClr val="tx1">
+              <a:lumMod val="65000"/>
+              <a:lumOff val="35000"/>
+            </a:schemeClr>
+          </a:solidFill>
+          <a:ln>
+            <a:solidFill>
+              <a:schemeClr val="bg1">
+                <a:lumMod val="50000"/>
+              </a:schemeClr>
+            </a:solidFill>
+          </a:ln>
+        </p:spPr>
+        <p:style>
+          <a:lnRef idx="2">
+            <a:schemeClr val="accent1">
+              <a:shade val="50000"/>
+            </a:schemeClr>
+          </a:lnRef>
+          <a:fillRef idx="1">
+            <a:schemeClr val="accent1"/>
+          </a:fillRef>
+          <a:effectRef idx="0">
+            <a:schemeClr val="accent1"/>
+          </a:effectRef>
+          <a:fontRef idx="minor">
+            <a:schemeClr val="lt1"/>
+          </a:fontRef>
+        </p:style>
+        <p:txBody>
+          <a:bodyPr rtlCol="0" anchor="ctr"/>
+          <a:lstStyle/>
+          <a:p>
+            <a:pPr algn="ctr"/>
+            <a:endParaRPr lang="en-US"/>
+          </a:p>
+        </p:txBody>
+      </p:sp>
+      <p:sp>
+        <p:nvSpPr>
+          <p:cNvPr id="15" name="Rectangle 14">
+            <a:extLst>
+              <a:ext uri="{FF2B5EF4-FFF2-40B4-BE49-F238E27FC236}">
+                <a16:creationId xmlns:a16="http://schemas.microsoft.com/office/drawing/2014/main" id="{599D2AFE-9F9D-4115-A04C-0E9E528FA050}"/>
+              </a:ext>
+            </a:extLst>
+          </p:cNvPr>
+          <p:cNvSpPr/>
+          <p:nvPr/>
+        </p:nvSpPr>
+        <p:spPr>
+          <a:xfrm>
+            <a:off x="10207690" y="1838131"/>
+            <a:ext cx="914400" cy="914400"/>
+          </a:xfrm>
+          <a:prstGeom prst="rect">
+            <a:avLst/>
+          </a:prstGeom>
+        </p:spPr>
+        <p:style>
+          <a:lnRef idx="2">
+            <a:schemeClr val="accent1">
+              <a:shade val="50000"/>
+            </a:schemeClr>
+          </a:lnRef>
+          <a:fillRef idx="1">
+            <a:schemeClr val="accent1"/>
+          </a:fillRef>
+          <a:effectRef idx="0">
+            <a:schemeClr val="accent1"/>
+          </a:effectRef>
+          <a:fontRef idx="minor">
+            <a:schemeClr val="lt1"/>
+          </a:fontRef>
+        </p:style>
+        <p:txBody>
+          <a:bodyPr rtlCol="0" anchor="ctr"/>
+          <a:lstStyle/>
+          <a:p>
+            <a:pPr algn="ctr"/>
+            <a:endParaRPr lang="en-US"/>
+          </a:p>
+        </p:txBody>
+      </p:sp>
+      <p:sp>
+        <p:nvSpPr>
+          <p:cNvPr id="16" name="Rectangle: Rounded Corners 15">
+            <a:extLst>
+              <a:ext uri="{FF2B5EF4-FFF2-40B4-BE49-F238E27FC236}">
+                <a16:creationId xmlns:a16="http://schemas.microsoft.com/office/drawing/2014/main" id="{5E679ADA-4B52-45D8-B69C-70ED61D3419C}"/>
+              </a:ext>
+            </a:extLst>
+          </p:cNvPr>
+          <p:cNvSpPr/>
+          <p:nvPr/>
+        </p:nvSpPr>
+        <p:spPr>
+          <a:xfrm>
+            <a:off x="4961941" y="6130212"/>
+            <a:ext cx="2959748" cy="450072"/>
+          </a:xfrm>
+          <a:prstGeom prst="roundRect">
+            <a:avLst/>
+          </a:prstGeom>
+          <a:solidFill>
+            <a:schemeClr val="tx1">
+              <a:lumMod val="85000"/>
+              <a:lumOff val="15000"/>
+            </a:schemeClr>
+          </a:solidFill>
+          <a:ln>
+            <a:solidFill>
+              <a:schemeClr val="tx1">
+                <a:lumMod val="50000"/>
+                <a:lumOff val="50000"/>
+              </a:schemeClr>
+            </a:solidFill>
+          </a:ln>
+        </p:spPr>
+        <p:style>
+          <a:lnRef idx="2">
+            <a:schemeClr val="accent1">
+              <a:shade val="50000"/>
+            </a:schemeClr>
+          </a:lnRef>
+          <a:fillRef idx="1">
+            <a:schemeClr val="accent1"/>
+          </a:fillRef>
+          <a:effectRef idx="0">
+            <a:schemeClr val="accent1"/>
+          </a:effectRef>
+          <a:fontRef idx="minor">
+            <a:schemeClr val="lt1"/>
+          </a:fontRef>
+        </p:style>
+        <p:txBody>
+          <a:bodyPr rtlCol="0" anchor="ctr"/>
+          <a:lstStyle/>
+          <a:p>
+            <a:pPr algn="ctr"/>
+            <a:r>
+              <a:rPr lang="en-US" sz="1400" dirty="0"/>
+              <a:t>Click on letters </a:t>
+            </a:r>
+          </a:p>
+          <a:p>
+            <a:pPr algn="ctr"/>
+            <a:r>
+              <a:rPr lang="en-US" sz="1400" dirty="0"/>
+              <a:t>to spell a word</a:t>
+            </a:r>
+          </a:p>
+        </p:txBody>
+      </p:sp>
+      <p:sp>
+        <p:nvSpPr>
+          <p:cNvPr id="18" name="Frame 17">
+            <a:extLst>
+              <a:ext uri="{FF2B5EF4-FFF2-40B4-BE49-F238E27FC236}">
+                <a16:creationId xmlns:a16="http://schemas.microsoft.com/office/drawing/2014/main" id="{846FA173-1D6E-473B-B9BB-4ACE6EC26BD4}"/>
+              </a:ext>
+            </a:extLst>
+          </p:cNvPr>
+          <p:cNvSpPr/>
+          <p:nvPr/>
+        </p:nvSpPr>
+        <p:spPr>
+          <a:xfrm>
+            <a:off x="3498980" y="-475860"/>
+            <a:ext cx="5178489" cy="7791060"/>
+          </a:xfrm>
+          <a:prstGeom prst="frame">
+            <a:avLst/>
+          </a:prstGeom>
+          <a:solidFill>
+            <a:schemeClr val="bg1"/>
+          </a:solidFill>
+        </p:spPr>
+        <p:style>
+          <a:lnRef idx="2">
+            <a:schemeClr val="accent1">
+              <a:shade val="50000"/>
+            </a:schemeClr>
+          </a:lnRef>
+          <a:fillRef idx="1">
+            <a:schemeClr val="accent1"/>
+          </a:fillRef>
+          <a:effectRef idx="0">
+            <a:schemeClr val="accent1"/>
+          </a:effectRef>
+          <a:fontRef idx="minor">
+            <a:schemeClr val="lt1"/>
+          </a:fontRef>
+        </p:style>
+        <p:txBody>
+          <a:bodyPr rtlCol="0" anchor="ctr"/>
+          <a:lstStyle/>
+          <a:p>
+            <a:pPr algn="ctr"/>
+            <a:endParaRPr lang="en-US">
+              <a:solidFill>
+                <a:schemeClr val="tx1"/>
+              </a:solidFill>
+            </a:endParaRPr>
+          </a:p>
+        </p:txBody>
+      </p:sp>
+      <p:sp>
+        <p:nvSpPr>
+          <p:cNvPr id="2" name="TextBox 1">
+            <a:extLst>
+              <a:ext uri="{FF2B5EF4-FFF2-40B4-BE49-F238E27FC236}">
+                <a16:creationId xmlns:a16="http://schemas.microsoft.com/office/drawing/2014/main" id="{0A759929-BDA3-420D-BC64-1584AF85EDF3}"/>
+              </a:ext>
+            </a:extLst>
+          </p:cNvPr>
+          <p:cNvSpPr txBox="1"/>
+          <p:nvPr/>
+        </p:nvSpPr>
+        <p:spPr>
+          <a:xfrm>
+            <a:off x="5549375" y="290018"/>
+            <a:ext cx="918290" cy="646331"/>
+          </a:xfrm>
+          <a:prstGeom prst="rect">
+            <a:avLst/>
+          </a:prstGeom>
+          <a:noFill/>
+        </p:spPr>
+        <p:txBody>
+          <a:bodyPr wrap="square" rtlCol="0">
+            <a:spAutoFit/>
+          </a:bodyPr>
+          <a:lstStyle/>
+          <a:p>
+            <a:pPr algn="ctr"/>
+            <a:r>
+              <a:rPr lang="en-US" sz="3600" dirty="0">
+                <a:solidFill>
+                  <a:schemeClr val="bg1"/>
+                </a:solidFill>
+              </a:rPr>
+              <a:t>205</a:t>
+            </a:r>
+          </a:p>
+        </p:txBody>
+      </p:sp>
+      <p:sp>
+        <p:nvSpPr>
+          <p:cNvPr id="19" name="TextBox 18">
+            <a:extLst>
+              <a:ext uri="{FF2B5EF4-FFF2-40B4-BE49-F238E27FC236}">
+                <a16:creationId xmlns:a16="http://schemas.microsoft.com/office/drawing/2014/main" id="{CF636CAF-E37E-49CC-90E0-59ACB65E3E51}"/>
+              </a:ext>
+            </a:extLst>
+          </p:cNvPr>
+          <p:cNvSpPr txBox="1"/>
+          <p:nvPr/>
+        </p:nvSpPr>
+        <p:spPr>
+          <a:xfrm>
+            <a:off x="4135786" y="290018"/>
+            <a:ext cx="918290" cy="646331"/>
+          </a:xfrm>
+          <a:prstGeom prst="rect">
+            <a:avLst/>
+          </a:prstGeom>
+          <a:noFill/>
+        </p:spPr>
+        <p:txBody>
+          <a:bodyPr wrap="square" rtlCol="0">
+            <a:spAutoFit/>
+          </a:bodyPr>
+          <a:lstStyle/>
+          <a:p>
+            <a:pPr algn="ctr"/>
+            <a:r>
+              <a:rPr lang="en-US" sz="3600" dirty="0">
+                <a:solidFill>
+                  <a:schemeClr val="bg1"/>
+                </a:solidFill>
+              </a:rPr>
+              <a:t>5</a:t>
+            </a:r>
+          </a:p>
+        </p:txBody>
+      </p:sp>
+      <p:sp>
+        <p:nvSpPr>
+          <p:cNvPr id="7" name="TextBox 6">
+            <a:extLst>
+              <a:ext uri="{FF2B5EF4-FFF2-40B4-BE49-F238E27FC236}">
+                <a16:creationId xmlns:a16="http://schemas.microsoft.com/office/drawing/2014/main" id="{BE3FA923-B472-49D2-A73E-C082D5A7211F}"/>
+              </a:ext>
+            </a:extLst>
+          </p:cNvPr>
+          <p:cNvSpPr txBox="1"/>
+          <p:nvPr/>
+        </p:nvSpPr>
+        <p:spPr>
+          <a:xfrm>
+            <a:off x="4601542" y="809025"/>
+            <a:ext cx="1081560" cy="307777"/>
+          </a:xfrm>
+          <a:prstGeom prst="rect">
+            <a:avLst/>
+          </a:prstGeom>
+          <a:noFill/>
+        </p:spPr>
+        <p:txBody>
+          <a:bodyPr wrap="square" rtlCol="0">
+            <a:spAutoFit/>
+          </a:bodyPr>
+          <a:lstStyle/>
+          <a:p>
+            <a:r>
+              <a:rPr lang="en-US" sz="1400" dirty="0">
+                <a:solidFill>
+                  <a:schemeClr val="bg1"/>
+                </a:solidFill>
+              </a:rPr>
+              <a:t>Fortune</a:t>
+            </a:r>
+          </a:p>
+        </p:txBody>
+      </p:sp>
+      <p:pic>
+        <p:nvPicPr>
+          <p:cNvPr id="21" name="Picture 20">
+            <a:extLst>
+              <a:ext uri="{FF2B5EF4-FFF2-40B4-BE49-F238E27FC236}">
+                <a16:creationId xmlns:a16="http://schemas.microsoft.com/office/drawing/2014/main" id="{42A5FF73-754B-45B0-9ED8-9B0A6D1EF089}"/>
+              </a:ext>
+            </a:extLst>
+          </p:cNvPr>
+          <p:cNvPicPr>
+            <a:picLocks noChangeAspect="1"/>
+          </p:cNvPicPr>
+          <p:nvPr/>
+        </p:nvPicPr>
+        <p:blipFill rotWithShape="1">
+          <a:blip r:embed="rId4"/>
+          <a:srcRect l="3324" t="15484" r="5058" b="24467"/>
+          <a:stretch/>
+        </p:blipFill>
+        <p:spPr>
+          <a:xfrm>
+            <a:off x="5379077" y="936349"/>
+            <a:ext cx="1055908" cy="102953"/>
+          </a:xfrm>
+          <a:prstGeom prst="rect">
+            <a:avLst/>
+          </a:prstGeom>
+        </p:spPr>
+      </p:pic>
+      <p:sp>
+        <p:nvSpPr>
+          <p:cNvPr id="23" name="Rectangle: Rounded Corners 22">
+            <a:extLst>
+              <a:ext uri="{FF2B5EF4-FFF2-40B4-BE49-F238E27FC236}">
+                <a16:creationId xmlns:a16="http://schemas.microsoft.com/office/drawing/2014/main" id="{DECEE237-B7F2-447F-ADC9-0EE88DFB9FCD}"/>
+              </a:ext>
+            </a:extLst>
+          </p:cNvPr>
+          <p:cNvSpPr/>
+          <p:nvPr/>
+        </p:nvSpPr>
+        <p:spPr>
+          <a:xfrm>
+            <a:off x="4203228" y="6130212"/>
+            <a:ext cx="641305" cy="450072"/>
+          </a:xfrm>
+          <a:prstGeom prst="roundRect">
+            <a:avLst/>
+          </a:prstGeom>
+          <a:solidFill>
+            <a:schemeClr val="tx1">
+              <a:lumMod val="85000"/>
+              <a:lumOff val="15000"/>
+            </a:schemeClr>
+          </a:solidFill>
+          <a:ln>
+            <a:solidFill>
+              <a:schemeClr val="tx1">
+                <a:lumMod val="50000"/>
+                <a:lumOff val="50000"/>
+              </a:schemeClr>
+            </a:solidFill>
+          </a:ln>
+        </p:spPr>
+        <p:style>
+          <a:lnRef idx="2">
+            <a:schemeClr val="accent1">
+              <a:shade val="50000"/>
+            </a:schemeClr>
+          </a:lnRef>
+          <a:fillRef idx="1">
+            <a:schemeClr val="accent1"/>
+          </a:fillRef>
+          <a:effectRef idx="0">
+            <a:schemeClr val="accent1"/>
+          </a:effectRef>
+          <a:fontRef idx="minor">
+            <a:schemeClr val="lt1"/>
+          </a:fontRef>
+        </p:style>
+        <p:txBody>
+          <a:bodyPr rtlCol="0" anchor="ctr"/>
+          <a:lstStyle/>
+          <a:p>
+            <a:pPr algn="ctr"/>
+            <a:r>
+              <a:rPr lang="en-US" sz="2800" dirty="0"/>
+              <a:t>?</a:t>
+            </a:r>
+          </a:p>
+        </p:txBody>
+      </p:sp>
+      <p:sp>
+        <p:nvSpPr>
+          <p:cNvPr id="24" name="TextBox 23">
+            <a:extLst>
+              <a:ext uri="{FF2B5EF4-FFF2-40B4-BE49-F238E27FC236}">
+                <a16:creationId xmlns:a16="http://schemas.microsoft.com/office/drawing/2014/main" id="{79E992C7-1C4D-4AB8-A6BC-87F9464F40ED}"/>
+              </a:ext>
+            </a:extLst>
+          </p:cNvPr>
+          <p:cNvSpPr txBox="1"/>
+          <p:nvPr/>
+        </p:nvSpPr>
+        <p:spPr>
+          <a:xfrm>
+            <a:off x="4220733" y="4404402"/>
+            <a:ext cx="2276669" cy="307777"/>
+          </a:xfrm>
+          <a:prstGeom prst="rect">
+            <a:avLst/>
+          </a:prstGeom>
+          <a:noFill/>
+        </p:spPr>
+        <p:txBody>
+          <a:bodyPr wrap="square" rtlCol="0" anchor="ctr">
+            <a:spAutoFit/>
+          </a:bodyPr>
+          <a:lstStyle/>
+          <a:p>
+            <a:pPr algn="ctr"/>
+            <a:r>
+              <a:rPr lang="en-US" sz="1400" dirty="0">
+                <a:solidFill>
+                  <a:schemeClr val="bg1"/>
+                </a:solidFill>
+              </a:rPr>
+              <a:t>Submitted Words</a:t>
+            </a:r>
+          </a:p>
+        </p:txBody>
+      </p:sp>
+      <p:sp>
+        <p:nvSpPr>
+          <p:cNvPr id="25" name="TextBox 24">
+            <a:extLst>
+              <a:ext uri="{FF2B5EF4-FFF2-40B4-BE49-F238E27FC236}">
+                <a16:creationId xmlns:a16="http://schemas.microsoft.com/office/drawing/2014/main" id="{979DB00E-0FCE-40D9-91C8-B68D2DF9D7EA}"/>
+              </a:ext>
+            </a:extLst>
+          </p:cNvPr>
+          <p:cNvSpPr txBox="1"/>
+          <p:nvPr/>
+        </p:nvSpPr>
+        <p:spPr>
+          <a:xfrm>
+            <a:off x="6617149" y="4404401"/>
+            <a:ext cx="1304540" cy="307777"/>
+          </a:xfrm>
+          <a:prstGeom prst="rect">
+            <a:avLst/>
+          </a:prstGeom>
+          <a:noFill/>
+        </p:spPr>
+        <p:txBody>
+          <a:bodyPr wrap="square" rtlCol="0" anchor="ctr">
+            <a:spAutoFit/>
+          </a:bodyPr>
+          <a:lstStyle/>
+          <a:p>
+            <a:pPr algn="ctr"/>
+            <a:r>
+              <a:rPr lang="en-US" sz="1400" dirty="0">
+                <a:solidFill>
+                  <a:schemeClr val="bg1"/>
+                </a:solidFill>
+              </a:rPr>
+              <a:t>Auditioned</a:t>
+            </a:r>
+          </a:p>
+        </p:txBody>
+      </p:sp>
+      <p:pic>
+        <p:nvPicPr>
+          <p:cNvPr id="32" name="Picture 31">
+            <a:extLst>
+              <a:ext uri="{FF2B5EF4-FFF2-40B4-BE49-F238E27FC236}">
+                <a16:creationId xmlns:a16="http://schemas.microsoft.com/office/drawing/2014/main" id="{1C819673-0B0C-4ACE-A45E-22F4C5989616}"/>
+              </a:ext>
+            </a:extLst>
+          </p:cNvPr>
+          <p:cNvPicPr>
+            <a:picLocks noChangeAspect="1"/>
+          </p:cNvPicPr>
+          <p:nvPr/>
+        </p:nvPicPr>
+        <p:blipFill>
+          <a:blip r:embed="rId5">
+            <a:extLst>
+              <a:ext uri="{28A0092B-C50C-407E-A947-70E740481C1C}">
+                <a14:useLocalDpi xmlns:a14="http://schemas.microsoft.com/office/drawing/2010/main" val="0"/>
+              </a:ext>
+            </a:extLst>
+          </a:blip>
+          <a:stretch>
+            <a:fillRect/>
+          </a:stretch>
+        </p:blipFill>
+        <p:spPr>
+          <a:xfrm>
+            <a:off x="4235622" y="993306"/>
+            <a:ext cx="3642779" cy="3642779"/>
+          </a:xfrm>
+          <a:prstGeom prst="rect">
+            <a:avLst/>
+          </a:prstGeom>
+        </p:spPr>
+      </p:pic>
+    </p:spTree>
+    <p:extLst>
+      <p:ext uri="{BB962C8B-B14F-4D97-AF65-F5344CB8AC3E}">
+        <p14:creationId xmlns:p14="http://schemas.microsoft.com/office/powerpoint/2010/main" val="1891592699"/>
+      </p:ext>
+    </p:extLst>
+  </p:cSld>
+  <p:clrMapOvr>
+    <a:masterClrMapping/>
+  </p:clrMapOvr>
+</p:sld>
+</file>
+
+<file path=ppt/slides/slide14.xml><?xml version="1.0" encoding="utf-8"?>
+<p:sld xmlns:a="http://schemas.openxmlformats.org/drawingml/2006/main" xmlns:r="http://schemas.openxmlformats.org/officeDocument/2006/relationships" xmlns:p="http://schemas.openxmlformats.org/presentationml/2006/main">
+  <p:cSld>
+    <p:spTree>
+      <p:nvGrpSpPr>
+        <p:cNvPr id="1" name=""/>
+        <p:cNvGrpSpPr/>
+        <p:nvPr/>
+      </p:nvGrpSpPr>
+      <p:grpSpPr>
+        <a:xfrm>
+          <a:off x="0" y="0"/>
+          <a:ext cx="0" cy="0"/>
+          <a:chOff x="0" y="0"/>
+          <a:chExt cx="0" cy="0"/>
+        </a:xfrm>
+      </p:grpSpPr>
+      <p:sp>
+        <p:nvSpPr>
+          <p:cNvPr id="4" name="Rectangle 3">
+            <a:extLst>
+              <a:ext uri="{FF2B5EF4-FFF2-40B4-BE49-F238E27FC236}">
+                <a16:creationId xmlns:a16="http://schemas.microsoft.com/office/drawing/2014/main" id="{00C7A383-695B-41D6-9109-D236A948A82E}"/>
+              </a:ext>
+            </a:extLst>
+          </p:cNvPr>
+          <p:cNvSpPr/>
+          <p:nvPr/>
+        </p:nvSpPr>
+        <p:spPr>
+          <a:xfrm>
+            <a:off x="7894622" y="1663574"/>
+            <a:ext cx="1656784" cy="1892175"/>
+          </a:xfrm>
+          <a:prstGeom prst="rect">
+            <a:avLst/>
+          </a:prstGeom>
+        </p:spPr>
+        <p:style>
+          <a:lnRef idx="2">
+            <a:schemeClr val="accent1">
+              <a:shade val="50000"/>
+            </a:schemeClr>
+          </a:lnRef>
+          <a:fillRef idx="1">
+            <a:schemeClr val="accent1"/>
+          </a:fillRef>
+          <a:effectRef idx="0">
+            <a:schemeClr val="accent1"/>
+          </a:effectRef>
+          <a:fontRef idx="minor">
+            <a:schemeClr val="lt1"/>
+          </a:fontRef>
+        </p:style>
+        <p:txBody>
+          <a:bodyPr rtlCol="0" anchor="ctr"/>
+          <a:lstStyle/>
+          <a:p>
+            <a:pPr algn="ctr"/>
+            <a:endParaRPr lang="en-US"/>
+          </a:p>
+        </p:txBody>
+      </p:sp>
+      <p:pic>
+        <p:nvPicPr>
+          <p:cNvPr id="3" name="Picture 2">
+            <a:extLst>
+              <a:ext uri="{FF2B5EF4-FFF2-40B4-BE49-F238E27FC236}">
+                <a16:creationId xmlns:a16="http://schemas.microsoft.com/office/drawing/2014/main" id="{45AC9581-E8B9-4A8A-B48D-CC00700CE821}"/>
+              </a:ext>
+            </a:extLst>
+          </p:cNvPr>
+          <p:cNvPicPr>
+            <a:picLocks noChangeAspect="1"/>
+          </p:cNvPicPr>
+          <p:nvPr/>
+        </p:nvPicPr>
+        <p:blipFill>
+          <a:blip r:embed="rId3">
+            <a:clrChange>
+              <a:clrFrom>
+                <a:srgbClr val="FFFFFF"/>
+              </a:clrFrom>
+              <a:clrTo>
+                <a:srgbClr val="FFFFFF">
+                  <a:alpha val="0"/>
+                </a:srgbClr>
+              </a:clrTo>
+            </a:clrChange>
+            <a:extLst>
+              <a:ext uri="{28A0092B-C50C-407E-A947-70E740481C1C}">
+                <a14:useLocalDpi xmlns:a14="http://schemas.microsoft.com/office/drawing/2010/main" val="0"/>
+              </a:ext>
+            </a:extLst>
+          </a:blip>
+          <a:stretch>
+            <a:fillRect/>
+          </a:stretch>
+        </p:blipFill>
+        <p:spPr>
+          <a:xfrm>
+            <a:off x="3017635" y="352236"/>
+            <a:ext cx="4514850" cy="4514850"/>
+          </a:xfrm>
+          <a:prstGeom prst="rect">
+            <a:avLst/>
+          </a:prstGeom>
+        </p:spPr>
+      </p:pic>
+    </p:spTree>
+    <p:extLst>
+      <p:ext uri="{BB962C8B-B14F-4D97-AF65-F5344CB8AC3E}">
+        <p14:creationId xmlns:p14="http://schemas.microsoft.com/office/powerpoint/2010/main" val="1056036763"/>
+      </p:ext>
+    </p:extLst>
+  </p:cSld>
+  <p:clrMapOvr>
+    <a:masterClrMapping/>
+  </p:clrMapOvr>
+</p:sld>
+</file>
+
 <file path=ppt/slides/slide2.xml><?xml version="1.0" encoding="utf-8"?>
 <p:sld xmlns:a="http://schemas.openxmlformats.org/drawingml/2006/main" xmlns:r="http://schemas.openxmlformats.org/officeDocument/2006/relationships" xmlns:p="http://schemas.openxmlformats.org/presentationml/2006/main">
   <p:cSld>
@@ -7030,6 +12503,3094 @@
     <p:extLst>
       <p:ext uri="{BB962C8B-B14F-4D97-AF65-F5344CB8AC3E}">
         <p14:creationId xmlns:p14="http://schemas.microsoft.com/office/powerpoint/2010/main" val="1677617755"/>
+      </p:ext>
+    </p:extLst>
+  </p:cSld>
+  <p:clrMapOvr>
+    <a:masterClrMapping/>
+  </p:clrMapOvr>
+</p:sld>
+</file>
+
+<file path=ppt/slides/slide7.xml><?xml version="1.0" encoding="utf-8"?>
+<p:sld xmlns:a="http://schemas.openxmlformats.org/drawingml/2006/main" xmlns:r="http://schemas.openxmlformats.org/officeDocument/2006/relationships" xmlns:p="http://schemas.openxmlformats.org/presentationml/2006/main">
+  <p:cSld>
+    <p:spTree>
+      <p:nvGrpSpPr>
+        <p:cNvPr id="1" name=""/>
+        <p:cNvGrpSpPr/>
+        <p:nvPr/>
+      </p:nvGrpSpPr>
+      <p:grpSpPr>
+        <a:xfrm>
+          <a:off x="0" y="0"/>
+          <a:ext cx="0" cy="0"/>
+          <a:chOff x="0" y="0"/>
+          <a:chExt cx="0" cy="0"/>
+        </a:xfrm>
+      </p:grpSpPr>
+      <p:sp>
+        <p:nvSpPr>
+          <p:cNvPr id="4" name="Rectangle 3">
+            <a:extLst>
+              <a:ext uri="{FF2B5EF4-FFF2-40B4-BE49-F238E27FC236}">
+                <a16:creationId xmlns:a16="http://schemas.microsoft.com/office/drawing/2014/main" id="{7389EE0F-66DD-4EC4-8CEC-987B22D60A1D}"/>
+              </a:ext>
+            </a:extLst>
+          </p:cNvPr>
+          <p:cNvSpPr/>
+          <p:nvPr/>
+        </p:nvSpPr>
+        <p:spPr>
+          <a:xfrm>
+            <a:off x="4152899" y="169104"/>
+            <a:ext cx="3886199" cy="6483623"/>
+          </a:xfrm>
+          <a:prstGeom prst="rect">
+            <a:avLst/>
+          </a:prstGeom>
+        </p:spPr>
+        <p:style>
+          <a:lnRef idx="2">
+            <a:schemeClr val="accent1">
+              <a:shade val="50000"/>
+            </a:schemeClr>
+          </a:lnRef>
+          <a:fillRef idx="1">
+            <a:schemeClr val="accent1"/>
+          </a:fillRef>
+          <a:effectRef idx="0">
+            <a:schemeClr val="accent1"/>
+          </a:effectRef>
+          <a:fontRef idx="minor">
+            <a:schemeClr val="lt1"/>
+          </a:fontRef>
+        </p:style>
+        <p:txBody>
+          <a:bodyPr rtlCol="0" anchor="ctr"/>
+          <a:lstStyle/>
+          <a:p>
+            <a:pPr algn="ctr"/>
+            <a:endParaRPr lang="en-US"/>
+          </a:p>
+        </p:txBody>
+      </p:sp>
+      <p:pic>
+        <p:nvPicPr>
+          <p:cNvPr id="3" name="Picture 2">
+            <a:extLst>
+              <a:ext uri="{FF2B5EF4-FFF2-40B4-BE49-F238E27FC236}">
+                <a16:creationId xmlns:a16="http://schemas.microsoft.com/office/drawing/2014/main" id="{FED94A2B-26C1-48B6-82EF-BA1F1CFDC0A8}"/>
+              </a:ext>
+            </a:extLst>
+          </p:cNvPr>
+          <p:cNvPicPr>
+            <a:picLocks noChangeAspect="1"/>
+          </p:cNvPicPr>
+          <p:nvPr/>
+        </p:nvPicPr>
+        <p:blipFill>
+          <a:blip r:embed="rId3"/>
+          <a:stretch>
+            <a:fillRect/>
+          </a:stretch>
+        </p:blipFill>
+        <p:spPr>
+          <a:xfrm>
+            <a:off x="3768398" y="833397"/>
+            <a:ext cx="4433210" cy="3314042"/>
+          </a:xfrm>
+          <a:prstGeom prst="rect">
+            <a:avLst/>
+          </a:prstGeom>
+        </p:spPr>
+      </p:pic>
+      <p:sp>
+        <p:nvSpPr>
+          <p:cNvPr id="5" name="Rectangle 4">
+            <a:extLst>
+              <a:ext uri="{FF2B5EF4-FFF2-40B4-BE49-F238E27FC236}">
+                <a16:creationId xmlns:a16="http://schemas.microsoft.com/office/drawing/2014/main" id="{175491A8-EA5B-4C2C-A048-E751C5A7E636}"/>
+              </a:ext>
+            </a:extLst>
+          </p:cNvPr>
+          <p:cNvSpPr/>
+          <p:nvPr/>
+        </p:nvSpPr>
+        <p:spPr>
+          <a:xfrm>
+            <a:off x="4814596" y="169103"/>
+            <a:ext cx="3224502" cy="664293"/>
+          </a:xfrm>
+          <a:prstGeom prst="rect">
+            <a:avLst/>
+          </a:prstGeom>
+          <a:solidFill>
+            <a:schemeClr val="tx1">
+              <a:lumMod val="75000"/>
+              <a:lumOff val="25000"/>
+            </a:schemeClr>
+          </a:solidFill>
+          <a:ln>
+            <a:noFill/>
+          </a:ln>
+        </p:spPr>
+        <p:style>
+          <a:lnRef idx="2">
+            <a:schemeClr val="accent1">
+              <a:shade val="50000"/>
+            </a:schemeClr>
+          </a:lnRef>
+          <a:fillRef idx="1">
+            <a:schemeClr val="accent1"/>
+          </a:fillRef>
+          <a:effectRef idx="0">
+            <a:schemeClr val="accent1"/>
+          </a:effectRef>
+          <a:fontRef idx="minor">
+            <a:schemeClr val="lt1"/>
+          </a:fontRef>
+        </p:style>
+        <p:txBody>
+          <a:bodyPr rtlCol="0" anchor="ctr"/>
+          <a:lstStyle/>
+          <a:p>
+            <a:pPr algn="ctr"/>
+            <a:endParaRPr lang="en-US"/>
+          </a:p>
+        </p:txBody>
+      </p:sp>
+      <p:sp>
+        <p:nvSpPr>
+          <p:cNvPr id="6" name="TextBox 5">
+            <a:extLst>
+              <a:ext uri="{FF2B5EF4-FFF2-40B4-BE49-F238E27FC236}">
+                <a16:creationId xmlns:a16="http://schemas.microsoft.com/office/drawing/2014/main" id="{C5A2D7AE-E779-41F9-B90A-BC5411D76DD9}"/>
+              </a:ext>
+            </a:extLst>
+          </p:cNvPr>
+          <p:cNvSpPr txBox="1"/>
+          <p:nvPr/>
+        </p:nvSpPr>
+        <p:spPr>
+          <a:xfrm>
+            <a:off x="4926563" y="131919"/>
+            <a:ext cx="755780" cy="369332"/>
+          </a:xfrm>
+          <a:prstGeom prst="rect">
+            <a:avLst/>
+          </a:prstGeom>
+          <a:noFill/>
+        </p:spPr>
+        <p:txBody>
+          <a:bodyPr wrap="square" rtlCol="0">
+            <a:spAutoFit/>
+          </a:bodyPr>
+          <a:lstStyle/>
+          <a:p>
+            <a:r>
+              <a:rPr lang="en-US" dirty="0">
+                <a:solidFill>
+                  <a:schemeClr val="bg1"/>
+                </a:solidFill>
+              </a:rPr>
+              <a:t>Level</a:t>
+            </a:r>
+          </a:p>
+        </p:txBody>
+      </p:sp>
+      <p:sp>
+        <p:nvSpPr>
+          <p:cNvPr id="8" name="TextBox 7">
+            <a:extLst>
+              <a:ext uri="{FF2B5EF4-FFF2-40B4-BE49-F238E27FC236}">
+                <a16:creationId xmlns:a16="http://schemas.microsoft.com/office/drawing/2014/main" id="{E1BE5118-306B-4FFA-A54E-5C601C8394FA}"/>
+              </a:ext>
+            </a:extLst>
+          </p:cNvPr>
+          <p:cNvSpPr txBox="1"/>
+          <p:nvPr/>
+        </p:nvSpPr>
+        <p:spPr>
+          <a:xfrm>
+            <a:off x="6104940" y="131919"/>
+            <a:ext cx="755780" cy="369332"/>
+          </a:xfrm>
+          <a:prstGeom prst="rect">
+            <a:avLst/>
+          </a:prstGeom>
+          <a:noFill/>
+        </p:spPr>
+        <p:txBody>
+          <a:bodyPr wrap="square" rtlCol="0">
+            <a:spAutoFit/>
+          </a:bodyPr>
+          <a:lstStyle/>
+          <a:p>
+            <a:r>
+              <a:rPr lang="en-US" dirty="0">
+                <a:solidFill>
+                  <a:schemeClr val="bg1"/>
+                </a:solidFill>
+              </a:rPr>
+              <a:t>Score</a:t>
+            </a:r>
+          </a:p>
+        </p:txBody>
+      </p:sp>
+      <p:sp>
+        <p:nvSpPr>
+          <p:cNvPr id="9" name="TextBox 8">
+            <a:extLst>
+              <a:ext uri="{FF2B5EF4-FFF2-40B4-BE49-F238E27FC236}">
+                <a16:creationId xmlns:a16="http://schemas.microsoft.com/office/drawing/2014/main" id="{8AAC14BD-8A83-4C74-898C-3B4C9220ED91}"/>
+              </a:ext>
+            </a:extLst>
+          </p:cNvPr>
+          <p:cNvSpPr txBox="1"/>
+          <p:nvPr/>
+        </p:nvSpPr>
+        <p:spPr>
+          <a:xfrm>
+            <a:off x="7245221" y="131919"/>
+            <a:ext cx="755780" cy="369332"/>
+          </a:xfrm>
+          <a:prstGeom prst="rect">
+            <a:avLst/>
+          </a:prstGeom>
+          <a:noFill/>
+        </p:spPr>
+        <p:txBody>
+          <a:bodyPr wrap="square" rtlCol="0">
+            <a:spAutoFit/>
+          </a:bodyPr>
+          <a:lstStyle/>
+          <a:p>
+            <a:r>
+              <a:rPr lang="en-US" dirty="0">
+                <a:solidFill>
+                  <a:schemeClr val="bg1"/>
+                </a:solidFill>
+              </a:rPr>
+              <a:t>Mana</a:t>
+            </a:r>
+          </a:p>
+        </p:txBody>
+      </p:sp>
+      <p:sp>
+        <p:nvSpPr>
+          <p:cNvPr id="10" name="Rectangle 9">
+            <a:extLst>
+              <a:ext uri="{FF2B5EF4-FFF2-40B4-BE49-F238E27FC236}">
+                <a16:creationId xmlns:a16="http://schemas.microsoft.com/office/drawing/2014/main" id="{25361B00-E3CA-4C04-B7E0-178473412C68}"/>
+              </a:ext>
+            </a:extLst>
+          </p:cNvPr>
+          <p:cNvSpPr/>
+          <p:nvPr/>
+        </p:nvSpPr>
+        <p:spPr>
+          <a:xfrm>
+            <a:off x="4152898" y="169103"/>
+            <a:ext cx="661697" cy="664293"/>
+          </a:xfrm>
+          <a:prstGeom prst="rect">
+            <a:avLst/>
+          </a:prstGeom>
+          <a:solidFill>
+            <a:schemeClr val="bg2">
+              <a:lumMod val="50000"/>
+            </a:schemeClr>
+          </a:solidFill>
+          <a:ln>
+            <a:noFill/>
+          </a:ln>
+        </p:spPr>
+        <p:style>
+          <a:lnRef idx="2">
+            <a:schemeClr val="accent1">
+              <a:shade val="50000"/>
+            </a:schemeClr>
+          </a:lnRef>
+          <a:fillRef idx="1">
+            <a:schemeClr val="accent1"/>
+          </a:fillRef>
+          <a:effectRef idx="0">
+            <a:schemeClr val="accent1"/>
+          </a:effectRef>
+          <a:fontRef idx="minor">
+            <a:schemeClr val="lt1"/>
+          </a:fontRef>
+        </p:style>
+        <p:txBody>
+          <a:bodyPr rtlCol="0" anchor="ctr"/>
+          <a:lstStyle/>
+          <a:p>
+            <a:pPr algn="ctr"/>
+            <a:endParaRPr lang="en-US"/>
+          </a:p>
+        </p:txBody>
+      </p:sp>
+      <p:sp>
+        <p:nvSpPr>
+          <p:cNvPr id="11" name="Rectangle 10">
+            <a:extLst>
+              <a:ext uri="{FF2B5EF4-FFF2-40B4-BE49-F238E27FC236}">
+                <a16:creationId xmlns:a16="http://schemas.microsoft.com/office/drawing/2014/main" id="{6F84A7B2-8A83-40D6-8C0D-E76FFA516B5F}"/>
+              </a:ext>
+            </a:extLst>
+          </p:cNvPr>
+          <p:cNvSpPr/>
+          <p:nvPr/>
+        </p:nvSpPr>
+        <p:spPr>
+          <a:xfrm>
+            <a:off x="4152898" y="4147439"/>
+            <a:ext cx="3886199" cy="2505288"/>
+          </a:xfrm>
+          <a:prstGeom prst="rect">
+            <a:avLst/>
+          </a:prstGeom>
+          <a:solidFill>
+            <a:srgbClr val="767171"/>
+          </a:solidFill>
+          <a:ln>
+            <a:noFill/>
+          </a:ln>
+        </p:spPr>
+        <p:style>
+          <a:lnRef idx="2">
+            <a:schemeClr val="accent1">
+              <a:shade val="50000"/>
+            </a:schemeClr>
+          </a:lnRef>
+          <a:fillRef idx="1">
+            <a:schemeClr val="accent1"/>
+          </a:fillRef>
+          <a:effectRef idx="0">
+            <a:schemeClr val="accent1"/>
+          </a:effectRef>
+          <a:fontRef idx="minor">
+            <a:schemeClr val="lt1"/>
+          </a:fontRef>
+        </p:style>
+        <p:txBody>
+          <a:bodyPr rtlCol="0" anchor="ctr"/>
+          <a:lstStyle/>
+          <a:p>
+            <a:pPr algn="ctr"/>
+            <a:endParaRPr lang="en-US"/>
+          </a:p>
+        </p:txBody>
+      </p:sp>
+      <p:sp>
+        <p:nvSpPr>
+          <p:cNvPr id="12" name="Rectangle 11">
+            <a:extLst>
+              <a:ext uri="{FF2B5EF4-FFF2-40B4-BE49-F238E27FC236}">
+                <a16:creationId xmlns:a16="http://schemas.microsoft.com/office/drawing/2014/main" id="{136EB81B-AFB2-4FBA-9D99-048A1C443DF8}"/>
+              </a:ext>
+            </a:extLst>
+          </p:cNvPr>
+          <p:cNvSpPr/>
+          <p:nvPr/>
+        </p:nvSpPr>
+        <p:spPr>
+          <a:xfrm>
+            <a:off x="4206161" y="4380181"/>
+            <a:ext cx="2276669" cy="1330153"/>
+          </a:xfrm>
+          <a:prstGeom prst="rect">
+            <a:avLst/>
+          </a:prstGeom>
+          <a:solidFill>
+            <a:srgbClr val="404040"/>
+          </a:solidFill>
+          <a:ln>
+            <a:noFill/>
+          </a:ln>
+        </p:spPr>
+        <p:style>
+          <a:lnRef idx="2">
+            <a:schemeClr val="accent1">
+              <a:shade val="50000"/>
+            </a:schemeClr>
+          </a:lnRef>
+          <a:fillRef idx="1">
+            <a:schemeClr val="accent1"/>
+          </a:fillRef>
+          <a:effectRef idx="0">
+            <a:schemeClr val="accent1"/>
+          </a:effectRef>
+          <a:fontRef idx="minor">
+            <a:schemeClr val="lt1"/>
+          </a:fontRef>
+        </p:style>
+        <p:txBody>
+          <a:bodyPr rtlCol="0" anchor="ctr"/>
+          <a:lstStyle/>
+          <a:p>
+            <a:pPr algn="ctr"/>
+            <a:endParaRPr lang="en-US"/>
+          </a:p>
+        </p:txBody>
+      </p:sp>
+      <p:sp>
+        <p:nvSpPr>
+          <p:cNvPr id="13" name="Rectangle 12">
+            <a:extLst>
+              <a:ext uri="{FF2B5EF4-FFF2-40B4-BE49-F238E27FC236}">
+                <a16:creationId xmlns:a16="http://schemas.microsoft.com/office/drawing/2014/main" id="{529EBA8E-B57F-4AE8-BBE1-B837D15B557C}"/>
+              </a:ext>
+            </a:extLst>
+          </p:cNvPr>
+          <p:cNvSpPr/>
+          <p:nvPr/>
+        </p:nvSpPr>
+        <p:spPr>
+          <a:xfrm>
+            <a:off x="6617150" y="4380181"/>
+            <a:ext cx="1304539" cy="1330153"/>
+          </a:xfrm>
+          <a:prstGeom prst="rect">
+            <a:avLst/>
+          </a:prstGeom>
+          <a:solidFill>
+            <a:srgbClr val="404040"/>
+          </a:solidFill>
+          <a:ln>
+            <a:noFill/>
+          </a:ln>
+        </p:spPr>
+        <p:style>
+          <a:lnRef idx="2">
+            <a:schemeClr val="accent1">
+              <a:shade val="50000"/>
+            </a:schemeClr>
+          </a:lnRef>
+          <a:fillRef idx="1">
+            <a:schemeClr val="accent1"/>
+          </a:fillRef>
+          <a:effectRef idx="0">
+            <a:schemeClr val="accent1"/>
+          </a:effectRef>
+          <a:fontRef idx="minor">
+            <a:schemeClr val="lt1"/>
+          </a:fontRef>
+        </p:style>
+        <p:txBody>
+          <a:bodyPr rtlCol="0" anchor="ctr"/>
+          <a:lstStyle/>
+          <a:p>
+            <a:pPr algn="ctr"/>
+            <a:endParaRPr lang="en-US"/>
+          </a:p>
+        </p:txBody>
+      </p:sp>
+      <p:sp>
+        <p:nvSpPr>
+          <p:cNvPr id="14" name="Rectangle: Rounded Corners 13">
+            <a:extLst>
+              <a:ext uri="{FF2B5EF4-FFF2-40B4-BE49-F238E27FC236}">
+                <a16:creationId xmlns:a16="http://schemas.microsoft.com/office/drawing/2014/main" id="{9336D1A6-639E-481D-BECE-EECC489038CC}"/>
+              </a:ext>
+            </a:extLst>
+          </p:cNvPr>
+          <p:cNvSpPr/>
+          <p:nvPr/>
+        </p:nvSpPr>
+        <p:spPr>
+          <a:xfrm>
+            <a:off x="4206161" y="6130212"/>
+            <a:ext cx="720402" cy="450072"/>
+          </a:xfrm>
+          <a:prstGeom prst="roundRect">
+            <a:avLst/>
+          </a:prstGeom>
+          <a:solidFill>
+            <a:srgbClr val="404040"/>
+          </a:solidFill>
+          <a:ln>
+            <a:solidFill>
+              <a:schemeClr val="tx1"/>
+            </a:solidFill>
+          </a:ln>
+        </p:spPr>
+        <p:style>
+          <a:lnRef idx="2">
+            <a:schemeClr val="accent1">
+              <a:shade val="50000"/>
+            </a:schemeClr>
+          </a:lnRef>
+          <a:fillRef idx="1">
+            <a:schemeClr val="accent1"/>
+          </a:fillRef>
+          <a:effectRef idx="0">
+            <a:schemeClr val="accent1"/>
+          </a:effectRef>
+          <a:fontRef idx="minor">
+            <a:schemeClr val="lt1"/>
+          </a:fontRef>
+        </p:style>
+        <p:txBody>
+          <a:bodyPr rtlCol="0" anchor="ctr"/>
+          <a:lstStyle/>
+          <a:p>
+            <a:pPr algn="ctr"/>
+            <a:r>
+              <a:rPr lang="en-US" sz="1400" dirty="0"/>
+              <a:t>Cast</a:t>
+            </a:r>
+          </a:p>
+        </p:txBody>
+      </p:sp>
+      <p:sp>
+        <p:nvSpPr>
+          <p:cNvPr id="15" name="Rectangle 14">
+            <a:extLst>
+              <a:ext uri="{FF2B5EF4-FFF2-40B4-BE49-F238E27FC236}">
+                <a16:creationId xmlns:a16="http://schemas.microsoft.com/office/drawing/2014/main" id="{599D2AFE-9F9D-4115-A04C-0E9E528FA050}"/>
+              </a:ext>
+            </a:extLst>
+          </p:cNvPr>
+          <p:cNvSpPr/>
+          <p:nvPr/>
+        </p:nvSpPr>
+        <p:spPr>
+          <a:xfrm>
+            <a:off x="10207690" y="1838131"/>
+            <a:ext cx="914400" cy="914400"/>
+          </a:xfrm>
+          <a:prstGeom prst="rect">
+            <a:avLst/>
+          </a:prstGeom>
+        </p:spPr>
+        <p:style>
+          <a:lnRef idx="2">
+            <a:schemeClr val="accent1">
+              <a:shade val="50000"/>
+            </a:schemeClr>
+          </a:lnRef>
+          <a:fillRef idx="1">
+            <a:schemeClr val="accent1"/>
+          </a:fillRef>
+          <a:effectRef idx="0">
+            <a:schemeClr val="accent1"/>
+          </a:effectRef>
+          <a:fontRef idx="minor">
+            <a:schemeClr val="lt1"/>
+          </a:fontRef>
+        </p:style>
+        <p:txBody>
+          <a:bodyPr rtlCol="0" anchor="ctr"/>
+          <a:lstStyle/>
+          <a:p>
+            <a:pPr algn="ctr"/>
+            <a:endParaRPr lang="en-US"/>
+          </a:p>
+        </p:txBody>
+      </p:sp>
+      <p:sp>
+        <p:nvSpPr>
+          <p:cNvPr id="16" name="Rectangle: Rounded Corners 15">
+            <a:extLst>
+              <a:ext uri="{FF2B5EF4-FFF2-40B4-BE49-F238E27FC236}">
+                <a16:creationId xmlns:a16="http://schemas.microsoft.com/office/drawing/2014/main" id="{5E679ADA-4B52-45D8-B69C-70ED61D3419C}"/>
+              </a:ext>
+            </a:extLst>
+          </p:cNvPr>
+          <p:cNvSpPr/>
+          <p:nvPr/>
+        </p:nvSpPr>
+        <p:spPr>
+          <a:xfrm>
+            <a:off x="4961941" y="6130212"/>
+            <a:ext cx="2959748" cy="450072"/>
+          </a:xfrm>
+          <a:prstGeom prst="roundRect">
+            <a:avLst/>
+          </a:prstGeom>
+          <a:solidFill>
+            <a:srgbClr val="404040"/>
+          </a:solidFill>
+          <a:ln>
+            <a:solidFill>
+              <a:schemeClr val="tx1"/>
+            </a:solidFill>
+          </a:ln>
+        </p:spPr>
+        <p:style>
+          <a:lnRef idx="2">
+            <a:schemeClr val="accent1">
+              <a:shade val="50000"/>
+            </a:schemeClr>
+          </a:lnRef>
+          <a:fillRef idx="1">
+            <a:schemeClr val="accent1"/>
+          </a:fillRef>
+          <a:effectRef idx="0">
+            <a:schemeClr val="accent1"/>
+          </a:effectRef>
+          <a:fontRef idx="minor">
+            <a:schemeClr val="lt1"/>
+          </a:fontRef>
+        </p:style>
+        <p:txBody>
+          <a:bodyPr rtlCol="0" anchor="ctr"/>
+          <a:lstStyle/>
+          <a:p>
+            <a:pPr algn="ctr"/>
+            <a:r>
+              <a:rPr lang="en-US" sz="1400" dirty="0"/>
+              <a:t>Click on letters </a:t>
+            </a:r>
+          </a:p>
+          <a:p>
+            <a:pPr algn="ctr"/>
+            <a:r>
+              <a:rPr lang="en-US" sz="1400" dirty="0"/>
+              <a:t>to spell a word</a:t>
+            </a:r>
+          </a:p>
+        </p:txBody>
+      </p:sp>
+      <p:sp>
+        <p:nvSpPr>
+          <p:cNvPr id="17" name="Frame 16">
+            <a:extLst>
+              <a:ext uri="{FF2B5EF4-FFF2-40B4-BE49-F238E27FC236}">
+                <a16:creationId xmlns:a16="http://schemas.microsoft.com/office/drawing/2014/main" id="{F90CFC72-B5F9-43D2-93D5-4AA9525D2CA3}"/>
+              </a:ext>
+            </a:extLst>
+          </p:cNvPr>
+          <p:cNvSpPr/>
+          <p:nvPr/>
+        </p:nvSpPr>
+        <p:spPr>
+          <a:xfrm>
+            <a:off x="4152898" y="833396"/>
+            <a:ext cx="3886198" cy="3314042"/>
+          </a:xfrm>
+          <a:prstGeom prst="frame">
+            <a:avLst>
+              <a:gd name="adj1" fmla="val 2322"/>
+            </a:avLst>
+          </a:prstGeom>
+          <a:solidFill>
+            <a:srgbClr val="404040"/>
+          </a:solidFill>
+          <a:ln>
+            <a:noFill/>
+          </a:ln>
+        </p:spPr>
+        <p:style>
+          <a:lnRef idx="2">
+            <a:schemeClr val="accent1">
+              <a:shade val="50000"/>
+            </a:schemeClr>
+          </a:lnRef>
+          <a:fillRef idx="1">
+            <a:schemeClr val="accent1"/>
+          </a:fillRef>
+          <a:effectRef idx="0">
+            <a:schemeClr val="accent1"/>
+          </a:effectRef>
+          <a:fontRef idx="minor">
+            <a:schemeClr val="lt1"/>
+          </a:fontRef>
+        </p:style>
+        <p:txBody>
+          <a:bodyPr rtlCol="0" anchor="ctr"/>
+          <a:lstStyle/>
+          <a:p>
+            <a:pPr algn="ctr"/>
+            <a:endParaRPr lang="en-US">
+              <a:solidFill>
+                <a:schemeClr val="tx1"/>
+              </a:solidFill>
+            </a:endParaRPr>
+          </a:p>
+        </p:txBody>
+      </p:sp>
+      <p:sp>
+        <p:nvSpPr>
+          <p:cNvPr id="18" name="Frame 17">
+            <a:extLst>
+              <a:ext uri="{FF2B5EF4-FFF2-40B4-BE49-F238E27FC236}">
+                <a16:creationId xmlns:a16="http://schemas.microsoft.com/office/drawing/2014/main" id="{846FA173-1D6E-473B-B9BB-4ACE6EC26BD4}"/>
+              </a:ext>
+            </a:extLst>
+          </p:cNvPr>
+          <p:cNvSpPr/>
+          <p:nvPr/>
+        </p:nvSpPr>
+        <p:spPr>
+          <a:xfrm>
+            <a:off x="3498980" y="-475860"/>
+            <a:ext cx="5178489" cy="7791060"/>
+          </a:xfrm>
+          <a:prstGeom prst="frame">
+            <a:avLst/>
+          </a:prstGeom>
+          <a:solidFill>
+            <a:schemeClr val="bg1"/>
+          </a:solidFill>
+        </p:spPr>
+        <p:style>
+          <a:lnRef idx="2">
+            <a:schemeClr val="accent1">
+              <a:shade val="50000"/>
+            </a:schemeClr>
+          </a:lnRef>
+          <a:fillRef idx="1">
+            <a:schemeClr val="accent1"/>
+          </a:fillRef>
+          <a:effectRef idx="0">
+            <a:schemeClr val="accent1"/>
+          </a:effectRef>
+          <a:fontRef idx="minor">
+            <a:schemeClr val="lt1"/>
+          </a:fontRef>
+        </p:style>
+        <p:txBody>
+          <a:bodyPr rtlCol="0" anchor="ctr"/>
+          <a:lstStyle/>
+          <a:p>
+            <a:pPr algn="ctr"/>
+            <a:endParaRPr lang="en-US">
+              <a:solidFill>
+                <a:schemeClr val="tx1"/>
+              </a:solidFill>
+            </a:endParaRPr>
+          </a:p>
+        </p:txBody>
+      </p:sp>
+    </p:spTree>
+    <p:extLst>
+      <p:ext uri="{BB962C8B-B14F-4D97-AF65-F5344CB8AC3E}">
+        <p14:creationId xmlns:p14="http://schemas.microsoft.com/office/powerpoint/2010/main" val="626690383"/>
+      </p:ext>
+    </p:extLst>
+  </p:cSld>
+  <p:clrMapOvr>
+    <a:masterClrMapping/>
+  </p:clrMapOvr>
+</p:sld>
+</file>
+
+<file path=ppt/slides/slide8.xml><?xml version="1.0" encoding="utf-8"?>
+<p:sld xmlns:a="http://schemas.openxmlformats.org/drawingml/2006/main" xmlns:r="http://schemas.openxmlformats.org/officeDocument/2006/relationships" xmlns:p="http://schemas.openxmlformats.org/presentationml/2006/main">
+  <p:cSld>
+    <p:spTree>
+      <p:nvGrpSpPr>
+        <p:cNvPr id="1" name=""/>
+        <p:cNvGrpSpPr/>
+        <p:nvPr/>
+      </p:nvGrpSpPr>
+      <p:grpSpPr>
+        <a:xfrm>
+          <a:off x="0" y="0"/>
+          <a:ext cx="0" cy="0"/>
+          <a:chOff x="0" y="0"/>
+          <a:chExt cx="0" cy="0"/>
+        </a:xfrm>
+      </p:grpSpPr>
+      <p:sp>
+        <p:nvSpPr>
+          <p:cNvPr id="4" name="Rectangle 3">
+            <a:extLst>
+              <a:ext uri="{FF2B5EF4-FFF2-40B4-BE49-F238E27FC236}">
+                <a16:creationId xmlns:a16="http://schemas.microsoft.com/office/drawing/2014/main" id="{7389EE0F-66DD-4EC4-8CEC-987B22D60A1D}"/>
+              </a:ext>
+            </a:extLst>
+          </p:cNvPr>
+          <p:cNvSpPr/>
+          <p:nvPr/>
+        </p:nvSpPr>
+        <p:spPr>
+          <a:xfrm>
+            <a:off x="4152899" y="169104"/>
+            <a:ext cx="3886199" cy="6483623"/>
+          </a:xfrm>
+          <a:prstGeom prst="rect">
+            <a:avLst/>
+          </a:prstGeom>
+        </p:spPr>
+        <p:style>
+          <a:lnRef idx="2">
+            <a:schemeClr val="accent1">
+              <a:shade val="50000"/>
+            </a:schemeClr>
+          </a:lnRef>
+          <a:fillRef idx="1">
+            <a:schemeClr val="accent1"/>
+          </a:fillRef>
+          <a:effectRef idx="0">
+            <a:schemeClr val="accent1"/>
+          </a:effectRef>
+          <a:fontRef idx="minor">
+            <a:schemeClr val="lt1"/>
+          </a:fontRef>
+        </p:style>
+        <p:txBody>
+          <a:bodyPr rtlCol="0" anchor="ctr"/>
+          <a:lstStyle/>
+          <a:p>
+            <a:pPr algn="ctr"/>
+            <a:endParaRPr lang="en-US"/>
+          </a:p>
+        </p:txBody>
+      </p:sp>
+      <p:sp>
+        <p:nvSpPr>
+          <p:cNvPr id="11" name="Rectangle 10">
+            <a:extLst>
+              <a:ext uri="{FF2B5EF4-FFF2-40B4-BE49-F238E27FC236}">
+                <a16:creationId xmlns:a16="http://schemas.microsoft.com/office/drawing/2014/main" id="{6F84A7B2-8A83-40D6-8C0D-E76FFA516B5F}"/>
+              </a:ext>
+            </a:extLst>
+          </p:cNvPr>
+          <p:cNvSpPr/>
+          <p:nvPr/>
+        </p:nvSpPr>
+        <p:spPr>
+          <a:xfrm>
+            <a:off x="4152898" y="169103"/>
+            <a:ext cx="3886199" cy="6483624"/>
+          </a:xfrm>
+          <a:prstGeom prst="rect">
+            <a:avLst/>
+          </a:prstGeom>
+          <a:solidFill>
+            <a:srgbClr val="767171"/>
+          </a:solidFill>
+          <a:ln>
+            <a:noFill/>
+          </a:ln>
+        </p:spPr>
+        <p:style>
+          <a:lnRef idx="2">
+            <a:schemeClr val="accent1">
+              <a:shade val="50000"/>
+            </a:schemeClr>
+          </a:lnRef>
+          <a:fillRef idx="1">
+            <a:schemeClr val="accent1"/>
+          </a:fillRef>
+          <a:effectRef idx="0">
+            <a:schemeClr val="accent1"/>
+          </a:effectRef>
+          <a:fontRef idx="minor">
+            <a:schemeClr val="lt1"/>
+          </a:fontRef>
+        </p:style>
+        <p:txBody>
+          <a:bodyPr rtlCol="0" anchor="ctr"/>
+          <a:lstStyle/>
+          <a:p>
+            <a:pPr algn="ctr"/>
+            <a:endParaRPr lang="en-US"/>
+          </a:p>
+        </p:txBody>
+      </p:sp>
+      <p:pic>
+        <p:nvPicPr>
+          <p:cNvPr id="3" name="Picture 2">
+            <a:extLst>
+              <a:ext uri="{FF2B5EF4-FFF2-40B4-BE49-F238E27FC236}">
+                <a16:creationId xmlns:a16="http://schemas.microsoft.com/office/drawing/2014/main" id="{FED94A2B-26C1-48B6-82EF-BA1F1CFDC0A8}"/>
+              </a:ext>
+            </a:extLst>
+          </p:cNvPr>
+          <p:cNvPicPr>
+            <a:picLocks noChangeAspect="1"/>
+          </p:cNvPicPr>
+          <p:nvPr/>
+        </p:nvPicPr>
+        <p:blipFill>
+          <a:blip r:embed="rId3"/>
+          <a:stretch>
+            <a:fillRect/>
+          </a:stretch>
+        </p:blipFill>
+        <p:spPr>
+          <a:xfrm>
+            <a:off x="3768952" y="1104355"/>
+            <a:ext cx="4433210" cy="3314042"/>
+          </a:xfrm>
+          <a:prstGeom prst="rect">
+            <a:avLst/>
+          </a:prstGeom>
+        </p:spPr>
+      </p:pic>
+      <p:sp>
+        <p:nvSpPr>
+          <p:cNvPr id="5" name="Rectangle 4">
+            <a:extLst>
+              <a:ext uri="{FF2B5EF4-FFF2-40B4-BE49-F238E27FC236}">
+                <a16:creationId xmlns:a16="http://schemas.microsoft.com/office/drawing/2014/main" id="{175491A8-EA5B-4C2C-A048-E751C5A7E636}"/>
+              </a:ext>
+            </a:extLst>
+          </p:cNvPr>
+          <p:cNvSpPr/>
+          <p:nvPr/>
+        </p:nvSpPr>
+        <p:spPr>
+          <a:xfrm>
+            <a:off x="4152898" y="169103"/>
+            <a:ext cx="3886200" cy="939923"/>
+          </a:xfrm>
+          <a:prstGeom prst="rect">
+            <a:avLst/>
+          </a:prstGeom>
+          <a:solidFill>
+            <a:schemeClr val="tx1">
+              <a:lumMod val="75000"/>
+              <a:lumOff val="25000"/>
+            </a:schemeClr>
+          </a:solidFill>
+          <a:ln>
+            <a:noFill/>
+          </a:ln>
+        </p:spPr>
+        <p:style>
+          <a:lnRef idx="2">
+            <a:schemeClr val="accent1">
+              <a:shade val="50000"/>
+            </a:schemeClr>
+          </a:lnRef>
+          <a:fillRef idx="1">
+            <a:schemeClr val="accent1"/>
+          </a:fillRef>
+          <a:effectRef idx="0">
+            <a:schemeClr val="accent1"/>
+          </a:effectRef>
+          <a:fontRef idx="minor">
+            <a:schemeClr val="lt1"/>
+          </a:fontRef>
+        </p:style>
+        <p:txBody>
+          <a:bodyPr rtlCol="0" anchor="ctr"/>
+          <a:lstStyle/>
+          <a:p>
+            <a:pPr algn="ctr"/>
+            <a:endParaRPr lang="en-US"/>
+          </a:p>
+        </p:txBody>
+      </p:sp>
+      <p:sp>
+        <p:nvSpPr>
+          <p:cNvPr id="6" name="TextBox 5">
+            <a:extLst>
+              <a:ext uri="{FF2B5EF4-FFF2-40B4-BE49-F238E27FC236}">
+                <a16:creationId xmlns:a16="http://schemas.microsoft.com/office/drawing/2014/main" id="{C5A2D7AE-E779-41F9-B90A-BC5411D76DD9}"/>
+              </a:ext>
+            </a:extLst>
+          </p:cNvPr>
+          <p:cNvSpPr txBox="1"/>
+          <p:nvPr/>
+        </p:nvSpPr>
+        <p:spPr>
+          <a:xfrm>
+            <a:off x="4223652" y="131919"/>
+            <a:ext cx="755780" cy="369332"/>
+          </a:xfrm>
+          <a:prstGeom prst="rect">
+            <a:avLst/>
+          </a:prstGeom>
+          <a:noFill/>
+        </p:spPr>
+        <p:txBody>
+          <a:bodyPr wrap="square" rtlCol="0">
+            <a:spAutoFit/>
+          </a:bodyPr>
+          <a:lstStyle/>
+          <a:p>
+            <a:pPr algn="ctr"/>
+            <a:r>
+              <a:rPr lang="en-US" dirty="0">
+                <a:solidFill>
+                  <a:schemeClr val="bg1"/>
+                </a:solidFill>
+              </a:rPr>
+              <a:t>Level</a:t>
+            </a:r>
+          </a:p>
+        </p:txBody>
+      </p:sp>
+      <p:sp>
+        <p:nvSpPr>
+          <p:cNvPr id="8" name="TextBox 7">
+            <a:extLst>
+              <a:ext uri="{FF2B5EF4-FFF2-40B4-BE49-F238E27FC236}">
+                <a16:creationId xmlns:a16="http://schemas.microsoft.com/office/drawing/2014/main" id="{E1BE5118-306B-4FFA-A54E-5C601C8394FA}"/>
+              </a:ext>
+            </a:extLst>
+          </p:cNvPr>
+          <p:cNvSpPr txBox="1"/>
+          <p:nvPr/>
+        </p:nvSpPr>
+        <p:spPr>
+          <a:xfrm>
+            <a:off x="5634127" y="133209"/>
+            <a:ext cx="755780" cy="369332"/>
+          </a:xfrm>
+          <a:prstGeom prst="rect">
+            <a:avLst/>
+          </a:prstGeom>
+          <a:noFill/>
+        </p:spPr>
+        <p:txBody>
+          <a:bodyPr wrap="square" rtlCol="0">
+            <a:spAutoFit/>
+          </a:bodyPr>
+          <a:lstStyle/>
+          <a:p>
+            <a:pPr algn="ctr"/>
+            <a:r>
+              <a:rPr lang="en-US" dirty="0">
+                <a:solidFill>
+                  <a:schemeClr val="bg1"/>
+                </a:solidFill>
+              </a:rPr>
+              <a:t>Score</a:t>
+            </a:r>
+          </a:p>
+        </p:txBody>
+      </p:sp>
+      <p:sp>
+        <p:nvSpPr>
+          <p:cNvPr id="9" name="TextBox 8">
+            <a:extLst>
+              <a:ext uri="{FF2B5EF4-FFF2-40B4-BE49-F238E27FC236}">
+                <a16:creationId xmlns:a16="http://schemas.microsoft.com/office/drawing/2014/main" id="{8AAC14BD-8A83-4C74-898C-3B4C9220ED91}"/>
+              </a:ext>
+            </a:extLst>
+          </p:cNvPr>
+          <p:cNvSpPr txBox="1"/>
+          <p:nvPr/>
+        </p:nvSpPr>
+        <p:spPr>
+          <a:xfrm>
+            <a:off x="7194677" y="131917"/>
+            <a:ext cx="755780" cy="369332"/>
+          </a:xfrm>
+          <a:prstGeom prst="rect">
+            <a:avLst/>
+          </a:prstGeom>
+          <a:noFill/>
+        </p:spPr>
+        <p:txBody>
+          <a:bodyPr wrap="square" rtlCol="0">
+            <a:spAutoFit/>
+          </a:bodyPr>
+          <a:lstStyle/>
+          <a:p>
+            <a:pPr algn="ctr"/>
+            <a:r>
+              <a:rPr lang="en-US" dirty="0">
+                <a:solidFill>
+                  <a:schemeClr val="bg1"/>
+                </a:solidFill>
+              </a:rPr>
+              <a:t>Mana</a:t>
+            </a:r>
+          </a:p>
+        </p:txBody>
+      </p:sp>
+      <p:sp>
+        <p:nvSpPr>
+          <p:cNvPr id="12" name="Rectangle 11">
+            <a:extLst>
+              <a:ext uri="{FF2B5EF4-FFF2-40B4-BE49-F238E27FC236}">
+                <a16:creationId xmlns:a16="http://schemas.microsoft.com/office/drawing/2014/main" id="{136EB81B-AFB2-4FBA-9D99-048A1C443DF8}"/>
+              </a:ext>
+            </a:extLst>
+          </p:cNvPr>
+          <p:cNvSpPr/>
+          <p:nvPr/>
+        </p:nvSpPr>
+        <p:spPr>
+          <a:xfrm>
+            <a:off x="4220733" y="4671588"/>
+            <a:ext cx="2276669" cy="1393571"/>
+          </a:xfrm>
+          <a:prstGeom prst="rect">
+            <a:avLst/>
+          </a:prstGeom>
+          <a:solidFill>
+            <a:srgbClr val="404040"/>
+          </a:solidFill>
+          <a:ln>
+            <a:noFill/>
+          </a:ln>
+        </p:spPr>
+        <p:style>
+          <a:lnRef idx="2">
+            <a:schemeClr val="accent1">
+              <a:shade val="50000"/>
+            </a:schemeClr>
+          </a:lnRef>
+          <a:fillRef idx="1">
+            <a:schemeClr val="accent1"/>
+          </a:fillRef>
+          <a:effectRef idx="0">
+            <a:schemeClr val="accent1"/>
+          </a:effectRef>
+          <a:fontRef idx="minor">
+            <a:schemeClr val="lt1"/>
+          </a:fontRef>
+        </p:style>
+        <p:txBody>
+          <a:bodyPr rtlCol="0" anchor="ctr"/>
+          <a:lstStyle/>
+          <a:p>
+            <a:pPr algn="ctr"/>
+            <a:endParaRPr lang="en-US"/>
+          </a:p>
+        </p:txBody>
+      </p:sp>
+      <p:sp>
+        <p:nvSpPr>
+          <p:cNvPr id="13" name="Rectangle 12">
+            <a:extLst>
+              <a:ext uri="{FF2B5EF4-FFF2-40B4-BE49-F238E27FC236}">
+                <a16:creationId xmlns:a16="http://schemas.microsoft.com/office/drawing/2014/main" id="{529EBA8E-B57F-4AE8-BBE1-B837D15B557C}"/>
+              </a:ext>
+            </a:extLst>
+          </p:cNvPr>
+          <p:cNvSpPr/>
+          <p:nvPr/>
+        </p:nvSpPr>
+        <p:spPr>
+          <a:xfrm>
+            <a:off x="6609371" y="4671588"/>
+            <a:ext cx="1304539" cy="1393571"/>
+          </a:xfrm>
+          <a:prstGeom prst="rect">
+            <a:avLst/>
+          </a:prstGeom>
+          <a:solidFill>
+            <a:srgbClr val="404040"/>
+          </a:solidFill>
+          <a:ln>
+            <a:noFill/>
+          </a:ln>
+        </p:spPr>
+        <p:style>
+          <a:lnRef idx="2">
+            <a:schemeClr val="accent1">
+              <a:shade val="50000"/>
+            </a:schemeClr>
+          </a:lnRef>
+          <a:fillRef idx="1">
+            <a:schemeClr val="accent1"/>
+          </a:fillRef>
+          <a:effectRef idx="0">
+            <a:schemeClr val="accent1"/>
+          </a:effectRef>
+          <a:fontRef idx="minor">
+            <a:schemeClr val="lt1"/>
+          </a:fontRef>
+        </p:style>
+        <p:txBody>
+          <a:bodyPr rtlCol="0" anchor="ctr"/>
+          <a:lstStyle/>
+          <a:p>
+            <a:pPr algn="ctr"/>
+            <a:endParaRPr lang="en-US"/>
+          </a:p>
+        </p:txBody>
+      </p:sp>
+      <p:sp>
+        <p:nvSpPr>
+          <p:cNvPr id="14" name="Rectangle: Rounded Corners 13">
+            <a:extLst>
+              <a:ext uri="{FF2B5EF4-FFF2-40B4-BE49-F238E27FC236}">
+                <a16:creationId xmlns:a16="http://schemas.microsoft.com/office/drawing/2014/main" id="{9336D1A6-639E-481D-BECE-EECC489038CC}"/>
+              </a:ext>
+            </a:extLst>
+          </p:cNvPr>
+          <p:cNvSpPr/>
+          <p:nvPr/>
+        </p:nvSpPr>
+        <p:spPr>
+          <a:xfrm>
+            <a:off x="7187168" y="851163"/>
+            <a:ext cx="726741" cy="245416"/>
+          </a:xfrm>
+          <a:prstGeom prst="roundRect">
+            <a:avLst/>
+          </a:prstGeom>
+          <a:solidFill>
+            <a:schemeClr val="tx1"/>
+          </a:solidFill>
+          <a:ln>
+            <a:solidFill>
+              <a:schemeClr val="bg1"/>
+            </a:solidFill>
+          </a:ln>
+        </p:spPr>
+        <p:style>
+          <a:lnRef idx="2">
+            <a:schemeClr val="accent1">
+              <a:shade val="50000"/>
+            </a:schemeClr>
+          </a:lnRef>
+          <a:fillRef idx="1">
+            <a:schemeClr val="accent1"/>
+          </a:fillRef>
+          <a:effectRef idx="0">
+            <a:schemeClr val="accent1"/>
+          </a:effectRef>
+          <a:fontRef idx="minor">
+            <a:schemeClr val="lt1"/>
+          </a:fontRef>
+        </p:style>
+        <p:txBody>
+          <a:bodyPr rtlCol="0" anchor="ctr"/>
+          <a:lstStyle/>
+          <a:p>
+            <a:pPr algn="ctr"/>
+            <a:r>
+              <a:rPr lang="en-US" sz="1400" dirty="0"/>
+              <a:t>Cast</a:t>
+            </a:r>
+          </a:p>
+        </p:txBody>
+      </p:sp>
+      <p:sp>
+        <p:nvSpPr>
+          <p:cNvPr id="15" name="Rectangle 14">
+            <a:extLst>
+              <a:ext uri="{FF2B5EF4-FFF2-40B4-BE49-F238E27FC236}">
+                <a16:creationId xmlns:a16="http://schemas.microsoft.com/office/drawing/2014/main" id="{599D2AFE-9F9D-4115-A04C-0E9E528FA050}"/>
+              </a:ext>
+            </a:extLst>
+          </p:cNvPr>
+          <p:cNvSpPr/>
+          <p:nvPr/>
+        </p:nvSpPr>
+        <p:spPr>
+          <a:xfrm>
+            <a:off x="10207690" y="1838131"/>
+            <a:ext cx="914400" cy="914400"/>
+          </a:xfrm>
+          <a:prstGeom prst="rect">
+            <a:avLst/>
+          </a:prstGeom>
+        </p:spPr>
+        <p:style>
+          <a:lnRef idx="2">
+            <a:schemeClr val="accent1">
+              <a:shade val="50000"/>
+            </a:schemeClr>
+          </a:lnRef>
+          <a:fillRef idx="1">
+            <a:schemeClr val="accent1"/>
+          </a:fillRef>
+          <a:effectRef idx="0">
+            <a:schemeClr val="accent1"/>
+          </a:effectRef>
+          <a:fontRef idx="minor">
+            <a:schemeClr val="lt1"/>
+          </a:fontRef>
+        </p:style>
+        <p:txBody>
+          <a:bodyPr rtlCol="0" anchor="ctr"/>
+          <a:lstStyle/>
+          <a:p>
+            <a:pPr algn="ctr"/>
+            <a:endParaRPr lang="en-US"/>
+          </a:p>
+        </p:txBody>
+      </p:sp>
+      <p:sp>
+        <p:nvSpPr>
+          <p:cNvPr id="16" name="Rectangle: Rounded Corners 15">
+            <a:extLst>
+              <a:ext uri="{FF2B5EF4-FFF2-40B4-BE49-F238E27FC236}">
+                <a16:creationId xmlns:a16="http://schemas.microsoft.com/office/drawing/2014/main" id="{5E679ADA-4B52-45D8-B69C-70ED61D3419C}"/>
+              </a:ext>
+            </a:extLst>
+          </p:cNvPr>
+          <p:cNvSpPr/>
+          <p:nvPr/>
+        </p:nvSpPr>
+        <p:spPr>
+          <a:xfrm>
+            <a:off x="4961941" y="6130212"/>
+            <a:ext cx="2959748" cy="450072"/>
+          </a:xfrm>
+          <a:prstGeom prst="roundRect">
+            <a:avLst/>
+          </a:prstGeom>
+          <a:solidFill>
+            <a:schemeClr val="tx1"/>
+          </a:solidFill>
+          <a:ln>
+            <a:solidFill>
+              <a:schemeClr val="bg1"/>
+            </a:solidFill>
+          </a:ln>
+        </p:spPr>
+        <p:style>
+          <a:lnRef idx="2">
+            <a:schemeClr val="accent1">
+              <a:shade val="50000"/>
+            </a:schemeClr>
+          </a:lnRef>
+          <a:fillRef idx="1">
+            <a:schemeClr val="accent1"/>
+          </a:fillRef>
+          <a:effectRef idx="0">
+            <a:schemeClr val="accent1"/>
+          </a:effectRef>
+          <a:fontRef idx="minor">
+            <a:schemeClr val="lt1"/>
+          </a:fontRef>
+        </p:style>
+        <p:txBody>
+          <a:bodyPr rtlCol="0" anchor="ctr"/>
+          <a:lstStyle/>
+          <a:p>
+            <a:pPr algn="ctr"/>
+            <a:r>
+              <a:rPr lang="en-US" sz="1400" dirty="0"/>
+              <a:t>Click on letters </a:t>
+            </a:r>
+          </a:p>
+          <a:p>
+            <a:pPr algn="ctr"/>
+            <a:r>
+              <a:rPr lang="en-US" sz="1400" dirty="0"/>
+              <a:t>to spell a word</a:t>
+            </a:r>
+          </a:p>
+        </p:txBody>
+      </p:sp>
+      <p:sp>
+        <p:nvSpPr>
+          <p:cNvPr id="17" name="Frame 16">
+            <a:extLst>
+              <a:ext uri="{FF2B5EF4-FFF2-40B4-BE49-F238E27FC236}">
+                <a16:creationId xmlns:a16="http://schemas.microsoft.com/office/drawing/2014/main" id="{F90CFC72-B5F9-43D2-93D5-4AA9525D2CA3}"/>
+              </a:ext>
+            </a:extLst>
+          </p:cNvPr>
+          <p:cNvSpPr/>
+          <p:nvPr/>
+        </p:nvSpPr>
+        <p:spPr>
+          <a:xfrm>
+            <a:off x="4153452" y="1104354"/>
+            <a:ext cx="3886198" cy="3314042"/>
+          </a:xfrm>
+          <a:prstGeom prst="frame">
+            <a:avLst>
+              <a:gd name="adj1" fmla="val 2322"/>
+            </a:avLst>
+          </a:prstGeom>
+          <a:solidFill>
+            <a:srgbClr val="404040"/>
+          </a:solidFill>
+          <a:ln>
+            <a:noFill/>
+          </a:ln>
+        </p:spPr>
+        <p:style>
+          <a:lnRef idx="2">
+            <a:schemeClr val="accent1">
+              <a:shade val="50000"/>
+            </a:schemeClr>
+          </a:lnRef>
+          <a:fillRef idx="1">
+            <a:schemeClr val="accent1"/>
+          </a:fillRef>
+          <a:effectRef idx="0">
+            <a:schemeClr val="accent1"/>
+          </a:effectRef>
+          <a:fontRef idx="minor">
+            <a:schemeClr val="lt1"/>
+          </a:fontRef>
+        </p:style>
+        <p:txBody>
+          <a:bodyPr rtlCol="0" anchor="ctr"/>
+          <a:lstStyle/>
+          <a:p>
+            <a:pPr algn="ctr"/>
+            <a:endParaRPr lang="en-US">
+              <a:solidFill>
+                <a:schemeClr val="tx1"/>
+              </a:solidFill>
+            </a:endParaRPr>
+          </a:p>
+        </p:txBody>
+      </p:sp>
+      <p:sp>
+        <p:nvSpPr>
+          <p:cNvPr id="18" name="Frame 17">
+            <a:extLst>
+              <a:ext uri="{FF2B5EF4-FFF2-40B4-BE49-F238E27FC236}">
+                <a16:creationId xmlns:a16="http://schemas.microsoft.com/office/drawing/2014/main" id="{846FA173-1D6E-473B-B9BB-4ACE6EC26BD4}"/>
+              </a:ext>
+            </a:extLst>
+          </p:cNvPr>
+          <p:cNvSpPr/>
+          <p:nvPr/>
+        </p:nvSpPr>
+        <p:spPr>
+          <a:xfrm>
+            <a:off x="3498980" y="-475860"/>
+            <a:ext cx="5178489" cy="7791060"/>
+          </a:xfrm>
+          <a:prstGeom prst="frame">
+            <a:avLst/>
+          </a:prstGeom>
+          <a:solidFill>
+            <a:schemeClr val="bg1"/>
+          </a:solidFill>
+        </p:spPr>
+        <p:style>
+          <a:lnRef idx="2">
+            <a:schemeClr val="accent1">
+              <a:shade val="50000"/>
+            </a:schemeClr>
+          </a:lnRef>
+          <a:fillRef idx="1">
+            <a:schemeClr val="accent1"/>
+          </a:fillRef>
+          <a:effectRef idx="0">
+            <a:schemeClr val="accent1"/>
+          </a:effectRef>
+          <a:fontRef idx="minor">
+            <a:schemeClr val="lt1"/>
+          </a:fontRef>
+        </p:style>
+        <p:txBody>
+          <a:bodyPr rtlCol="0" anchor="ctr"/>
+          <a:lstStyle/>
+          <a:p>
+            <a:pPr algn="ctr"/>
+            <a:endParaRPr lang="en-US">
+              <a:solidFill>
+                <a:schemeClr val="tx1"/>
+              </a:solidFill>
+            </a:endParaRPr>
+          </a:p>
+        </p:txBody>
+      </p:sp>
+      <p:sp>
+        <p:nvSpPr>
+          <p:cNvPr id="2" name="TextBox 1">
+            <a:extLst>
+              <a:ext uri="{FF2B5EF4-FFF2-40B4-BE49-F238E27FC236}">
+                <a16:creationId xmlns:a16="http://schemas.microsoft.com/office/drawing/2014/main" id="{0A759929-BDA3-420D-BC64-1584AF85EDF3}"/>
+              </a:ext>
+            </a:extLst>
+          </p:cNvPr>
+          <p:cNvSpPr txBox="1"/>
+          <p:nvPr/>
+        </p:nvSpPr>
+        <p:spPr>
+          <a:xfrm>
+            <a:off x="5549375" y="290018"/>
+            <a:ext cx="918290" cy="646331"/>
+          </a:xfrm>
+          <a:prstGeom prst="rect">
+            <a:avLst/>
+          </a:prstGeom>
+          <a:noFill/>
+        </p:spPr>
+        <p:txBody>
+          <a:bodyPr wrap="square" rtlCol="0">
+            <a:spAutoFit/>
+          </a:bodyPr>
+          <a:lstStyle/>
+          <a:p>
+            <a:pPr algn="ctr"/>
+            <a:r>
+              <a:rPr lang="en-US" sz="3600" dirty="0">
+                <a:solidFill>
+                  <a:schemeClr val="bg1"/>
+                </a:solidFill>
+              </a:rPr>
+              <a:t>205</a:t>
+            </a:r>
+          </a:p>
+        </p:txBody>
+      </p:sp>
+      <p:sp>
+        <p:nvSpPr>
+          <p:cNvPr id="19" name="TextBox 18">
+            <a:extLst>
+              <a:ext uri="{FF2B5EF4-FFF2-40B4-BE49-F238E27FC236}">
+                <a16:creationId xmlns:a16="http://schemas.microsoft.com/office/drawing/2014/main" id="{CF636CAF-E37E-49CC-90E0-59ACB65E3E51}"/>
+              </a:ext>
+            </a:extLst>
+          </p:cNvPr>
+          <p:cNvSpPr txBox="1"/>
+          <p:nvPr/>
+        </p:nvSpPr>
+        <p:spPr>
+          <a:xfrm>
+            <a:off x="4135786" y="290018"/>
+            <a:ext cx="918290" cy="646331"/>
+          </a:xfrm>
+          <a:prstGeom prst="rect">
+            <a:avLst/>
+          </a:prstGeom>
+          <a:noFill/>
+        </p:spPr>
+        <p:txBody>
+          <a:bodyPr wrap="square" rtlCol="0">
+            <a:spAutoFit/>
+          </a:bodyPr>
+          <a:lstStyle/>
+          <a:p>
+            <a:pPr algn="ctr"/>
+            <a:r>
+              <a:rPr lang="en-US" sz="3600" dirty="0">
+                <a:solidFill>
+                  <a:schemeClr val="bg1"/>
+                </a:solidFill>
+              </a:rPr>
+              <a:t>5</a:t>
+            </a:r>
+          </a:p>
+        </p:txBody>
+      </p:sp>
+      <p:sp>
+        <p:nvSpPr>
+          <p:cNvPr id="20" name="TextBox 19">
+            <a:extLst>
+              <a:ext uri="{FF2B5EF4-FFF2-40B4-BE49-F238E27FC236}">
+                <a16:creationId xmlns:a16="http://schemas.microsoft.com/office/drawing/2014/main" id="{C5FF8574-4F5C-4C8A-8536-DF9E68318D6B}"/>
+              </a:ext>
+            </a:extLst>
+          </p:cNvPr>
+          <p:cNvSpPr txBox="1"/>
+          <p:nvPr/>
+        </p:nvSpPr>
+        <p:spPr>
+          <a:xfrm>
+            <a:off x="7120806" y="316583"/>
+            <a:ext cx="918290" cy="646331"/>
+          </a:xfrm>
+          <a:prstGeom prst="rect">
+            <a:avLst/>
+          </a:prstGeom>
+          <a:noFill/>
+        </p:spPr>
+        <p:txBody>
+          <a:bodyPr wrap="square" rtlCol="0">
+            <a:spAutoFit/>
+          </a:bodyPr>
+          <a:lstStyle/>
+          <a:p>
+            <a:pPr algn="ctr"/>
+            <a:r>
+              <a:rPr lang="en-US" sz="3600" dirty="0">
+                <a:solidFill>
+                  <a:schemeClr val="bg1"/>
+                </a:solidFill>
+              </a:rPr>
+              <a:t>31</a:t>
+            </a:r>
+          </a:p>
+        </p:txBody>
+      </p:sp>
+      <p:sp>
+        <p:nvSpPr>
+          <p:cNvPr id="7" name="TextBox 6">
+            <a:extLst>
+              <a:ext uri="{FF2B5EF4-FFF2-40B4-BE49-F238E27FC236}">
+                <a16:creationId xmlns:a16="http://schemas.microsoft.com/office/drawing/2014/main" id="{BE3FA923-B472-49D2-A73E-C082D5A7211F}"/>
+              </a:ext>
+            </a:extLst>
+          </p:cNvPr>
+          <p:cNvSpPr txBox="1"/>
+          <p:nvPr/>
+        </p:nvSpPr>
+        <p:spPr>
+          <a:xfrm>
+            <a:off x="4601542" y="809025"/>
+            <a:ext cx="1081560" cy="307777"/>
+          </a:xfrm>
+          <a:prstGeom prst="rect">
+            <a:avLst/>
+          </a:prstGeom>
+          <a:noFill/>
+        </p:spPr>
+        <p:txBody>
+          <a:bodyPr wrap="square" rtlCol="0">
+            <a:spAutoFit/>
+          </a:bodyPr>
+          <a:lstStyle/>
+          <a:p>
+            <a:r>
+              <a:rPr lang="en-US" sz="1400" dirty="0">
+                <a:solidFill>
+                  <a:schemeClr val="bg1"/>
+                </a:solidFill>
+              </a:rPr>
+              <a:t>Fortune</a:t>
+            </a:r>
+          </a:p>
+        </p:txBody>
+      </p:sp>
+      <p:pic>
+        <p:nvPicPr>
+          <p:cNvPr id="21" name="Picture 20">
+            <a:extLst>
+              <a:ext uri="{FF2B5EF4-FFF2-40B4-BE49-F238E27FC236}">
+                <a16:creationId xmlns:a16="http://schemas.microsoft.com/office/drawing/2014/main" id="{42A5FF73-754B-45B0-9ED8-9B0A6D1EF089}"/>
+              </a:ext>
+            </a:extLst>
+          </p:cNvPr>
+          <p:cNvPicPr>
+            <a:picLocks noChangeAspect="1"/>
+          </p:cNvPicPr>
+          <p:nvPr/>
+        </p:nvPicPr>
+        <p:blipFill rotWithShape="1">
+          <a:blip r:embed="rId4"/>
+          <a:srcRect l="3324" t="15484" r="5058" b="24467"/>
+          <a:stretch/>
+        </p:blipFill>
+        <p:spPr>
+          <a:xfrm>
+            <a:off x="5379077" y="936349"/>
+            <a:ext cx="1055908" cy="102953"/>
+          </a:xfrm>
+          <a:prstGeom prst="rect">
+            <a:avLst/>
+          </a:prstGeom>
+        </p:spPr>
+      </p:pic>
+      <p:sp>
+        <p:nvSpPr>
+          <p:cNvPr id="23" name="Rectangle: Rounded Corners 22">
+            <a:extLst>
+              <a:ext uri="{FF2B5EF4-FFF2-40B4-BE49-F238E27FC236}">
+                <a16:creationId xmlns:a16="http://schemas.microsoft.com/office/drawing/2014/main" id="{DECEE237-B7F2-447F-ADC9-0EE88DFB9FCD}"/>
+              </a:ext>
+            </a:extLst>
+          </p:cNvPr>
+          <p:cNvSpPr/>
+          <p:nvPr/>
+        </p:nvSpPr>
+        <p:spPr>
+          <a:xfrm>
+            <a:off x="4203228" y="6130212"/>
+            <a:ext cx="641305" cy="450072"/>
+          </a:xfrm>
+          <a:prstGeom prst="roundRect">
+            <a:avLst/>
+          </a:prstGeom>
+          <a:solidFill>
+            <a:schemeClr val="tx1"/>
+          </a:solidFill>
+          <a:ln>
+            <a:solidFill>
+              <a:schemeClr val="bg1"/>
+            </a:solidFill>
+          </a:ln>
+        </p:spPr>
+        <p:style>
+          <a:lnRef idx="2">
+            <a:schemeClr val="accent1">
+              <a:shade val="50000"/>
+            </a:schemeClr>
+          </a:lnRef>
+          <a:fillRef idx="1">
+            <a:schemeClr val="accent1"/>
+          </a:fillRef>
+          <a:effectRef idx="0">
+            <a:schemeClr val="accent1"/>
+          </a:effectRef>
+          <a:fontRef idx="minor">
+            <a:schemeClr val="lt1"/>
+          </a:fontRef>
+        </p:style>
+        <p:txBody>
+          <a:bodyPr rtlCol="0" anchor="ctr"/>
+          <a:lstStyle/>
+          <a:p>
+            <a:pPr algn="ctr"/>
+            <a:r>
+              <a:rPr lang="en-US" sz="2800" dirty="0"/>
+              <a:t>?</a:t>
+            </a:r>
+          </a:p>
+        </p:txBody>
+      </p:sp>
+      <p:sp>
+        <p:nvSpPr>
+          <p:cNvPr id="24" name="TextBox 23">
+            <a:extLst>
+              <a:ext uri="{FF2B5EF4-FFF2-40B4-BE49-F238E27FC236}">
+                <a16:creationId xmlns:a16="http://schemas.microsoft.com/office/drawing/2014/main" id="{79E992C7-1C4D-4AB8-A6BC-87F9464F40ED}"/>
+              </a:ext>
+            </a:extLst>
+          </p:cNvPr>
+          <p:cNvSpPr txBox="1"/>
+          <p:nvPr/>
+        </p:nvSpPr>
+        <p:spPr>
+          <a:xfrm>
+            <a:off x="4220733" y="4404402"/>
+            <a:ext cx="2276669" cy="307777"/>
+          </a:xfrm>
+          <a:prstGeom prst="rect">
+            <a:avLst/>
+          </a:prstGeom>
+          <a:noFill/>
+        </p:spPr>
+        <p:txBody>
+          <a:bodyPr wrap="square" rtlCol="0" anchor="ctr">
+            <a:spAutoFit/>
+          </a:bodyPr>
+          <a:lstStyle/>
+          <a:p>
+            <a:pPr algn="ctr"/>
+            <a:r>
+              <a:rPr lang="en-US" sz="1400" dirty="0">
+                <a:solidFill>
+                  <a:schemeClr val="bg1"/>
+                </a:solidFill>
+              </a:rPr>
+              <a:t>Submitted Words</a:t>
+            </a:r>
+          </a:p>
+        </p:txBody>
+      </p:sp>
+      <p:sp>
+        <p:nvSpPr>
+          <p:cNvPr id="25" name="TextBox 24">
+            <a:extLst>
+              <a:ext uri="{FF2B5EF4-FFF2-40B4-BE49-F238E27FC236}">
+                <a16:creationId xmlns:a16="http://schemas.microsoft.com/office/drawing/2014/main" id="{979DB00E-0FCE-40D9-91C8-B68D2DF9D7EA}"/>
+              </a:ext>
+            </a:extLst>
+          </p:cNvPr>
+          <p:cNvSpPr txBox="1"/>
+          <p:nvPr/>
+        </p:nvSpPr>
+        <p:spPr>
+          <a:xfrm>
+            <a:off x="6617149" y="4404401"/>
+            <a:ext cx="1304540" cy="307777"/>
+          </a:xfrm>
+          <a:prstGeom prst="rect">
+            <a:avLst/>
+          </a:prstGeom>
+          <a:noFill/>
+        </p:spPr>
+        <p:txBody>
+          <a:bodyPr wrap="square" rtlCol="0" anchor="ctr">
+            <a:spAutoFit/>
+          </a:bodyPr>
+          <a:lstStyle/>
+          <a:p>
+            <a:pPr algn="ctr"/>
+            <a:r>
+              <a:rPr lang="en-US" sz="1400" dirty="0">
+                <a:solidFill>
+                  <a:schemeClr val="bg1"/>
+                </a:solidFill>
+              </a:rPr>
+              <a:t>Auditioned</a:t>
+            </a:r>
+          </a:p>
+        </p:txBody>
+      </p:sp>
+    </p:spTree>
+    <p:extLst>
+      <p:ext uri="{BB962C8B-B14F-4D97-AF65-F5344CB8AC3E}">
+        <p14:creationId xmlns:p14="http://schemas.microsoft.com/office/powerpoint/2010/main" val="3926442064"/>
+      </p:ext>
+    </p:extLst>
+  </p:cSld>
+  <p:clrMapOvr>
+    <a:masterClrMapping/>
+  </p:clrMapOvr>
+</p:sld>
+</file>
+
+<file path=ppt/slides/slide9.xml><?xml version="1.0" encoding="utf-8"?>
+<p:sld xmlns:a="http://schemas.openxmlformats.org/drawingml/2006/main" xmlns:r="http://schemas.openxmlformats.org/officeDocument/2006/relationships" xmlns:p="http://schemas.openxmlformats.org/presentationml/2006/main">
+  <p:cSld>
+    <p:spTree>
+      <p:nvGrpSpPr>
+        <p:cNvPr id="1" name=""/>
+        <p:cNvGrpSpPr/>
+        <p:nvPr/>
+      </p:nvGrpSpPr>
+      <p:grpSpPr>
+        <a:xfrm>
+          <a:off x="0" y="0"/>
+          <a:ext cx="0" cy="0"/>
+          <a:chOff x="0" y="0"/>
+          <a:chExt cx="0" cy="0"/>
+        </a:xfrm>
+      </p:grpSpPr>
+      <p:pic>
+        <p:nvPicPr>
+          <p:cNvPr id="22" name="Picture 21">
+            <a:extLst>
+              <a:ext uri="{FF2B5EF4-FFF2-40B4-BE49-F238E27FC236}">
+                <a16:creationId xmlns:a16="http://schemas.microsoft.com/office/drawing/2014/main" id="{0FCA5D36-8C1E-4241-8338-51CAAC079E31}"/>
+              </a:ext>
+            </a:extLst>
+          </p:cNvPr>
+          <p:cNvPicPr>
+            <a:picLocks noChangeAspect="1"/>
+          </p:cNvPicPr>
+          <p:nvPr/>
+        </p:nvPicPr>
+        <p:blipFill>
+          <a:blip r:embed="rId3">
+            <a:extLst>
+              <a:ext uri="{28A0092B-C50C-407E-A947-70E740481C1C}">
+                <a14:useLocalDpi xmlns:a14="http://schemas.microsoft.com/office/drawing/2010/main" val="0"/>
+              </a:ext>
+            </a:extLst>
+          </a:blip>
+          <a:stretch>
+            <a:fillRect/>
+          </a:stretch>
+        </p:blipFill>
+        <p:spPr>
+          <a:xfrm>
+            <a:off x="2586489" y="-169104"/>
+            <a:ext cx="7762351" cy="6858000"/>
+          </a:xfrm>
+          <a:prstGeom prst="rect">
+            <a:avLst/>
+          </a:prstGeom>
+        </p:spPr>
+      </p:pic>
+      <p:sp>
+        <p:nvSpPr>
+          <p:cNvPr id="30" name="Rectangle 29">
+            <a:extLst>
+              <a:ext uri="{FF2B5EF4-FFF2-40B4-BE49-F238E27FC236}">
+                <a16:creationId xmlns:a16="http://schemas.microsoft.com/office/drawing/2014/main" id="{2E875998-5134-4334-B56A-52CBA7EDC258}"/>
+              </a:ext>
+            </a:extLst>
+          </p:cNvPr>
+          <p:cNvSpPr/>
+          <p:nvPr/>
+        </p:nvSpPr>
+        <p:spPr>
+          <a:xfrm>
+            <a:off x="6617148" y="4469718"/>
+            <a:ext cx="1296761" cy="201869"/>
+          </a:xfrm>
+          <a:prstGeom prst="rect">
+            <a:avLst/>
+          </a:prstGeom>
+          <a:solidFill>
+            <a:schemeClr val="tx1">
+              <a:lumMod val="75000"/>
+              <a:lumOff val="25000"/>
+            </a:schemeClr>
+          </a:solidFill>
+          <a:ln>
+            <a:noFill/>
+          </a:ln>
+        </p:spPr>
+        <p:style>
+          <a:lnRef idx="2">
+            <a:schemeClr val="accent1">
+              <a:shade val="50000"/>
+            </a:schemeClr>
+          </a:lnRef>
+          <a:fillRef idx="1">
+            <a:schemeClr val="accent1"/>
+          </a:fillRef>
+          <a:effectRef idx="0">
+            <a:schemeClr val="accent1"/>
+          </a:effectRef>
+          <a:fontRef idx="minor">
+            <a:schemeClr val="lt1"/>
+          </a:fontRef>
+        </p:style>
+        <p:txBody>
+          <a:bodyPr rtlCol="0" anchor="ctr"/>
+          <a:lstStyle/>
+          <a:p>
+            <a:pPr algn="ctr"/>
+            <a:endParaRPr lang="en-US"/>
+          </a:p>
+        </p:txBody>
+      </p:sp>
+      <p:sp>
+        <p:nvSpPr>
+          <p:cNvPr id="29" name="Rectangle 28">
+            <a:extLst>
+              <a:ext uri="{FF2B5EF4-FFF2-40B4-BE49-F238E27FC236}">
+                <a16:creationId xmlns:a16="http://schemas.microsoft.com/office/drawing/2014/main" id="{E33C2376-9A44-498A-BC5B-DA616901B2F5}"/>
+              </a:ext>
+            </a:extLst>
+          </p:cNvPr>
+          <p:cNvSpPr/>
+          <p:nvPr/>
+        </p:nvSpPr>
+        <p:spPr>
+          <a:xfrm>
+            <a:off x="4224718" y="4483449"/>
+            <a:ext cx="2274469" cy="211860"/>
+          </a:xfrm>
+          <a:prstGeom prst="rect">
+            <a:avLst/>
+          </a:prstGeom>
+          <a:solidFill>
+            <a:schemeClr val="tx1">
+              <a:lumMod val="75000"/>
+              <a:lumOff val="25000"/>
+            </a:schemeClr>
+          </a:solidFill>
+          <a:ln>
+            <a:noFill/>
+          </a:ln>
+        </p:spPr>
+        <p:style>
+          <a:lnRef idx="2">
+            <a:schemeClr val="accent1">
+              <a:shade val="50000"/>
+            </a:schemeClr>
+          </a:lnRef>
+          <a:fillRef idx="1">
+            <a:schemeClr val="accent1"/>
+          </a:fillRef>
+          <a:effectRef idx="0">
+            <a:schemeClr val="accent1"/>
+          </a:effectRef>
+          <a:fontRef idx="minor">
+            <a:schemeClr val="lt1"/>
+          </a:fontRef>
+        </p:style>
+        <p:txBody>
+          <a:bodyPr rtlCol="0" anchor="ctr"/>
+          <a:lstStyle/>
+          <a:p>
+            <a:pPr algn="ctr"/>
+            <a:endParaRPr lang="en-US"/>
+          </a:p>
+        </p:txBody>
+      </p:sp>
+      <p:sp>
+        <p:nvSpPr>
+          <p:cNvPr id="28" name="Rectangle 27">
+            <a:extLst>
+              <a:ext uri="{FF2B5EF4-FFF2-40B4-BE49-F238E27FC236}">
+                <a16:creationId xmlns:a16="http://schemas.microsoft.com/office/drawing/2014/main" id="{2D61F2A4-31DA-431F-A6FD-B186EE73D619}"/>
+              </a:ext>
+            </a:extLst>
+          </p:cNvPr>
+          <p:cNvSpPr/>
+          <p:nvPr/>
+        </p:nvSpPr>
+        <p:spPr>
+          <a:xfrm>
+            <a:off x="4671148" y="889910"/>
+            <a:ext cx="2412373" cy="195829"/>
+          </a:xfrm>
+          <a:prstGeom prst="rect">
+            <a:avLst/>
+          </a:prstGeom>
+          <a:solidFill>
+            <a:schemeClr val="tx1">
+              <a:lumMod val="75000"/>
+              <a:lumOff val="25000"/>
+            </a:schemeClr>
+          </a:solidFill>
+          <a:ln>
+            <a:noFill/>
+          </a:ln>
+        </p:spPr>
+        <p:style>
+          <a:lnRef idx="2">
+            <a:schemeClr val="accent1">
+              <a:shade val="50000"/>
+            </a:schemeClr>
+          </a:lnRef>
+          <a:fillRef idx="1">
+            <a:schemeClr val="accent1"/>
+          </a:fillRef>
+          <a:effectRef idx="0">
+            <a:schemeClr val="accent1"/>
+          </a:effectRef>
+          <a:fontRef idx="minor">
+            <a:schemeClr val="lt1"/>
+          </a:fontRef>
+        </p:style>
+        <p:txBody>
+          <a:bodyPr rtlCol="0" anchor="ctr"/>
+          <a:lstStyle/>
+          <a:p>
+            <a:pPr algn="ctr"/>
+            <a:endParaRPr lang="en-US"/>
+          </a:p>
+        </p:txBody>
+      </p:sp>
+      <p:sp>
+        <p:nvSpPr>
+          <p:cNvPr id="27" name="Rectangle 26">
+            <a:extLst>
+              <a:ext uri="{FF2B5EF4-FFF2-40B4-BE49-F238E27FC236}">
+                <a16:creationId xmlns:a16="http://schemas.microsoft.com/office/drawing/2014/main" id="{43CB8AFC-BEB2-4F3D-BADA-7817EDE52DA7}"/>
+              </a:ext>
+            </a:extLst>
+          </p:cNvPr>
+          <p:cNvSpPr/>
+          <p:nvPr/>
+        </p:nvSpPr>
+        <p:spPr>
+          <a:xfrm>
+            <a:off x="7099949" y="177458"/>
+            <a:ext cx="901178" cy="682060"/>
+          </a:xfrm>
+          <a:prstGeom prst="rect">
+            <a:avLst/>
+          </a:prstGeom>
+          <a:solidFill>
+            <a:schemeClr val="tx1">
+              <a:lumMod val="75000"/>
+              <a:lumOff val="25000"/>
+            </a:schemeClr>
+          </a:solidFill>
+          <a:ln>
+            <a:noFill/>
+          </a:ln>
+        </p:spPr>
+        <p:style>
+          <a:lnRef idx="2">
+            <a:schemeClr val="accent1">
+              <a:shade val="50000"/>
+            </a:schemeClr>
+          </a:lnRef>
+          <a:fillRef idx="1">
+            <a:schemeClr val="accent1"/>
+          </a:fillRef>
+          <a:effectRef idx="0">
+            <a:schemeClr val="accent1"/>
+          </a:effectRef>
+          <a:fontRef idx="minor">
+            <a:schemeClr val="lt1"/>
+          </a:fontRef>
+        </p:style>
+        <p:txBody>
+          <a:bodyPr rtlCol="0" anchor="ctr"/>
+          <a:lstStyle/>
+          <a:p>
+            <a:pPr algn="ctr"/>
+            <a:endParaRPr lang="en-US"/>
+          </a:p>
+        </p:txBody>
+      </p:sp>
+      <p:sp>
+        <p:nvSpPr>
+          <p:cNvPr id="26" name="Rectangle 25">
+            <a:extLst>
+              <a:ext uri="{FF2B5EF4-FFF2-40B4-BE49-F238E27FC236}">
+                <a16:creationId xmlns:a16="http://schemas.microsoft.com/office/drawing/2014/main" id="{EEA356B7-F52F-4BC6-9D20-1056F3D1A3BC}"/>
+              </a:ext>
+            </a:extLst>
+          </p:cNvPr>
+          <p:cNvSpPr/>
+          <p:nvPr/>
+        </p:nvSpPr>
+        <p:spPr>
+          <a:xfrm>
+            <a:off x="5427522" y="177458"/>
+            <a:ext cx="1189626" cy="682060"/>
+          </a:xfrm>
+          <a:prstGeom prst="rect">
+            <a:avLst/>
+          </a:prstGeom>
+          <a:solidFill>
+            <a:schemeClr val="tx1">
+              <a:lumMod val="75000"/>
+              <a:lumOff val="25000"/>
+            </a:schemeClr>
+          </a:solidFill>
+          <a:ln>
+            <a:noFill/>
+          </a:ln>
+        </p:spPr>
+        <p:style>
+          <a:lnRef idx="2">
+            <a:schemeClr val="accent1">
+              <a:shade val="50000"/>
+            </a:schemeClr>
+          </a:lnRef>
+          <a:fillRef idx="1">
+            <a:schemeClr val="accent1"/>
+          </a:fillRef>
+          <a:effectRef idx="0">
+            <a:schemeClr val="accent1"/>
+          </a:effectRef>
+          <a:fontRef idx="minor">
+            <a:schemeClr val="lt1"/>
+          </a:fontRef>
+        </p:style>
+        <p:txBody>
+          <a:bodyPr rtlCol="0" anchor="ctr"/>
+          <a:lstStyle/>
+          <a:p>
+            <a:pPr algn="ctr"/>
+            <a:endParaRPr lang="en-US"/>
+          </a:p>
+        </p:txBody>
+      </p:sp>
+      <p:pic>
+        <p:nvPicPr>
+          <p:cNvPr id="3" name="Picture 2">
+            <a:extLst>
+              <a:ext uri="{FF2B5EF4-FFF2-40B4-BE49-F238E27FC236}">
+                <a16:creationId xmlns:a16="http://schemas.microsoft.com/office/drawing/2014/main" id="{FED94A2B-26C1-48B6-82EF-BA1F1CFDC0A8}"/>
+              </a:ext>
+            </a:extLst>
+          </p:cNvPr>
+          <p:cNvPicPr>
+            <a:picLocks noChangeAspect="1"/>
+          </p:cNvPicPr>
+          <p:nvPr/>
+        </p:nvPicPr>
+        <p:blipFill>
+          <a:blip r:embed="rId4"/>
+          <a:stretch>
+            <a:fillRect/>
+          </a:stretch>
+        </p:blipFill>
+        <p:spPr>
+          <a:xfrm>
+            <a:off x="3768952" y="1104355"/>
+            <a:ext cx="4433210" cy="3314042"/>
+          </a:xfrm>
+          <a:prstGeom prst="rect">
+            <a:avLst/>
+          </a:prstGeom>
+        </p:spPr>
+      </p:pic>
+      <p:sp>
+        <p:nvSpPr>
+          <p:cNvPr id="5" name="Rectangle 4">
+            <a:extLst>
+              <a:ext uri="{FF2B5EF4-FFF2-40B4-BE49-F238E27FC236}">
+                <a16:creationId xmlns:a16="http://schemas.microsoft.com/office/drawing/2014/main" id="{175491A8-EA5B-4C2C-A048-E751C5A7E636}"/>
+              </a:ext>
+            </a:extLst>
+          </p:cNvPr>
+          <p:cNvSpPr/>
+          <p:nvPr/>
+        </p:nvSpPr>
+        <p:spPr>
+          <a:xfrm>
+            <a:off x="4152898" y="169104"/>
+            <a:ext cx="901178" cy="682060"/>
+          </a:xfrm>
+          <a:prstGeom prst="rect">
+            <a:avLst/>
+          </a:prstGeom>
+          <a:solidFill>
+            <a:schemeClr val="tx1">
+              <a:lumMod val="75000"/>
+              <a:lumOff val="25000"/>
+            </a:schemeClr>
+          </a:solidFill>
+          <a:ln>
+            <a:noFill/>
+          </a:ln>
+        </p:spPr>
+        <p:style>
+          <a:lnRef idx="2">
+            <a:schemeClr val="accent1">
+              <a:shade val="50000"/>
+            </a:schemeClr>
+          </a:lnRef>
+          <a:fillRef idx="1">
+            <a:schemeClr val="accent1"/>
+          </a:fillRef>
+          <a:effectRef idx="0">
+            <a:schemeClr val="accent1"/>
+          </a:effectRef>
+          <a:fontRef idx="minor">
+            <a:schemeClr val="lt1"/>
+          </a:fontRef>
+        </p:style>
+        <p:txBody>
+          <a:bodyPr rtlCol="0" anchor="ctr"/>
+          <a:lstStyle/>
+          <a:p>
+            <a:pPr algn="ctr"/>
+            <a:endParaRPr lang="en-US"/>
+          </a:p>
+        </p:txBody>
+      </p:sp>
+      <p:sp>
+        <p:nvSpPr>
+          <p:cNvPr id="6" name="TextBox 5">
+            <a:extLst>
+              <a:ext uri="{FF2B5EF4-FFF2-40B4-BE49-F238E27FC236}">
+                <a16:creationId xmlns:a16="http://schemas.microsoft.com/office/drawing/2014/main" id="{C5A2D7AE-E779-41F9-B90A-BC5411D76DD9}"/>
+              </a:ext>
+            </a:extLst>
+          </p:cNvPr>
+          <p:cNvSpPr txBox="1"/>
+          <p:nvPr/>
+        </p:nvSpPr>
+        <p:spPr>
+          <a:xfrm>
+            <a:off x="4223652" y="131919"/>
+            <a:ext cx="755780" cy="369332"/>
+          </a:xfrm>
+          <a:prstGeom prst="rect">
+            <a:avLst/>
+          </a:prstGeom>
+          <a:noFill/>
+        </p:spPr>
+        <p:txBody>
+          <a:bodyPr wrap="square" rtlCol="0">
+            <a:spAutoFit/>
+          </a:bodyPr>
+          <a:lstStyle/>
+          <a:p>
+            <a:pPr algn="ctr"/>
+            <a:r>
+              <a:rPr lang="en-US" dirty="0">
+                <a:solidFill>
+                  <a:schemeClr val="bg1"/>
+                </a:solidFill>
+              </a:rPr>
+              <a:t>Level</a:t>
+            </a:r>
+          </a:p>
+        </p:txBody>
+      </p:sp>
+      <p:sp>
+        <p:nvSpPr>
+          <p:cNvPr id="8" name="TextBox 7">
+            <a:extLst>
+              <a:ext uri="{FF2B5EF4-FFF2-40B4-BE49-F238E27FC236}">
+                <a16:creationId xmlns:a16="http://schemas.microsoft.com/office/drawing/2014/main" id="{E1BE5118-306B-4FFA-A54E-5C601C8394FA}"/>
+              </a:ext>
+            </a:extLst>
+          </p:cNvPr>
+          <p:cNvSpPr txBox="1"/>
+          <p:nvPr/>
+        </p:nvSpPr>
+        <p:spPr>
+          <a:xfrm>
+            <a:off x="5634127" y="133209"/>
+            <a:ext cx="755780" cy="369332"/>
+          </a:xfrm>
+          <a:prstGeom prst="rect">
+            <a:avLst/>
+          </a:prstGeom>
+          <a:noFill/>
+        </p:spPr>
+        <p:txBody>
+          <a:bodyPr wrap="square" rtlCol="0">
+            <a:spAutoFit/>
+          </a:bodyPr>
+          <a:lstStyle/>
+          <a:p>
+            <a:pPr algn="ctr"/>
+            <a:r>
+              <a:rPr lang="en-US" dirty="0">
+                <a:solidFill>
+                  <a:schemeClr val="bg1"/>
+                </a:solidFill>
+              </a:rPr>
+              <a:t>Score</a:t>
+            </a:r>
+          </a:p>
+        </p:txBody>
+      </p:sp>
+      <p:sp>
+        <p:nvSpPr>
+          <p:cNvPr id="9" name="TextBox 8">
+            <a:extLst>
+              <a:ext uri="{FF2B5EF4-FFF2-40B4-BE49-F238E27FC236}">
+                <a16:creationId xmlns:a16="http://schemas.microsoft.com/office/drawing/2014/main" id="{8AAC14BD-8A83-4C74-898C-3B4C9220ED91}"/>
+              </a:ext>
+            </a:extLst>
+          </p:cNvPr>
+          <p:cNvSpPr txBox="1"/>
+          <p:nvPr/>
+        </p:nvSpPr>
+        <p:spPr>
+          <a:xfrm>
+            <a:off x="7194677" y="131917"/>
+            <a:ext cx="755780" cy="369332"/>
+          </a:xfrm>
+          <a:prstGeom prst="rect">
+            <a:avLst/>
+          </a:prstGeom>
+          <a:noFill/>
+        </p:spPr>
+        <p:txBody>
+          <a:bodyPr wrap="square" rtlCol="0">
+            <a:spAutoFit/>
+          </a:bodyPr>
+          <a:lstStyle/>
+          <a:p>
+            <a:pPr algn="ctr"/>
+            <a:r>
+              <a:rPr lang="en-US" dirty="0">
+                <a:solidFill>
+                  <a:schemeClr val="bg1"/>
+                </a:solidFill>
+              </a:rPr>
+              <a:t>Mana</a:t>
+            </a:r>
+          </a:p>
+        </p:txBody>
+      </p:sp>
+      <p:sp>
+        <p:nvSpPr>
+          <p:cNvPr id="12" name="Rectangle 11">
+            <a:extLst>
+              <a:ext uri="{FF2B5EF4-FFF2-40B4-BE49-F238E27FC236}">
+                <a16:creationId xmlns:a16="http://schemas.microsoft.com/office/drawing/2014/main" id="{136EB81B-AFB2-4FBA-9D99-048A1C443DF8}"/>
+              </a:ext>
+            </a:extLst>
+          </p:cNvPr>
+          <p:cNvSpPr/>
+          <p:nvPr/>
+        </p:nvSpPr>
+        <p:spPr>
+          <a:xfrm>
+            <a:off x="4220733" y="4671588"/>
+            <a:ext cx="2276669" cy="1393571"/>
+          </a:xfrm>
+          <a:prstGeom prst="rect">
+            <a:avLst/>
+          </a:prstGeom>
+          <a:solidFill>
+            <a:schemeClr val="tx1">
+              <a:lumMod val="65000"/>
+              <a:lumOff val="35000"/>
+            </a:schemeClr>
+          </a:solidFill>
+          <a:ln>
+            <a:solidFill>
+              <a:schemeClr val="bg1">
+                <a:lumMod val="50000"/>
+              </a:schemeClr>
+            </a:solidFill>
+          </a:ln>
+        </p:spPr>
+        <p:style>
+          <a:lnRef idx="2">
+            <a:schemeClr val="accent1">
+              <a:shade val="50000"/>
+            </a:schemeClr>
+          </a:lnRef>
+          <a:fillRef idx="1">
+            <a:schemeClr val="accent1"/>
+          </a:fillRef>
+          <a:effectRef idx="0">
+            <a:schemeClr val="accent1"/>
+          </a:effectRef>
+          <a:fontRef idx="minor">
+            <a:schemeClr val="lt1"/>
+          </a:fontRef>
+        </p:style>
+        <p:txBody>
+          <a:bodyPr rtlCol="0" anchor="ctr"/>
+          <a:lstStyle/>
+          <a:p>
+            <a:pPr algn="ctr"/>
+            <a:endParaRPr lang="en-US"/>
+          </a:p>
+        </p:txBody>
+      </p:sp>
+      <p:sp>
+        <p:nvSpPr>
+          <p:cNvPr id="13" name="Rectangle 12">
+            <a:extLst>
+              <a:ext uri="{FF2B5EF4-FFF2-40B4-BE49-F238E27FC236}">
+                <a16:creationId xmlns:a16="http://schemas.microsoft.com/office/drawing/2014/main" id="{529EBA8E-B57F-4AE8-BBE1-B837D15B557C}"/>
+              </a:ext>
+            </a:extLst>
+          </p:cNvPr>
+          <p:cNvSpPr/>
+          <p:nvPr/>
+        </p:nvSpPr>
+        <p:spPr>
+          <a:xfrm>
+            <a:off x="6609371" y="4671588"/>
+            <a:ext cx="1304539" cy="1393571"/>
+          </a:xfrm>
+          <a:prstGeom prst="rect">
+            <a:avLst/>
+          </a:prstGeom>
+          <a:solidFill>
+            <a:schemeClr val="tx1">
+              <a:lumMod val="65000"/>
+              <a:lumOff val="35000"/>
+            </a:schemeClr>
+          </a:solidFill>
+          <a:ln>
+            <a:solidFill>
+              <a:schemeClr val="bg1">
+                <a:lumMod val="50000"/>
+              </a:schemeClr>
+            </a:solidFill>
+          </a:ln>
+        </p:spPr>
+        <p:style>
+          <a:lnRef idx="2">
+            <a:schemeClr val="accent1">
+              <a:shade val="50000"/>
+            </a:schemeClr>
+          </a:lnRef>
+          <a:fillRef idx="1">
+            <a:schemeClr val="accent1"/>
+          </a:fillRef>
+          <a:effectRef idx="0">
+            <a:schemeClr val="accent1"/>
+          </a:effectRef>
+          <a:fontRef idx="minor">
+            <a:schemeClr val="lt1"/>
+          </a:fontRef>
+        </p:style>
+        <p:txBody>
+          <a:bodyPr rtlCol="0" anchor="ctr"/>
+          <a:lstStyle/>
+          <a:p>
+            <a:pPr algn="ctr"/>
+            <a:endParaRPr lang="en-US"/>
+          </a:p>
+        </p:txBody>
+      </p:sp>
+      <p:sp>
+        <p:nvSpPr>
+          <p:cNvPr id="14" name="Rectangle: Rounded Corners 13">
+            <a:extLst>
+              <a:ext uri="{FF2B5EF4-FFF2-40B4-BE49-F238E27FC236}">
+                <a16:creationId xmlns:a16="http://schemas.microsoft.com/office/drawing/2014/main" id="{9336D1A6-639E-481D-BECE-EECC489038CC}"/>
+              </a:ext>
+            </a:extLst>
+          </p:cNvPr>
+          <p:cNvSpPr/>
+          <p:nvPr/>
+        </p:nvSpPr>
+        <p:spPr>
+          <a:xfrm>
+            <a:off x="7187168" y="851163"/>
+            <a:ext cx="726741" cy="245416"/>
+          </a:xfrm>
+          <a:prstGeom prst="roundRect">
+            <a:avLst/>
+          </a:prstGeom>
+          <a:solidFill>
+            <a:srgbClr val="4C1F65"/>
+          </a:solidFill>
+          <a:ln>
+            <a:solidFill>
+              <a:schemeClr val="tx1">
+                <a:lumMod val="50000"/>
+                <a:lumOff val="50000"/>
+              </a:schemeClr>
+            </a:solidFill>
+          </a:ln>
+        </p:spPr>
+        <p:style>
+          <a:lnRef idx="2">
+            <a:schemeClr val="accent1">
+              <a:shade val="50000"/>
+            </a:schemeClr>
+          </a:lnRef>
+          <a:fillRef idx="1">
+            <a:schemeClr val="accent1"/>
+          </a:fillRef>
+          <a:effectRef idx="0">
+            <a:schemeClr val="accent1"/>
+          </a:effectRef>
+          <a:fontRef idx="minor">
+            <a:schemeClr val="lt1"/>
+          </a:fontRef>
+        </p:style>
+        <p:txBody>
+          <a:bodyPr rtlCol="0" anchor="ctr"/>
+          <a:lstStyle/>
+          <a:p>
+            <a:pPr algn="ctr"/>
+            <a:r>
+              <a:rPr lang="en-US" sz="1400" dirty="0"/>
+              <a:t>Cast</a:t>
+            </a:r>
+          </a:p>
+        </p:txBody>
+      </p:sp>
+      <p:sp>
+        <p:nvSpPr>
+          <p:cNvPr id="15" name="Rectangle 14">
+            <a:extLst>
+              <a:ext uri="{FF2B5EF4-FFF2-40B4-BE49-F238E27FC236}">
+                <a16:creationId xmlns:a16="http://schemas.microsoft.com/office/drawing/2014/main" id="{599D2AFE-9F9D-4115-A04C-0E9E528FA050}"/>
+              </a:ext>
+            </a:extLst>
+          </p:cNvPr>
+          <p:cNvSpPr/>
+          <p:nvPr/>
+        </p:nvSpPr>
+        <p:spPr>
+          <a:xfrm>
+            <a:off x="10207690" y="1838131"/>
+            <a:ext cx="914400" cy="914400"/>
+          </a:xfrm>
+          <a:prstGeom prst="rect">
+            <a:avLst/>
+          </a:prstGeom>
+        </p:spPr>
+        <p:style>
+          <a:lnRef idx="2">
+            <a:schemeClr val="accent1">
+              <a:shade val="50000"/>
+            </a:schemeClr>
+          </a:lnRef>
+          <a:fillRef idx="1">
+            <a:schemeClr val="accent1"/>
+          </a:fillRef>
+          <a:effectRef idx="0">
+            <a:schemeClr val="accent1"/>
+          </a:effectRef>
+          <a:fontRef idx="minor">
+            <a:schemeClr val="lt1"/>
+          </a:fontRef>
+        </p:style>
+        <p:txBody>
+          <a:bodyPr rtlCol="0" anchor="ctr"/>
+          <a:lstStyle/>
+          <a:p>
+            <a:pPr algn="ctr"/>
+            <a:endParaRPr lang="en-US"/>
+          </a:p>
+        </p:txBody>
+      </p:sp>
+      <p:sp>
+        <p:nvSpPr>
+          <p:cNvPr id="16" name="Rectangle: Rounded Corners 15">
+            <a:extLst>
+              <a:ext uri="{FF2B5EF4-FFF2-40B4-BE49-F238E27FC236}">
+                <a16:creationId xmlns:a16="http://schemas.microsoft.com/office/drawing/2014/main" id="{5E679ADA-4B52-45D8-B69C-70ED61D3419C}"/>
+              </a:ext>
+            </a:extLst>
+          </p:cNvPr>
+          <p:cNvSpPr/>
+          <p:nvPr/>
+        </p:nvSpPr>
+        <p:spPr>
+          <a:xfrm>
+            <a:off x="4961941" y="6130212"/>
+            <a:ext cx="2959748" cy="450072"/>
+          </a:xfrm>
+          <a:prstGeom prst="roundRect">
+            <a:avLst/>
+          </a:prstGeom>
+          <a:solidFill>
+            <a:schemeClr val="tx1">
+              <a:lumMod val="85000"/>
+              <a:lumOff val="15000"/>
+            </a:schemeClr>
+          </a:solidFill>
+          <a:ln>
+            <a:solidFill>
+              <a:schemeClr val="tx1">
+                <a:lumMod val="50000"/>
+                <a:lumOff val="50000"/>
+              </a:schemeClr>
+            </a:solidFill>
+          </a:ln>
+        </p:spPr>
+        <p:style>
+          <a:lnRef idx="2">
+            <a:schemeClr val="accent1">
+              <a:shade val="50000"/>
+            </a:schemeClr>
+          </a:lnRef>
+          <a:fillRef idx="1">
+            <a:schemeClr val="accent1"/>
+          </a:fillRef>
+          <a:effectRef idx="0">
+            <a:schemeClr val="accent1"/>
+          </a:effectRef>
+          <a:fontRef idx="minor">
+            <a:schemeClr val="lt1"/>
+          </a:fontRef>
+        </p:style>
+        <p:txBody>
+          <a:bodyPr rtlCol="0" anchor="ctr"/>
+          <a:lstStyle/>
+          <a:p>
+            <a:pPr algn="ctr"/>
+            <a:r>
+              <a:rPr lang="en-US" sz="1400" dirty="0"/>
+              <a:t>Click on letters </a:t>
+            </a:r>
+          </a:p>
+          <a:p>
+            <a:pPr algn="ctr"/>
+            <a:r>
+              <a:rPr lang="en-US" sz="1400" dirty="0"/>
+              <a:t>to spell a word</a:t>
+            </a:r>
+          </a:p>
+        </p:txBody>
+      </p:sp>
+      <p:sp>
+        <p:nvSpPr>
+          <p:cNvPr id="17" name="Frame 16">
+            <a:extLst>
+              <a:ext uri="{FF2B5EF4-FFF2-40B4-BE49-F238E27FC236}">
+                <a16:creationId xmlns:a16="http://schemas.microsoft.com/office/drawing/2014/main" id="{F90CFC72-B5F9-43D2-93D5-4AA9525D2CA3}"/>
+              </a:ext>
+            </a:extLst>
+          </p:cNvPr>
+          <p:cNvSpPr/>
+          <p:nvPr/>
+        </p:nvSpPr>
+        <p:spPr>
+          <a:xfrm>
+            <a:off x="4153452" y="1104354"/>
+            <a:ext cx="3886198" cy="3314042"/>
+          </a:xfrm>
+          <a:prstGeom prst="frame">
+            <a:avLst>
+              <a:gd name="adj1" fmla="val 2322"/>
+            </a:avLst>
+          </a:prstGeom>
+          <a:solidFill>
+            <a:srgbClr val="404040"/>
+          </a:solidFill>
+          <a:ln>
+            <a:noFill/>
+          </a:ln>
+        </p:spPr>
+        <p:style>
+          <a:lnRef idx="2">
+            <a:schemeClr val="accent1">
+              <a:shade val="50000"/>
+            </a:schemeClr>
+          </a:lnRef>
+          <a:fillRef idx="1">
+            <a:schemeClr val="accent1"/>
+          </a:fillRef>
+          <a:effectRef idx="0">
+            <a:schemeClr val="accent1"/>
+          </a:effectRef>
+          <a:fontRef idx="minor">
+            <a:schemeClr val="lt1"/>
+          </a:fontRef>
+        </p:style>
+        <p:txBody>
+          <a:bodyPr rtlCol="0" anchor="ctr"/>
+          <a:lstStyle/>
+          <a:p>
+            <a:pPr algn="ctr"/>
+            <a:endParaRPr lang="en-US">
+              <a:solidFill>
+                <a:schemeClr val="tx1"/>
+              </a:solidFill>
+            </a:endParaRPr>
+          </a:p>
+        </p:txBody>
+      </p:sp>
+      <p:sp>
+        <p:nvSpPr>
+          <p:cNvPr id="18" name="Frame 17">
+            <a:extLst>
+              <a:ext uri="{FF2B5EF4-FFF2-40B4-BE49-F238E27FC236}">
+                <a16:creationId xmlns:a16="http://schemas.microsoft.com/office/drawing/2014/main" id="{846FA173-1D6E-473B-B9BB-4ACE6EC26BD4}"/>
+              </a:ext>
+            </a:extLst>
+          </p:cNvPr>
+          <p:cNvSpPr/>
+          <p:nvPr/>
+        </p:nvSpPr>
+        <p:spPr>
+          <a:xfrm>
+            <a:off x="3498980" y="-475860"/>
+            <a:ext cx="5178489" cy="7791060"/>
+          </a:xfrm>
+          <a:prstGeom prst="frame">
+            <a:avLst/>
+          </a:prstGeom>
+          <a:solidFill>
+            <a:schemeClr val="bg1"/>
+          </a:solidFill>
+        </p:spPr>
+        <p:style>
+          <a:lnRef idx="2">
+            <a:schemeClr val="accent1">
+              <a:shade val="50000"/>
+            </a:schemeClr>
+          </a:lnRef>
+          <a:fillRef idx="1">
+            <a:schemeClr val="accent1"/>
+          </a:fillRef>
+          <a:effectRef idx="0">
+            <a:schemeClr val="accent1"/>
+          </a:effectRef>
+          <a:fontRef idx="minor">
+            <a:schemeClr val="lt1"/>
+          </a:fontRef>
+        </p:style>
+        <p:txBody>
+          <a:bodyPr rtlCol="0" anchor="ctr"/>
+          <a:lstStyle/>
+          <a:p>
+            <a:pPr algn="ctr"/>
+            <a:endParaRPr lang="en-US">
+              <a:solidFill>
+                <a:schemeClr val="tx1"/>
+              </a:solidFill>
+            </a:endParaRPr>
+          </a:p>
+        </p:txBody>
+      </p:sp>
+      <p:sp>
+        <p:nvSpPr>
+          <p:cNvPr id="2" name="TextBox 1">
+            <a:extLst>
+              <a:ext uri="{FF2B5EF4-FFF2-40B4-BE49-F238E27FC236}">
+                <a16:creationId xmlns:a16="http://schemas.microsoft.com/office/drawing/2014/main" id="{0A759929-BDA3-420D-BC64-1584AF85EDF3}"/>
+              </a:ext>
+            </a:extLst>
+          </p:cNvPr>
+          <p:cNvSpPr txBox="1"/>
+          <p:nvPr/>
+        </p:nvSpPr>
+        <p:spPr>
+          <a:xfrm>
+            <a:off x="5549375" y="290018"/>
+            <a:ext cx="918290" cy="646331"/>
+          </a:xfrm>
+          <a:prstGeom prst="rect">
+            <a:avLst/>
+          </a:prstGeom>
+          <a:noFill/>
+        </p:spPr>
+        <p:txBody>
+          <a:bodyPr wrap="square" rtlCol="0">
+            <a:spAutoFit/>
+          </a:bodyPr>
+          <a:lstStyle/>
+          <a:p>
+            <a:pPr algn="ctr"/>
+            <a:r>
+              <a:rPr lang="en-US" sz="3600" dirty="0">
+                <a:solidFill>
+                  <a:schemeClr val="bg1"/>
+                </a:solidFill>
+              </a:rPr>
+              <a:t>205</a:t>
+            </a:r>
+          </a:p>
+        </p:txBody>
+      </p:sp>
+      <p:sp>
+        <p:nvSpPr>
+          <p:cNvPr id="19" name="TextBox 18">
+            <a:extLst>
+              <a:ext uri="{FF2B5EF4-FFF2-40B4-BE49-F238E27FC236}">
+                <a16:creationId xmlns:a16="http://schemas.microsoft.com/office/drawing/2014/main" id="{CF636CAF-E37E-49CC-90E0-59ACB65E3E51}"/>
+              </a:ext>
+            </a:extLst>
+          </p:cNvPr>
+          <p:cNvSpPr txBox="1"/>
+          <p:nvPr/>
+        </p:nvSpPr>
+        <p:spPr>
+          <a:xfrm>
+            <a:off x="4135786" y="290018"/>
+            <a:ext cx="918290" cy="646331"/>
+          </a:xfrm>
+          <a:prstGeom prst="rect">
+            <a:avLst/>
+          </a:prstGeom>
+          <a:noFill/>
+        </p:spPr>
+        <p:txBody>
+          <a:bodyPr wrap="square" rtlCol="0">
+            <a:spAutoFit/>
+          </a:bodyPr>
+          <a:lstStyle/>
+          <a:p>
+            <a:pPr algn="ctr"/>
+            <a:r>
+              <a:rPr lang="en-US" sz="3600" dirty="0">
+                <a:solidFill>
+                  <a:schemeClr val="bg1"/>
+                </a:solidFill>
+              </a:rPr>
+              <a:t>5</a:t>
+            </a:r>
+          </a:p>
+        </p:txBody>
+      </p:sp>
+      <p:sp>
+        <p:nvSpPr>
+          <p:cNvPr id="20" name="TextBox 19">
+            <a:extLst>
+              <a:ext uri="{FF2B5EF4-FFF2-40B4-BE49-F238E27FC236}">
+                <a16:creationId xmlns:a16="http://schemas.microsoft.com/office/drawing/2014/main" id="{C5FF8574-4F5C-4C8A-8536-DF9E68318D6B}"/>
+              </a:ext>
+            </a:extLst>
+          </p:cNvPr>
+          <p:cNvSpPr txBox="1"/>
+          <p:nvPr/>
+        </p:nvSpPr>
+        <p:spPr>
+          <a:xfrm>
+            <a:off x="7120806" y="316583"/>
+            <a:ext cx="918290" cy="646331"/>
+          </a:xfrm>
+          <a:prstGeom prst="rect">
+            <a:avLst/>
+          </a:prstGeom>
+          <a:noFill/>
+        </p:spPr>
+        <p:txBody>
+          <a:bodyPr wrap="square" rtlCol="0">
+            <a:spAutoFit/>
+          </a:bodyPr>
+          <a:lstStyle/>
+          <a:p>
+            <a:pPr algn="ctr"/>
+            <a:r>
+              <a:rPr lang="en-US" sz="3600" dirty="0">
+                <a:solidFill>
+                  <a:schemeClr val="bg1"/>
+                </a:solidFill>
+              </a:rPr>
+              <a:t>31</a:t>
+            </a:r>
+          </a:p>
+        </p:txBody>
+      </p:sp>
+      <p:sp>
+        <p:nvSpPr>
+          <p:cNvPr id="7" name="TextBox 6">
+            <a:extLst>
+              <a:ext uri="{FF2B5EF4-FFF2-40B4-BE49-F238E27FC236}">
+                <a16:creationId xmlns:a16="http://schemas.microsoft.com/office/drawing/2014/main" id="{BE3FA923-B472-49D2-A73E-C082D5A7211F}"/>
+              </a:ext>
+            </a:extLst>
+          </p:cNvPr>
+          <p:cNvSpPr txBox="1"/>
+          <p:nvPr/>
+        </p:nvSpPr>
+        <p:spPr>
+          <a:xfrm>
+            <a:off x="4601542" y="809025"/>
+            <a:ext cx="1081560" cy="307777"/>
+          </a:xfrm>
+          <a:prstGeom prst="rect">
+            <a:avLst/>
+          </a:prstGeom>
+          <a:noFill/>
+        </p:spPr>
+        <p:txBody>
+          <a:bodyPr wrap="square" rtlCol="0">
+            <a:spAutoFit/>
+          </a:bodyPr>
+          <a:lstStyle/>
+          <a:p>
+            <a:r>
+              <a:rPr lang="en-US" sz="1400" dirty="0">
+                <a:solidFill>
+                  <a:schemeClr val="bg1"/>
+                </a:solidFill>
+              </a:rPr>
+              <a:t>Fortune</a:t>
+            </a:r>
+          </a:p>
+        </p:txBody>
+      </p:sp>
+      <p:pic>
+        <p:nvPicPr>
+          <p:cNvPr id="21" name="Picture 20">
+            <a:extLst>
+              <a:ext uri="{FF2B5EF4-FFF2-40B4-BE49-F238E27FC236}">
+                <a16:creationId xmlns:a16="http://schemas.microsoft.com/office/drawing/2014/main" id="{42A5FF73-754B-45B0-9ED8-9B0A6D1EF089}"/>
+              </a:ext>
+            </a:extLst>
+          </p:cNvPr>
+          <p:cNvPicPr>
+            <a:picLocks noChangeAspect="1"/>
+          </p:cNvPicPr>
+          <p:nvPr/>
+        </p:nvPicPr>
+        <p:blipFill rotWithShape="1">
+          <a:blip r:embed="rId5"/>
+          <a:srcRect l="3324" t="15484" r="5058" b="24467"/>
+          <a:stretch/>
+        </p:blipFill>
+        <p:spPr>
+          <a:xfrm>
+            <a:off x="5379077" y="936349"/>
+            <a:ext cx="1055908" cy="102953"/>
+          </a:xfrm>
+          <a:prstGeom prst="rect">
+            <a:avLst/>
+          </a:prstGeom>
+        </p:spPr>
+      </p:pic>
+      <p:sp>
+        <p:nvSpPr>
+          <p:cNvPr id="23" name="Rectangle: Rounded Corners 22">
+            <a:extLst>
+              <a:ext uri="{FF2B5EF4-FFF2-40B4-BE49-F238E27FC236}">
+                <a16:creationId xmlns:a16="http://schemas.microsoft.com/office/drawing/2014/main" id="{DECEE237-B7F2-447F-ADC9-0EE88DFB9FCD}"/>
+              </a:ext>
+            </a:extLst>
+          </p:cNvPr>
+          <p:cNvSpPr/>
+          <p:nvPr/>
+        </p:nvSpPr>
+        <p:spPr>
+          <a:xfrm>
+            <a:off x="4203228" y="6130212"/>
+            <a:ext cx="641305" cy="450072"/>
+          </a:xfrm>
+          <a:prstGeom prst="roundRect">
+            <a:avLst/>
+          </a:prstGeom>
+          <a:solidFill>
+            <a:schemeClr val="tx1">
+              <a:lumMod val="85000"/>
+              <a:lumOff val="15000"/>
+            </a:schemeClr>
+          </a:solidFill>
+          <a:ln>
+            <a:solidFill>
+              <a:schemeClr val="tx1">
+                <a:lumMod val="50000"/>
+                <a:lumOff val="50000"/>
+              </a:schemeClr>
+            </a:solidFill>
+          </a:ln>
+        </p:spPr>
+        <p:style>
+          <a:lnRef idx="2">
+            <a:schemeClr val="accent1">
+              <a:shade val="50000"/>
+            </a:schemeClr>
+          </a:lnRef>
+          <a:fillRef idx="1">
+            <a:schemeClr val="accent1"/>
+          </a:fillRef>
+          <a:effectRef idx="0">
+            <a:schemeClr val="accent1"/>
+          </a:effectRef>
+          <a:fontRef idx="minor">
+            <a:schemeClr val="lt1"/>
+          </a:fontRef>
+        </p:style>
+        <p:txBody>
+          <a:bodyPr rtlCol="0" anchor="ctr"/>
+          <a:lstStyle/>
+          <a:p>
+            <a:pPr algn="ctr"/>
+            <a:r>
+              <a:rPr lang="en-US" sz="2800" dirty="0"/>
+              <a:t>?</a:t>
+            </a:r>
+          </a:p>
+        </p:txBody>
+      </p:sp>
+      <p:sp>
+        <p:nvSpPr>
+          <p:cNvPr id="24" name="TextBox 23">
+            <a:extLst>
+              <a:ext uri="{FF2B5EF4-FFF2-40B4-BE49-F238E27FC236}">
+                <a16:creationId xmlns:a16="http://schemas.microsoft.com/office/drawing/2014/main" id="{79E992C7-1C4D-4AB8-A6BC-87F9464F40ED}"/>
+              </a:ext>
+            </a:extLst>
+          </p:cNvPr>
+          <p:cNvSpPr txBox="1"/>
+          <p:nvPr/>
+        </p:nvSpPr>
+        <p:spPr>
+          <a:xfrm>
+            <a:off x="4220733" y="4404402"/>
+            <a:ext cx="2276669" cy="307777"/>
+          </a:xfrm>
+          <a:prstGeom prst="rect">
+            <a:avLst/>
+          </a:prstGeom>
+          <a:noFill/>
+        </p:spPr>
+        <p:txBody>
+          <a:bodyPr wrap="square" rtlCol="0" anchor="ctr">
+            <a:spAutoFit/>
+          </a:bodyPr>
+          <a:lstStyle/>
+          <a:p>
+            <a:pPr algn="ctr"/>
+            <a:r>
+              <a:rPr lang="en-US" sz="1400" dirty="0">
+                <a:solidFill>
+                  <a:schemeClr val="bg1"/>
+                </a:solidFill>
+              </a:rPr>
+              <a:t>Submitted Words</a:t>
+            </a:r>
+          </a:p>
+        </p:txBody>
+      </p:sp>
+      <p:sp>
+        <p:nvSpPr>
+          <p:cNvPr id="25" name="TextBox 24">
+            <a:extLst>
+              <a:ext uri="{FF2B5EF4-FFF2-40B4-BE49-F238E27FC236}">
+                <a16:creationId xmlns:a16="http://schemas.microsoft.com/office/drawing/2014/main" id="{979DB00E-0FCE-40D9-91C8-B68D2DF9D7EA}"/>
+              </a:ext>
+            </a:extLst>
+          </p:cNvPr>
+          <p:cNvSpPr txBox="1"/>
+          <p:nvPr/>
+        </p:nvSpPr>
+        <p:spPr>
+          <a:xfrm>
+            <a:off x="6617149" y="4404401"/>
+            <a:ext cx="1304540" cy="307777"/>
+          </a:xfrm>
+          <a:prstGeom prst="rect">
+            <a:avLst/>
+          </a:prstGeom>
+          <a:noFill/>
+        </p:spPr>
+        <p:txBody>
+          <a:bodyPr wrap="square" rtlCol="0" anchor="ctr">
+            <a:spAutoFit/>
+          </a:bodyPr>
+          <a:lstStyle/>
+          <a:p>
+            <a:pPr algn="ctr"/>
+            <a:r>
+              <a:rPr lang="en-US" sz="1400" dirty="0">
+                <a:solidFill>
+                  <a:schemeClr val="bg1"/>
+                </a:solidFill>
+              </a:rPr>
+              <a:t>Auditioned</a:t>
+            </a:r>
+          </a:p>
+        </p:txBody>
+      </p:sp>
+    </p:spTree>
+    <p:extLst>
+      <p:ext uri="{BB962C8B-B14F-4D97-AF65-F5344CB8AC3E}">
+        <p14:creationId xmlns:p14="http://schemas.microsoft.com/office/powerpoint/2010/main" val="687059974"/>
       </p:ext>
     </p:extLst>
   </p:cSld>

--- a/Art/StartPageMockup.pptx
+++ b/Art/StartPageMockup.pptx
@@ -5,7 +5,7 @@
     <p:sldMasterId id="2147483648" r:id="rId1"/>
   </p:sldMasterIdLst>
   <p:notesMasterIdLst>
-    <p:notesMasterId r:id="rId16"/>
+    <p:notesMasterId r:id="rId18"/>
   </p:notesMasterIdLst>
   <p:sldIdLst>
     <p:sldId id="256" r:id="rId2"/>
@@ -21,7 +21,9 @@
     <p:sldId id="264" r:id="rId12"/>
     <p:sldId id="267" r:id="rId13"/>
     <p:sldId id="268" r:id="rId14"/>
-    <p:sldId id="269" r:id="rId15"/>
+    <p:sldId id="270" r:id="rId15"/>
+    <p:sldId id="271" r:id="rId16"/>
+    <p:sldId id="269" r:id="rId17"/>
   </p:sldIdLst>
   <p:sldSz cx="12192000" cy="6858000"/>
   <p:notesSz cx="6858000" cy="9144000"/>
@@ -128,10 +130,6 @@
 </p:presentation>
 </file>
 
-<file path=ppt/revisionInfo.xml><?xml version="1.0" encoding="utf-8"?>
-<p1510:revInfo xmlns:a="http://schemas.openxmlformats.org/drawingml/2006/main" xmlns:r="http://schemas.openxmlformats.org/officeDocument/2006/relationships" xmlns:p1510="http://schemas.microsoft.com/office/powerpoint/2015/10/main"/>
-</file>
-
 <file path=ppt/notesMasters/notesMaster1.xml><?xml version="1.0" encoding="utf-8"?>
 <p:notesMaster xmlns:a="http://schemas.openxmlformats.org/drawingml/2006/main" xmlns:r="http://schemas.openxmlformats.org/officeDocument/2006/relationships" xmlns:p="http://schemas.openxmlformats.org/presentationml/2006/main">
   <p:cSld>
@@ -214,7 +212,7 @@
           <a:p>
             <a:fld id="{E68376E5-8BF7-419C-8A6A-DA0D4191CD89}" type="datetimeFigureOut">
               <a:rPr lang="en-US" smtClean="0"/>
-              <a:t>2/5/2018</a:t>
+              <a:t>2/9/2018</a:t>
             </a:fld>
             <a:endParaRPr lang="en-US"/>
           </a:p>
@@ -975,6 +973,174 @@
     </p:spTree>
     <p:extLst>
       <p:ext uri="{BB962C8B-B14F-4D97-AF65-F5344CB8AC3E}">
+        <p14:creationId xmlns:p14="http://schemas.microsoft.com/office/powerpoint/2010/main" val="2543986566"/>
+      </p:ext>
+    </p:extLst>
+  </p:cSld>
+  <p:clrMapOvr>
+    <a:masterClrMapping/>
+  </p:clrMapOvr>
+</p:notes>
+</file>
+
+<file path=ppt/notesSlides/notesSlide15.xml><?xml version="1.0" encoding="utf-8"?>
+<p:notes xmlns:a="http://schemas.openxmlformats.org/drawingml/2006/main" xmlns:r="http://schemas.openxmlformats.org/officeDocument/2006/relationships" xmlns:p="http://schemas.openxmlformats.org/presentationml/2006/main">
+  <p:cSld>
+    <p:spTree>
+      <p:nvGrpSpPr>
+        <p:cNvPr id="1" name=""/>
+        <p:cNvGrpSpPr/>
+        <p:nvPr/>
+      </p:nvGrpSpPr>
+      <p:grpSpPr>
+        <a:xfrm>
+          <a:off x="0" y="0"/>
+          <a:ext cx="0" cy="0"/>
+          <a:chOff x="0" y="0"/>
+          <a:chExt cx="0" cy="0"/>
+        </a:xfrm>
+      </p:grpSpPr>
+      <p:sp>
+        <p:nvSpPr>
+          <p:cNvPr id="2" name="Slide Image Placeholder 1"/>
+          <p:cNvSpPr>
+            <a:spLocks noGrp="1" noRot="1" noChangeAspect="1"/>
+          </p:cNvSpPr>
+          <p:nvPr>
+            <p:ph type="sldImg"/>
+          </p:nvPr>
+        </p:nvSpPr>
+        <p:spPr/>
+      </p:sp>
+      <p:sp>
+        <p:nvSpPr>
+          <p:cNvPr id="3" name="Notes Placeholder 2"/>
+          <p:cNvSpPr>
+            <a:spLocks noGrp="1"/>
+          </p:cNvSpPr>
+          <p:nvPr>
+            <p:ph type="body" idx="1"/>
+          </p:nvPr>
+        </p:nvSpPr>
+        <p:spPr/>
+        <p:txBody>
+          <a:bodyPr/>
+          <a:lstStyle/>
+          <a:p>
+            <a:endParaRPr lang="en-US"/>
+          </a:p>
+        </p:txBody>
+      </p:sp>
+      <p:sp>
+        <p:nvSpPr>
+          <p:cNvPr id="4" name="Slide Number Placeholder 3"/>
+          <p:cNvSpPr>
+            <a:spLocks noGrp="1"/>
+          </p:cNvSpPr>
+          <p:nvPr>
+            <p:ph type="sldNum" sz="quarter" idx="10"/>
+          </p:nvPr>
+        </p:nvSpPr>
+        <p:spPr/>
+        <p:txBody>
+          <a:bodyPr/>
+          <a:lstStyle/>
+          <a:p>
+            <a:fld id="{7A0BE228-525B-46CA-9B2A-D6891A552F95}" type="slidenum">
+              <a:rPr lang="en-US" smtClean="0"/>
+              <a:t>15</a:t>
+            </a:fld>
+            <a:endParaRPr lang="en-US"/>
+          </a:p>
+        </p:txBody>
+      </p:sp>
+    </p:spTree>
+    <p:extLst>
+      <p:ext uri="{BB962C8B-B14F-4D97-AF65-F5344CB8AC3E}">
+        <p14:creationId xmlns:p14="http://schemas.microsoft.com/office/powerpoint/2010/main" val="1887381892"/>
+      </p:ext>
+    </p:extLst>
+  </p:cSld>
+  <p:clrMapOvr>
+    <a:masterClrMapping/>
+  </p:clrMapOvr>
+</p:notes>
+</file>
+
+<file path=ppt/notesSlides/notesSlide16.xml><?xml version="1.0" encoding="utf-8"?>
+<p:notes xmlns:a="http://schemas.openxmlformats.org/drawingml/2006/main" xmlns:r="http://schemas.openxmlformats.org/officeDocument/2006/relationships" xmlns:p="http://schemas.openxmlformats.org/presentationml/2006/main">
+  <p:cSld>
+    <p:spTree>
+      <p:nvGrpSpPr>
+        <p:cNvPr id="1" name=""/>
+        <p:cNvGrpSpPr/>
+        <p:nvPr/>
+      </p:nvGrpSpPr>
+      <p:grpSpPr>
+        <a:xfrm>
+          <a:off x="0" y="0"/>
+          <a:ext cx="0" cy="0"/>
+          <a:chOff x="0" y="0"/>
+          <a:chExt cx="0" cy="0"/>
+        </a:xfrm>
+      </p:grpSpPr>
+      <p:sp>
+        <p:nvSpPr>
+          <p:cNvPr id="2" name="Slide Image Placeholder 1"/>
+          <p:cNvSpPr>
+            <a:spLocks noGrp="1" noRot="1" noChangeAspect="1"/>
+          </p:cNvSpPr>
+          <p:nvPr>
+            <p:ph type="sldImg"/>
+          </p:nvPr>
+        </p:nvSpPr>
+        <p:spPr/>
+      </p:sp>
+      <p:sp>
+        <p:nvSpPr>
+          <p:cNvPr id="3" name="Notes Placeholder 2"/>
+          <p:cNvSpPr>
+            <a:spLocks noGrp="1"/>
+          </p:cNvSpPr>
+          <p:nvPr>
+            <p:ph type="body" idx="1"/>
+          </p:nvPr>
+        </p:nvSpPr>
+        <p:spPr/>
+        <p:txBody>
+          <a:bodyPr/>
+          <a:lstStyle/>
+          <a:p>
+            <a:endParaRPr lang="en-US"/>
+          </a:p>
+        </p:txBody>
+      </p:sp>
+      <p:sp>
+        <p:nvSpPr>
+          <p:cNvPr id="4" name="Slide Number Placeholder 3"/>
+          <p:cNvSpPr>
+            <a:spLocks noGrp="1"/>
+          </p:cNvSpPr>
+          <p:nvPr>
+            <p:ph type="sldNum" sz="quarter" idx="10"/>
+          </p:nvPr>
+        </p:nvSpPr>
+        <p:spPr/>
+        <p:txBody>
+          <a:bodyPr/>
+          <a:lstStyle/>
+          <a:p>
+            <a:fld id="{7A0BE228-525B-46CA-9B2A-D6891A552F95}" type="slidenum">
+              <a:rPr lang="en-US" smtClean="0"/>
+              <a:t>16</a:t>
+            </a:fld>
+            <a:endParaRPr lang="en-US"/>
+          </a:p>
+        </p:txBody>
+      </p:sp>
+    </p:spTree>
+    <p:extLst>
+      <p:ext uri="{BB962C8B-B14F-4D97-AF65-F5344CB8AC3E}">
         <p14:creationId xmlns:p14="http://schemas.microsoft.com/office/powerpoint/2010/main" val="1447645818"/>
       </p:ext>
     </p:extLst>
@@ -1804,7 +1970,7 @@
           <a:p>
             <a:fld id="{D4E819DD-013E-4DBF-AC13-153FC4836066}" type="datetimeFigureOut">
               <a:rPr lang="en-US" smtClean="0"/>
-              <a:t>2/5/2018</a:t>
+              <a:t>2/9/2018</a:t>
             </a:fld>
             <a:endParaRPr lang="en-US"/>
           </a:p>
@@ -2002,7 +2168,7 @@
           <a:p>
             <a:fld id="{D4E819DD-013E-4DBF-AC13-153FC4836066}" type="datetimeFigureOut">
               <a:rPr lang="en-US" smtClean="0"/>
-              <a:t>2/5/2018</a:t>
+              <a:t>2/9/2018</a:t>
             </a:fld>
             <a:endParaRPr lang="en-US"/>
           </a:p>
@@ -2210,7 +2376,7 @@
           <a:p>
             <a:fld id="{D4E819DD-013E-4DBF-AC13-153FC4836066}" type="datetimeFigureOut">
               <a:rPr lang="en-US" smtClean="0"/>
-              <a:t>2/5/2018</a:t>
+              <a:t>2/9/2018</a:t>
             </a:fld>
             <a:endParaRPr lang="en-US"/>
           </a:p>
@@ -2408,7 +2574,7 @@
           <a:p>
             <a:fld id="{D4E819DD-013E-4DBF-AC13-153FC4836066}" type="datetimeFigureOut">
               <a:rPr lang="en-US" smtClean="0"/>
-              <a:t>2/5/2018</a:t>
+              <a:t>2/9/2018</a:t>
             </a:fld>
             <a:endParaRPr lang="en-US"/>
           </a:p>
@@ -2683,7 +2849,7 @@
           <a:p>
             <a:fld id="{D4E819DD-013E-4DBF-AC13-153FC4836066}" type="datetimeFigureOut">
               <a:rPr lang="en-US" smtClean="0"/>
-              <a:t>2/5/2018</a:t>
+              <a:t>2/9/2018</a:t>
             </a:fld>
             <a:endParaRPr lang="en-US"/>
           </a:p>
@@ -2948,7 +3114,7 @@
           <a:p>
             <a:fld id="{D4E819DD-013E-4DBF-AC13-153FC4836066}" type="datetimeFigureOut">
               <a:rPr lang="en-US" smtClean="0"/>
-              <a:t>2/5/2018</a:t>
+              <a:t>2/9/2018</a:t>
             </a:fld>
             <a:endParaRPr lang="en-US"/>
           </a:p>
@@ -3360,7 +3526,7 @@
           <a:p>
             <a:fld id="{D4E819DD-013E-4DBF-AC13-153FC4836066}" type="datetimeFigureOut">
               <a:rPr lang="en-US" smtClean="0"/>
-              <a:t>2/5/2018</a:t>
+              <a:t>2/9/2018</a:t>
             </a:fld>
             <a:endParaRPr lang="en-US"/>
           </a:p>
@@ -3501,7 +3667,7 @@
           <a:p>
             <a:fld id="{D4E819DD-013E-4DBF-AC13-153FC4836066}" type="datetimeFigureOut">
               <a:rPr lang="en-US" smtClean="0"/>
-              <a:t>2/5/2018</a:t>
+              <a:t>2/9/2018</a:t>
             </a:fld>
             <a:endParaRPr lang="en-US"/>
           </a:p>
@@ -3614,7 +3780,7 @@
           <a:p>
             <a:fld id="{D4E819DD-013E-4DBF-AC13-153FC4836066}" type="datetimeFigureOut">
               <a:rPr lang="en-US" smtClean="0"/>
-              <a:t>2/5/2018</a:t>
+              <a:t>2/9/2018</a:t>
             </a:fld>
             <a:endParaRPr lang="en-US"/>
           </a:p>
@@ -3925,7 +4091,7 @@
           <a:p>
             <a:fld id="{D4E819DD-013E-4DBF-AC13-153FC4836066}" type="datetimeFigureOut">
               <a:rPr lang="en-US" smtClean="0"/>
-              <a:t>2/5/2018</a:t>
+              <a:t>2/9/2018</a:t>
             </a:fld>
             <a:endParaRPr lang="en-US"/>
           </a:p>
@@ -4213,7 +4379,7 @@
           <a:p>
             <a:fld id="{D4E819DD-013E-4DBF-AC13-153FC4836066}" type="datetimeFigureOut">
               <a:rPr lang="en-US" smtClean="0"/>
-              <a:t>2/5/2018</a:t>
+              <a:t>2/9/2018</a:t>
             </a:fld>
             <a:endParaRPr lang="en-US"/>
           </a:p>
@@ -4454,7 +4620,7 @@
           <a:p>
             <a:fld id="{D4E819DD-013E-4DBF-AC13-153FC4836066}" type="datetimeFigureOut">
               <a:rPr lang="en-US" smtClean="0"/>
-              <a:t>2/5/2018</a:t>
+              <a:t>2/9/2018</a:t>
             </a:fld>
             <a:endParaRPr lang="en-US"/>
           </a:p>
@@ -9810,6 +9976,2597 @@
 </file>
 
 <file path=ppt/slides/slide14.xml><?xml version="1.0" encoding="utf-8"?>
+<p:sld xmlns:a="http://schemas.openxmlformats.org/drawingml/2006/main" xmlns:r="http://schemas.openxmlformats.org/officeDocument/2006/relationships" xmlns:p="http://schemas.openxmlformats.org/presentationml/2006/main">
+  <p:cSld>
+    <p:spTree>
+      <p:nvGrpSpPr>
+        <p:cNvPr id="1" name=""/>
+        <p:cNvGrpSpPr/>
+        <p:nvPr/>
+      </p:nvGrpSpPr>
+      <p:grpSpPr>
+        <a:xfrm>
+          <a:off x="0" y="0"/>
+          <a:ext cx="0" cy="0"/>
+          <a:chOff x="0" y="0"/>
+          <a:chExt cx="0" cy="0"/>
+        </a:xfrm>
+      </p:grpSpPr>
+      <p:pic>
+        <p:nvPicPr>
+          <p:cNvPr id="22" name="Picture 21">
+            <a:extLst>
+              <a:ext uri="{FF2B5EF4-FFF2-40B4-BE49-F238E27FC236}">
+                <a16:creationId xmlns:a16="http://schemas.microsoft.com/office/drawing/2014/main" id="{0FCA5D36-8C1E-4241-8338-51CAAC079E31}"/>
+              </a:ext>
+            </a:extLst>
+          </p:cNvPr>
+          <p:cNvPicPr>
+            <a:picLocks noChangeAspect="1"/>
+          </p:cNvPicPr>
+          <p:nvPr/>
+        </p:nvPicPr>
+        <p:blipFill rotWithShape="1">
+          <a:blip r:embed="rId3">
+            <a:extLst>
+              <a:ext uri="{28A0092B-C50C-407E-A947-70E740481C1C}">
+                <a14:useLocalDpi xmlns:a14="http://schemas.microsoft.com/office/drawing/2010/main" val="0"/>
+              </a:ext>
+            </a:extLst>
+          </a:blip>
+          <a:srcRect l="18699" r="24152"/>
+          <a:stretch/>
+        </p:blipFill>
+        <p:spPr>
+          <a:xfrm>
+            <a:off x="4037847" y="-169104"/>
+            <a:ext cx="4436198" cy="6858000"/>
+          </a:xfrm>
+          <a:prstGeom prst="rect">
+            <a:avLst/>
+          </a:prstGeom>
+        </p:spPr>
+      </p:pic>
+      <p:sp>
+        <p:nvSpPr>
+          <p:cNvPr id="31" name="Rectangle 30">
+            <a:extLst>
+              <a:ext uri="{FF2B5EF4-FFF2-40B4-BE49-F238E27FC236}">
+                <a16:creationId xmlns:a16="http://schemas.microsoft.com/office/drawing/2014/main" id="{9193FDD5-A21E-4C5E-9DF6-01D6CDFEECAE}"/>
+              </a:ext>
+            </a:extLst>
+          </p:cNvPr>
+          <p:cNvSpPr/>
+          <p:nvPr/>
+        </p:nvSpPr>
+        <p:spPr>
+          <a:xfrm>
+            <a:off x="4147560" y="4424625"/>
+            <a:ext cx="3891535" cy="2255918"/>
+          </a:xfrm>
+          <a:prstGeom prst="rect">
+            <a:avLst/>
+          </a:prstGeom>
+          <a:solidFill>
+            <a:schemeClr val="tx1">
+              <a:lumMod val="75000"/>
+              <a:lumOff val="25000"/>
+            </a:schemeClr>
+          </a:solidFill>
+          <a:ln>
+            <a:noFill/>
+          </a:ln>
+        </p:spPr>
+        <p:style>
+          <a:lnRef idx="2">
+            <a:schemeClr val="accent1">
+              <a:shade val="50000"/>
+            </a:schemeClr>
+          </a:lnRef>
+          <a:fillRef idx="1">
+            <a:schemeClr val="accent1"/>
+          </a:fillRef>
+          <a:effectRef idx="0">
+            <a:schemeClr val="accent1"/>
+          </a:effectRef>
+          <a:fontRef idx="minor">
+            <a:schemeClr val="lt1"/>
+          </a:fontRef>
+        </p:style>
+        <p:txBody>
+          <a:bodyPr rtlCol="0" anchor="ctr"/>
+          <a:lstStyle/>
+          <a:p>
+            <a:pPr algn="ctr"/>
+            <a:endParaRPr lang="en-US"/>
+          </a:p>
+        </p:txBody>
+      </p:sp>
+      <p:sp>
+        <p:nvSpPr>
+          <p:cNvPr id="30" name="Rectangle 29">
+            <a:extLst>
+              <a:ext uri="{FF2B5EF4-FFF2-40B4-BE49-F238E27FC236}">
+                <a16:creationId xmlns:a16="http://schemas.microsoft.com/office/drawing/2014/main" id="{2E875998-5134-4334-B56A-52CBA7EDC258}"/>
+              </a:ext>
+            </a:extLst>
+          </p:cNvPr>
+          <p:cNvSpPr/>
+          <p:nvPr/>
+        </p:nvSpPr>
+        <p:spPr>
+          <a:xfrm>
+            <a:off x="6617148" y="4469718"/>
+            <a:ext cx="1296761" cy="201869"/>
+          </a:xfrm>
+          <a:prstGeom prst="rect">
+            <a:avLst/>
+          </a:prstGeom>
+          <a:solidFill>
+            <a:schemeClr val="tx1">
+              <a:lumMod val="75000"/>
+              <a:lumOff val="25000"/>
+            </a:schemeClr>
+          </a:solidFill>
+          <a:ln>
+            <a:noFill/>
+          </a:ln>
+        </p:spPr>
+        <p:style>
+          <a:lnRef idx="2">
+            <a:schemeClr val="accent1">
+              <a:shade val="50000"/>
+            </a:schemeClr>
+          </a:lnRef>
+          <a:fillRef idx="1">
+            <a:schemeClr val="accent1"/>
+          </a:fillRef>
+          <a:effectRef idx="0">
+            <a:schemeClr val="accent1"/>
+          </a:effectRef>
+          <a:fontRef idx="minor">
+            <a:schemeClr val="lt1"/>
+          </a:fontRef>
+        </p:style>
+        <p:txBody>
+          <a:bodyPr rtlCol="0" anchor="ctr"/>
+          <a:lstStyle/>
+          <a:p>
+            <a:pPr algn="ctr"/>
+            <a:endParaRPr lang="en-US"/>
+          </a:p>
+        </p:txBody>
+      </p:sp>
+      <p:sp>
+        <p:nvSpPr>
+          <p:cNvPr id="29" name="Rectangle 28">
+            <a:extLst>
+              <a:ext uri="{FF2B5EF4-FFF2-40B4-BE49-F238E27FC236}">
+                <a16:creationId xmlns:a16="http://schemas.microsoft.com/office/drawing/2014/main" id="{E33C2376-9A44-498A-BC5B-DA616901B2F5}"/>
+              </a:ext>
+            </a:extLst>
+          </p:cNvPr>
+          <p:cNvSpPr/>
+          <p:nvPr/>
+        </p:nvSpPr>
+        <p:spPr>
+          <a:xfrm>
+            <a:off x="4224718" y="4483449"/>
+            <a:ext cx="2274469" cy="211860"/>
+          </a:xfrm>
+          <a:prstGeom prst="rect">
+            <a:avLst/>
+          </a:prstGeom>
+          <a:solidFill>
+            <a:schemeClr val="tx1">
+              <a:lumMod val="75000"/>
+              <a:lumOff val="25000"/>
+            </a:schemeClr>
+          </a:solidFill>
+          <a:ln>
+            <a:noFill/>
+          </a:ln>
+        </p:spPr>
+        <p:style>
+          <a:lnRef idx="2">
+            <a:schemeClr val="accent1">
+              <a:shade val="50000"/>
+            </a:schemeClr>
+          </a:lnRef>
+          <a:fillRef idx="1">
+            <a:schemeClr val="accent1"/>
+          </a:fillRef>
+          <a:effectRef idx="0">
+            <a:schemeClr val="accent1"/>
+          </a:effectRef>
+          <a:fontRef idx="minor">
+            <a:schemeClr val="lt1"/>
+          </a:fontRef>
+        </p:style>
+        <p:txBody>
+          <a:bodyPr rtlCol="0" anchor="ctr"/>
+          <a:lstStyle/>
+          <a:p>
+            <a:pPr algn="ctr"/>
+            <a:endParaRPr lang="en-US"/>
+          </a:p>
+        </p:txBody>
+      </p:sp>
+      <p:sp>
+        <p:nvSpPr>
+          <p:cNvPr id="26" name="Rectangle 25">
+            <a:extLst>
+              <a:ext uri="{FF2B5EF4-FFF2-40B4-BE49-F238E27FC236}">
+                <a16:creationId xmlns:a16="http://schemas.microsoft.com/office/drawing/2014/main" id="{EEA356B7-F52F-4BC6-9D20-1056F3D1A3BC}"/>
+              </a:ext>
+            </a:extLst>
+          </p:cNvPr>
+          <p:cNvSpPr/>
+          <p:nvPr/>
+        </p:nvSpPr>
+        <p:spPr>
+          <a:xfrm>
+            <a:off x="4147561" y="177457"/>
+            <a:ext cx="3853566" cy="919121"/>
+          </a:xfrm>
+          <a:prstGeom prst="rect">
+            <a:avLst/>
+          </a:prstGeom>
+          <a:solidFill>
+            <a:schemeClr val="tx1">
+              <a:lumMod val="75000"/>
+              <a:lumOff val="25000"/>
+            </a:schemeClr>
+          </a:solidFill>
+          <a:ln>
+            <a:noFill/>
+          </a:ln>
+        </p:spPr>
+        <p:style>
+          <a:lnRef idx="2">
+            <a:schemeClr val="accent1">
+              <a:shade val="50000"/>
+            </a:schemeClr>
+          </a:lnRef>
+          <a:fillRef idx="1">
+            <a:schemeClr val="accent1"/>
+          </a:fillRef>
+          <a:effectRef idx="0">
+            <a:schemeClr val="accent1"/>
+          </a:effectRef>
+          <a:fontRef idx="minor">
+            <a:schemeClr val="lt1"/>
+          </a:fontRef>
+        </p:style>
+        <p:txBody>
+          <a:bodyPr rtlCol="0" anchor="ctr"/>
+          <a:lstStyle/>
+          <a:p>
+            <a:pPr algn="ctr"/>
+            <a:endParaRPr lang="en-US"/>
+          </a:p>
+        </p:txBody>
+      </p:sp>
+      <p:sp>
+        <p:nvSpPr>
+          <p:cNvPr id="5" name="Rectangle 4">
+            <a:extLst>
+              <a:ext uri="{FF2B5EF4-FFF2-40B4-BE49-F238E27FC236}">
+                <a16:creationId xmlns:a16="http://schemas.microsoft.com/office/drawing/2014/main" id="{175491A8-EA5B-4C2C-A048-E751C5A7E636}"/>
+              </a:ext>
+            </a:extLst>
+          </p:cNvPr>
+          <p:cNvSpPr/>
+          <p:nvPr/>
+        </p:nvSpPr>
+        <p:spPr>
+          <a:xfrm>
+            <a:off x="4152898" y="169104"/>
+            <a:ext cx="901178" cy="682060"/>
+          </a:xfrm>
+          <a:prstGeom prst="rect">
+            <a:avLst/>
+          </a:prstGeom>
+          <a:solidFill>
+            <a:schemeClr val="tx1">
+              <a:lumMod val="75000"/>
+              <a:lumOff val="25000"/>
+            </a:schemeClr>
+          </a:solidFill>
+          <a:ln>
+            <a:noFill/>
+          </a:ln>
+        </p:spPr>
+        <p:style>
+          <a:lnRef idx="2">
+            <a:schemeClr val="accent1">
+              <a:shade val="50000"/>
+            </a:schemeClr>
+          </a:lnRef>
+          <a:fillRef idx="1">
+            <a:schemeClr val="accent1"/>
+          </a:fillRef>
+          <a:effectRef idx="0">
+            <a:schemeClr val="accent1"/>
+          </a:effectRef>
+          <a:fontRef idx="minor">
+            <a:schemeClr val="lt1"/>
+          </a:fontRef>
+        </p:style>
+        <p:txBody>
+          <a:bodyPr rtlCol="0" anchor="ctr"/>
+          <a:lstStyle/>
+          <a:p>
+            <a:pPr algn="ctr"/>
+            <a:endParaRPr lang="en-US"/>
+          </a:p>
+        </p:txBody>
+      </p:sp>
+      <p:sp>
+        <p:nvSpPr>
+          <p:cNvPr id="6" name="TextBox 5">
+            <a:extLst>
+              <a:ext uri="{FF2B5EF4-FFF2-40B4-BE49-F238E27FC236}">
+                <a16:creationId xmlns:a16="http://schemas.microsoft.com/office/drawing/2014/main" id="{C5A2D7AE-E779-41F9-B90A-BC5411D76DD9}"/>
+              </a:ext>
+            </a:extLst>
+          </p:cNvPr>
+          <p:cNvSpPr txBox="1"/>
+          <p:nvPr/>
+        </p:nvSpPr>
+        <p:spPr>
+          <a:xfrm>
+            <a:off x="4223652" y="131919"/>
+            <a:ext cx="755780" cy="369332"/>
+          </a:xfrm>
+          <a:prstGeom prst="rect">
+            <a:avLst/>
+          </a:prstGeom>
+          <a:noFill/>
+        </p:spPr>
+        <p:txBody>
+          <a:bodyPr wrap="square" rtlCol="0">
+            <a:spAutoFit/>
+          </a:bodyPr>
+          <a:lstStyle/>
+          <a:p>
+            <a:pPr algn="ctr"/>
+            <a:r>
+              <a:rPr lang="en-US" dirty="0">
+                <a:solidFill>
+                  <a:schemeClr val="bg1"/>
+                </a:solidFill>
+              </a:rPr>
+              <a:t>Level</a:t>
+            </a:r>
+          </a:p>
+        </p:txBody>
+      </p:sp>
+      <p:sp>
+        <p:nvSpPr>
+          <p:cNvPr id="8" name="TextBox 7">
+            <a:extLst>
+              <a:ext uri="{FF2B5EF4-FFF2-40B4-BE49-F238E27FC236}">
+                <a16:creationId xmlns:a16="http://schemas.microsoft.com/office/drawing/2014/main" id="{E1BE5118-306B-4FFA-A54E-5C601C8394FA}"/>
+              </a:ext>
+            </a:extLst>
+          </p:cNvPr>
+          <p:cNvSpPr txBox="1"/>
+          <p:nvPr/>
+        </p:nvSpPr>
+        <p:spPr>
+          <a:xfrm>
+            <a:off x="7141639" y="150296"/>
+            <a:ext cx="755780" cy="369332"/>
+          </a:xfrm>
+          <a:prstGeom prst="rect">
+            <a:avLst/>
+          </a:prstGeom>
+          <a:noFill/>
+        </p:spPr>
+        <p:txBody>
+          <a:bodyPr wrap="square" rtlCol="0">
+            <a:spAutoFit/>
+          </a:bodyPr>
+          <a:lstStyle/>
+          <a:p>
+            <a:pPr algn="ctr"/>
+            <a:r>
+              <a:rPr lang="en-US" dirty="0">
+                <a:solidFill>
+                  <a:schemeClr val="bg1"/>
+                </a:solidFill>
+              </a:rPr>
+              <a:t>Score</a:t>
+            </a:r>
+          </a:p>
+        </p:txBody>
+      </p:sp>
+      <p:sp>
+        <p:nvSpPr>
+          <p:cNvPr id="12" name="Rectangle 11">
+            <a:extLst>
+              <a:ext uri="{FF2B5EF4-FFF2-40B4-BE49-F238E27FC236}">
+                <a16:creationId xmlns:a16="http://schemas.microsoft.com/office/drawing/2014/main" id="{136EB81B-AFB2-4FBA-9D99-048A1C443DF8}"/>
+              </a:ext>
+            </a:extLst>
+          </p:cNvPr>
+          <p:cNvSpPr/>
+          <p:nvPr/>
+        </p:nvSpPr>
+        <p:spPr>
+          <a:xfrm>
+            <a:off x="4220733" y="4671588"/>
+            <a:ext cx="2276669" cy="1393571"/>
+          </a:xfrm>
+          <a:prstGeom prst="rect">
+            <a:avLst/>
+          </a:prstGeom>
+          <a:solidFill>
+            <a:schemeClr val="tx1">
+              <a:lumMod val="65000"/>
+              <a:lumOff val="35000"/>
+            </a:schemeClr>
+          </a:solidFill>
+          <a:ln>
+            <a:solidFill>
+              <a:schemeClr val="bg1">
+                <a:lumMod val="50000"/>
+              </a:schemeClr>
+            </a:solidFill>
+          </a:ln>
+        </p:spPr>
+        <p:style>
+          <a:lnRef idx="2">
+            <a:schemeClr val="accent1">
+              <a:shade val="50000"/>
+            </a:schemeClr>
+          </a:lnRef>
+          <a:fillRef idx="1">
+            <a:schemeClr val="accent1"/>
+          </a:fillRef>
+          <a:effectRef idx="0">
+            <a:schemeClr val="accent1"/>
+          </a:effectRef>
+          <a:fontRef idx="minor">
+            <a:schemeClr val="lt1"/>
+          </a:fontRef>
+        </p:style>
+        <p:txBody>
+          <a:bodyPr rtlCol="0" anchor="ctr"/>
+          <a:lstStyle/>
+          <a:p>
+            <a:pPr algn="ctr"/>
+            <a:endParaRPr lang="en-US"/>
+          </a:p>
+        </p:txBody>
+      </p:sp>
+      <p:sp>
+        <p:nvSpPr>
+          <p:cNvPr id="13" name="Rectangle 12">
+            <a:extLst>
+              <a:ext uri="{FF2B5EF4-FFF2-40B4-BE49-F238E27FC236}">
+                <a16:creationId xmlns:a16="http://schemas.microsoft.com/office/drawing/2014/main" id="{529EBA8E-B57F-4AE8-BBE1-B837D15B557C}"/>
+              </a:ext>
+            </a:extLst>
+          </p:cNvPr>
+          <p:cNvSpPr/>
+          <p:nvPr/>
+        </p:nvSpPr>
+        <p:spPr>
+          <a:xfrm>
+            <a:off x="6609371" y="4671588"/>
+            <a:ext cx="1304539" cy="1393571"/>
+          </a:xfrm>
+          <a:prstGeom prst="rect">
+            <a:avLst/>
+          </a:prstGeom>
+          <a:solidFill>
+            <a:schemeClr val="tx1">
+              <a:lumMod val="65000"/>
+              <a:lumOff val="35000"/>
+            </a:schemeClr>
+          </a:solidFill>
+          <a:ln>
+            <a:solidFill>
+              <a:schemeClr val="bg1">
+                <a:lumMod val="50000"/>
+              </a:schemeClr>
+            </a:solidFill>
+          </a:ln>
+        </p:spPr>
+        <p:style>
+          <a:lnRef idx="2">
+            <a:schemeClr val="accent1">
+              <a:shade val="50000"/>
+            </a:schemeClr>
+          </a:lnRef>
+          <a:fillRef idx="1">
+            <a:schemeClr val="accent1"/>
+          </a:fillRef>
+          <a:effectRef idx="0">
+            <a:schemeClr val="accent1"/>
+          </a:effectRef>
+          <a:fontRef idx="minor">
+            <a:schemeClr val="lt1"/>
+          </a:fontRef>
+        </p:style>
+        <p:txBody>
+          <a:bodyPr rtlCol="0" anchor="ctr"/>
+          <a:lstStyle/>
+          <a:p>
+            <a:pPr algn="ctr"/>
+            <a:endParaRPr lang="en-US"/>
+          </a:p>
+        </p:txBody>
+      </p:sp>
+      <p:sp>
+        <p:nvSpPr>
+          <p:cNvPr id="15" name="Rectangle 14">
+            <a:extLst>
+              <a:ext uri="{FF2B5EF4-FFF2-40B4-BE49-F238E27FC236}">
+                <a16:creationId xmlns:a16="http://schemas.microsoft.com/office/drawing/2014/main" id="{599D2AFE-9F9D-4115-A04C-0E9E528FA050}"/>
+              </a:ext>
+            </a:extLst>
+          </p:cNvPr>
+          <p:cNvSpPr/>
+          <p:nvPr/>
+        </p:nvSpPr>
+        <p:spPr>
+          <a:xfrm>
+            <a:off x="10207690" y="1838131"/>
+            <a:ext cx="914400" cy="914400"/>
+          </a:xfrm>
+          <a:prstGeom prst="rect">
+            <a:avLst/>
+          </a:prstGeom>
+        </p:spPr>
+        <p:style>
+          <a:lnRef idx="2">
+            <a:schemeClr val="accent1">
+              <a:shade val="50000"/>
+            </a:schemeClr>
+          </a:lnRef>
+          <a:fillRef idx="1">
+            <a:schemeClr val="accent1"/>
+          </a:fillRef>
+          <a:effectRef idx="0">
+            <a:schemeClr val="accent1"/>
+          </a:effectRef>
+          <a:fontRef idx="minor">
+            <a:schemeClr val="lt1"/>
+          </a:fontRef>
+        </p:style>
+        <p:txBody>
+          <a:bodyPr rtlCol="0" anchor="ctr"/>
+          <a:lstStyle/>
+          <a:p>
+            <a:pPr algn="ctr"/>
+            <a:endParaRPr lang="en-US"/>
+          </a:p>
+        </p:txBody>
+      </p:sp>
+      <p:sp>
+        <p:nvSpPr>
+          <p:cNvPr id="16" name="Rectangle: Rounded Corners 15">
+            <a:extLst>
+              <a:ext uri="{FF2B5EF4-FFF2-40B4-BE49-F238E27FC236}">
+                <a16:creationId xmlns:a16="http://schemas.microsoft.com/office/drawing/2014/main" id="{5E679ADA-4B52-45D8-B69C-70ED61D3419C}"/>
+              </a:ext>
+            </a:extLst>
+          </p:cNvPr>
+          <p:cNvSpPr/>
+          <p:nvPr/>
+        </p:nvSpPr>
+        <p:spPr>
+          <a:xfrm>
+            <a:off x="4961941" y="6130212"/>
+            <a:ext cx="2274469" cy="450072"/>
+          </a:xfrm>
+          <a:prstGeom prst="roundRect">
+            <a:avLst/>
+          </a:prstGeom>
+          <a:solidFill>
+            <a:schemeClr val="tx1">
+              <a:lumMod val="85000"/>
+              <a:lumOff val="15000"/>
+            </a:schemeClr>
+          </a:solidFill>
+          <a:ln>
+            <a:solidFill>
+              <a:schemeClr val="tx1">
+                <a:lumMod val="50000"/>
+                <a:lumOff val="50000"/>
+              </a:schemeClr>
+            </a:solidFill>
+          </a:ln>
+        </p:spPr>
+        <p:style>
+          <a:lnRef idx="2">
+            <a:schemeClr val="accent1">
+              <a:shade val="50000"/>
+            </a:schemeClr>
+          </a:lnRef>
+          <a:fillRef idx="1">
+            <a:schemeClr val="accent1"/>
+          </a:fillRef>
+          <a:effectRef idx="0">
+            <a:schemeClr val="accent1"/>
+          </a:effectRef>
+          <a:fontRef idx="minor">
+            <a:schemeClr val="lt1"/>
+          </a:fontRef>
+        </p:style>
+        <p:txBody>
+          <a:bodyPr rtlCol="0" anchor="ctr"/>
+          <a:lstStyle/>
+          <a:p>
+            <a:pPr algn="ctr"/>
+            <a:r>
+              <a:rPr lang="en-US" sz="1400" dirty="0"/>
+              <a:t>Click on letters </a:t>
+            </a:r>
+          </a:p>
+          <a:p>
+            <a:pPr algn="ctr"/>
+            <a:r>
+              <a:rPr lang="en-US" sz="1400" dirty="0"/>
+              <a:t>to spell a word</a:t>
+            </a:r>
+          </a:p>
+        </p:txBody>
+      </p:sp>
+      <p:sp>
+        <p:nvSpPr>
+          <p:cNvPr id="18" name="Frame 17">
+            <a:extLst>
+              <a:ext uri="{FF2B5EF4-FFF2-40B4-BE49-F238E27FC236}">
+                <a16:creationId xmlns:a16="http://schemas.microsoft.com/office/drawing/2014/main" id="{846FA173-1D6E-473B-B9BB-4ACE6EC26BD4}"/>
+              </a:ext>
+            </a:extLst>
+          </p:cNvPr>
+          <p:cNvSpPr/>
+          <p:nvPr/>
+        </p:nvSpPr>
+        <p:spPr>
+          <a:xfrm>
+            <a:off x="3498980" y="-475860"/>
+            <a:ext cx="5178489" cy="7791060"/>
+          </a:xfrm>
+          <a:prstGeom prst="frame">
+            <a:avLst/>
+          </a:prstGeom>
+          <a:solidFill>
+            <a:schemeClr val="bg1"/>
+          </a:solidFill>
+        </p:spPr>
+        <p:style>
+          <a:lnRef idx="2">
+            <a:schemeClr val="accent1">
+              <a:shade val="50000"/>
+            </a:schemeClr>
+          </a:lnRef>
+          <a:fillRef idx="1">
+            <a:schemeClr val="accent1"/>
+          </a:fillRef>
+          <a:effectRef idx="0">
+            <a:schemeClr val="accent1"/>
+          </a:effectRef>
+          <a:fontRef idx="minor">
+            <a:schemeClr val="lt1"/>
+          </a:fontRef>
+        </p:style>
+        <p:txBody>
+          <a:bodyPr rtlCol="0" anchor="ctr"/>
+          <a:lstStyle/>
+          <a:p>
+            <a:pPr algn="ctr"/>
+            <a:endParaRPr lang="en-US">
+              <a:solidFill>
+                <a:schemeClr val="tx1"/>
+              </a:solidFill>
+            </a:endParaRPr>
+          </a:p>
+        </p:txBody>
+      </p:sp>
+      <p:sp>
+        <p:nvSpPr>
+          <p:cNvPr id="19" name="TextBox 18">
+            <a:extLst>
+              <a:ext uri="{FF2B5EF4-FFF2-40B4-BE49-F238E27FC236}">
+                <a16:creationId xmlns:a16="http://schemas.microsoft.com/office/drawing/2014/main" id="{CF636CAF-E37E-49CC-90E0-59ACB65E3E51}"/>
+              </a:ext>
+            </a:extLst>
+          </p:cNvPr>
+          <p:cNvSpPr txBox="1"/>
+          <p:nvPr/>
+        </p:nvSpPr>
+        <p:spPr>
+          <a:xfrm>
+            <a:off x="4135786" y="290018"/>
+            <a:ext cx="918290" cy="646331"/>
+          </a:xfrm>
+          <a:prstGeom prst="rect">
+            <a:avLst/>
+          </a:prstGeom>
+          <a:noFill/>
+        </p:spPr>
+        <p:txBody>
+          <a:bodyPr wrap="square" rtlCol="0">
+            <a:spAutoFit/>
+          </a:bodyPr>
+          <a:lstStyle/>
+          <a:p>
+            <a:pPr algn="ctr"/>
+            <a:r>
+              <a:rPr lang="en-US" sz="3600" dirty="0">
+                <a:solidFill>
+                  <a:schemeClr val="bg1"/>
+                </a:solidFill>
+              </a:rPr>
+              <a:t>5</a:t>
+            </a:r>
+          </a:p>
+        </p:txBody>
+      </p:sp>
+      <p:sp>
+        <p:nvSpPr>
+          <p:cNvPr id="2" name="TextBox 1">
+            <a:extLst>
+              <a:ext uri="{FF2B5EF4-FFF2-40B4-BE49-F238E27FC236}">
+                <a16:creationId xmlns:a16="http://schemas.microsoft.com/office/drawing/2014/main" id="{0A759929-BDA3-420D-BC64-1584AF85EDF3}"/>
+              </a:ext>
+            </a:extLst>
+          </p:cNvPr>
+          <p:cNvSpPr txBox="1"/>
+          <p:nvPr/>
+        </p:nvSpPr>
+        <p:spPr>
+          <a:xfrm>
+            <a:off x="7056887" y="307105"/>
+            <a:ext cx="918290" cy="646331"/>
+          </a:xfrm>
+          <a:prstGeom prst="rect">
+            <a:avLst/>
+          </a:prstGeom>
+          <a:noFill/>
+        </p:spPr>
+        <p:txBody>
+          <a:bodyPr wrap="square" rtlCol="0">
+            <a:spAutoFit/>
+          </a:bodyPr>
+          <a:lstStyle/>
+          <a:p>
+            <a:pPr algn="ctr"/>
+            <a:r>
+              <a:rPr lang="en-US" sz="3600" dirty="0">
+                <a:solidFill>
+                  <a:schemeClr val="bg1"/>
+                </a:solidFill>
+              </a:rPr>
+              <a:t>205</a:t>
+            </a:r>
+          </a:p>
+        </p:txBody>
+      </p:sp>
+      <p:sp>
+        <p:nvSpPr>
+          <p:cNvPr id="23" name="Rectangle: Rounded Corners 22">
+            <a:extLst>
+              <a:ext uri="{FF2B5EF4-FFF2-40B4-BE49-F238E27FC236}">
+                <a16:creationId xmlns:a16="http://schemas.microsoft.com/office/drawing/2014/main" id="{DECEE237-B7F2-447F-ADC9-0EE88DFB9FCD}"/>
+              </a:ext>
+            </a:extLst>
+          </p:cNvPr>
+          <p:cNvSpPr/>
+          <p:nvPr/>
+        </p:nvSpPr>
+        <p:spPr>
+          <a:xfrm>
+            <a:off x="4203228" y="6130212"/>
+            <a:ext cx="641305" cy="450072"/>
+          </a:xfrm>
+          <a:prstGeom prst="roundRect">
+            <a:avLst/>
+          </a:prstGeom>
+          <a:solidFill>
+            <a:schemeClr val="tx1">
+              <a:lumMod val="85000"/>
+              <a:lumOff val="15000"/>
+            </a:schemeClr>
+          </a:solidFill>
+          <a:ln>
+            <a:solidFill>
+              <a:schemeClr val="tx1">
+                <a:lumMod val="50000"/>
+                <a:lumOff val="50000"/>
+              </a:schemeClr>
+            </a:solidFill>
+          </a:ln>
+        </p:spPr>
+        <p:style>
+          <a:lnRef idx="2">
+            <a:schemeClr val="accent1">
+              <a:shade val="50000"/>
+            </a:schemeClr>
+          </a:lnRef>
+          <a:fillRef idx="1">
+            <a:schemeClr val="accent1"/>
+          </a:fillRef>
+          <a:effectRef idx="0">
+            <a:schemeClr val="accent1"/>
+          </a:effectRef>
+          <a:fontRef idx="minor">
+            <a:schemeClr val="lt1"/>
+          </a:fontRef>
+        </p:style>
+        <p:txBody>
+          <a:bodyPr rtlCol="0" anchor="ctr"/>
+          <a:lstStyle/>
+          <a:p>
+            <a:pPr algn="ctr"/>
+            <a:r>
+              <a:rPr lang="en-US" sz="2800" dirty="0"/>
+              <a:t>?</a:t>
+            </a:r>
+          </a:p>
+        </p:txBody>
+      </p:sp>
+      <p:sp>
+        <p:nvSpPr>
+          <p:cNvPr id="24" name="TextBox 23">
+            <a:extLst>
+              <a:ext uri="{FF2B5EF4-FFF2-40B4-BE49-F238E27FC236}">
+                <a16:creationId xmlns:a16="http://schemas.microsoft.com/office/drawing/2014/main" id="{79E992C7-1C4D-4AB8-A6BC-87F9464F40ED}"/>
+              </a:ext>
+            </a:extLst>
+          </p:cNvPr>
+          <p:cNvSpPr txBox="1"/>
+          <p:nvPr/>
+        </p:nvSpPr>
+        <p:spPr>
+          <a:xfrm>
+            <a:off x="4220733" y="4404402"/>
+            <a:ext cx="2276669" cy="307777"/>
+          </a:xfrm>
+          <a:prstGeom prst="rect">
+            <a:avLst/>
+          </a:prstGeom>
+          <a:noFill/>
+        </p:spPr>
+        <p:txBody>
+          <a:bodyPr wrap="square" rtlCol="0" anchor="ctr">
+            <a:spAutoFit/>
+          </a:bodyPr>
+          <a:lstStyle/>
+          <a:p>
+            <a:pPr algn="ctr"/>
+            <a:r>
+              <a:rPr lang="en-US" sz="1400" dirty="0">
+                <a:solidFill>
+                  <a:schemeClr val="bg1"/>
+                </a:solidFill>
+              </a:rPr>
+              <a:t>Submitted Words</a:t>
+            </a:r>
+          </a:p>
+        </p:txBody>
+      </p:sp>
+      <p:sp>
+        <p:nvSpPr>
+          <p:cNvPr id="25" name="TextBox 24">
+            <a:extLst>
+              <a:ext uri="{FF2B5EF4-FFF2-40B4-BE49-F238E27FC236}">
+                <a16:creationId xmlns:a16="http://schemas.microsoft.com/office/drawing/2014/main" id="{979DB00E-0FCE-40D9-91C8-B68D2DF9D7EA}"/>
+              </a:ext>
+            </a:extLst>
+          </p:cNvPr>
+          <p:cNvSpPr txBox="1"/>
+          <p:nvPr/>
+        </p:nvSpPr>
+        <p:spPr>
+          <a:xfrm>
+            <a:off x="6617149" y="4404401"/>
+            <a:ext cx="1304540" cy="307777"/>
+          </a:xfrm>
+          <a:prstGeom prst="rect">
+            <a:avLst/>
+          </a:prstGeom>
+          <a:noFill/>
+        </p:spPr>
+        <p:txBody>
+          <a:bodyPr wrap="square" rtlCol="0" anchor="ctr">
+            <a:spAutoFit/>
+          </a:bodyPr>
+          <a:lstStyle/>
+          <a:p>
+            <a:pPr algn="ctr"/>
+            <a:r>
+              <a:rPr lang="en-US" sz="1400" dirty="0">
+                <a:solidFill>
+                  <a:schemeClr val="bg1"/>
+                </a:solidFill>
+              </a:rPr>
+              <a:t>Auditioned</a:t>
+            </a:r>
+          </a:p>
+        </p:txBody>
+      </p:sp>
+      <p:pic>
+        <p:nvPicPr>
+          <p:cNvPr id="32" name="Picture 31">
+            <a:extLst>
+              <a:ext uri="{FF2B5EF4-FFF2-40B4-BE49-F238E27FC236}">
+                <a16:creationId xmlns:a16="http://schemas.microsoft.com/office/drawing/2014/main" id="{1C819673-0B0C-4ACE-A45E-22F4C5989616}"/>
+              </a:ext>
+            </a:extLst>
+          </p:cNvPr>
+          <p:cNvPicPr>
+            <a:picLocks noChangeAspect="1"/>
+          </p:cNvPicPr>
+          <p:nvPr/>
+        </p:nvPicPr>
+        <p:blipFill>
+          <a:blip r:embed="rId4">
+            <a:extLst>
+              <a:ext uri="{28A0092B-C50C-407E-A947-70E740481C1C}">
+                <a14:useLocalDpi xmlns:a14="http://schemas.microsoft.com/office/drawing/2010/main" val="0"/>
+              </a:ext>
+            </a:extLst>
+          </a:blip>
+          <a:stretch>
+            <a:fillRect/>
+          </a:stretch>
+        </p:blipFill>
+        <p:spPr>
+          <a:xfrm>
+            <a:off x="4235622" y="993306"/>
+            <a:ext cx="3642779" cy="3642779"/>
+          </a:xfrm>
+          <a:prstGeom prst="rect">
+            <a:avLst/>
+          </a:prstGeom>
+        </p:spPr>
+      </p:pic>
+      <p:sp>
+        <p:nvSpPr>
+          <p:cNvPr id="27" name="Rectangle: Rounded Corners 26">
+            <a:extLst>
+              <a:ext uri="{FF2B5EF4-FFF2-40B4-BE49-F238E27FC236}">
+                <a16:creationId xmlns:a16="http://schemas.microsoft.com/office/drawing/2014/main" id="{4ADAC294-D022-4486-B0B1-9C198FA4A598}"/>
+              </a:ext>
+            </a:extLst>
+          </p:cNvPr>
+          <p:cNvSpPr/>
+          <p:nvPr/>
+        </p:nvSpPr>
+        <p:spPr>
+          <a:xfrm>
+            <a:off x="7317100" y="6129059"/>
+            <a:ext cx="641305" cy="450072"/>
+          </a:xfrm>
+          <a:prstGeom prst="roundRect">
+            <a:avLst/>
+          </a:prstGeom>
+          <a:solidFill>
+            <a:schemeClr val="tx1">
+              <a:lumMod val="85000"/>
+              <a:lumOff val="15000"/>
+            </a:schemeClr>
+          </a:solidFill>
+          <a:ln>
+            <a:solidFill>
+              <a:schemeClr val="tx1">
+                <a:lumMod val="50000"/>
+                <a:lumOff val="50000"/>
+              </a:schemeClr>
+            </a:solidFill>
+          </a:ln>
+        </p:spPr>
+        <p:style>
+          <a:lnRef idx="2">
+            <a:schemeClr val="accent1">
+              <a:shade val="50000"/>
+            </a:schemeClr>
+          </a:lnRef>
+          <a:fillRef idx="1">
+            <a:schemeClr val="accent1"/>
+          </a:fillRef>
+          <a:effectRef idx="0">
+            <a:schemeClr val="accent1"/>
+          </a:effectRef>
+          <a:fontRef idx="minor">
+            <a:schemeClr val="lt1"/>
+          </a:fontRef>
+        </p:style>
+        <p:txBody>
+          <a:bodyPr rtlCol="0" anchor="ctr"/>
+          <a:lstStyle/>
+          <a:p>
+            <a:pPr algn="ctr"/>
+            <a:r>
+              <a:rPr lang="en-US" sz="1600" dirty="0"/>
+              <a:t>Spell</a:t>
+            </a:r>
+          </a:p>
+        </p:txBody>
+      </p:sp>
+      <p:sp>
+        <p:nvSpPr>
+          <p:cNvPr id="33" name="Rectangle 32">
+            <a:extLst>
+              <a:ext uri="{FF2B5EF4-FFF2-40B4-BE49-F238E27FC236}">
+                <a16:creationId xmlns:a16="http://schemas.microsoft.com/office/drawing/2014/main" id="{EA811E52-E093-4979-A089-9BEAA7841332}"/>
+              </a:ext>
+            </a:extLst>
+          </p:cNvPr>
+          <p:cNvSpPr/>
+          <p:nvPr/>
+        </p:nvSpPr>
+        <p:spPr>
+          <a:xfrm>
+            <a:off x="5086925" y="331527"/>
+            <a:ext cx="2051001" cy="201893"/>
+          </a:xfrm>
+          <a:prstGeom prst="rect">
+            <a:avLst/>
+          </a:prstGeom>
+          <a:solidFill>
+            <a:schemeClr val="tx1">
+              <a:lumMod val="75000"/>
+              <a:lumOff val="25000"/>
+            </a:schemeClr>
+          </a:solidFill>
+          <a:ln>
+            <a:noFill/>
+          </a:ln>
+        </p:spPr>
+        <p:style>
+          <a:lnRef idx="2">
+            <a:schemeClr val="accent1">
+              <a:shade val="50000"/>
+            </a:schemeClr>
+          </a:lnRef>
+          <a:fillRef idx="1">
+            <a:schemeClr val="accent1"/>
+          </a:fillRef>
+          <a:effectRef idx="0">
+            <a:schemeClr val="accent1"/>
+          </a:effectRef>
+          <a:fontRef idx="minor">
+            <a:schemeClr val="lt1"/>
+          </a:fontRef>
+        </p:style>
+        <p:txBody>
+          <a:bodyPr rtlCol="0" anchor="ctr"/>
+          <a:lstStyle/>
+          <a:p>
+            <a:pPr algn="ctr"/>
+            <a:endParaRPr lang="en-US"/>
+          </a:p>
+        </p:txBody>
+      </p:sp>
+      <p:sp>
+        <p:nvSpPr>
+          <p:cNvPr id="34" name="TextBox 33">
+            <a:extLst>
+              <a:ext uri="{FF2B5EF4-FFF2-40B4-BE49-F238E27FC236}">
+                <a16:creationId xmlns:a16="http://schemas.microsoft.com/office/drawing/2014/main" id="{84705CD6-EC1C-4738-9195-436A5925FEE0}"/>
+              </a:ext>
+            </a:extLst>
+          </p:cNvPr>
+          <p:cNvSpPr txBox="1"/>
+          <p:nvPr/>
+        </p:nvSpPr>
+        <p:spPr>
+          <a:xfrm>
+            <a:off x="5017319" y="250642"/>
+            <a:ext cx="670042" cy="307777"/>
+          </a:xfrm>
+          <a:prstGeom prst="rect">
+            <a:avLst/>
+          </a:prstGeom>
+          <a:noFill/>
+        </p:spPr>
+        <p:txBody>
+          <a:bodyPr wrap="square" rtlCol="0">
+            <a:spAutoFit/>
+          </a:bodyPr>
+          <a:lstStyle/>
+          <a:p>
+            <a:r>
+              <a:rPr lang="en-US" sz="1400" dirty="0">
+                <a:solidFill>
+                  <a:schemeClr val="bg1"/>
+                </a:solidFill>
+              </a:rPr>
+              <a:t>Mana:</a:t>
+            </a:r>
+          </a:p>
+        </p:txBody>
+      </p:sp>
+      <p:pic>
+        <p:nvPicPr>
+          <p:cNvPr id="35" name="Picture 34">
+            <a:extLst>
+              <a:ext uri="{FF2B5EF4-FFF2-40B4-BE49-F238E27FC236}">
+                <a16:creationId xmlns:a16="http://schemas.microsoft.com/office/drawing/2014/main" id="{CB756B4A-ABEF-4897-A53F-9AF29BADFC67}"/>
+              </a:ext>
+            </a:extLst>
+          </p:cNvPr>
+          <p:cNvPicPr>
+            <a:picLocks noChangeAspect="1"/>
+          </p:cNvPicPr>
+          <p:nvPr/>
+        </p:nvPicPr>
+        <p:blipFill rotWithShape="1">
+          <a:blip r:embed="rId5"/>
+          <a:srcRect l="3324" t="15484" r="5058" b="24467"/>
+          <a:stretch/>
+        </p:blipFill>
+        <p:spPr>
+          <a:xfrm>
+            <a:off x="5794854" y="377966"/>
+            <a:ext cx="1055908" cy="102953"/>
+          </a:xfrm>
+          <a:prstGeom prst="rect">
+            <a:avLst/>
+          </a:prstGeom>
+        </p:spPr>
+      </p:pic>
+      <p:sp>
+        <p:nvSpPr>
+          <p:cNvPr id="36" name="Rectangle 35">
+            <a:extLst>
+              <a:ext uri="{FF2B5EF4-FFF2-40B4-BE49-F238E27FC236}">
+                <a16:creationId xmlns:a16="http://schemas.microsoft.com/office/drawing/2014/main" id="{5B214126-3FEA-438E-8B09-AC02939AA5A7}"/>
+              </a:ext>
+            </a:extLst>
+          </p:cNvPr>
+          <p:cNvSpPr/>
+          <p:nvPr/>
+        </p:nvSpPr>
+        <p:spPr>
+          <a:xfrm>
+            <a:off x="5086926" y="614306"/>
+            <a:ext cx="1969962" cy="225870"/>
+          </a:xfrm>
+          <a:prstGeom prst="rect">
+            <a:avLst/>
+          </a:prstGeom>
+          <a:solidFill>
+            <a:schemeClr val="tx1">
+              <a:lumMod val="75000"/>
+              <a:lumOff val="25000"/>
+            </a:schemeClr>
+          </a:solidFill>
+          <a:ln>
+            <a:noFill/>
+          </a:ln>
+        </p:spPr>
+        <p:style>
+          <a:lnRef idx="2">
+            <a:schemeClr val="accent1">
+              <a:shade val="50000"/>
+            </a:schemeClr>
+          </a:lnRef>
+          <a:fillRef idx="1">
+            <a:schemeClr val="accent1"/>
+          </a:fillRef>
+          <a:effectRef idx="0">
+            <a:schemeClr val="accent1"/>
+          </a:effectRef>
+          <a:fontRef idx="minor">
+            <a:schemeClr val="lt1"/>
+          </a:fontRef>
+        </p:style>
+        <p:txBody>
+          <a:bodyPr rtlCol="0" anchor="ctr"/>
+          <a:lstStyle/>
+          <a:p>
+            <a:pPr algn="ctr"/>
+            <a:endParaRPr lang="en-US"/>
+          </a:p>
+        </p:txBody>
+      </p:sp>
+      <p:sp>
+        <p:nvSpPr>
+          <p:cNvPr id="37" name="TextBox 36">
+            <a:extLst>
+              <a:ext uri="{FF2B5EF4-FFF2-40B4-BE49-F238E27FC236}">
+                <a16:creationId xmlns:a16="http://schemas.microsoft.com/office/drawing/2014/main" id="{B4E3F3D3-E071-4728-82A1-C765F34EB153}"/>
+              </a:ext>
+            </a:extLst>
+          </p:cNvPr>
+          <p:cNvSpPr txBox="1"/>
+          <p:nvPr/>
+        </p:nvSpPr>
+        <p:spPr>
+          <a:xfrm>
+            <a:off x="5017319" y="533421"/>
+            <a:ext cx="777535" cy="307777"/>
+          </a:xfrm>
+          <a:prstGeom prst="rect">
+            <a:avLst/>
+          </a:prstGeom>
+          <a:noFill/>
+        </p:spPr>
+        <p:txBody>
+          <a:bodyPr wrap="square" rtlCol="0">
+            <a:spAutoFit/>
+          </a:bodyPr>
+          <a:lstStyle/>
+          <a:p>
+            <a:r>
+              <a:rPr lang="en-US" sz="1400" dirty="0">
+                <a:solidFill>
+                  <a:schemeClr val="bg1"/>
+                </a:solidFill>
+              </a:rPr>
+              <a:t>Fortune</a:t>
+            </a:r>
+          </a:p>
+        </p:txBody>
+      </p:sp>
+      <p:pic>
+        <p:nvPicPr>
+          <p:cNvPr id="38" name="Picture 37">
+            <a:extLst>
+              <a:ext uri="{FF2B5EF4-FFF2-40B4-BE49-F238E27FC236}">
+                <a16:creationId xmlns:a16="http://schemas.microsoft.com/office/drawing/2014/main" id="{391C904E-4B39-4201-8C10-5CB790B6CB48}"/>
+              </a:ext>
+            </a:extLst>
+          </p:cNvPr>
+          <p:cNvPicPr>
+            <a:picLocks noChangeAspect="1"/>
+          </p:cNvPicPr>
+          <p:nvPr/>
+        </p:nvPicPr>
+        <p:blipFill rotWithShape="1">
+          <a:blip r:embed="rId5"/>
+          <a:srcRect l="3324" t="15484" r="5058" b="24467"/>
+          <a:stretch/>
+        </p:blipFill>
+        <p:spPr>
+          <a:xfrm>
+            <a:off x="5794854" y="660745"/>
+            <a:ext cx="1055908" cy="102953"/>
+          </a:xfrm>
+          <a:prstGeom prst="rect">
+            <a:avLst/>
+          </a:prstGeom>
+        </p:spPr>
+      </p:pic>
+    </p:spTree>
+    <p:extLst>
+      <p:ext uri="{BB962C8B-B14F-4D97-AF65-F5344CB8AC3E}">
+        <p14:creationId xmlns:p14="http://schemas.microsoft.com/office/powerpoint/2010/main" val="1193455987"/>
+      </p:ext>
+    </p:extLst>
+  </p:cSld>
+  <p:clrMapOvr>
+    <a:masterClrMapping/>
+  </p:clrMapOvr>
+</p:sld>
+</file>
+
+<file path=ppt/slides/slide15.xml><?xml version="1.0" encoding="utf-8"?>
+<p:sld xmlns:a="http://schemas.openxmlformats.org/drawingml/2006/main" xmlns:r="http://schemas.openxmlformats.org/officeDocument/2006/relationships" xmlns:p="http://schemas.openxmlformats.org/presentationml/2006/main">
+  <p:cSld>
+    <p:spTree>
+      <p:nvGrpSpPr>
+        <p:cNvPr id="1" name=""/>
+        <p:cNvGrpSpPr/>
+        <p:nvPr/>
+      </p:nvGrpSpPr>
+      <p:grpSpPr>
+        <a:xfrm>
+          <a:off x="0" y="0"/>
+          <a:ext cx="0" cy="0"/>
+          <a:chOff x="0" y="0"/>
+          <a:chExt cx="0" cy="0"/>
+        </a:xfrm>
+      </p:grpSpPr>
+      <p:pic>
+        <p:nvPicPr>
+          <p:cNvPr id="22" name="Picture 21">
+            <a:extLst>
+              <a:ext uri="{FF2B5EF4-FFF2-40B4-BE49-F238E27FC236}">
+                <a16:creationId xmlns:a16="http://schemas.microsoft.com/office/drawing/2014/main" id="{0FCA5D36-8C1E-4241-8338-51CAAC079E31}"/>
+              </a:ext>
+            </a:extLst>
+          </p:cNvPr>
+          <p:cNvPicPr>
+            <a:picLocks noChangeAspect="1"/>
+          </p:cNvPicPr>
+          <p:nvPr/>
+        </p:nvPicPr>
+        <p:blipFill rotWithShape="1">
+          <a:blip r:embed="rId3">
+            <a:extLst>
+              <a:ext uri="{28A0092B-C50C-407E-A947-70E740481C1C}">
+                <a14:useLocalDpi xmlns:a14="http://schemas.microsoft.com/office/drawing/2010/main" val="0"/>
+              </a:ext>
+            </a:extLst>
+          </a:blip>
+          <a:srcRect l="18699" r="24152"/>
+          <a:stretch/>
+        </p:blipFill>
+        <p:spPr>
+          <a:xfrm>
+            <a:off x="4037847" y="-169104"/>
+            <a:ext cx="4436198" cy="6858000"/>
+          </a:xfrm>
+          <a:prstGeom prst="rect">
+            <a:avLst/>
+          </a:prstGeom>
+        </p:spPr>
+      </p:pic>
+      <p:sp>
+        <p:nvSpPr>
+          <p:cNvPr id="31" name="Rectangle 30">
+            <a:extLst>
+              <a:ext uri="{FF2B5EF4-FFF2-40B4-BE49-F238E27FC236}">
+                <a16:creationId xmlns:a16="http://schemas.microsoft.com/office/drawing/2014/main" id="{9193FDD5-A21E-4C5E-9DF6-01D6CDFEECAE}"/>
+              </a:ext>
+            </a:extLst>
+          </p:cNvPr>
+          <p:cNvSpPr/>
+          <p:nvPr/>
+        </p:nvSpPr>
+        <p:spPr>
+          <a:xfrm>
+            <a:off x="4147560" y="4424625"/>
+            <a:ext cx="3891535" cy="2255918"/>
+          </a:xfrm>
+          <a:prstGeom prst="rect">
+            <a:avLst/>
+          </a:prstGeom>
+          <a:solidFill>
+            <a:schemeClr val="tx1">
+              <a:lumMod val="75000"/>
+              <a:lumOff val="25000"/>
+            </a:schemeClr>
+          </a:solidFill>
+          <a:ln>
+            <a:noFill/>
+          </a:ln>
+        </p:spPr>
+        <p:style>
+          <a:lnRef idx="2">
+            <a:schemeClr val="accent1">
+              <a:shade val="50000"/>
+            </a:schemeClr>
+          </a:lnRef>
+          <a:fillRef idx="1">
+            <a:schemeClr val="accent1"/>
+          </a:fillRef>
+          <a:effectRef idx="0">
+            <a:schemeClr val="accent1"/>
+          </a:effectRef>
+          <a:fontRef idx="minor">
+            <a:schemeClr val="lt1"/>
+          </a:fontRef>
+        </p:style>
+        <p:txBody>
+          <a:bodyPr rtlCol="0" anchor="ctr"/>
+          <a:lstStyle/>
+          <a:p>
+            <a:pPr algn="ctr"/>
+            <a:endParaRPr lang="en-US"/>
+          </a:p>
+        </p:txBody>
+      </p:sp>
+      <p:sp>
+        <p:nvSpPr>
+          <p:cNvPr id="30" name="Rectangle 29">
+            <a:extLst>
+              <a:ext uri="{FF2B5EF4-FFF2-40B4-BE49-F238E27FC236}">
+                <a16:creationId xmlns:a16="http://schemas.microsoft.com/office/drawing/2014/main" id="{2E875998-5134-4334-B56A-52CBA7EDC258}"/>
+              </a:ext>
+            </a:extLst>
+          </p:cNvPr>
+          <p:cNvSpPr/>
+          <p:nvPr/>
+        </p:nvSpPr>
+        <p:spPr>
+          <a:xfrm>
+            <a:off x="6617148" y="4469718"/>
+            <a:ext cx="1296761" cy="201869"/>
+          </a:xfrm>
+          <a:prstGeom prst="rect">
+            <a:avLst/>
+          </a:prstGeom>
+          <a:solidFill>
+            <a:schemeClr val="tx1">
+              <a:lumMod val="75000"/>
+              <a:lumOff val="25000"/>
+            </a:schemeClr>
+          </a:solidFill>
+          <a:ln>
+            <a:noFill/>
+          </a:ln>
+        </p:spPr>
+        <p:style>
+          <a:lnRef idx="2">
+            <a:schemeClr val="accent1">
+              <a:shade val="50000"/>
+            </a:schemeClr>
+          </a:lnRef>
+          <a:fillRef idx="1">
+            <a:schemeClr val="accent1"/>
+          </a:fillRef>
+          <a:effectRef idx="0">
+            <a:schemeClr val="accent1"/>
+          </a:effectRef>
+          <a:fontRef idx="minor">
+            <a:schemeClr val="lt1"/>
+          </a:fontRef>
+        </p:style>
+        <p:txBody>
+          <a:bodyPr rtlCol="0" anchor="ctr"/>
+          <a:lstStyle/>
+          <a:p>
+            <a:pPr algn="ctr"/>
+            <a:endParaRPr lang="en-US"/>
+          </a:p>
+        </p:txBody>
+      </p:sp>
+      <p:sp>
+        <p:nvSpPr>
+          <p:cNvPr id="29" name="Rectangle 28">
+            <a:extLst>
+              <a:ext uri="{FF2B5EF4-FFF2-40B4-BE49-F238E27FC236}">
+                <a16:creationId xmlns:a16="http://schemas.microsoft.com/office/drawing/2014/main" id="{E33C2376-9A44-498A-BC5B-DA616901B2F5}"/>
+              </a:ext>
+            </a:extLst>
+          </p:cNvPr>
+          <p:cNvSpPr/>
+          <p:nvPr/>
+        </p:nvSpPr>
+        <p:spPr>
+          <a:xfrm>
+            <a:off x="4224718" y="4483449"/>
+            <a:ext cx="2274469" cy="211860"/>
+          </a:xfrm>
+          <a:prstGeom prst="rect">
+            <a:avLst/>
+          </a:prstGeom>
+          <a:solidFill>
+            <a:schemeClr val="tx1">
+              <a:lumMod val="75000"/>
+              <a:lumOff val="25000"/>
+            </a:schemeClr>
+          </a:solidFill>
+          <a:ln>
+            <a:noFill/>
+          </a:ln>
+        </p:spPr>
+        <p:style>
+          <a:lnRef idx="2">
+            <a:schemeClr val="accent1">
+              <a:shade val="50000"/>
+            </a:schemeClr>
+          </a:lnRef>
+          <a:fillRef idx="1">
+            <a:schemeClr val="accent1"/>
+          </a:fillRef>
+          <a:effectRef idx="0">
+            <a:schemeClr val="accent1"/>
+          </a:effectRef>
+          <a:fontRef idx="minor">
+            <a:schemeClr val="lt1"/>
+          </a:fontRef>
+        </p:style>
+        <p:txBody>
+          <a:bodyPr rtlCol="0" anchor="ctr"/>
+          <a:lstStyle/>
+          <a:p>
+            <a:pPr algn="ctr"/>
+            <a:endParaRPr lang="en-US"/>
+          </a:p>
+        </p:txBody>
+      </p:sp>
+      <p:sp>
+        <p:nvSpPr>
+          <p:cNvPr id="12" name="Rectangle 11">
+            <a:extLst>
+              <a:ext uri="{FF2B5EF4-FFF2-40B4-BE49-F238E27FC236}">
+                <a16:creationId xmlns:a16="http://schemas.microsoft.com/office/drawing/2014/main" id="{136EB81B-AFB2-4FBA-9D99-048A1C443DF8}"/>
+              </a:ext>
+            </a:extLst>
+          </p:cNvPr>
+          <p:cNvSpPr/>
+          <p:nvPr/>
+        </p:nvSpPr>
+        <p:spPr>
+          <a:xfrm>
+            <a:off x="4220733" y="4671588"/>
+            <a:ext cx="2276669" cy="1393571"/>
+          </a:xfrm>
+          <a:prstGeom prst="rect">
+            <a:avLst/>
+          </a:prstGeom>
+          <a:solidFill>
+            <a:schemeClr val="tx1">
+              <a:lumMod val="65000"/>
+              <a:lumOff val="35000"/>
+            </a:schemeClr>
+          </a:solidFill>
+          <a:ln>
+            <a:solidFill>
+              <a:schemeClr val="bg1">
+                <a:lumMod val="50000"/>
+              </a:schemeClr>
+            </a:solidFill>
+          </a:ln>
+        </p:spPr>
+        <p:style>
+          <a:lnRef idx="2">
+            <a:schemeClr val="accent1">
+              <a:shade val="50000"/>
+            </a:schemeClr>
+          </a:lnRef>
+          <a:fillRef idx="1">
+            <a:schemeClr val="accent1"/>
+          </a:fillRef>
+          <a:effectRef idx="0">
+            <a:schemeClr val="accent1"/>
+          </a:effectRef>
+          <a:fontRef idx="minor">
+            <a:schemeClr val="lt1"/>
+          </a:fontRef>
+        </p:style>
+        <p:txBody>
+          <a:bodyPr rtlCol="0" anchor="ctr"/>
+          <a:lstStyle/>
+          <a:p>
+            <a:pPr algn="ctr"/>
+            <a:endParaRPr lang="en-US"/>
+          </a:p>
+        </p:txBody>
+      </p:sp>
+      <p:sp>
+        <p:nvSpPr>
+          <p:cNvPr id="13" name="Rectangle 12">
+            <a:extLst>
+              <a:ext uri="{FF2B5EF4-FFF2-40B4-BE49-F238E27FC236}">
+                <a16:creationId xmlns:a16="http://schemas.microsoft.com/office/drawing/2014/main" id="{529EBA8E-B57F-4AE8-BBE1-B837D15B557C}"/>
+              </a:ext>
+            </a:extLst>
+          </p:cNvPr>
+          <p:cNvSpPr/>
+          <p:nvPr/>
+        </p:nvSpPr>
+        <p:spPr>
+          <a:xfrm>
+            <a:off x="6609371" y="4671588"/>
+            <a:ext cx="1304539" cy="1393571"/>
+          </a:xfrm>
+          <a:prstGeom prst="rect">
+            <a:avLst/>
+          </a:prstGeom>
+          <a:solidFill>
+            <a:schemeClr val="tx1">
+              <a:lumMod val="65000"/>
+              <a:lumOff val="35000"/>
+            </a:schemeClr>
+          </a:solidFill>
+          <a:ln>
+            <a:solidFill>
+              <a:schemeClr val="bg1">
+                <a:lumMod val="50000"/>
+              </a:schemeClr>
+            </a:solidFill>
+          </a:ln>
+        </p:spPr>
+        <p:style>
+          <a:lnRef idx="2">
+            <a:schemeClr val="accent1">
+              <a:shade val="50000"/>
+            </a:schemeClr>
+          </a:lnRef>
+          <a:fillRef idx="1">
+            <a:schemeClr val="accent1"/>
+          </a:fillRef>
+          <a:effectRef idx="0">
+            <a:schemeClr val="accent1"/>
+          </a:effectRef>
+          <a:fontRef idx="minor">
+            <a:schemeClr val="lt1"/>
+          </a:fontRef>
+        </p:style>
+        <p:txBody>
+          <a:bodyPr rtlCol="0" anchor="ctr"/>
+          <a:lstStyle/>
+          <a:p>
+            <a:pPr algn="ctr"/>
+            <a:endParaRPr lang="en-US"/>
+          </a:p>
+        </p:txBody>
+      </p:sp>
+      <p:sp>
+        <p:nvSpPr>
+          <p:cNvPr id="15" name="Rectangle 14">
+            <a:extLst>
+              <a:ext uri="{FF2B5EF4-FFF2-40B4-BE49-F238E27FC236}">
+                <a16:creationId xmlns:a16="http://schemas.microsoft.com/office/drawing/2014/main" id="{599D2AFE-9F9D-4115-A04C-0E9E528FA050}"/>
+              </a:ext>
+            </a:extLst>
+          </p:cNvPr>
+          <p:cNvSpPr/>
+          <p:nvPr/>
+        </p:nvSpPr>
+        <p:spPr>
+          <a:xfrm>
+            <a:off x="10207690" y="1838131"/>
+            <a:ext cx="914400" cy="914400"/>
+          </a:xfrm>
+          <a:prstGeom prst="rect">
+            <a:avLst/>
+          </a:prstGeom>
+        </p:spPr>
+        <p:style>
+          <a:lnRef idx="2">
+            <a:schemeClr val="accent1">
+              <a:shade val="50000"/>
+            </a:schemeClr>
+          </a:lnRef>
+          <a:fillRef idx="1">
+            <a:schemeClr val="accent1"/>
+          </a:fillRef>
+          <a:effectRef idx="0">
+            <a:schemeClr val="accent1"/>
+          </a:effectRef>
+          <a:fontRef idx="minor">
+            <a:schemeClr val="lt1"/>
+          </a:fontRef>
+        </p:style>
+        <p:txBody>
+          <a:bodyPr rtlCol="0" anchor="ctr"/>
+          <a:lstStyle/>
+          <a:p>
+            <a:pPr algn="ctr"/>
+            <a:endParaRPr lang="en-US"/>
+          </a:p>
+        </p:txBody>
+      </p:sp>
+      <p:sp>
+        <p:nvSpPr>
+          <p:cNvPr id="16" name="Rectangle: Rounded Corners 15">
+            <a:extLst>
+              <a:ext uri="{FF2B5EF4-FFF2-40B4-BE49-F238E27FC236}">
+                <a16:creationId xmlns:a16="http://schemas.microsoft.com/office/drawing/2014/main" id="{5E679ADA-4B52-45D8-B69C-70ED61D3419C}"/>
+              </a:ext>
+            </a:extLst>
+          </p:cNvPr>
+          <p:cNvSpPr/>
+          <p:nvPr/>
+        </p:nvSpPr>
+        <p:spPr>
+          <a:xfrm>
+            <a:off x="4987171" y="6130212"/>
+            <a:ext cx="2274469" cy="450072"/>
+          </a:xfrm>
+          <a:prstGeom prst="roundRect">
+            <a:avLst/>
+          </a:prstGeom>
+          <a:solidFill>
+            <a:schemeClr val="tx1">
+              <a:lumMod val="85000"/>
+              <a:lumOff val="15000"/>
+            </a:schemeClr>
+          </a:solidFill>
+          <a:ln>
+            <a:solidFill>
+              <a:schemeClr val="tx1">
+                <a:lumMod val="50000"/>
+                <a:lumOff val="50000"/>
+              </a:schemeClr>
+            </a:solidFill>
+          </a:ln>
+        </p:spPr>
+        <p:style>
+          <a:lnRef idx="2">
+            <a:schemeClr val="accent1">
+              <a:shade val="50000"/>
+            </a:schemeClr>
+          </a:lnRef>
+          <a:fillRef idx="1">
+            <a:schemeClr val="accent1"/>
+          </a:fillRef>
+          <a:effectRef idx="0">
+            <a:schemeClr val="accent1"/>
+          </a:effectRef>
+          <a:fontRef idx="minor">
+            <a:schemeClr val="lt1"/>
+          </a:fontRef>
+        </p:style>
+        <p:txBody>
+          <a:bodyPr rtlCol="0" anchor="ctr"/>
+          <a:lstStyle/>
+          <a:p>
+            <a:pPr algn="ctr"/>
+            <a:r>
+              <a:rPr lang="en-US" sz="1400" dirty="0"/>
+              <a:t>Click on letters </a:t>
+            </a:r>
+          </a:p>
+          <a:p>
+            <a:pPr algn="ctr"/>
+            <a:r>
+              <a:rPr lang="en-US" sz="1400" dirty="0"/>
+              <a:t>to spell a word</a:t>
+            </a:r>
+          </a:p>
+        </p:txBody>
+      </p:sp>
+      <p:sp>
+        <p:nvSpPr>
+          <p:cNvPr id="18" name="Frame 17">
+            <a:extLst>
+              <a:ext uri="{FF2B5EF4-FFF2-40B4-BE49-F238E27FC236}">
+                <a16:creationId xmlns:a16="http://schemas.microsoft.com/office/drawing/2014/main" id="{846FA173-1D6E-473B-B9BB-4ACE6EC26BD4}"/>
+              </a:ext>
+            </a:extLst>
+          </p:cNvPr>
+          <p:cNvSpPr/>
+          <p:nvPr/>
+        </p:nvSpPr>
+        <p:spPr>
+          <a:xfrm>
+            <a:off x="3498980" y="-475860"/>
+            <a:ext cx="5178489" cy="7791060"/>
+          </a:xfrm>
+          <a:prstGeom prst="frame">
+            <a:avLst/>
+          </a:prstGeom>
+          <a:solidFill>
+            <a:schemeClr val="bg1"/>
+          </a:solidFill>
+        </p:spPr>
+        <p:style>
+          <a:lnRef idx="2">
+            <a:schemeClr val="accent1">
+              <a:shade val="50000"/>
+            </a:schemeClr>
+          </a:lnRef>
+          <a:fillRef idx="1">
+            <a:schemeClr val="accent1"/>
+          </a:fillRef>
+          <a:effectRef idx="0">
+            <a:schemeClr val="accent1"/>
+          </a:effectRef>
+          <a:fontRef idx="minor">
+            <a:schemeClr val="lt1"/>
+          </a:fontRef>
+        </p:style>
+        <p:txBody>
+          <a:bodyPr rtlCol="0" anchor="ctr"/>
+          <a:lstStyle/>
+          <a:p>
+            <a:pPr algn="ctr"/>
+            <a:endParaRPr lang="en-US">
+              <a:solidFill>
+                <a:schemeClr val="tx1"/>
+              </a:solidFill>
+            </a:endParaRPr>
+          </a:p>
+        </p:txBody>
+      </p:sp>
+      <p:sp>
+        <p:nvSpPr>
+          <p:cNvPr id="23" name="Rectangle: Rounded Corners 22">
+            <a:extLst>
+              <a:ext uri="{FF2B5EF4-FFF2-40B4-BE49-F238E27FC236}">
+                <a16:creationId xmlns:a16="http://schemas.microsoft.com/office/drawing/2014/main" id="{DECEE237-B7F2-447F-ADC9-0EE88DFB9FCD}"/>
+              </a:ext>
+            </a:extLst>
+          </p:cNvPr>
+          <p:cNvSpPr/>
+          <p:nvPr/>
+        </p:nvSpPr>
+        <p:spPr>
+          <a:xfrm>
+            <a:off x="4203228" y="6130212"/>
+            <a:ext cx="641305" cy="450072"/>
+          </a:xfrm>
+          <a:prstGeom prst="roundRect">
+            <a:avLst/>
+          </a:prstGeom>
+          <a:solidFill>
+            <a:schemeClr val="tx1">
+              <a:lumMod val="85000"/>
+              <a:lumOff val="15000"/>
+            </a:schemeClr>
+          </a:solidFill>
+          <a:ln>
+            <a:solidFill>
+              <a:schemeClr val="tx1">
+                <a:lumMod val="50000"/>
+                <a:lumOff val="50000"/>
+              </a:schemeClr>
+            </a:solidFill>
+          </a:ln>
+        </p:spPr>
+        <p:style>
+          <a:lnRef idx="2">
+            <a:schemeClr val="accent1">
+              <a:shade val="50000"/>
+            </a:schemeClr>
+          </a:lnRef>
+          <a:fillRef idx="1">
+            <a:schemeClr val="accent1"/>
+          </a:fillRef>
+          <a:effectRef idx="0">
+            <a:schemeClr val="accent1"/>
+          </a:effectRef>
+          <a:fontRef idx="minor">
+            <a:schemeClr val="lt1"/>
+          </a:fontRef>
+        </p:style>
+        <p:txBody>
+          <a:bodyPr rtlCol="0" anchor="ctr"/>
+          <a:lstStyle/>
+          <a:p>
+            <a:pPr algn="ctr"/>
+            <a:r>
+              <a:rPr lang="en-US" sz="2800" dirty="0"/>
+              <a:t>?</a:t>
+            </a:r>
+          </a:p>
+        </p:txBody>
+      </p:sp>
+      <p:sp>
+        <p:nvSpPr>
+          <p:cNvPr id="24" name="TextBox 23">
+            <a:extLst>
+              <a:ext uri="{FF2B5EF4-FFF2-40B4-BE49-F238E27FC236}">
+                <a16:creationId xmlns:a16="http://schemas.microsoft.com/office/drawing/2014/main" id="{79E992C7-1C4D-4AB8-A6BC-87F9464F40ED}"/>
+              </a:ext>
+            </a:extLst>
+          </p:cNvPr>
+          <p:cNvSpPr txBox="1"/>
+          <p:nvPr/>
+        </p:nvSpPr>
+        <p:spPr>
+          <a:xfrm>
+            <a:off x="4220733" y="4404402"/>
+            <a:ext cx="2276669" cy="307777"/>
+          </a:xfrm>
+          <a:prstGeom prst="rect">
+            <a:avLst/>
+          </a:prstGeom>
+          <a:noFill/>
+        </p:spPr>
+        <p:txBody>
+          <a:bodyPr wrap="square" rtlCol="0" anchor="ctr">
+            <a:spAutoFit/>
+          </a:bodyPr>
+          <a:lstStyle/>
+          <a:p>
+            <a:pPr algn="ctr"/>
+            <a:r>
+              <a:rPr lang="en-US" sz="1400" dirty="0">
+                <a:solidFill>
+                  <a:schemeClr val="bg1"/>
+                </a:solidFill>
+              </a:rPr>
+              <a:t>Spells</a:t>
+            </a:r>
+          </a:p>
+        </p:txBody>
+      </p:sp>
+      <p:sp>
+        <p:nvSpPr>
+          <p:cNvPr id="25" name="TextBox 24">
+            <a:extLst>
+              <a:ext uri="{FF2B5EF4-FFF2-40B4-BE49-F238E27FC236}">
+                <a16:creationId xmlns:a16="http://schemas.microsoft.com/office/drawing/2014/main" id="{979DB00E-0FCE-40D9-91C8-B68D2DF9D7EA}"/>
+              </a:ext>
+            </a:extLst>
+          </p:cNvPr>
+          <p:cNvSpPr txBox="1"/>
+          <p:nvPr/>
+        </p:nvSpPr>
+        <p:spPr>
+          <a:xfrm>
+            <a:off x="6617149" y="4404401"/>
+            <a:ext cx="1304540" cy="307777"/>
+          </a:xfrm>
+          <a:prstGeom prst="rect">
+            <a:avLst/>
+          </a:prstGeom>
+          <a:noFill/>
+        </p:spPr>
+        <p:txBody>
+          <a:bodyPr wrap="square" rtlCol="0" anchor="ctr">
+            <a:spAutoFit/>
+          </a:bodyPr>
+          <a:lstStyle/>
+          <a:p>
+            <a:pPr algn="ctr"/>
+            <a:r>
+              <a:rPr lang="en-US" sz="1400" dirty="0">
+                <a:solidFill>
+                  <a:schemeClr val="bg1"/>
+                </a:solidFill>
+              </a:rPr>
+              <a:t>Auditioned</a:t>
+            </a:r>
+          </a:p>
+        </p:txBody>
+      </p:sp>
+      <p:pic>
+        <p:nvPicPr>
+          <p:cNvPr id="32" name="Picture 31">
+            <a:extLst>
+              <a:ext uri="{FF2B5EF4-FFF2-40B4-BE49-F238E27FC236}">
+                <a16:creationId xmlns:a16="http://schemas.microsoft.com/office/drawing/2014/main" id="{1C819673-0B0C-4ACE-A45E-22F4C5989616}"/>
+              </a:ext>
+            </a:extLst>
+          </p:cNvPr>
+          <p:cNvPicPr>
+            <a:picLocks noChangeAspect="1"/>
+          </p:cNvPicPr>
+          <p:nvPr/>
+        </p:nvPicPr>
+        <p:blipFill rotWithShape="1">
+          <a:blip r:embed="rId4">
+            <a:extLst>
+              <a:ext uri="{28A0092B-C50C-407E-A947-70E740481C1C}">
+                <a14:useLocalDpi xmlns:a14="http://schemas.microsoft.com/office/drawing/2010/main" val="0"/>
+              </a:ext>
+            </a:extLst>
+          </a:blip>
+          <a:srcRect b="5035"/>
+          <a:stretch/>
+        </p:blipFill>
+        <p:spPr>
+          <a:xfrm>
+            <a:off x="4235622" y="993306"/>
+            <a:ext cx="3642779" cy="3431319"/>
+          </a:xfrm>
+          <a:prstGeom prst="rect">
+            <a:avLst/>
+          </a:prstGeom>
+        </p:spPr>
+      </p:pic>
+      <p:pic>
+        <p:nvPicPr>
+          <p:cNvPr id="3" name="Picture 2">
+            <a:extLst>
+              <a:ext uri="{FF2B5EF4-FFF2-40B4-BE49-F238E27FC236}">
+                <a16:creationId xmlns:a16="http://schemas.microsoft.com/office/drawing/2014/main" id="{7699C478-2173-450D-B22C-FC369959162B}"/>
+              </a:ext>
+            </a:extLst>
+          </p:cNvPr>
+          <p:cNvPicPr>
+            <a:picLocks noChangeAspect="1"/>
+          </p:cNvPicPr>
+          <p:nvPr/>
+        </p:nvPicPr>
+        <p:blipFill>
+          <a:blip r:embed="rId5"/>
+          <a:stretch>
+            <a:fillRect/>
+          </a:stretch>
+        </p:blipFill>
+        <p:spPr>
+          <a:xfrm>
+            <a:off x="4254827" y="4749468"/>
+            <a:ext cx="2151120" cy="787734"/>
+          </a:xfrm>
+          <a:prstGeom prst="rect">
+            <a:avLst/>
+          </a:prstGeom>
+        </p:spPr>
+      </p:pic>
+      <p:sp>
+        <p:nvSpPr>
+          <p:cNvPr id="39" name="Rectangle 38">
+            <a:extLst>
+              <a:ext uri="{FF2B5EF4-FFF2-40B4-BE49-F238E27FC236}">
+                <a16:creationId xmlns:a16="http://schemas.microsoft.com/office/drawing/2014/main" id="{D079F0D0-0D02-4C0D-B281-11BA969BB16D}"/>
+              </a:ext>
+            </a:extLst>
+          </p:cNvPr>
+          <p:cNvSpPr/>
+          <p:nvPr/>
+        </p:nvSpPr>
+        <p:spPr>
+          <a:xfrm>
+            <a:off x="4671148" y="889910"/>
+            <a:ext cx="2412373" cy="195829"/>
+          </a:xfrm>
+          <a:prstGeom prst="rect">
+            <a:avLst/>
+          </a:prstGeom>
+          <a:solidFill>
+            <a:schemeClr val="tx1">
+              <a:lumMod val="75000"/>
+              <a:lumOff val="25000"/>
+            </a:schemeClr>
+          </a:solidFill>
+          <a:ln>
+            <a:noFill/>
+          </a:ln>
+        </p:spPr>
+        <p:style>
+          <a:lnRef idx="2">
+            <a:schemeClr val="accent1">
+              <a:shade val="50000"/>
+            </a:schemeClr>
+          </a:lnRef>
+          <a:fillRef idx="1">
+            <a:schemeClr val="accent1"/>
+          </a:fillRef>
+          <a:effectRef idx="0">
+            <a:schemeClr val="accent1"/>
+          </a:effectRef>
+          <a:fontRef idx="minor">
+            <a:schemeClr val="lt1"/>
+          </a:fontRef>
+        </p:style>
+        <p:txBody>
+          <a:bodyPr rtlCol="0" anchor="ctr"/>
+          <a:lstStyle/>
+          <a:p>
+            <a:pPr algn="ctr"/>
+            <a:endParaRPr lang="en-US"/>
+          </a:p>
+        </p:txBody>
+      </p:sp>
+      <p:sp>
+        <p:nvSpPr>
+          <p:cNvPr id="40" name="Rectangle 39">
+            <a:extLst>
+              <a:ext uri="{FF2B5EF4-FFF2-40B4-BE49-F238E27FC236}">
+                <a16:creationId xmlns:a16="http://schemas.microsoft.com/office/drawing/2014/main" id="{E6FF3B87-2106-454B-A740-7D60D0758973}"/>
+              </a:ext>
+            </a:extLst>
+          </p:cNvPr>
+          <p:cNvSpPr/>
+          <p:nvPr/>
+        </p:nvSpPr>
+        <p:spPr>
+          <a:xfrm>
+            <a:off x="7099949" y="177458"/>
+            <a:ext cx="901178" cy="682060"/>
+          </a:xfrm>
+          <a:prstGeom prst="rect">
+            <a:avLst/>
+          </a:prstGeom>
+          <a:solidFill>
+            <a:schemeClr val="tx1">
+              <a:lumMod val="75000"/>
+              <a:lumOff val="25000"/>
+            </a:schemeClr>
+          </a:solidFill>
+          <a:ln>
+            <a:noFill/>
+          </a:ln>
+        </p:spPr>
+        <p:style>
+          <a:lnRef idx="2">
+            <a:schemeClr val="accent1">
+              <a:shade val="50000"/>
+            </a:schemeClr>
+          </a:lnRef>
+          <a:fillRef idx="1">
+            <a:schemeClr val="accent1"/>
+          </a:fillRef>
+          <a:effectRef idx="0">
+            <a:schemeClr val="accent1"/>
+          </a:effectRef>
+          <a:fontRef idx="minor">
+            <a:schemeClr val="lt1"/>
+          </a:fontRef>
+        </p:style>
+        <p:txBody>
+          <a:bodyPr rtlCol="0" anchor="ctr"/>
+          <a:lstStyle/>
+          <a:p>
+            <a:pPr algn="ctr"/>
+            <a:endParaRPr lang="en-US"/>
+          </a:p>
+        </p:txBody>
+      </p:sp>
+      <p:sp>
+        <p:nvSpPr>
+          <p:cNvPr id="41" name="Rectangle 40">
+            <a:extLst>
+              <a:ext uri="{FF2B5EF4-FFF2-40B4-BE49-F238E27FC236}">
+                <a16:creationId xmlns:a16="http://schemas.microsoft.com/office/drawing/2014/main" id="{B85EDD94-84B0-4476-9AA7-EB648A018C02}"/>
+              </a:ext>
+            </a:extLst>
+          </p:cNvPr>
+          <p:cNvSpPr/>
+          <p:nvPr/>
+        </p:nvSpPr>
+        <p:spPr>
+          <a:xfrm>
+            <a:off x="4147561" y="177457"/>
+            <a:ext cx="3853566" cy="919121"/>
+          </a:xfrm>
+          <a:prstGeom prst="rect">
+            <a:avLst/>
+          </a:prstGeom>
+          <a:solidFill>
+            <a:schemeClr val="tx1">
+              <a:lumMod val="75000"/>
+              <a:lumOff val="25000"/>
+            </a:schemeClr>
+          </a:solidFill>
+          <a:ln>
+            <a:noFill/>
+          </a:ln>
+        </p:spPr>
+        <p:style>
+          <a:lnRef idx="2">
+            <a:schemeClr val="accent1">
+              <a:shade val="50000"/>
+            </a:schemeClr>
+          </a:lnRef>
+          <a:fillRef idx="1">
+            <a:schemeClr val="accent1"/>
+          </a:fillRef>
+          <a:effectRef idx="0">
+            <a:schemeClr val="accent1"/>
+          </a:effectRef>
+          <a:fontRef idx="minor">
+            <a:schemeClr val="lt1"/>
+          </a:fontRef>
+        </p:style>
+        <p:txBody>
+          <a:bodyPr rtlCol="0" anchor="ctr"/>
+          <a:lstStyle/>
+          <a:p>
+            <a:pPr algn="ctr"/>
+            <a:endParaRPr lang="en-US"/>
+          </a:p>
+        </p:txBody>
+      </p:sp>
+      <p:sp>
+        <p:nvSpPr>
+          <p:cNvPr id="42" name="Rectangle 41">
+            <a:extLst>
+              <a:ext uri="{FF2B5EF4-FFF2-40B4-BE49-F238E27FC236}">
+                <a16:creationId xmlns:a16="http://schemas.microsoft.com/office/drawing/2014/main" id="{A04F8959-9817-4204-AF43-DD8D77D3D154}"/>
+              </a:ext>
+            </a:extLst>
+          </p:cNvPr>
+          <p:cNvSpPr/>
+          <p:nvPr/>
+        </p:nvSpPr>
+        <p:spPr>
+          <a:xfrm>
+            <a:off x="4152898" y="169104"/>
+            <a:ext cx="901178" cy="682060"/>
+          </a:xfrm>
+          <a:prstGeom prst="rect">
+            <a:avLst/>
+          </a:prstGeom>
+          <a:solidFill>
+            <a:schemeClr val="tx1">
+              <a:lumMod val="75000"/>
+              <a:lumOff val="25000"/>
+            </a:schemeClr>
+          </a:solidFill>
+          <a:ln>
+            <a:noFill/>
+          </a:ln>
+        </p:spPr>
+        <p:style>
+          <a:lnRef idx="2">
+            <a:schemeClr val="accent1">
+              <a:shade val="50000"/>
+            </a:schemeClr>
+          </a:lnRef>
+          <a:fillRef idx="1">
+            <a:schemeClr val="accent1"/>
+          </a:fillRef>
+          <a:effectRef idx="0">
+            <a:schemeClr val="accent1"/>
+          </a:effectRef>
+          <a:fontRef idx="minor">
+            <a:schemeClr val="lt1"/>
+          </a:fontRef>
+        </p:style>
+        <p:txBody>
+          <a:bodyPr rtlCol="0" anchor="ctr"/>
+          <a:lstStyle/>
+          <a:p>
+            <a:pPr algn="ctr"/>
+            <a:endParaRPr lang="en-US"/>
+          </a:p>
+        </p:txBody>
+      </p:sp>
+      <p:sp>
+        <p:nvSpPr>
+          <p:cNvPr id="43" name="TextBox 42">
+            <a:extLst>
+              <a:ext uri="{FF2B5EF4-FFF2-40B4-BE49-F238E27FC236}">
+                <a16:creationId xmlns:a16="http://schemas.microsoft.com/office/drawing/2014/main" id="{17B5DD7C-6375-486B-BB39-AC9AD32D0118}"/>
+              </a:ext>
+            </a:extLst>
+          </p:cNvPr>
+          <p:cNvSpPr txBox="1"/>
+          <p:nvPr/>
+        </p:nvSpPr>
+        <p:spPr>
+          <a:xfrm>
+            <a:off x="4223652" y="131919"/>
+            <a:ext cx="755780" cy="369332"/>
+          </a:xfrm>
+          <a:prstGeom prst="rect">
+            <a:avLst/>
+          </a:prstGeom>
+          <a:noFill/>
+        </p:spPr>
+        <p:txBody>
+          <a:bodyPr wrap="square" rtlCol="0">
+            <a:spAutoFit/>
+          </a:bodyPr>
+          <a:lstStyle/>
+          <a:p>
+            <a:pPr algn="ctr"/>
+            <a:r>
+              <a:rPr lang="en-US" dirty="0">
+                <a:solidFill>
+                  <a:schemeClr val="bg1"/>
+                </a:solidFill>
+              </a:rPr>
+              <a:t>Level</a:t>
+            </a:r>
+          </a:p>
+        </p:txBody>
+      </p:sp>
+      <p:sp>
+        <p:nvSpPr>
+          <p:cNvPr id="44" name="TextBox 43">
+            <a:extLst>
+              <a:ext uri="{FF2B5EF4-FFF2-40B4-BE49-F238E27FC236}">
+                <a16:creationId xmlns:a16="http://schemas.microsoft.com/office/drawing/2014/main" id="{78B56D01-CB0B-4F6F-8EF0-0757405AA60E}"/>
+              </a:ext>
+            </a:extLst>
+          </p:cNvPr>
+          <p:cNvSpPr txBox="1"/>
+          <p:nvPr/>
+        </p:nvSpPr>
+        <p:spPr>
+          <a:xfrm>
+            <a:off x="5634127" y="133209"/>
+            <a:ext cx="755780" cy="369332"/>
+          </a:xfrm>
+          <a:prstGeom prst="rect">
+            <a:avLst/>
+          </a:prstGeom>
+          <a:noFill/>
+        </p:spPr>
+        <p:txBody>
+          <a:bodyPr wrap="square" rtlCol="0">
+            <a:spAutoFit/>
+          </a:bodyPr>
+          <a:lstStyle/>
+          <a:p>
+            <a:pPr algn="ctr"/>
+            <a:r>
+              <a:rPr lang="en-US" dirty="0">
+                <a:solidFill>
+                  <a:schemeClr val="bg1"/>
+                </a:solidFill>
+              </a:rPr>
+              <a:t>Score</a:t>
+            </a:r>
+          </a:p>
+        </p:txBody>
+      </p:sp>
+      <p:sp>
+        <p:nvSpPr>
+          <p:cNvPr id="45" name="TextBox 44">
+            <a:extLst>
+              <a:ext uri="{FF2B5EF4-FFF2-40B4-BE49-F238E27FC236}">
+                <a16:creationId xmlns:a16="http://schemas.microsoft.com/office/drawing/2014/main" id="{AA303B46-761F-4ECC-A7EB-60EA37C834AC}"/>
+              </a:ext>
+            </a:extLst>
+          </p:cNvPr>
+          <p:cNvSpPr txBox="1"/>
+          <p:nvPr/>
+        </p:nvSpPr>
+        <p:spPr>
+          <a:xfrm>
+            <a:off x="7194677" y="131917"/>
+            <a:ext cx="755780" cy="369332"/>
+          </a:xfrm>
+          <a:prstGeom prst="rect">
+            <a:avLst/>
+          </a:prstGeom>
+          <a:noFill/>
+        </p:spPr>
+        <p:txBody>
+          <a:bodyPr wrap="square" rtlCol="0">
+            <a:spAutoFit/>
+          </a:bodyPr>
+          <a:lstStyle/>
+          <a:p>
+            <a:pPr algn="ctr"/>
+            <a:r>
+              <a:rPr lang="en-US" dirty="0">
+                <a:solidFill>
+                  <a:schemeClr val="bg1"/>
+                </a:solidFill>
+              </a:rPr>
+              <a:t>Mana</a:t>
+            </a:r>
+          </a:p>
+        </p:txBody>
+      </p:sp>
+      <p:sp>
+        <p:nvSpPr>
+          <p:cNvPr id="47" name="TextBox 46">
+            <a:extLst>
+              <a:ext uri="{FF2B5EF4-FFF2-40B4-BE49-F238E27FC236}">
+                <a16:creationId xmlns:a16="http://schemas.microsoft.com/office/drawing/2014/main" id="{A4E77068-47D4-4286-97CE-25B76BD78CBA}"/>
+              </a:ext>
+            </a:extLst>
+          </p:cNvPr>
+          <p:cNvSpPr txBox="1"/>
+          <p:nvPr/>
+        </p:nvSpPr>
+        <p:spPr>
+          <a:xfrm>
+            <a:off x="5549375" y="290018"/>
+            <a:ext cx="918290" cy="646331"/>
+          </a:xfrm>
+          <a:prstGeom prst="rect">
+            <a:avLst/>
+          </a:prstGeom>
+          <a:noFill/>
+        </p:spPr>
+        <p:txBody>
+          <a:bodyPr wrap="square" rtlCol="0">
+            <a:spAutoFit/>
+          </a:bodyPr>
+          <a:lstStyle/>
+          <a:p>
+            <a:pPr algn="ctr"/>
+            <a:r>
+              <a:rPr lang="en-US" sz="3600" dirty="0">
+                <a:solidFill>
+                  <a:schemeClr val="bg1"/>
+                </a:solidFill>
+              </a:rPr>
+              <a:t>205</a:t>
+            </a:r>
+          </a:p>
+        </p:txBody>
+      </p:sp>
+      <p:sp>
+        <p:nvSpPr>
+          <p:cNvPr id="48" name="TextBox 47">
+            <a:extLst>
+              <a:ext uri="{FF2B5EF4-FFF2-40B4-BE49-F238E27FC236}">
+                <a16:creationId xmlns:a16="http://schemas.microsoft.com/office/drawing/2014/main" id="{4104DAE3-44B8-4F3A-92A2-315A18217C29}"/>
+              </a:ext>
+            </a:extLst>
+          </p:cNvPr>
+          <p:cNvSpPr txBox="1"/>
+          <p:nvPr/>
+        </p:nvSpPr>
+        <p:spPr>
+          <a:xfrm>
+            <a:off x="4135786" y="290018"/>
+            <a:ext cx="918290" cy="646331"/>
+          </a:xfrm>
+          <a:prstGeom prst="rect">
+            <a:avLst/>
+          </a:prstGeom>
+          <a:noFill/>
+        </p:spPr>
+        <p:txBody>
+          <a:bodyPr wrap="square" rtlCol="0">
+            <a:spAutoFit/>
+          </a:bodyPr>
+          <a:lstStyle/>
+          <a:p>
+            <a:pPr algn="ctr"/>
+            <a:r>
+              <a:rPr lang="en-US" sz="3600" dirty="0">
+                <a:solidFill>
+                  <a:schemeClr val="bg1"/>
+                </a:solidFill>
+              </a:rPr>
+              <a:t>5</a:t>
+            </a:r>
+          </a:p>
+        </p:txBody>
+      </p:sp>
+      <p:sp>
+        <p:nvSpPr>
+          <p:cNvPr id="49" name="TextBox 48">
+            <a:extLst>
+              <a:ext uri="{FF2B5EF4-FFF2-40B4-BE49-F238E27FC236}">
+                <a16:creationId xmlns:a16="http://schemas.microsoft.com/office/drawing/2014/main" id="{0A8EF115-F8A2-4656-B1B6-2F6980A29EBE}"/>
+              </a:ext>
+            </a:extLst>
+          </p:cNvPr>
+          <p:cNvSpPr txBox="1"/>
+          <p:nvPr/>
+        </p:nvSpPr>
+        <p:spPr>
+          <a:xfrm>
+            <a:off x="7120806" y="316583"/>
+            <a:ext cx="918290" cy="646331"/>
+          </a:xfrm>
+          <a:prstGeom prst="rect">
+            <a:avLst/>
+          </a:prstGeom>
+          <a:noFill/>
+        </p:spPr>
+        <p:txBody>
+          <a:bodyPr wrap="square" rtlCol="0">
+            <a:spAutoFit/>
+          </a:bodyPr>
+          <a:lstStyle/>
+          <a:p>
+            <a:pPr algn="ctr"/>
+            <a:r>
+              <a:rPr lang="en-US" sz="3600" dirty="0">
+                <a:solidFill>
+                  <a:schemeClr val="bg1"/>
+                </a:solidFill>
+              </a:rPr>
+              <a:t>0</a:t>
+            </a:r>
+          </a:p>
+        </p:txBody>
+      </p:sp>
+      <p:sp>
+        <p:nvSpPr>
+          <p:cNvPr id="50" name="TextBox 49">
+            <a:extLst>
+              <a:ext uri="{FF2B5EF4-FFF2-40B4-BE49-F238E27FC236}">
+                <a16:creationId xmlns:a16="http://schemas.microsoft.com/office/drawing/2014/main" id="{CB4F47FE-4206-4909-9726-FFAB5EF8F0F5}"/>
+              </a:ext>
+            </a:extLst>
+          </p:cNvPr>
+          <p:cNvSpPr txBox="1"/>
+          <p:nvPr/>
+        </p:nvSpPr>
+        <p:spPr>
+          <a:xfrm>
+            <a:off x="4601542" y="809025"/>
+            <a:ext cx="1081560" cy="307777"/>
+          </a:xfrm>
+          <a:prstGeom prst="rect">
+            <a:avLst/>
+          </a:prstGeom>
+          <a:noFill/>
+        </p:spPr>
+        <p:txBody>
+          <a:bodyPr wrap="square" rtlCol="0">
+            <a:spAutoFit/>
+          </a:bodyPr>
+          <a:lstStyle/>
+          <a:p>
+            <a:r>
+              <a:rPr lang="en-US" sz="1400" dirty="0">
+                <a:solidFill>
+                  <a:schemeClr val="bg1"/>
+                </a:solidFill>
+              </a:rPr>
+              <a:t>Fortune</a:t>
+            </a:r>
+          </a:p>
+        </p:txBody>
+      </p:sp>
+      <p:pic>
+        <p:nvPicPr>
+          <p:cNvPr id="51" name="Picture 50">
+            <a:extLst>
+              <a:ext uri="{FF2B5EF4-FFF2-40B4-BE49-F238E27FC236}">
+                <a16:creationId xmlns:a16="http://schemas.microsoft.com/office/drawing/2014/main" id="{4F8D14BA-6704-4B7B-8F58-2FC3D2D5725C}"/>
+              </a:ext>
+            </a:extLst>
+          </p:cNvPr>
+          <p:cNvPicPr>
+            <a:picLocks noChangeAspect="1"/>
+          </p:cNvPicPr>
+          <p:nvPr/>
+        </p:nvPicPr>
+        <p:blipFill rotWithShape="1">
+          <a:blip r:embed="rId6"/>
+          <a:srcRect l="3324" t="15484" r="5058" b="24467"/>
+          <a:stretch/>
+        </p:blipFill>
+        <p:spPr>
+          <a:xfrm>
+            <a:off x="5379077" y="936349"/>
+            <a:ext cx="1055908" cy="102953"/>
+          </a:xfrm>
+          <a:prstGeom prst="rect">
+            <a:avLst/>
+          </a:prstGeom>
+        </p:spPr>
+      </p:pic>
+      <p:sp>
+        <p:nvSpPr>
+          <p:cNvPr id="52" name="Rectangle: Rounded Corners 51">
+            <a:extLst>
+              <a:ext uri="{FF2B5EF4-FFF2-40B4-BE49-F238E27FC236}">
+                <a16:creationId xmlns:a16="http://schemas.microsoft.com/office/drawing/2014/main" id="{3B13D153-A8ED-4636-87A4-F14CE5D0BC54}"/>
+              </a:ext>
+            </a:extLst>
+          </p:cNvPr>
+          <p:cNvSpPr/>
+          <p:nvPr/>
+        </p:nvSpPr>
+        <p:spPr>
+          <a:xfrm>
+            <a:off x="7329715" y="6123224"/>
+            <a:ext cx="641305" cy="450072"/>
+          </a:xfrm>
+          <a:prstGeom prst="roundRect">
+            <a:avLst/>
+          </a:prstGeom>
+          <a:solidFill>
+            <a:schemeClr val="tx1">
+              <a:lumMod val="85000"/>
+              <a:lumOff val="15000"/>
+            </a:schemeClr>
+          </a:solidFill>
+          <a:ln>
+            <a:solidFill>
+              <a:schemeClr val="tx1">
+                <a:lumMod val="50000"/>
+                <a:lumOff val="50000"/>
+              </a:schemeClr>
+            </a:solidFill>
+          </a:ln>
+        </p:spPr>
+        <p:style>
+          <a:lnRef idx="2">
+            <a:schemeClr val="accent1">
+              <a:shade val="50000"/>
+            </a:schemeClr>
+          </a:lnRef>
+          <a:fillRef idx="1">
+            <a:schemeClr val="accent1"/>
+          </a:fillRef>
+          <a:effectRef idx="0">
+            <a:schemeClr val="accent1"/>
+          </a:effectRef>
+          <a:fontRef idx="minor">
+            <a:schemeClr val="lt1"/>
+          </a:fontRef>
+        </p:style>
+        <p:txBody>
+          <a:bodyPr rtlCol="0" anchor="ctr"/>
+          <a:lstStyle/>
+          <a:p>
+            <a:pPr algn="ctr"/>
+            <a:r>
+              <a:rPr lang="en-US" sz="2800" dirty="0"/>
+              <a:t>I</a:t>
+            </a:r>
+          </a:p>
+        </p:txBody>
+      </p:sp>
+    </p:spTree>
+    <p:extLst>
+      <p:ext uri="{BB962C8B-B14F-4D97-AF65-F5344CB8AC3E}">
+        <p14:creationId xmlns:p14="http://schemas.microsoft.com/office/powerpoint/2010/main" val="101078367"/>
+      </p:ext>
+    </p:extLst>
+  </p:cSld>
+  <p:clrMapOvr>
+    <a:masterClrMapping/>
+  </p:clrMapOvr>
+</p:sld>
+</file>
+
+<file path=ppt/slides/slide16.xml><?xml version="1.0" encoding="utf-8"?>
 <p:sld xmlns:a="http://schemas.openxmlformats.org/drawingml/2006/main" xmlns:r="http://schemas.openxmlformats.org/officeDocument/2006/relationships" xmlns:p="http://schemas.openxmlformats.org/presentationml/2006/main">
   <p:cSld>
     <p:spTree>

--- a/Art/StartPageMockup.pptx
+++ b/Art/StartPageMockup.pptx
@@ -5,7 +5,7 @@
     <p:sldMasterId id="2147483648" r:id="rId1"/>
   </p:sldMasterIdLst>
   <p:notesMasterIdLst>
-    <p:notesMasterId r:id="rId18"/>
+    <p:notesMasterId r:id="rId21"/>
   </p:notesMasterIdLst>
   <p:sldIdLst>
     <p:sldId id="256" r:id="rId2"/>
@@ -13,17 +13,20 @@
     <p:sldId id="258" r:id="rId4"/>
     <p:sldId id="260" r:id="rId5"/>
     <p:sldId id="261" r:id="rId6"/>
-    <p:sldId id="259" r:id="rId7"/>
-    <p:sldId id="262" r:id="rId8"/>
-    <p:sldId id="263" r:id="rId9"/>
-    <p:sldId id="265" r:id="rId10"/>
-    <p:sldId id="266" r:id="rId11"/>
-    <p:sldId id="264" r:id="rId12"/>
-    <p:sldId id="267" r:id="rId13"/>
-    <p:sldId id="268" r:id="rId14"/>
-    <p:sldId id="270" r:id="rId15"/>
-    <p:sldId id="271" r:id="rId16"/>
-    <p:sldId id="269" r:id="rId17"/>
+    <p:sldId id="272" r:id="rId7"/>
+    <p:sldId id="259" r:id="rId8"/>
+    <p:sldId id="262" r:id="rId9"/>
+    <p:sldId id="263" r:id="rId10"/>
+    <p:sldId id="265" r:id="rId11"/>
+    <p:sldId id="266" r:id="rId12"/>
+    <p:sldId id="264" r:id="rId13"/>
+    <p:sldId id="267" r:id="rId14"/>
+    <p:sldId id="268" r:id="rId15"/>
+    <p:sldId id="270" r:id="rId16"/>
+    <p:sldId id="271" r:id="rId17"/>
+    <p:sldId id="269" r:id="rId18"/>
+    <p:sldId id="273" r:id="rId19"/>
+    <p:sldId id="274" r:id="rId20"/>
   </p:sldIdLst>
   <p:sldSz cx="12192000" cy="6858000"/>
   <p:notesSz cx="6858000" cy="9144000"/>
@@ -212,7 +215,7 @@
           <a:p>
             <a:fld id="{E68376E5-8BF7-419C-8A6A-DA0D4191CD89}" type="datetimeFigureOut">
               <a:rPr lang="en-US" smtClean="0"/>
-              <a:t>2/9/2018</a:t>
+              <a:t>2/28/2018</a:t>
             </a:fld>
             <a:endParaRPr lang="en-US"/>
           </a:p>
@@ -637,7 +640,7 @@
     </p:spTree>
     <p:extLst>
       <p:ext uri="{BB962C8B-B14F-4D97-AF65-F5344CB8AC3E}">
-        <p14:creationId xmlns:p14="http://schemas.microsoft.com/office/powerpoint/2010/main" val="2923790216"/>
+        <p14:creationId xmlns:p14="http://schemas.microsoft.com/office/powerpoint/2010/main" val="1652839733"/>
       </p:ext>
     </p:extLst>
   </p:cSld>
@@ -721,7 +724,7 @@
     </p:spTree>
     <p:extLst>
       <p:ext uri="{BB962C8B-B14F-4D97-AF65-F5344CB8AC3E}">
-        <p14:creationId xmlns:p14="http://schemas.microsoft.com/office/powerpoint/2010/main" val="1761167817"/>
+        <p14:creationId xmlns:p14="http://schemas.microsoft.com/office/powerpoint/2010/main" val="2923790216"/>
       </p:ext>
     </p:extLst>
   </p:cSld>
@@ -805,7 +808,7 @@
     </p:spTree>
     <p:extLst>
       <p:ext uri="{BB962C8B-B14F-4D97-AF65-F5344CB8AC3E}">
-        <p14:creationId xmlns:p14="http://schemas.microsoft.com/office/powerpoint/2010/main" val="3366858397"/>
+        <p14:creationId xmlns:p14="http://schemas.microsoft.com/office/powerpoint/2010/main" val="1761167817"/>
       </p:ext>
     </p:extLst>
   </p:cSld>
@@ -889,7 +892,7 @@
     </p:spTree>
     <p:extLst>
       <p:ext uri="{BB962C8B-B14F-4D97-AF65-F5344CB8AC3E}">
-        <p14:creationId xmlns:p14="http://schemas.microsoft.com/office/powerpoint/2010/main" val="335771008"/>
+        <p14:creationId xmlns:p14="http://schemas.microsoft.com/office/powerpoint/2010/main" val="3366858397"/>
       </p:ext>
     </p:extLst>
   </p:cSld>
@@ -973,7 +976,7 @@
     </p:spTree>
     <p:extLst>
       <p:ext uri="{BB962C8B-B14F-4D97-AF65-F5344CB8AC3E}">
-        <p14:creationId xmlns:p14="http://schemas.microsoft.com/office/powerpoint/2010/main" val="2543986566"/>
+        <p14:creationId xmlns:p14="http://schemas.microsoft.com/office/powerpoint/2010/main" val="335771008"/>
       </p:ext>
     </p:extLst>
   </p:cSld>
@@ -1057,7 +1060,7 @@
     </p:spTree>
     <p:extLst>
       <p:ext uri="{BB962C8B-B14F-4D97-AF65-F5344CB8AC3E}">
-        <p14:creationId xmlns:p14="http://schemas.microsoft.com/office/powerpoint/2010/main" val="1887381892"/>
+        <p14:creationId xmlns:p14="http://schemas.microsoft.com/office/powerpoint/2010/main" val="2543986566"/>
       </p:ext>
     </p:extLst>
   </p:cSld>
@@ -1141,7 +1144,259 @@
     </p:spTree>
     <p:extLst>
       <p:ext uri="{BB962C8B-B14F-4D97-AF65-F5344CB8AC3E}">
+        <p14:creationId xmlns:p14="http://schemas.microsoft.com/office/powerpoint/2010/main" val="1887381892"/>
+      </p:ext>
+    </p:extLst>
+  </p:cSld>
+  <p:clrMapOvr>
+    <a:masterClrMapping/>
+  </p:clrMapOvr>
+</p:notes>
+</file>
+
+<file path=ppt/notesSlides/notesSlide17.xml><?xml version="1.0" encoding="utf-8"?>
+<p:notes xmlns:a="http://schemas.openxmlformats.org/drawingml/2006/main" xmlns:r="http://schemas.openxmlformats.org/officeDocument/2006/relationships" xmlns:p="http://schemas.openxmlformats.org/presentationml/2006/main">
+  <p:cSld>
+    <p:spTree>
+      <p:nvGrpSpPr>
+        <p:cNvPr id="1" name=""/>
+        <p:cNvGrpSpPr/>
+        <p:nvPr/>
+      </p:nvGrpSpPr>
+      <p:grpSpPr>
+        <a:xfrm>
+          <a:off x="0" y="0"/>
+          <a:ext cx="0" cy="0"/>
+          <a:chOff x="0" y="0"/>
+          <a:chExt cx="0" cy="0"/>
+        </a:xfrm>
+      </p:grpSpPr>
+      <p:sp>
+        <p:nvSpPr>
+          <p:cNvPr id="2" name="Slide Image Placeholder 1"/>
+          <p:cNvSpPr>
+            <a:spLocks noGrp="1" noRot="1" noChangeAspect="1"/>
+          </p:cNvSpPr>
+          <p:nvPr>
+            <p:ph type="sldImg"/>
+          </p:nvPr>
+        </p:nvSpPr>
+        <p:spPr/>
+      </p:sp>
+      <p:sp>
+        <p:nvSpPr>
+          <p:cNvPr id="3" name="Notes Placeholder 2"/>
+          <p:cNvSpPr>
+            <a:spLocks noGrp="1"/>
+          </p:cNvSpPr>
+          <p:nvPr>
+            <p:ph type="body" idx="1"/>
+          </p:nvPr>
+        </p:nvSpPr>
+        <p:spPr/>
+        <p:txBody>
+          <a:bodyPr/>
+          <a:lstStyle/>
+          <a:p>
+            <a:endParaRPr lang="en-US"/>
+          </a:p>
+        </p:txBody>
+      </p:sp>
+      <p:sp>
+        <p:nvSpPr>
+          <p:cNvPr id="4" name="Slide Number Placeholder 3"/>
+          <p:cNvSpPr>
+            <a:spLocks noGrp="1"/>
+          </p:cNvSpPr>
+          <p:nvPr>
+            <p:ph type="sldNum" sz="quarter" idx="10"/>
+          </p:nvPr>
+        </p:nvSpPr>
+        <p:spPr/>
+        <p:txBody>
+          <a:bodyPr/>
+          <a:lstStyle/>
+          <a:p>
+            <a:fld id="{7A0BE228-525B-46CA-9B2A-D6891A552F95}" type="slidenum">
+              <a:rPr lang="en-US" smtClean="0"/>
+              <a:t>17</a:t>
+            </a:fld>
+            <a:endParaRPr lang="en-US"/>
+          </a:p>
+        </p:txBody>
+      </p:sp>
+    </p:spTree>
+    <p:extLst>
+      <p:ext uri="{BB962C8B-B14F-4D97-AF65-F5344CB8AC3E}">
         <p14:creationId xmlns:p14="http://schemas.microsoft.com/office/powerpoint/2010/main" val="1447645818"/>
+      </p:ext>
+    </p:extLst>
+  </p:cSld>
+  <p:clrMapOvr>
+    <a:masterClrMapping/>
+  </p:clrMapOvr>
+</p:notes>
+</file>
+
+<file path=ppt/notesSlides/notesSlide18.xml><?xml version="1.0" encoding="utf-8"?>
+<p:notes xmlns:a="http://schemas.openxmlformats.org/drawingml/2006/main" xmlns:r="http://schemas.openxmlformats.org/officeDocument/2006/relationships" xmlns:p="http://schemas.openxmlformats.org/presentationml/2006/main">
+  <p:cSld>
+    <p:spTree>
+      <p:nvGrpSpPr>
+        <p:cNvPr id="1" name=""/>
+        <p:cNvGrpSpPr/>
+        <p:nvPr/>
+      </p:nvGrpSpPr>
+      <p:grpSpPr>
+        <a:xfrm>
+          <a:off x="0" y="0"/>
+          <a:ext cx="0" cy="0"/>
+          <a:chOff x="0" y="0"/>
+          <a:chExt cx="0" cy="0"/>
+        </a:xfrm>
+      </p:grpSpPr>
+      <p:sp>
+        <p:nvSpPr>
+          <p:cNvPr id="2" name="Slide Image Placeholder 1"/>
+          <p:cNvSpPr>
+            <a:spLocks noGrp="1" noRot="1" noChangeAspect="1"/>
+          </p:cNvSpPr>
+          <p:nvPr>
+            <p:ph type="sldImg"/>
+          </p:nvPr>
+        </p:nvSpPr>
+        <p:spPr/>
+      </p:sp>
+      <p:sp>
+        <p:nvSpPr>
+          <p:cNvPr id="3" name="Notes Placeholder 2"/>
+          <p:cNvSpPr>
+            <a:spLocks noGrp="1"/>
+          </p:cNvSpPr>
+          <p:nvPr>
+            <p:ph type="body" idx="1"/>
+          </p:nvPr>
+        </p:nvSpPr>
+        <p:spPr/>
+        <p:txBody>
+          <a:bodyPr/>
+          <a:lstStyle/>
+          <a:p>
+            <a:endParaRPr lang="en-US"/>
+          </a:p>
+        </p:txBody>
+      </p:sp>
+      <p:sp>
+        <p:nvSpPr>
+          <p:cNvPr id="4" name="Slide Number Placeholder 3"/>
+          <p:cNvSpPr>
+            <a:spLocks noGrp="1"/>
+          </p:cNvSpPr>
+          <p:nvPr>
+            <p:ph type="sldNum" sz="quarter" idx="10"/>
+          </p:nvPr>
+        </p:nvSpPr>
+        <p:spPr/>
+        <p:txBody>
+          <a:bodyPr/>
+          <a:lstStyle/>
+          <a:p>
+            <a:fld id="{7A0BE228-525B-46CA-9B2A-D6891A552F95}" type="slidenum">
+              <a:rPr lang="en-US" smtClean="0"/>
+              <a:t>18</a:t>
+            </a:fld>
+            <a:endParaRPr lang="en-US"/>
+          </a:p>
+        </p:txBody>
+      </p:sp>
+    </p:spTree>
+    <p:extLst>
+      <p:ext uri="{BB962C8B-B14F-4D97-AF65-F5344CB8AC3E}">
+        <p14:creationId xmlns:p14="http://schemas.microsoft.com/office/powerpoint/2010/main" val="1334270808"/>
+      </p:ext>
+    </p:extLst>
+  </p:cSld>
+  <p:clrMapOvr>
+    <a:masterClrMapping/>
+  </p:clrMapOvr>
+</p:notes>
+</file>
+
+<file path=ppt/notesSlides/notesSlide19.xml><?xml version="1.0" encoding="utf-8"?>
+<p:notes xmlns:a="http://schemas.openxmlformats.org/drawingml/2006/main" xmlns:r="http://schemas.openxmlformats.org/officeDocument/2006/relationships" xmlns:p="http://schemas.openxmlformats.org/presentationml/2006/main">
+  <p:cSld>
+    <p:spTree>
+      <p:nvGrpSpPr>
+        <p:cNvPr id="1" name=""/>
+        <p:cNvGrpSpPr/>
+        <p:nvPr/>
+      </p:nvGrpSpPr>
+      <p:grpSpPr>
+        <a:xfrm>
+          <a:off x="0" y="0"/>
+          <a:ext cx="0" cy="0"/>
+          <a:chOff x="0" y="0"/>
+          <a:chExt cx="0" cy="0"/>
+        </a:xfrm>
+      </p:grpSpPr>
+      <p:sp>
+        <p:nvSpPr>
+          <p:cNvPr id="2" name="Slide Image Placeholder 1"/>
+          <p:cNvSpPr>
+            <a:spLocks noGrp="1" noRot="1" noChangeAspect="1"/>
+          </p:cNvSpPr>
+          <p:nvPr>
+            <p:ph type="sldImg"/>
+          </p:nvPr>
+        </p:nvSpPr>
+        <p:spPr/>
+      </p:sp>
+      <p:sp>
+        <p:nvSpPr>
+          <p:cNvPr id="3" name="Notes Placeholder 2"/>
+          <p:cNvSpPr>
+            <a:spLocks noGrp="1"/>
+          </p:cNvSpPr>
+          <p:nvPr>
+            <p:ph type="body" idx="1"/>
+          </p:nvPr>
+        </p:nvSpPr>
+        <p:spPr/>
+        <p:txBody>
+          <a:bodyPr/>
+          <a:lstStyle/>
+          <a:p>
+            <a:endParaRPr lang="en-US"/>
+          </a:p>
+        </p:txBody>
+      </p:sp>
+      <p:sp>
+        <p:nvSpPr>
+          <p:cNvPr id="4" name="Slide Number Placeholder 3"/>
+          <p:cNvSpPr>
+            <a:spLocks noGrp="1"/>
+          </p:cNvSpPr>
+          <p:nvPr>
+            <p:ph type="sldNum" sz="quarter" idx="10"/>
+          </p:nvPr>
+        </p:nvSpPr>
+        <p:spPr/>
+        <p:txBody>
+          <a:bodyPr/>
+          <a:lstStyle/>
+          <a:p>
+            <a:fld id="{7A0BE228-525B-46CA-9B2A-D6891A552F95}" type="slidenum">
+              <a:rPr lang="en-US" smtClean="0"/>
+              <a:t>19</a:t>
+            </a:fld>
+            <a:endParaRPr lang="en-US"/>
+          </a:p>
+        </p:txBody>
+      </p:sp>
+    </p:spTree>
+    <p:extLst>
+      <p:ext uri="{BB962C8B-B14F-4D97-AF65-F5344CB8AC3E}">
+        <p14:creationId xmlns:p14="http://schemas.microsoft.com/office/powerpoint/2010/main" val="1972617571"/>
       </p:ext>
     </p:extLst>
   </p:cSld>
@@ -1561,7 +1816,7 @@
     </p:spTree>
     <p:extLst>
       <p:ext uri="{BB962C8B-B14F-4D97-AF65-F5344CB8AC3E}">
-        <p14:creationId xmlns:p14="http://schemas.microsoft.com/office/powerpoint/2010/main" val="741842877"/>
+        <p14:creationId xmlns:p14="http://schemas.microsoft.com/office/powerpoint/2010/main" val="2312098519"/>
       </p:ext>
     </p:extLst>
   </p:cSld>
@@ -1645,7 +1900,7 @@
     </p:spTree>
     <p:extLst>
       <p:ext uri="{BB962C8B-B14F-4D97-AF65-F5344CB8AC3E}">
-        <p14:creationId xmlns:p14="http://schemas.microsoft.com/office/powerpoint/2010/main" val="3341640225"/>
+        <p14:creationId xmlns:p14="http://schemas.microsoft.com/office/powerpoint/2010/main" val="741842877"/>
       </p:ext>
     </p:extLst>
   </p:cSld>
@@ -1729,7 +1984,7 @@
     </p:spTree>
     <p:extLst>
       <p:ext uri="{BB962C8B-B14F-4D97-AF65-F5344CB8AC3E}">
-        <p14:creationId xmlns:p14="http://schemas.microsoft.com/office/powerpoint/2010/main" val="2607349858"/>
+        <p14:creationId xmlns:p14="http://schemas.microsoft.com/office/powerpoint/2010/main" val="3341640225"/>
       </p:ext>
     </p:extLst>
   </p:cSld>
@@ -1813,7 +2068,7 @@
     </p:spTree>
     <p:extLst>
       <p:ext uri="{BB962C8B-B14F-4D97-AF65-F5344CB8AC3E}">
-        <p14:creationId xmlns:p14="http://schemas.microsoft.com/office/powerpoint/2010/main" val="1652839733"/>
+        <p14:creationId xmlns:p14="http://schemas.microsoft.com/office/powerpoint/2010/main" val="2607349858"/>
       </p:ext>
     </p:extLst>
   </p:cSld>
@@ -1970,7 +2225,7 @@
           <a:p>
             <a:fld id="{D4E819DD-013E-4DBF-AC13-153FC4836066}" type="datetimeFigureOut">
               <a:rPr lang="en-US" smtClean="0"/>
-              <a:t>2/9/2018</a:t>
+              <a:t>2/28/2018</a:t>
             </a:fld>
             <a:endParaRPr lang="en-US"/>
           </a:p>
@@ -2168,7 +2423,7 @@
           <a:p>
             <a:fld id="{D4E819DD-013E-4DBF-AC13-153FC4836066}" type="datetimeFigureOut">
               <a:rPr lang="en-US" smtClean="0"/>
-              <a:t>2/9/2018</a:t>
+              <a:t>2/28/2018</a:t>
             </a:fld>
             <a:endParaRPr lang="en-US"/>
           </a:p>
@@ -2376,7 +2631,7 @@
           <a:p>
             <a:fld id="{D4E819DD-013E-4DBF-AC13-153FC4836066}" type="datetimeFigureOut">
               <a:rPr lang="en-US" smtClean="0"/>
-              <a:t>2/9/2018</a:t>
+              <a:t>2/28/2018</a:t>
             </a:fld>
             <a:endParaRPr lang="en-US"/>
           </a:p>
@@ -2574,7 +2829,7 @@
           <a:p>
             <a:fld id="{D4E819DD-013E-4DBF-AC13-153FC4836066}" type="datetimeFigureOut">
               <a:rPr lang="en-US" smtClean="0"/>
-              <a:t>2/9/2018</a:t>
+              <a:t>2/28/2018</a:t>
             </a:fld>
             <a:endParaRPr lang="en-US"/>
           </a:p>
@@ -2849,7 +3104,7 @@
           <a:p>
             <a:fld id="{D4E819DD-013E-4DBF-AC13-153FC4836066}" type="datetimeFigureOut">
               <a:rPr lang="en-US" smtClean="0"/>
-              <a:t>2/9/2018</a:t>
+              <a:t>2/28/2018</a:t>
             </a:fld>
             <a:endParaRPr lang="en-US"/>
           </a:p>
@@ -3114,7 +3369,7 @@
           <a:p>
             <a:fld id="{D4E819DD-013E-4DBF-AC13-153FC4836066}" type="datetimeFigureOut">
               <a:rPr lang="en-US" smtClean="0"/>
-              <a:t>2/9/2018</a:t>
+              <a:t>2/28/2018</a:t>
             </a:fld>
             <a:endParaRPr lang="en-US"/>
           </a:p>
@@ -3526,7 +3781,7 @@
           <a:p>
             <a:fld id="{D4E819DD-013E-4DBF-AC13-153FC4836066}" type="datetimeFigureOut">
               <a:rPr lang="en-US" smtClean="0"/>
-              <a:t>2/9/2018</a:t>
+              <a:t>2/28/2018</a:t>
             </a:fld>
             <a:endParaRPr lang="en-US"/>
           </a:p>
@@ -3667,7 +3922,7 @@
           <a:p>
             <a:fld id="{D4E819DD-013E-4DBF-AC13-153FC4836066}" type="datetimeFigureOut">
               <a:rPr lang="en-US" smtClean="0"/>
-              <a:t>2/9/2018</a:t>
+              <a:t>2/28/2018</a:t>
             </a:fld>
             <a:endParaRPr lang="en-US"/>
           </a:p>
@@ -3780,7 +4035,7 @@
           <a:p>
             <a:fld id="{D4E819DD-013E-4DBF-AC13-153FC4836066}" type="datetimeFigureOut">
               <a:rPr lang="en-US" smtClean="0"/>
-              <a:t>2/9/2018</a:t>
+              <a:t>2/28/2018</a:t>
             </a:fld>
             <a:endParaRPr lang="en-US"/>
           </a:p>
@@ -4091,7 +4346,7 @@
           <a:p>
             <a:fld id="{D4E819DD-013E-4DBF-AC13-153FC4836066}" type="datetimeFigureOut">
               <a:rPr lang="en-US" smtClean="0"/>
-              <a:t>2/9/2018</a:t>
+              <a:t>2/28/2018</a:t>
             </a:fld>
             <a:endParaRPr lang="en-US"/>
           </a:p>
@@ -4379,7 +4634,7 @@
           <a:p>
             <a:fld id="{D4E819DD-013E-4DBF-AC13-153FC4836066}" type="datetimeFigureOut">
               <a:rPr lang="en-US" smtClean="0"/>
-              <a:t>2/9/2018</a:t>
+              <a:t>2/28/2018</a:t>
             </a:fld>
             <a:endParaRPr lang="en-US"/>
           </a:p>
@@ -4620,7 +4875,7 @@
           <a:p>
             <a:fld id="{D4E819DD-013E-4DBF-AC13-153FC4836066}" type="datetimeFigureOut">
               <a:rPr lang="en-US" smtClean="0"/>
-              <a:t>2/9/2018</a:t>
+              <a:t>2/28/2018</a:t>
             </a:fld>
             <a:endParaRPr lang="en-US"/>
           </a:p>
@@ -5335,7 +5590,7 @@
           </p:cNvPicPr>
           <p:nvPr/>
         </p:nvPicPr>
-        <p:blipFill rotWithShape="1">
+        <p:blipFill>
           <a:blip r:embed="rId3">
             <a:extLst>
               <a:ext uri="{28A0092B-C50C-407E-A947-70E740481C1C}">
@@ -5343,13 +5598,14 @@
               </a:ext>
             </a:extLst>
           </a:blip>
-          <a:srcRect l="18699" r="24152"/>
-          <a:stretch/>
+          <a:stretch>
+            <a:fillRect/>
+          </a:stretch>
         </p:blipFill>
         <p:spPr>
           <a:xfrm>
-            <a:off x="4037847" y="-169104"/>
-            <a:ext cx="4436198" cy="6858000"/>
+            <a:off x="2586489" y="-169104"/>
+            <a:ext cx="7762351" cy="6858000"/>
           </a:xfrm>
           <a:prstGeom prst="rect">
             <a:avLst/>
@@ -5590,8 +5846,8 @@
         </p:nvSpPr>
         <p:spPr>
           <a:xfrm>
-            <a:off x="5306383" y="177458"/>
-            <a:ext cx="1310765" cy="682060"/>
+            <a:off x="5427522" y="177458"/>
+            <a:ext cx="1189626" cy="682060"/>
           </a:xfrm>
           <a:prstGeom prst="rect">
             <a:avLst/>
@@ -5631,6 +5887,36 @@
           </a:p>
         </p:txBody>
       </p:sp>
+      <p:pic>
+        <p:nvPicPr>
+          <p:cNvPr id="3" name="Picture 2">
+            <a:extLst>
+              <a:ext uri="{FF2B5EF4-FFF2-40B4-BE49-F238E27FC236}">
+                <a16:creationId xmlns:a16="http://schemas.microsoft.com/office/drawing/2014/main" id="{FED94A2B-26C1-48B6-82EF-BA1F1CFDC0A8}"/>
+              </a:ext>
+            </a:extLst>
+          </p:cNvPr>
+          <p:cNvPicPr>
+            <a:picLocks noChangeAspect="1"/>
+          </p:cNvPicPr>
+          <p:nvPr/>
+        </p:nvPicPr>
+        <p:blipFill>
+          <a:blip r:embed="rId4"/>
+          <a:stretch>
+            <a:fillRect/>
+          </a:stretch>
+        </p:blipFill>
+        <p:spPr>
+          <a:xfrm>
+            <a:off x="3768952" y="1104355"/>
+            <a:ext cx="4433210" cy="3314042"/>
+          </a:xfrm>
+          <a:prstGeom prst="rect">
+            <a:avLst/>
+          </a:prstGeom>
+        </p:spPr>
+      </p:pic>
       <p:sp>
         <p:nvSpPr>
           <p:cNvPr id="5" name="Rectangle 4">
@@ -6102,6 +6388,64 @@
       </p:sp>
       <p:sp>
         <p:nvSpPr>
+          <p:cNvPr id="17" name="Frame 16">
+            <a:extLst>
+              <a:ext uri="{FF2B5EF4-FFF2-40B4-BE49-F238E27FC236}">
+                <a16:creationId xmlns:a16="http://schemas.microsoft.com/office/drawing/2014/main" id="{F90CFC72-B5F9-43D2-93D5-4AA9525D2CA3}"/>
+              </a:ext>
+            </a:extLst>
+          </p:cNvPr>
+          <p:cNvSpPr/>
+          <p:nvPr/>
+        </p:nvSpPr>
+        <p:spPr>
+          <a:xfrm>
+            <a:off x="4153452" y="1104354"/>
+            <a:ext cx="3886198" cy="3314042"/>
+          </a:xfrm>
+          <a:prstGeom prst="frame">
+            <a:avLst>
+              <a:gd name="adj1" fmla="val 2322"/>
+            </a:avLst>
+          </a:prstGeom>
+          <a:solidFill>
+            <a:srgbClr val="404040"/>
+          </a:solidFill>
+          <a:ln>
+            <a:noFill/>
+          </a:ln>
+        </p:spPr>
+        <p:style>
+          <a:lnRef idx="2">
+            <a:schemeClr val="accent1">
+              <a:shade val="50000"/>
+            </a:schemeClr>
+          </a:lnRef>
+          <a:fillRef idx="1">
+            <a:schemeClr val="accent1"/>
+          </a:fillRef>
+          <a:effectRef idx="0">
+            <a:schemeClr val="accent1"/>
+          </a:effectRef>
+          <a:fontRef idx="minor">
+            <a:schemeClr val="lt1"/>
+          </a:fontRef>
+        </p:style>
+        <p:txBody>
+          <a:bodyPr rtlCol="0" anchor="ctr"/>
+          <a:lstStyle/>
+          <a:p>
+            <a:pPr algn="ctr"/>
+            <a:endParaRPr lang="en-US">
+              <a:solidFill>
+                <a:schemeClr val="tx1"/>
+              </a:solidFill>
+            </a:endParaRPr>
+          </a:p>
+        </p:txBody>
+      </p:sp>
+      <p:sp>
+        <p:nvSpPr>
           <p:cNvPr id="18" name="Frame 17">
             <a:extLst>
               <a:ext uri="{FF2B5EF4-FFF2-40B4-BE49-F238E27FC236}">
@@ -6327,7 +6671,7 @@
           <p:nvPr/>
         </p:nvPicPr>
         <p:blipFill rotWithShape="1">
-          <a:blip r:embed="rId4"/>
+          <a:blip r:embed="rId5"/>
           <a:srcRect l="3324" t="15484" r="5058" b="24467"/>
           <a:stretch/>
         </p:blipFill>
@@ -6484,46 +6828,10 @@
           </a:p>
         </p:txBody>
       </p:sp>
-      <p:pic>
-        <p:nvPicPr>
-          <p:cNvPr id="32" name="Picture 31">
-            <a:extLst>
-              <a:ext uri="{FF2B5EF4-FFF2-40B4-BE49-F238E27FC236}">
-                <a16:creationId xmlns:a16="http://schemas.microsoft.com/office/drawing/2014/main" id="{1C819673-0B0C-4ACE-A45E-22F4C5989616}"/>
-              </a:ext>
-            </a:extLst>
-          </p:cNvPr>
-          <p:cNvPicPr>
-            <a:picLocks noChangeAspect="1"/>
-          </p:cNvPicPr>
-          <p:nvPr/>
-        </p:nvPicPr>
-        <p:blipFill>
-          <a:blip r:embed="rId5">
-            <a:extLst>
-              <a:ext uri="{28A0092B-C50C-407E-A947-70E740481C1C}">
-                <a14:useLocalDpi xmlns:a14="http://schemas.microsoft.com/office/drawing/2010/main" val="0"/>
-              </a:ext>
-            </a:extLst>
-          </a:blip>
-          <a:stretch>
-            <a:fillRect/>
-          </a:stretch>
-        </p:blipFill>
-        <p:spPr>
-          <a:xfrm>
-            <a:off x="4235622" y="993306"/>
-            <a:ext cx="3642779" cy="3642779"/>
-          </a:xfrm>
-          <a:prstGeom prst="rect">
-            <a:avLst/>
-          </a:prstGeom>
-        </p:spPr>
-      </p:pic>
     </p:spTree>
     <p:extLst>
       <p:ext uri="{BB962C8B-B14F-4D97-AF65-F5344CB8AC3E}">
-        <p14:creationId xmlns:p14="http://schemas.microsoft.com/office/powerpoint/2010/main" val="2829790499"/>
+        <p14:creationId xmlns:p14="http://schemas.microsoft.com/office/powerpoint/2010/main" val="687059974"/>
       </p:ext>
     </p:extLst>
   </p:cSld>
@@ -6550,12 +6858,47 @@
           <a:chExt cx="0" cy="0"/>
         </a:xfrm>
       </p:grpSpPr>
-      <p:sp>
-        <p:nvSpPr>
-          <p:cNvPr id="4" name="Rectangle 3">
-            <a:extLst>
-              <a:ext uri="{FF2B5EF4-FFF2-40B4-BE49-F238E27FC236}">
-                <a16:creationId xmlns:a16="http://schemas.microsoft.com/office/drawing/2014/main" id="{7389EE0F-66DD-4EC4-8CEC-987B22D60A1D}"/>
+      <p:pic>
+        <p:nvPicPr>
+          <p:cNvPr id="22" name="Picture 21">
+            <a:extLst>
+              <a:ext uri="{FF2B5EF4-FFF2-40B4-BE49-F238E27FC236}">
+                <a16:creationId xmlns:a16="http://schemas.microsoft.com/office/drawing/2014/main" id="{0FCA5D36-8C1E-4241-8338-51CAAC079E31}"/>
+              </a:ext>
+            </a:extLst>
+          </p:cNvPr>
+          <p:cNvPicPr>
+            <a:picLocks noChangeAspect="1"/>
+          </p:cNvPicPr>
+          <p:nvPr/>
+        </p:nvPicPr>
+        <p:blipFill rotWithShape="1">
+          <a:blip r:embed="rId3">
+            <a:extLst>
+              <a:ext uri="{28A0092B-C50C-407E-A947-70E740481C1C}">
+                <a14:useLocalDpi xmlns:a14="http://schemas.microsoft.com/office/drawing/2010/main" val="0"/>
+              </a:ext>
+            </a:extLst>
+          </a:blip>
+          <a:srcRect l="18699" r="24152"/>
+          <a:stretch/>
+        </p:blipFill>
+        <p:spPr>
+          <a:xfrm>
+            <a:off x="4037847" y="-169104"/>
+            <a:ext cx="4436198" cy="6858000"/>
+          </a:xfrm>
+          <a:prstGeom prst="rect">
+            <a:avLst/>
+          </a:prstGeom>
+        </p:spPr>
+      </p:pic>
+      <p:sp>
+        <p:nvSpPr>
+          <p:cNvPr id="30" name="Rectangle 29">
+            <a:extLst>
+              <a:ext uri="{FF2B5EF4-FFF2-40B4-BE49-F238E27FC236}">
+                <a16:creationId xmlns:a16="http://schemas.microsoft.com/office/drawing/2014/main" id="{2E875998-5134-4334-B56A-52CBA7EDC258}"/>
               </a:ext>
             </a:extLst>
           </p:cNvPr>
@@ -6564,12 +6907,21 @@
         </p:nvSpPr>
         <p:spPr>
           <a:xfrm>
-            <a:off x="4152899" y="169104"/>
-            <a:ext cx="3886199" cy="6483623"/>
-          </a:xfrm>
-          <a:prstGeom prst="rect">
-            <a:avLst/>
-          </a:prstGeom>
+            <a:off x="6617148" y="4469718"/>
+            <a:ext cx="1296761" cy="201869"/>
+          </a:xfrm>
+          <a:prstGeom prst="rect">
+            <a:avLst/>
+          </a:prstGeom>
+          <a:solidFill>
+            <a:schemeClr val="tx1">
+              <a:lumMod val="75000"/>
+              <a:lumOff val="25000"/>
+            </a:schemeClr>
+          </a:solidFill>
+          <a:ln>
+            <a:noFill/>
+          </a:ln>
         </p:spPr>
         <p:style>
           <a:lnRef idx="2">
@@ -6598,10 +6950,10 @@
       </p:sp>
       <p:sp>
         <p:nvSpPr>
-          <p:cNvPr id="11" name="Rectangle 10">
-            <a:extLst>
-              <a:ext uri="{FF2B5EF4-FFF2-40B4-BE49-F238E27FC236}">
-                <a16:creationId xmlns:a16="http://schemas.microsoft.com/office/drawing/2014/main" id="{6F84A7B2-8A83-40D6-8C0D-E76FFA516B5F}"/>
+          <p:cNvPr id="29" name="Rectangle 28">
+            <a:extLst>
+              <a:ext uri="{FF2B5EF4-FFF2-40B4-BE49-F238E27FC236}">
+                <a16:creationId xmlns:a16="http://schemas.microsoft.com/office/drawing/2014/main" id="{E33C2376-9A44-498A-BC5B-DA616901B2F5}"/>
               </a:ext>
             </a:extLst>
           </p:cNvPr>
@@ -6610,14 +6962,17 @@
         </p:nvSpPr>
         <p:spPr>
           <a:xfrm>
-            <a:off x="4152898" y="169103"/>
-            <a:ext cx="3886199" cy="6483624"/>
+            <a:off x="4224718" y="4483449"/>
+            <a:ext cx="2274469" cy="211860"/>
           </a:xfrm>
           <a:prstGeom prst="rect">
             <a:avLst/>
           </a:prstGeom>
           <a:solidFill>
-            <a:srgbClr val="404040"/>
+            <a:schemeClr val="tx1">
+              <a:lumMod val="75000"/>
+              <a:lumOff val="25000"/>
+            </a:schemeClr>
           </a:solidFill>
           <a:ln>
             <a:noFill/>
@@ -6648,36 +7003,171 @@
           </a:p>
         </p:txBody>
       </p:sp>
-      <p:pic>
-        <p:nvPicPr>
-          <p:cNvPr id="3" name="Picture 2">
-            <a:extLst>
-              <a:ext uri="{FF2B5EF4-FFF2-40B4-BE49-F238E27FC236}">
-                <a16:creationId xmlns:a16="http://schemas.microsoft.com/office/drawing/2014/main" id="{FED94A2B-26C1-48B6-82EF-BA1F1CFDC0A8}"/>
-              </a:ext>
-            </a:extLst>
-          </p:cNvPr>
-          <p:cNvPicPr>
-            <a:picLocks noChangeAspect="1"/>
-          </p:cNvPicPr>
-          <p:nvPr/>
-        </p:nvPicPr>
-        <p:blipFill>
-          <a:blip r:embed="rId3"/>
-          <a:stretch>
-            <a:fillRect/>
-          </a:stretch>
-        </p:blipFill>
-        <p:spPr>
-          <a:xfrm>
-            <a:off x="3768952" y="1104355"/>
-            <a:ext cx="4433210" cy="3314042"/>
-          </a:xfrm>
-          <a:prstGeom prst="rect">
-            <a:avLst/>
-          </a:prstGeom>
-        </p:spPr>
-      </p:pic>
+      <p:sp>
+        <p:nvSpPr>
+          <p:cNvPr id="28" name="Rectangle 27">
+            <a:extLst>
+              <a:ext uri="{FF2B5EF4-FFF2-40B4-BE49-F238E27FC236}">
+                <a16:creationId xmlns:a16="http://schemas.microsoft.com/office/drawing/2014/main" id="{2D61F2A4-31DA-431F-A6FD-B186EE73D619}"/>
+              </a:ext>
+            </a:extLst>
+          </p:cNvPr>
+          <p:cNvSpPr/>
+          <p:nvPr/>
+        </p:nvSpPr>
+        <p:spPr>
+          <a:xfrm>
+            <a:off x="4671148" y="889910"/>
+            <a:ext cx="2412373" cy="195829"/>
+          </a:xfrm>
+          <a:prstGeom prst="rect">
+            <a:avLst/>
+          </a:prstGeom>
+          <a:solidFill>
+            <a:schemeClr val="tx1">
+              <a:lumMod val="75000"/>
+              <a:lumOff val="25000"/>
+            </a:schemeClr>
+          </a:solidFill>
+          <a:ln>
+            <a:noFill/>
+          </a:ln>
+        </p:spPr>
+        <p:style>
+          <a:lnRef idx="2">
+            <a:schemeClr val="accent1">
+              <a:shade val="50000"/>
+            </a:schemeClr>
+          </a:lnRef>
+          <a:fillRef idx="1">
+            <a:schemeClr val="accent1"/>
+          </a:fillRef>
+          <a:effectRef idx="0">
+            <a:schemeClr val="accent1"/>
+          </a:effectRef>
+          <a:fontRef idx="minor">
+            <a:schemeClr val="lt1"/>
+          </a:fontRef>
+        </p:style>
+        <p:txBody>
+          <a:bodyPr rtlCol="0" anchor="ctr"/>
+          <a:lstStyle/>
+          <a:p>
+            <a:pPr algn="ctr"/>
+            <a:endParaRPr lang="en-US"/>
+          </a:p>
+        </p:txBody>
+      </p:sp>
+      <p:sp>
+        <p:nvSpPr>
+          <p:cNvPr id="27" name="Rectangle 26">
+            <a:extLst>
+              <a:ext uri="{FF2B5EF4-FFF2-40B4-BE49-F238E27FC236}">
+                <a16:creationId xmlns:a16="http://schemas.microsoft.com/office/drawing/2014/main" id="{43CB8AFC-BEB2-4F3D-BADA-7817EDE52DA7}"/>
+              </a:ext>
+            </a:extLst>
+          </p:cNvPr>
+          <p:cNvSpPr/>
+          <p:nvPr/>
+        </p:nvSpPr>
+        <p:spPr>
+          <a:xfrm>
+            <a:off x="7099949" y="177458"/>
+            <a:ext cx="901178" cy="682060"/>
+          </a:xfrm>
+          <a:prstGeom prst="rect">
+            <a:avLst/>
+          </a:prstGeom>
+          <a:solidFill>
+            <a:schemeClr val="tx1">
+              <a:lumMod val="75000"/>
+              <a:lumOff val="25000"/>
+            </a:schemeClr>
+          </a:solidFill>
+          <a:ln>
+            <a:noFill/>
+          </a:ln>
+        </p:spPr>
+        <p:style>
+          <a:lnRef idx="2">
+            <a:schemeClr val="accent1">
+              <a:shade val="50000"/>
+            </a:schemeClr>
+          </a:lnRef>
+          <a:fillRef idx="1">
+            <a:schemeClr val="accent1"/>
+          </a:fillRef>
+          <a:effectRef idx="0">
+            <a:schemeClr val="accent1"/>
+          </a:effectRef>
+          <a:fontRef idx="minor">
+            <a:schemeClr val="lt1"/>
+          </a:fontRef>
+        </p:style>
+        <p:txBody>
+          <a:bodyPr rtlCol="0" anchor="ctr"/>
+          <a:lstStyle/>
+          <a:p>
+            <a:pPr algn="ctr"/>
+            <a:endParaRPr lang="en-US"/>
+          </a:p>
+        </p:txBody>
+      </p:sp>
+      <p:sp>
+        <p:nvSpPr>
+          <p:cNvPr id="26" name="Rectangle 25">
+            <a:extLst>
+              <a:ext uri="{FF2B5EF4-FFF2-40B4-BE49-F238E27FC236}">
+                <a16:creationId xmlns:a16="http://schemas.microsoft.com/office/drawing/2014/main" id="{EEA356B7-F52F-4BC6-9D20-1056F3D1A3BC}"/>
+              </a:ext>
+            </a:extLst>
+          </p:cNvPr>
+          <p:cNvSpPr/>
+          <p:nvPr/>
+        </p:nvSpPr>
+        <p:spPr>
+          <a:xfrm>
+            <a:off x="5306383" y="177458"/>
+            <a:ext cx="1310765" cy="682060"/>
+          </a:xfrm>
+          <a:prstGeom prst="rect">
+            <a:avLst/>
+          </a:prstGeom>
+          <a:solidFill>
+            <a:schemeClr val="tx1">
+              <a:lumMod val="75000"/>
+              <a:lumOff val="25000"/>
+            </a:schemeClr>
+          </a:solidFill>
+          <a:ln>
+            <a:noFill/>
+          </a:ln>
+        </p:spPr>
+        <p:style>
+          <a:lnRef idx="2">
+            <a:schemeClr val="accent1">
+              <a:shade val="50000"/>
+            </a:schemeClr>
+          </a:lnRef>
+          <a:fillRef idx="1">
+            <a:schemeClr val="accent1"/>
+          </a:fillRef>
+          <a:effectRef idx="0">
+            <a:schemeClr val="accent1"/>
+          </a:effectRef>
+          <a:fontRef idx="minor">
+            <a:schemeClr val="lt1"/>
+          </a:fontRef>
+        </p:style>
+        <p:txBody>
+          <a:bodyPr rtlCol="0" anchor="ctr"/>
+          <a:lstStyle/>
+          <a:p>
+            <a:pPr algn="ctr"/>
+            <a:endParaRPr lang="en-US"/>
+          </a:p>
+        </p:txBody>
+      </p:sp>
       <p:sp>
         <p:nvSpPr>
           <p:cNvPr id="5" name="Rectangle 4">
@@ -6692,8 +7182,8 @@
         </p:nvSpPr>
         <p:spPr>
           <a:xfrm>
-            <a:off x="4152898" y="169103"/>
-            <a:ext cx="3886200" cy="939923"/>
+            <a:off x="4152898" y="169104"/>
+            <a:ext cx="901178" cy="682060"/>
           </a:xfrm>
           <a:prstGeom prst="rect">
             <a:avLst/>
@@ -7149,64 +7639,6 @@
       </p:sp>
       <p:sp>
         <p:nvSpPr>
-          <p:cNvPr id="17" name="Frame 16">
-            <a:extLst>
-              <a:ext uri="{FF2B5EF4-FFF2-40B4-BE49-F238E27FC236}">
-                <a16:creationId xmlns:a16="http://schemas.microsoft.com/office/drawing/2014/main" id="{F90CFC72-B5F9-43D2-93D5-4AA9525D2CA3}"/>
-              </a:ext>
-            </a:extLst>
-          </p:cNvPr>
-          <p:cNvSpPr/>
-          <p:nvPr/>
-        </p:nvSpPr>
-        <p:spPr>
-          <a:xfrm>
-            <a:off x="4153452" y="1104354"/>
-            <a:ext cx="3886198" cy="3314042"/>
-          </a:xfrm>
-          <a:prstGeom prst="frame">
-            <a:avLst>
-              <a:gd name="adj1" fmla="val 2322"/>
-            </a:avLst>
-          </a:prstGeom>
-          <a:solidFill>
-            <a:srgbClr val="404040"/>
-          </a:solidFill>
-          <a:ln>
-            <a:noFill/>
-          </a:ln>
-        </p:spPr>
-        <p:style>
-          <a:lnRef idx="2">
-            <a:schemeClr val="accent1">
-              <a:shade val="50000"/>
-            </a:schemeClr>
-          </a:lnRef>
-          <a:fillRef idx="1">
-            <a:schemeClr val="accent1"/>
-          </a:fillRef>
-          <a:effectRef idx="0">
-            <a:schemeClr val="accent1"/>
-          </a:effectRef>
-          <a:fontRef idx="minor">
-            <a:schemeClr val="lt1"/>
-          </a:fontRef>
-        </p:style>
-        <p:txBody>
-          <a:bodyPr rtlCol="0" anchor="ctr"/>
-          <a:lstStyle/>
-          <a:p>
-            <a:pPr algn="ctr"/>
-            <a:endParaRPr lang="en-US">
-              <a:solidFill>
-                <a:schemeClr val="tx1"/>
-              </a:solidFill>
-            </a:endParaRPr>
-          </a:p>
-        </p:txBody>
-      </p:sp>
-      <p:sp>
-        <p:nvSpPr>
           <p:cNvPr id="18" name="Frame 17">
             <a:extLst>
               <a:ext uri="{FF2B5EF4-FFF2-40B4-BE49-F238E27FC236}">
@@ -7589,10 +8021,46 @@
           </a:p>
         </p:txBody>
       </p:sp>
+      <p:pic>
+        <p:nvPicPr>
+          <p:cNvPr id="32" name="Picture 31">
+            <a:extLst>
+              <a:ext uri="{FF2B5EF4-FFF2-40B4-BE49-F238E27FC236}">
+                <a16:creationId xmlns:a16="http://schemas.microsoft.com/office/drawing/2014/main" id="{1C819673-0B0C-4ACE-A45E-22F4C5989616}"/>
+              </a:ext>
+            </a:extLst>
+          </p:cNvPr>
+          <p:cNvPicPr>
+            <a:picLocks noChangeAspect="1"/>
+          </p:cNvPicPr>
+          <p:nvPr/>
+        </p:nvPicPr>
+        <p:blipFill>
+          <a:blip r:embed="rId5">
+            <a:extLst>
+              <a:ext uri="{28A0092B-C50C-407E-A947-70E740481C1C}">
+                <a14:useLocalDpi xmlns:a14="http://schemas.microsoft.com/office/drawing/2010/main" val="0"/>
+              </a:ext>
+            </a:extLst>
+          </a:blip>
+          <a:stretch>
+            <a:fillRect/>
+          </a:stretch>
+        </p:blipFill>
+        <p:spPr>
+          <a:xfrm>
+            <a:off x="4235622" y="993306"/>
+            <a:ext cx="3642779" cy="3642779"/>
+          </a:xfrm>
+          <a:prstGeom prst="rect">
+            <a:avLst/>
+          </a:prstGeom>
+        </p:spPr>
+      </p:pic>
     </p:spTree>
     <p:extLst>
       <p:ext uri="{BB962C8B-B14F-4D97-AF65-F5344CB8AC3E}">
-        <p14:creationId xmlns:p14="http://schemas.microsoft.com/office/powerpoint/2010/main" val="2681480680"/>
+        <p14:creationId xmlns:p14="http://schemas.microsoft.com/office/powerpoint/2010/main" val="2829790499"/>
       </p:ext>
     </p:extLst>
   </p:cSld>
@@ -7619,47 +8087,12 @@
           <a:chExt cx="0" cy="0"/>
         </a:xfrm>
       </p:grpSpPr>
-      <p:pic>
-        <p:nvPicPr>
-          <p:cNvPr id="22" name="Picture 21">
-            <a:extLst>
-              <a:ext uri="{FF2B5EF4-FFF2-40B4-BE49-F238E27FC236}">
-                <a16:creationId xmlns:a16="http://schemas.microsoft.com/office/drawing/2014/main" id="{0FCA5D36-8C1E-4241-8338-51CAAC079E31}"/>
-              </a:ext>
-            </a:extLst>
-          </p:cNvPr>
-          <p:cNvPicPr>
-            <a:picLocks noChangeAspect="1"/>
-          </p:cNvPicPr>
-          <p:nvPr/>
-        </p:nvPicPr>
-        <p:blipFill rotWithShape="1">
-          <a:blip r:embed="rId3">
-            <a:extLst>
-              <a:ext uri="{28A0092B-C50C-407E-A947-70E740481C1C}">
-                <a14:useLocalDpi xmlns:a14="http://schemas.microsoft.com/office/drawing/2010/main" val="0"/>
-              </a:ext>
-            </a:extLst>
-          </a:blip>
-          <a:srcRect l="18699" r="24152"/>
-          <a:stretch/>
-        </p:blipFill>
-        <p:spPr>
-          <a:xfrm>
-            <a:off x="4037847" y="-169104"/>
-            <a:ext cx="4436198" cy="6858000"/>
-          </a:xfrm>
-          <a:prstGeom prst="rect">
-            <a:avLst/>
-          </a:prstGeom>
-        </p:spPr>
-      </p:pic>
-      <p:sp>
-        <p:nvSpPr>
-          <p:cNvPr id="31" name="Rectangle 30">
-            <a:extLst>
-              <a:ext uri="{FF2B5EF4-FFF2-40B4-BE49-F238E27FC236}">
-                <a16:creationId xmlns:a16="http://schemas.microsoft.com/office/drawing/2014/main" id="{9193FDD5-A21E-4C5E-9DF6-01D6CDFEECAE}"/>
+      <p:sp>
+        <p:nvSpPr>
+          <p:cNvPr id="4" name="Rectangle 3">
+            <a:extLst>
+              <a:ext uri="{FF2B5EF4-FFF2-40B4-BE49-F238E27FC236}">
+                <a16:creationId xmlns:a16="http://schemas.microsoft.com/office/drawing/2014/main" id="{7389EE0F-66DD-4EC4-8CEC-987B22D60A1D}"/>
               </a:ext>
             </a:extLst>
           </p:cNvPr>
@@ -7668,21 +8101,12 @@
         </p:nvSpPr>
         <p:spPr>
           <a:xfrm>
-            <a:off x="4147560" y="4424625"/>
-            <a:ext cx="3891535" cy="2255918"/>
-          </a:xfrm>
-          <a:prstGeom prst="rect">
-            <a:avLst/>
-          </a:prstGeom>
-          <a:solidFill>
-            <a:schemeClr val="tx1">
-              <a:lumMod val="75000"/>
-              <a:lumOff val="25000"/>
-            </a:schemeClr>
-          </a:solidFill>
-          <a:ln>
-            <a:noFill/>
-          </a:ln>
+            <a:off x="4152899" y="169104"/>
+            <a:ext cx="3886199" cy="6483623"/>
+          </a:xfrm>
+          <a:prstGeom prst="rect">
+            <a:avLst/>
+          </a:prstGeom>
         </p:spPr>
         <p:style>
           <a:lnRef idx="2">
@@ -7711,10 +8135,10 @@
       </p:sp>
       <p:sp>
         <p:nvSpPr>
-          <p:cNvPr id="30" name="Rectangle 29">
-            <a:extLst>
-              <a:ext uri="{FF2B5EF4-FFF2-40B4-BE49-F238E27FC236}">
-                <a16:creationId xmlns:a16="http://schemas.microsoft.com/office/drawing/2014/main" id="{2E875998-5134-4334-B56A-52CBA7EDC258}"/>
+          <p:cNvPr id="11" name="Rectangle 10">
+            <a:extLst>
+              <a:ext uri="{FF2B5EF4-FFF2-40B4-BE49-F238E27FC236}">
+                <a16:creationId xmlns:a16="http://schemas.microsoft.com/office/drawing/2014/main" id="{6F84A7B2-8A83-40D6-8C0D-E76FFA516B5F}"/>
               </a:ext>
             </a:extLst>
           </p:cNvPr>
@@ -7723,17 +8147,14 @@
         </p:nvSpPr>
         <p:spPr>
           <a:xfrm>
-            <a:off x="6617148" y="4469718"/>
-            <a:ext cx="1296761" cy="201869"/>
+            <a:off x="4152898" y="169103"/>
+            <a:ext cx="3886199" cy="6483624"/>
           </a:xfrm>
           <a:prstGeom prst="rect">
             <a:avLst/>
           </a:prstGeom>
           <a:solidFill>
-            <a:schemeClr val="tx1">
-              <a:lumMod val="75000"/>
-              <a:lumOff val="25000"/>
-            </a:schemeClr>
+            <a:srgbClr val="404040"/>
           </a:solidFill>
           <a:ln>
             <a:noFill/>
@@ -7764,12 +8185,42 @@
           </a:p>
         </p:txBody>
       </p:sp>
-      <p:sp>
-        <p:nvSpPr>
-          <p:cNvPr id="29" name="Rectangle 28">
-            <a:extLst>
-              <a:ext uri="{FF2B5EF4-FFF2-40B4-BE49-F238E27FC236}">
-                <a16:creationId xmlns:a16="http://schemas.microsoft.com/office/drawing/2014/main" id="{E33C2376-9A44-498A-BC5B-DA616901B2F5}"/>
+      <p:pic>
+        <p:nvPicPr>
+          <p:cNvPr id="3" name="Picture 2">
+            <a:extLst>
+              <a:ext uri="{FF2B5EF4-FFF2-40B4-BE49-F238E27FC236}">
+                <a16:creationId xmlns:a16="http://schemas.microsoft.com/office/drawing/2014/main" id="{FED94A2B-26C1-48B6-82EF-BA1F1CFDC0A8}"/>
+              </a:ext>
+            </a:extLst>
+          </p:cNvPr>
+          <p:cNvPicPr>
+            <a:picLocks noChangeAspect="1"/>
+          </p:cNvPicPr>
+          <p:nvPr/>
+        </p:nvPicPr>
+        <p:blipFill>
+          <a:blip r:embed="rId3"/>
+          <a:stretch>
+            <a:fillRect/>
+          </a:stretch>
+        </p:blipFill>
+        <p:spPr>
+          <a:xfrm>
+            <a:off x="3768952" y="1104355"/>
+            <a:ext cx="4433210" cy="3314042"/>
+          </a:xfrm>
+          <a:prstGeom prst="rect">
+            <a:avLst/>
+          </a:prstGeom>
+        </p:spPr>
+      </p:pic>
+      <p:sp>
+        <p:nvSpPr>
+          <p:cNvPr id="5" name="Rectangle 4">
+            <a:extLst>
+              <a:ext uri="{FF2B5EF4-FFF2-40B4-BE49-F238E27FC236}">
+                <a16:creationId xmlns:a16="http://schemas.microsoft.com/office/drawing/2014/main" id="{175491A8-EA5B-4C2C-A048-E751C5A7E636}"/>
               </a:ext>
             </a:extLst>
           </p:cNvPr>
@@ -7778,228 +8229,8 @@
         </p:nvSpPr>
         <p:spPr>
           <a:xfrm>
-            <a:off x="4224718" y="4483449"/>
-            <a:ext cx="2274469" cy="211860"/>
-          </a:xfrm>
-          <a:prstGeom prst="rect">
-            <a:avLst/>
-          </a:prstGeom>
-          <a:solidFill>
-            <a:schemeClr val="tx1">
-              <a:lumMod val="75000"/>
-              <a:lumOff val="25000"/>
-            </a:schemeClr>
-          </a:solidFill>
-          <a:ln>
-            <a:noFill/>
-          </a:ln>
-        </p:spPr>
-        <p:style>
-          <a:lnRef idx="2">
-            <a:schemeClr val="accent1">
-              <a:shade val="50000"/>
-            </a:schemeClr>
-          </a:lnRef>
-          <a:fillRef idx="1">
-            <a:schemeClr val="accent1"/>
-          </a:fillRef>
-          <a:effectRef idx="0">
-            <a:schemeClr val="accent1"/>
-          </a:effectRef>
-          <a:fontRef idx="minor">
-            <a:schemeClr val="lt1"/>
-          </a:fontRef>
-        </p:style>
-        <p:txBody>
-          <a:bodyPr rtlCol="0" anchor="ctr"/>
-          <a:lstStyle/>
-          <a:p>
-            <a:pPr algn="ctr"/>
-            <a:endParaRPr lang="en-US"/>
-          </a:p>
-        </p:txBody>
-      </p:sp>
-      <p:sp>
-        <p:nvSpPr>
-          <p:cNvPr id="28" name="Rectangle 27">
-            <a:extLst>
-              <a:ext uri="{FF2B5EF4-FFF2-40B4-BE49-F238E27FC236}">
-                <a16:creationId xmlns:a16="http://schemas.microsoft.com/office/drawing/2014/main" id="{2D61F2A4-31DA-431F-A6FD-B186EE73D619}"/>
-              </a:ext>
-            </a:extLst>
-          </p:cNvPr>
-          <p:cNvSpPr/>
-          <p:nvPr/>
-        </p:nvSpPr>
-        <p:spPr>
-          <a:xfrm>
-            <a:off x="4671148" y="889910"/>
-            <a:ext cx="2412373" cy="195829"/>
-          </a:xfrm>
-          <a:prstGeom prst="rect">
-            <a:avLst/>
-          </a:prstGeom>
-          <a:solidFill>
-            <a:schemeClr val="tx1">
-              <a:lumMod val="75000"/>
-              <a:lumOff val="25000"/>
-            </a:schemeClr>
-          </a:solidFill>
-          <a:ln>
-            <a:noFill/>
-          </a:ln>
-        </p:spPr>
-        <p:style>
-          <a:lnRef idx="2">
-            <a:schemeClr val="accent1">
-              <a:shade val="50000"/>
-            </a:schemeClr>
-          </a:lnRef>
-          <a:fillRef idx="1">
-            <a:schemeClr val="accent1"/>
-          </a:fillRef>
-          <a:effectRef idx="0">
-            <a:schemeClr val="accent1"/>
-          </a:effectRef>
-          <a:fontRef idx="minor">
-            <a:schemeClr val="lt1"/>
-          </a:fontRef>
-        </p:style>
-        <p:txBody>
-          <a:bodyPr rtlCol="0" anchor="ctr"/>
-          <a:lstStyle/>
-          <a:p>
-            <a:pPr algn="ctr"/>
-            <a:endParaRPr lang="en-US"/>
-          </a:p>
-        </p:txBody>
-      </p:sp>
-      <p:sp>
-        <p:nvSpPr>
-          <p:cNvPr id="27" name="Rectangle 26">
-            <a:extLst>
-              <a:ext uri="{FF2B5EF4-FFF2-40B4-BE49-F238E27FC236}">
-                <a16:creationId xmlns:a16="http://schemas.microsoft.com/office/drawing/2014/main" id="{43CB8AFC-BEB2-4F3D-BADA-7817EDE52DA7}"/>
-              </a:ext>
-            </a:extLst>
-          </p:cNvPr>
-          <p:cNvSpPr/>
-          <p:nvPr/>
-        </p:nvSpPr>
-        <p:spPr>
-          <a:xfrm>
-            <a:off x="7099949" y="177458"/>
-            <a:ext cx="901178" cy="682060"/>
-          </a:xfrm>
-          <a:prstGeom prst="rect">
-            <a:avLst/>
-          </a:prstGeom>
-          <a:solidFill>
-            <a:schemeClr val="tx1">
-              <a:lumMod val="75000"/>
-              <a:lumOff val="25000"/>
-            </a:schemeClr>
-          </a:solidFill>
-          <a:ln>
-            <a:noFill/>
-          </a:ln>
-        </p:spPr>
-        <p:style>
-          <a:lnRef idx="2">
-            <a:schemeClr val="accent1">
-              <a:shade val="50000"/>
-            </a:schemeClr>
-          </a:lnRef>
-          <a:fillRef idx="1">
-            <a:schemeClr val="accent1"/>
-          </a:fillRef>
-          <a:effectRef idx="0">
-            <a:schemeClr val="accent1"/>
-          </a:effectRef>
-          <a:fontRef idx="minor">
-            <a:schemeClr val="lt1"/>
-          </a:fontRef>
-        </p:style>
-        <p:txBody>
-          <a:bodyPr rtlCol="0" anchor="ctr"/>
-          <a:lstStyle/>
-          <a:p>
-            <a:pPr algn="ctr"/>
-            <a:endParaRPr lang="en-US"/>
-          </a:p>
-        </p:txBody>
-      </p:sp>
-      <p:sp>
-        <p:nvSpPr>
-          <p:cNvPr id="26" name="Rectangle 25">
-            <a:extLst>
-              <a:ext uri="{FF2B5EF4-FFF2-40B4-BE49-F238E27FC236}">
-                <a16:creationId xmlns:a16="http://schemas.microsoft.com/office/drawing/2014/main" id="{EEA356B7-F52F-4BC6-9D20-1056F3D1A3BC}"/>
-              </a:ext>
-            </a:extLst>
-          </p:cNvPr>
-          <p:cNvSpPr/>
-          <p:nvPr/>
-        </p:nvSpPr>
-        <p:spPr>
-          <a:xfrm>
-            <a:off x="4147561" y="177457"/>
-            <a:ext cx="3853566" cy="919121"/>
-          </a:xfrm>
-          <a:prstGeom prst="rect">
-            <a:avLst/>
-          </a:prstGeom>
-          <a:solidFill>
-            <a:schemeClr val="tx1">
-              <a:lumMod val="75000"/>
-              <a:lumOff val="25000"/>
-            </a:schemeClr>
-          </a:solidFill>
-          <a:ln>
-            <a:noFill/>
-          </a:ln>
-        </p:spPr>
-        <p:style>
-          <a:lnRef idx="2">
-            <a:schemeClr val="accent1">
-              <a:shade val="50000"/>
-            </a:schemeClr>
-          </a:lnRef>
-          <a:fillRef idx="1">
-            <a:schemeClr val="accent1"/>
-          </a:fillRef>
-          <a:effectRef idx="0">
-            <a:schemeClr val="accent1"/>
-          </a:effectRef>
-          <a:fontRef idx="minor">
-            <a:schemeClr val="lt1"/>
-          </a:fontRef>
-        </p:style>
-        <p:txBody>
-          <a:bodyPr rtlCol="0" anchor="ctr"/>
-          <a:lstStyle/>
-          <a:p>
-            <a:pPr algn="ctr"/>
-            <a:endParaRPr lang="en-US"/>
-          </a:p>
-        </p:txBody>
-      </p:sp>
-      <p:sp>
-        <p:nvSpPr>
-          <p:cNvPr id="5" name="Rectangle 4">
-            <a:extLst>
-              <a:ext uri="{FF2B5EF4-FFF2-40B4-BE49-F238E27FC236}">
-                <a16:creationId xmlns:a16="http://schemas.microsoft.com/office/drawing/2014/main" id="{175491A8-EA5B-4C2C-A048-E751C5A7E636}"/>
-              </a:ext>
-            </a:extLst>
-          </p:cNvPr>
-          <p:cNvSpPr/>
-          <p:nvPr/>
-        </p:nvSpPr>
-        <p:spPr>
-          <a:xfrm>
-            <a:off x="4152898" y="169104"/>
-            <a:ext cx="901178" cy="682060"/>
+            <a:off x="4152898" y="169103"/>
+            <a:ext cx="3886200" cy="939923"/>
           </a:xfrm>
           <a:prstGeom prst="rect">
             <a:avLst/>
@@ -8455,6 +8686,64 @@
       </p:sp>
       <p:sp>
         <p:nvSpPr>
+          <p:cNvPr id="17" name="Frame 16">
+            <a:extLst>
+              <a:ext uri="{FF2B5EF4-FFF2-40B4-BE49-F238E27FC236}">
+                <a16:creationId xmlns:a16="http://schemas.microsoft.com/office/drawing/2014/main" id="{F90CFC72-B5F9-43D2-93D5-4AA9525D2CA3}"/>
+              </a:ext>
+            </a:extLst>
+          </p:cNvPr>
+          <p:cNvSpPr/>
+          <p:nvPr/>
+        </p:nvSpPr>
+        <p:spPr>
+          <a:xfrm>
+            <a:off x="4153452" y="1104354"/>
+            <a:ext cx="3886198" cy="3314042"/>
+          </a:xfrm>
+          <a:prstGeom prst="frame">
+            <a:avLst>
+              <a:gd name="adj1" fmla="val 2322"/>
+            </a:avLst>
+          </a:prstGeom>
+          <a:solidFill>
+            <a:srgbClr val="404040"/>
+          </a:solidFill>
+          <a:ln>
+            <a:noFill/>
+          </a:ln>
+        </p:spPr>
+        <p:style>
+          <a:lnRef idx="2">
+            <a:schemeClr val="accent1">
+              <a:shade val="50000"/>
+            </a:schemeClr>
+          </a:lnRef>
+          <a:fillRef idx="1">
+            <a:schemeClr val="accent1"/>
+          </a:fillRef>
+          <a:effectRef idx="0">
+            <a:schemeClr val="accent1"/>
+          </a:effectRef>
+          <a:fontRef idx="minor">
+            <a:schemeClr val="lt1"/>
+          </a:fontRef>
+        </p:style>
+        <p:txBody>
+          <a:bodyPr rtlCol="0" anchor="ctr"/>
+          <a:lstStyle/>
+          <a:p>
+            <a:pPr algn="ctr"/>
+            <a:endParaRPr lang="en-US">
+              <a:solidFill>
+                <a:schemeClr val="tx1"/>
+              </a:solidFill>
+            </a:endParaRPr>
+          </a:p>
+        </p:txBody>
+      </p:sp>
+      <p:sp>
+        <p:nvSpPr>
           <p:cNvPr id="18" name="Frame 17">
             <a:extLst>
               <a:ext uri="{FF2B5EF4-FFF2-40B4-BE49-F238E27FC236}">
@@ -8621,7 +8910,7 @@
                   <a:schemeClr val="bg1"/>
                 </a:solidFill>
               </a:rPr>
-              <a:t>0</a:t>
+              <a:t>31</a:t>
             </a:r>
           </a:p>
         </p:txBody>
@@ -8837,46 +9126,10 @@
           </a:p>
         </p:txBody>
       </p:sp>
-      <p:pic>
-        <p:nvPicPr>
-          <p:cNvPr id="32" name="Picture 31">
-            <a:extLst>
-              <a:ext uri="{FF2B5EF4-FFF2-40B4-BE49-F238E27FC236}">
-                <a16:creationId xmlns:a16="http://schemas.microsoft.com/office/drawing/2014/main" id="{1C819673-0B0C-4ACE-A45E-22F4C5989616}"/>
-              </a:ext>
-            </a:extLst>
-          </p:cNvPr>
-          <p:cNvPicPr>
-            <a:picLocks noChangeAspect="1"/>
-          </p:cNvPicPr>
-          <p:nvPr/>
-        </p:nvPicPr>
-        <p:blipFill>
-          <a:blip r:embed="rId5">
-            <a:extLst>
-              <a:ext uri="{28A0092B-C50C-407E-A947-70E740481C1C}">
-                <a14:useLocalDpi xmlns:a14="http://schemas.microsoft.com/office/drawing/2010/main" val="0"/>
-              </a:ext>
-            </a:extLst>
-          </a:blip>
-          <a:stretch>
-            <a:fillRect/>
-          </a:stretch>
-        </p:blipFill>
-        <p:spPr>
-          <a:xfrm>
-            <a:off x="4235622" y="993306"/>
-            <a:ext cx="3642779" cy="3642779"/>
-          </a:xfrm>
-          <a:prstGeom prst="rect">
-            <a:avLst/>
-          </a:prstGeom>
-        </p:spPr>
-      </p:pic>
     </p:spTree>
     <p:extLst>
       <p:ext uri="{BB962C8B-B14F-4D97-AF65-F5344CB8AC3E}">
-        <p14:creationId xmlns:p14="http://schemas.microsoft.com/office/powerpoint/2010/main" val="3341350015"/>
+        <p14:creationId xmlns:p14="http://schemas.microsoft.com/office/powerpoint/2010/main" val="2681480680"/>
       </p:ext>
     </p:extLst>
   </p:cSld>
@@ -9160,6 +9413,61 @@
       </p:sp>
       <p:sp>
         <p:nvSpPr>
+          <p:cNvPr id="27" name="Rectangle 26">
+            <a:extLst>
+              <a:ext uri="{FF2B5EF4-FFF2-40B4-BE49-F238E27FC236}">
+                <a16:creationId xmlns:a16="http://schemas.microsoft.com/office/drawing/2014/main" id="{43CB8AFC-BEB2-4F3D-BADA-7817EDE52DA7}"/>
+              </a:ext>
+            </a:extLst>
+          </p:cNvPr>
+          <p:cNvSpPr/>
+          <p:nvPr/>
+        </p:nvSpPr>
+        <p:spPr>
+          <a:xfrm>
+            <a:off x="7099949" y="177458"/>
+            <a:ext cx="901178" cy="682060"/>
+          </a:xfrm>
+          <a:prstGeom prst="rect">
+            <a:avLst/>
+          </a:prstGeom>
+          <a:solidFill>
+            <a:schemeClr val="tx1">
+              <a:lumMod val="75000"/>
+              <a:lumOff val="25000"/>
+            </a:schemeClr>
+          </a:solidFill>
+          <a:ln>
+            <a:noFill/>
+          </a:ln>
+        </p:spPr>
+        <p:style>
+          <a:lnRef idx="2">
+            <a:schemeClr val="accent1">
+              <a:shade val="50000"/>
+            </a:schemeClr>
+          </a:lnRef>
+          <a:fillRef idx="1">
+            <a:schemeClr val="accent1"/>
+          </a:fillRef>
+          <a:effectRef idx="0">
+            <a:schemeClr val="accent1"/>
+          </a:effectRef>
+          <a:fontRef idx="minor">
+            <a:schemeClr val="lt1"/>
+          </a:fontRef>
+        </p:style>
+        <p:txBody>
+          <a:bodyPr rtlCol="0" anchor="ctr"/>
+          <a:lstStyle/>
+          <a:p>
+            <a:pPr algn="ctr"/>
+            <a:endParaRPr lang="en-US"/>
+          </a:p>
+        </p:txBody>
+      </p:sp>
+      <p:sp>
+        <p:nvSpPr>
           <p:cNvPr id="26" name="Rectangle 25">
             <a:extLst>
               <a:ext uri="{FF2B5EF4-FFF2-40B4-BE49-F238E27FC236}">
@@ -9350,6 +9658,46 @@
       </p:sp>
       <p:sp>
         <p:nvSpPr>
+          <p:cNvPr id="9" name="TextBox 8">
+            <a:extLst>
+              <a:ext uri="{FF2B5EF4-FFF2-40B4-BE49-F238E27FC236}">
+                <a16:creationId xmlns:a16="http://schemas.microsoft.com/office/drawing/2014/main" id="{8AAC14BD-8A83-4C74-898C-3B4C9220ED91}"/>
+              </a:ext>
+            </a:extLst>
+          </p:cNvPr>
+          <p:cNvSpPr txBox="1"/>
+          <p:nvPr/>
+        </p:nvSpPr>
+        <p:spPr>
+          <a:xfrm>
+            <a:off x="7194677" y="131917"/>
+            <a:ext cx="755780" cy="369332"/>
+          </a:xfrm>
+          <a:prstGeom prst="rect">
+            <a:avLst/>
+          </a:prstGeom>
+          <a:noFill/>
+        </p:spPr>
+        <p:txBody>
+          <a:bodyPr wrap="square" rtlCol="0">
+            <a:spAutoFit/>
+          </a:bodyPr>
+          <a:lstStyle/>
+          <a:p>
+            <a:pPr algn="ctr"/>
+            <a:r>
+              <a:rPr lang="en-US" dirty="0">
+                <a:solidFill>
+                  <a:schemeClr val="bg1"/>
+                </a:solidFill>
+              </a:rPr>
+              <a:t>Mana</a:t>
+            </a:r>
+          </a:p>
+        </p:txBody>
+      </p:sp>
+      <p:sp>
+        <p:nvSpPr>
           <p:cNvPr id="12" name="Rectangle 11">
             <a:extLst>
               <a:ext uri="{FF2B5EF4-FFF2-40B4-BE49-F238E27FC236}">
@@ -9468,10 +9816,10 @@
       </p:sp>
       <p:sp>
         <p:nvSpPr>
-          <p:cNvPr id="15" name="Rectangle 14">
-            <a:extLst>
-              <a:ext uri="{FF2B5EF4-FFF2-40B4-BE49-F238E27FC236}">
-                <a16:creationId xmlns:a16="http://schemas.microsoft.com/office/drawing/2014/main" id="{599D2AFE-9F9D-4115-A04C-0E9E528FA050}"/>
+          <p:cNvPr id="14" name="Rectangle: Rounded Corners 13">
+            <a:extLst>
+              <a:ext uri="{FF2B5EF4-FFF2-40B4-BE49-F238E27FC236}">
+                <a16:creationId xmlns:a16="http://schemas.microsoft.com/office/drawing/2014/main" id="{9336D1A6-639E-481D-BECE-EECC489038CC}"/>
               </a:ext>
             </a:extLst>
           </p:cNvPr>
@@ -9480,63 +9828,14 @@
         </p:nvSpPr>
         <p:spPr>
           <a:xfrm>
-            <a:off x="10207690" y="1838131"/>
-            <a:ext cx="914400" cy="914400"/>
-          </a:xfrm>
-          <a:prstGeom prst="rect">
-            <a:avLst/>
-          </a:prstGeom>
-        </p:spPr>
-        <p:style>
-          <a:lnRef idx="2">
-            <a:schemeClr val="accent1">
-              <a:shade val="50000"/>
-            </a:schemeClr>
-          </a:lnRef>
-          <a:fillRef idx="1">
-            <a:schemeClr val="accent1"/>
-          </a:fillRef>
-          <a:effectRef idx="0">
-            <a:schemeClr val="accent1"/>
-          </a:effectRef>
-          <a:fontRef idx="minor">
-            <a:schemeClr val="lt1"/>
-          </a:fontRef>
-        </p:style>
-        <p:txBody>
-          <a:bodyPr rtlCol="0" anchor="ctr"/>
-          <a:lstStyle/>
-          <a:p>
-            <a:pPr algn="ctr"/>
-            <a:endParaRPr lang="en-US"/>
-          </a:p>
-        </p:txBody>
-      </p:sp>
-      <p:sp>
-        <p:nvSpPr>
-          <p:cNvPr id="16" name="Rectangle: Rounded Corners 15">
-            <a:extLst>
-              <a:ext uri="{FF2B5EF4-FFF2-40B4-BE49-F238E27FC236}">
-                <a16:creationId xmlns:a16="http://schemas.microsoft.com/office/drawing/2014/main" id="{5E679ADA-4B52-45D8-B69C-70ED61D3419C}"/>
-              </a:ext>
-            </a:extLst>
-          </p:cNvPr>
-          <p:cNvSpPr/>
-          <p:nvPr/>
-        </p:nvSpPr>
-        <p:spPr>
-          <a:xfrm>
-            <a:off x="4961941" y="6130212"/>
-            <a:ext cx="2959748" cy="450072"/>
+            <a:off x="7187168" y="851163"/>
+            <a:ext cx="726741" cy="245416"/>
           </a:xfrm>
           <a:prstGeom prst="roundRect">
             <a:avLst/>
           </a:prstGeom>
           <a:solidFill>
-            <a:schemeClr val="tx1">
-              <a:lumMod val="85000"/>
-              <a:lumOff val="15000"/>
-            </a:schemeClr>
+            <a:srgbClr val="4C1F65"/>
           </a:solidFill>
           <a:ln>
             <a:solidFill>
@@ -9570,24 +9869,17 @@
             <a:pPr algn="ctr"/>
             <a:r>
               <a:rPr lang="en-US" sz="1400" dirty="0"/>
-              <a:t>Click on letters </a:t>
+              <a:t>Cast</a:t>
             </a:r>
           </a:p>
-          <a:p>
-            <a:pPr algn="ctr"/>
-            <a:r>
-              <a:rPr lang="en-US" sz="1400" dirty="0"/>
-              <a:t>to spell a word</a:t>
-            </a:r>
-          </a:p>
-        </p:txBody>
-      </p:sp>
-      <p:sp>
-        <p:nvSpPr>
-          <p:cNvPr id="18" name="Frame 17">
-            <a:extLst>
-              <a:ext uri="{FF2B5EF4-FFF2-40B4-BE49-F238E27FC236}">
-                <a16:creationId xmlns:a16="http://schemas.microsoft.com/office/drawing/2014/main" id="{846FA173-1D6E-473B-B9BB-4ACE6EC26BD4}"/>
+        </p:txBody>
+      </p:sp>
+      <p:sp>
+        <p:nvSpPr>
+          <p:cNvPr id="15" name="Rectangle 14">
+            <a:extLst>
+              <a:ext uri="{FF2B5EF4-FFF2-40B4-BE49-F238E27FC236}">
+                <a16:creationId xmlns:a16="http://schemas.microsoft.com/office/drawing/2014/main" id="{599D2AFE-9F9D-4115-A04C-0E9E528FA050}"/>
               </a:ext>
             </a:extLst>
           </p:cNvPr>
@@ -9596,15 +9888,12 @@
         </p:nvSpPr>
         <p:spPr>
           <a:xfrm>
-            <a:off x="3498980" y="-475860"/>
-            <a:ext cx="5178489" cy="7791060"/>
-          </a:xfrm>
-          <a:prstGeom prst="frame">
-            <a:avLst/>
-          </a:prstGeom>
-          <a:solidFill>
-            <a:schemeClr val="bg1"/>
-          </a:solidFill>
+            <a:off x="10207690" y="1838131"/>
+            <a:ext cx="914400" cy="914400"/>
+          </a:xfrm>
+          <a:prstGeom prst="rect">
+            <a:avLst/>
+          </a:prstGeom>
         </p:spPr>
         <p:style>
           <a:lnRef idx="2">
@@ -9627,168 +9916,16 @@
           <a:lstStyle/>
           <a:p>
             <a:pPr algn="ctr"/>
-            <a:endParaRPr lang="en-US">
-              <a:solidFill>
-                <a:schemeClr val="tx1"/>
-              </a:solidFill>
-            </a:endParaRPr>
-          </a:p>
-        </p:txBody>
-      </p:sp>
-      <p:sp>
-        <p:nvSpPr>
-          <p:cNvPr id="2" name="TextBox 1">
-            <a:extLst>
-              <a:ext uri="{FF2B5EF4-FFF2-40B4-BE49-F238E27FC236}">
-                <a16:creationId xmlns:a16="http://schemas.microsoft.com/office/drawing/2014/main" id="{0A759929-BDA3-420D-BC64-1584AF85EDF3}"/>
-              </a:ext>
-            </a:extLst>
-          </p:cNvPr>
-          <p:cNvSpPr txBox="1"/>
-          <p:nvPr/>
-        </p:nvSpPr>
-        <p:spPr>
-          <a:xfrm>
-            <a:off x="5549375" y="290018"/>
-            <a:ext cx="918290" cy="646331"/>
-          </a:xfrm>
-          <a:prstGeom prst="rect">
-            <a:avLst/>
-          </a:prstGeom>
-          <a:noFill/>
-        </p:spPr>
-        <p:txBody>
-          <a:bodyPr wrap="square" rtlCol="0">
-            <a:spAutoFit/>
-          </a:bodyPr>
-          <a:lstStyle/>
-          <a:p>
-            <a:pPr algn="ctr"/>
-            <a:r>
-              <a:rPr lang="en-US" sz="3600" dirty="0">
-                <a:solidFill>
-                  <a:schemeClr val="bg1"/>
-                </a:solidFill>
-              </a:rPr>
-              <a:t>205</a:t>
-            </a:r>
-          </a:p>
-        </p:txBody>
-      </p:sp>
-      <p:sp>
-        <p:nvSpPr>
-          <p:cNvPr id="19" name="TextBox 18">
-            <a:extLst>
-              <a:ext uri="{FF2B5EF4-FFF2-40B4-BE49-F238E27FC236}">
-                <a16:creationId xmlns:a16="http://schemas.microsoft.com/office/drawing/2014/main" id="{CF636CAF-E37E-49CC-90E0-59ACB65E3E51}"/>
-              </a:ext>
-            </a:extLst>
-          </p:cNvPr>
-          <p:cNvSpPr txBox="1"/>
-          <p:nvPr/>
-        </p:nvSpPr>
-        <p:spPr>
-          <a:xfrm>
-            <a:off x="4135786" y="290018"/>
-            <a:ext cx="918290" cy="646331"/>
-          </a:xfrm>
-          <a:prstGeom prst="rect">
-            <a:avLst/>
-          </a:prstGeom>
-          <a:noFill/>
-        </p:spPr>
-        <p:txBody>
-          <a:bodyPr wrap="square" rtlCol="0">
-            <a:spAutoFit/>
-          </a:bodyPr>
-          <a:lstStyle/>
-          <a:p>
-            <a:pPr algn="ctr"/>
-            <a:r>
-              <a:rPr lang="en-US" sz="3600" dirty="0">
-                <a:solidFill>
-                  <a:schemeClr val="bg1"/>
-                </a:solidFill>
-              </a:rPr>
-              <a:t>5</a:t>
-            </a:r>
-          </a:p>
-        </p:txBody>
-      </p:sp>
-      <p:sp>
-        <p:nvSpPr>
-          <p:cNvPr id="7" name="TextBox 6">
-            <a:extLst>
-              <a:ext uri="{FF2B5EF4-FFF2-40B4-BE49-F238E27FC236}">
-                <a16:creationId xmlns:a16="http://schemas.microsoft.com/office/drawing/2014/main" id="{BE3FA923-B472-49D2-A73E-C082D5A7211F}"/>
-              </a:ext>
-            </a:extLst>
-          </p:cNvPr>
-          <p:cNvSpPr txBox="1"/>
-          <p:nvPr/>
-        </p:nvSpPr>
-        <p:spPr>
-          <a:xfrm>
-            <a:off x="4601542" y="809025"/>
-            <a:ext cx="1081560" cy="307777"/>
-          </a:xfrm>
-          <a:prstGeom prst="rect">
-            <a:avLst/>
-          </a:prstGeom>
-          <a:noFill/>
-        </p:spPr>
-        <p:txBody>
-          <a:bodyPr wrap="square" rtlCol="0">
-            <a:spAutoFit/>
-          </a:bodyPr>
-          <a:lstStyle/>
-          <a:p>
-            <a:r>
-              <a:rPr lang="en-US" sz="1400" dirty="0">
-                <a:solidFill>
-                  <a:schemeClr val="bg1"/>
-                </a:solidFill>
-              </a:rPr>
-              <a:t>Fortune</a:t>
-            </a:r>
-          </a:p>
-        </p:txBody>
-      </p:sp>
-      <p:pic>
-        <p:nvPicPr>
-          <p:cNvPr id="21" name="Picture 20">
-            <a:extLst>
-              <a:ext uri="{FF2B5EF4-FFF2-40B4-BE49-F238E27FC236}">
-                <a16:creationId xmlns:a16="http://schemas.microsoft.com/office/drawing/2014/main" id="{42A5FF73-754B-45B0-9ED8-9B0A6D1EF089}"/>
-              </a:ext>
-            </a:extLst>
-          </p:cNvPr>
-          <p:cNvPicPr>
-            <a:picLocks noChangeAspect="1"/>
-          </p:cNvPicPr>
-          <p:nvPr/>
-        </p:nvPicPr>
-        <p:blipFill rotWithShape="1">
-          <a:blip r:embed="rId4"/>
-          <a:srcRect l="3324" t="15484" r="5058" b="24467"/>
-          <a:stretch/>
-        </p:blipFill>
-        <p:spPr>
-          <a:xfrm>
-            <a:off x="5379077" y="936349"/>
-            <a:ext cx="1055908" cy="102953"/>
-          </a:xfrm>
-          <a:prstGeom prst="rect">
-            <a:avLst/>
-          </a:prstGeom>
-        </p:spPr>
-      </p:pic>
-      <p:sp>
-        <p:nvSpPr>
-          <p:cNvPr id="23" name="Rectangle: Rounded Corners 22">
-            <a:extLst>
-              <a:ext uri="{FF2B5EF4-FFF2-40B4-BE49-F238E27FC236}">
-                <a16:creationId xmlns:a16="http://schemas.microsoft.com/office/drawing/2014/main" id="{DECEE237-B7F2-447F-ADC9-0EE88DFB9FCD}"/>
+            <a:endParaRPr lang="en-US"/>
+          </a:p>
+        </p:txBody>
+      </p:sp>
+      <p:sp>
+        <p:nvSpPr>
+          <p:cNvPr id="16" name="Rectangle: Rounded Corners 15">
+            <a:extLst>
+              <a:ext uri="{FF2B5EF4-FFF2-40B4-BE49-F238E27FC236}">
+                <a16:creationId xmlns:a16="http://schemas.microsoft.com/office/drawing/2014/main" id="{5E679ADA-4B52-45D8-B69C-70ED61D3419C}"/>
               </a:ext>
             </a:extLst>
           </p:cNvPr>
@@ -9797,8 +9934,8 @@
         </p:nvSpPr>
         <p:spPr>
           <a:xfrm>
-            <a:off x="4203228" y="6130212"/>
-            <a:ext cx="641305" cy="450072"/>
+            <a:off x="4961941" y="6130212"/>
+            <a:ext cx="2959748" cy="450072"/>
           </a:xfrm>
           <a:prstGeom prst="roundRect">
             <a:avLst/>
@@ -9840,6 +9977,317 @@
           <a:p>
             <a:pPr algn="ctr"/>
             <a:r>
+              <a:rPr lang="en-US" sz="1400" dirty="0"/>
+              <a:t>Click on letters </a:t>
+            </a:r>
+          </a:p>
+          <a:p>
+            <a:pPr algn="ctr"/>
+            <a:r>
+              <a:rPr lang="en-US" sz="1400" dirty="0"/>
+              <a:t>to spell a word</a:t>
+            </a:r>
+          </a:p>
+        </p:txBody>
+      </p:sp>
+      <p:sp>
+        <p:nvSpPr>
+          <p:cNvPr id="18" name="Frame 17">
+            <a:extLst>
+              <a:ext uri="{FF2B5EF4-FFF2-40B4-BE49-F238E27FC236}">
+                <a16:creationId xmlns:a16="http://schemas.microsoft.com/office/drawing/2014/main" id="{846FA173-1D6E-473B-B9BB-4ACE6EC26BD4}"/>
+              </a:ext>
+            </a:extLst>
+          </p:cNvPr>
+          <p:cNvSpPr/>
+          <p:nvPr/>
+        </p:nvSpPr>
+        <p:spPr>
+          <a:xfrm>
+            <a:off x="3498980" y="-475860"/>
+            <a:ext cx="5178489" cy="7791060"/>
+          </a:xfrm>
+          <a:prstGeom prst="frame">
+            <a:avLst/>
+          </a:prstGeom>
+          <a:solidFill>
+            <a:schemeClr val="bg1"/>
+          </a:solidFill>
+        </p:spPr>
+        <p:style>
+          <a:lnRef idx="2">
+            <a:schemeClr val="accent1">
+              <a:shade val="50000"/>
+            </a:schemeClr>
+          </a:lnRef>
+          <a:fillRef idx="1">
+            <a:schemeClr val="accent1"/>
+          </a:fillRef>
+          <a:effectRef idx="0">
+            <a:schemeClr val="accent1"/>
+          </a:effectRef>
+          <a:fontRef idx="minor">
+            <a:schemeClr val="lt1"/>
+          </a:fontRef>
+        </p:style>
+        <p:txBody>
+          <a:bodyPr rtlCol="0" anchor="ctr"/>
+          <a:lstStyle/>
+          <a:p>
+            <a:pPr algn="ctr"/>
+            <a:endParaRPr lang="en-US">
+              <a:solidFill>
+                <a:schemeClr val="tx1"/>
+              </a:solidFill>
+            </a:endParaRPr>
+          </a:p>
+        </p:txBody>
+      </p:sp>
+      <p:sp>
+        <p:nvSpPr>
+          <p:cNvPr id="2" name="TextBox 1">
+            <a:extLst>
+              <a:ext uri="{FF2B5EF4-FFF2-40B4-BE49-F238E27FC236}">
+                <a16:creationId xmlns:a16="http://schemas.microsoft.com/office/drawing/2014/main" id="{0A759929-BDA3-420D-BC64-1584AF85EDF3}"/>
+              </a:ext>
+            </a:extLst>
+          </p:cNvPr>
+          <p:cNvSpPr txBox="1"/>
+          <p:nvPr/>
+        </p:nvSpPr>
+        <p:spPr>
+          <a:xfrm>
+            <a:off x="5549375" y="290018"/>
+            <a:ext cx="918290" cy="646331"/>
+          </a:xfrm>
+          <a:prstGeom prst="rect">
+            <a:avLst/>
+          </a:prstGeom>
+          <a:noFill/>
+        </p:spPr>
+        <p:txBody>
+          <a:bodyPr wrap="square" rtlCol="0">
+            <a:spAutoFit/>
+          </a:bodyPr>
+          <a:lstStyle/>
+          <a:p>
+            <a:pPr algn="ctr"/>
+            <a:r>
+              <a:rPr lang="en-US" sz="3600" dirty="0">
+                <a:solidFill>
+                  <a:schemeClr val="bg1"/>
+                </a:solidFill>
+              </a:rPr>
+              <a:t>205</a:t>
+            </a:r>
+          </a:p>
+        </p:txBody>
+      </p:sp>
+      <p:sp>
+        <p:nvSpPr>
+          <p:cNvPr id="19" name="TextBox 18">
+            <a:extLst>
+              <a:ext uri="{FF2B5EF4-FFF2-40B4-BE49-F238E27FC236}">
+                <a16:creationId xmlns:a16="http://schemas.microsoft.com/office/drawing/2014/main" id="{CF636CAF-E37E-49CC-90E0-59ACB65E3E51}"/>
+              </a:ext>
+            </a:extLst>
+          </p:cNvPr>
+          <p:cNvSpPr txBox="1"/>
+          <p:nvPr/>
+        </p:nvSpPr>
+        <p:spPr>
+          <a:xfrm>
+            <a:off x="4135786" y="290018"/>
+            <a:ext cx="918290" cy="646331"/>
+          </a:xfrm>
+          <a:prstGeom prst="rect">
+            <a:avLst/>
+          </a:prstGeom>
+          <a:noFill/>
+        </p:spPr>
+        <p:txBody>
+          <a:bodyPr wrap="square" rtlCol="0">
+            <a:spAutoFit/>
+          </a:bodyPr>
+          <a:lstStyle/>
+          <a:p>
+            <a:pPr algn="ctr"/>
+            <a:r>
+              <a:rPr lang="en-US" sz="3600" dirty="0">
+                <a:solidFill>
+                  <a:schemeClr val="bg1"/>
+                </a:solidFill>
+              </a:rPr>
+              <a:t>5</a:t>
+            </a:r>
+          </a:p>
+        </p:txBody>
+      </p:sp>
+      <p:sp>
+        <p:nvSpPr>
+          <p:cNvPr id="20" name="TextBox 19">
+            <a:extLst>
+              <a:ext uri="{FF2B5EF4-FFF2-40B4-BE49-F238E27FC236}">
+                <a16:creationId xmlns:a16="http://schemas.microsoft.com/office/drawing/2014/main" id="{C5FF8574-4F5C-4C8A-8536-DF9E68318D6B}"/>
+              </a:ext>
+            </a:extLst>
+          </p:cNvPr>
+          <p:cNvSpPr txBox="1"/>
+          <p:nvPr/>
+        </p:nvSpPr>
+        <p:spPr>
+          <a:xfrm>
+            <a:off x="7120806" y="316583"/>
+            <a:ext cx="918290" cy="646331"/>
+          </a:xfrm>
+          <a:prstGeom prst="rect">
+            <a:avLst/>
+          </a:prstGeom>
+          <a:noFill/>
+        </p:spPr>
+        <p:txBody>
+          <a:bodyPr wrap="square" rtlCol="0">
+            <a:spAutoFit/>
+          </a:bodyPr>
+          <a:lstStyle/>
+          <a:p>
+            <a:pPr algn="ctr"/>
+            <a:r>
+              <a:rPr lang="en-US" sz="3600" dirty="0">
+                <a:solidFill>
+                  <a:schemeClr val="bg1"/>
+                </a:solidFill>
+              </a:rPr>
+              <a:t>0</a:t>
+            </a:r>
+          </a:p>
+        </p:txBody>
+      </p:sp>
+      <p:sp>
+        <p:nvSpPr>
+          <p:cNvPr id="7" name="TextBox 6">
+            <a:extLst>
+              <a:ext uri="{FF2B5EF4-FFF2-40B4-BE49-F238E27FC236}">
+                <a16:creationId xmlns:a16="http://schemas.microsoft.com/office/drawing/2014/main" id="{BE3FA923-B472-49D2-A73E-C082D5A7211F}"/>
+              </a:ext>
+            </a:extLst>
+          </p:cNvPr>
+          <p:cNvSpPr txBox="1"/>
+          <p:nvPr/>
+        </p:nvSpPr>
+        <p:spPr>
+          <a:xfrm>
+            <a:off x="4601542" y="809025"/>
+            <a:ext cx="1081560" cy="307777"/>
+          </a:xfrm>
+          <a:prstGeom prst="rect">
+            <a:avLst/>
+          </a:prstGeom>
+          <a:noFill/>
+        </p:spPr>
+        <p:txBody>
+          <a:bodyPr wrap="square" rtlCol="0">
+            <a:spAutoFit/>
+          </a:bodyPr>
+          <a:lstStyle/>
+          <a:p>
+            <a:r>
+              <a:rPr lang="en-US" sz="1400" dirty="0">
+                <a:solidFill>
+                  <a:schemeClr val="bg1"/>
+                </a:solidFill>
+              </a:rPr>
+              <a:t>Fortune</a:t>
+            </a:r>
+          </a:p>
+        </p:txBody>
+      </p:sp>
+      <p:pic>
+        <p:nvPicPr>
+          <p:cNvPr id="21" name="Picture 20">
+            <a:extLst>
+              <a:ext uri="{FF2B5EF4-FFF2-40B4-BE49-F238E27FC236}">
+                <a16:creationId xmlns:a16="http://schemas.microsoft.com/office/drawing/2014/main" id="{42A5FF73-754B-45B0-9ED8-9B0A6D1EF089}"/>
+              </a:ext>
+            </a:extLst>
+          </p:cNvPr>
+          <p:cNvPicPr>
+            <a:picLocks noChangeAspect="1"/>
+          </p:cNvPicPr>
+          <p:nvPr/>
+        </p:nvPicPr>
+        <p:blipFill rotWithShape="1">
+          <a:blip r:embed="rId4"/>
+          <a:srcRect l="3324" t="15484" r="5058" b="24467"/>
+          <a:stretch/>
+        </p:blipFill>
+        <p:spPr>
+          <a:xfrm>
+            <a:off x="5379077" y="936349"/>
+            <a:ext cx="1055908" cy="102953"/>
+          </a:xfrm>
+          <a:prstGeom prst="rect">
+            <a:avLst/>
+          </a:prstGeom>
+        </p:spPr>
+      </p:pic>
+      <p:sp>
+        <p:nvSpPr>
+          <p:cNvPr id="23" name="Rectangle: Rounded Corners 22">
+            <a:extLst>
+              <a:ext uri="{FF2B5EF4-FFF2-40B4-BE49-F238E27FC236}">
+                <a16:creationId xmlns:a16="http://schemas.microsoft.com/office/drawing/2014/main" id="{DECEE237-B7F2-447F-ADC9-0EE88DFB9FCD}"/>
+              </a:ext>
+            </a:extLst>
+          </p:cNvPr>
+          <p:cNvSpPr/>
+          <p:nvPr/>
+        </p:nvSpPr>
+        <p:spPr>
+          <a:xfrm>
+            <a:off x="4203228" y="6130212"/>
+            <a:ext cx="641305" cy="450072"/>
+          </a:xfrm>
+          <a:prstGeom prst="roundRect">
+            <a:avLst/>
+          </a:prstGeom>
+          <a:solidFill>
+            <a:schemeClr val="tx1">
+              <a:lumMod val="85000"/>
+              <a:lumOff val="15000"/>
+            </a:schemeClr>
+          </a:solidFill>
+          <a:ln>
+            <a:solidFill>
+              <a:schemeClr val="tx1">
+                <a:lumMod val="50000"/>
+                <a:lumOff val="50000"/>
+              </a:schemeClr>
+            </a:solidFill>
+          </a:ln>
+        </p:spPr>
+        <p:style>
+          <a:lnRef idx="2">
+            <a:schemeClr val="accent1">
+              <a:shade val="50000"/>
+            </a:schemeClr>
+          </a:lnRef>
+          <a:fillRef idx="1">
+            <a:schemeClr val="accent1"/>
+          </a:fillRef>
+          <a:effectRef idx="0">
+            <a:schemeClr val="accent1"/>
+          </a:effectRef>
+          <a:fontRef idx="minor">
+            <a:schemeClr val="lt1"/>
+          </a:fontRef>
+        </p:style>
+        <p:txBody>
+          <a:bodyPr rtlCol="0" anchor="ctr"/>
+          <a:lstStyle/>
+          <a:p>
+            <a:pPr algn="ctr"/>
+            <a:r>
               <a:rPr lang="en-US" sz="2800" dirty="0"/>
               <a:t>?</a:t>
             </a:r>
@@ -9965,7 +10413,7 @@
     </p:spTree>
     <p:extLst>
       <p:ext uri="{BB962C8B-B14F-4D97-AF65-F5344CB8AC3E}">
-        <p14:creationId xmlns:p14="http://schemas.microsoft.com/office/powerpoint/2010/main" val="1891592699"/>
+        <p14:creationId xmlns:p14="http://schemas.microsoft.com/office/powerpoint/2010/main" val="3341350015"/>
       </p:ext>
     </p:extLst>
   </p:cSld>
@@ -10194,6 +10642,61 @@
       </p:sp>
       <p:sp>
         <p:nvSpPr>
+          <p:cNvPr id="28" name="Rectangle 27">
+            <a:extLst>
+              <a:ext uri="{FF2B5EF4-FFF2-40B4-BE49-F238E27FC236}">
+                <a16:creationId xmlns:a16="http://schemas.microsoft.com/office/drawing/2014/main" id="{2D61F2A4-31DA-431F-A6FD-B186EE73D619}"/>
+              </a:ext>
+            </a:extLst>
+          </p:cNvPr>
+          <p:cNvSpPr/>
+          <p:nvPr/>
+        </p:nvSpPr>
+        <p:spPr>
+          <a:xfrm>
+            <a:off x="4671148" y="889910"/>
+            <a:ext cx="2412373" cy="195829"/>
+          </a:xfrm>
+          <a:prstGeom prst="rect">
+            <a:avLst/>
+          </a:prstGeom>
+          <a:solidFill>
+            <a:schemeClr val="tx1">
+              <a:lumMod val="75000"/>
+              <a:lumOff val="25000"/>
+            </a:schemeClr>
+          </a:solidFill>
+          <a:ln>
+            <a:noFill/>
+          </a:ln>
+        </p:spPr>
+        <p:style>
+          <a:lnRef idx="2">
+            <a:schemeClr val="accent1">
+              <a:shade val="50000"/>
+            </a:schemeClr>
+          </a:lnRef>
+          <a:fillRef idx="1">
+            <a:schemeClr val="accent1"/>
+          </a:fillRef>
+          <a:effectRef idx="0">
+            <a:schemeClr val="accent1"/>
+          </a:effectRef>
+          <a:fontRef idx="minor">
+            <a:schemeClr val="lt1"/>
+          </a:fontRef>
+        </p:style>
+        <p:txBody>
+          <a:bodyPr rtlCol="0" anchor="ctr"/>
+          <a:lstStyle/>
+          <a:p>
+            <a:pPr algn="ctr"/>
+            <a:endParaRPr lang="en-US"/>
+          </a:p>
+        </p:txBody>
+      </p:sp>
+      <p:sp>
+        <p:nvSpPr>
           <p:cNvPr id="26" name="Rectangle 25">
             <a:extLst>
               <a:ext uri="{FF2B5EF4-FFF2-40B4-BE49-F238E27FC236}">
@@ -10356,7 +10859,7 @@
         </p:nvSpPr>
         <p:spPr>
           <a:xfrm>
-            <a:off x="7141639" y="150296"/>
+            <a:off x="5634127" y="133209"/>
             <a:ext cx="755780" cy="369332"/>
           </a:xfrm>
           <a:prstGeom prst="rect">
@@ -10561,7 +11064,7 @@
         <p:spPr>
           <a:xfrm>
             <a:off x="4961941" y="6130212"/>
-            <a:ext cx="2274469" cy="450072"/>
+            <a:ext cx="2959748" cy="450072"/>
           </a:xfrm>
           <a:prstGeom prst="roundRect">
             <a:avLst/>
@@ -10671,6 +11174,46 @@
       </p:sp>
       <p:sp>
         <p:nvSpPr>
+          <p:cNvPr id="2" name="TextBox 1">
+            <a:extLst>
+              <a:ext uri="{FF2B5EF4-FFF2-40B4-BE49-F238E27FC236}">
+                <a16:creationId xmlns:a16="http://schemas.microsoft.com/office/drawing/2014/main" id="{0A759929-BDA3-420D-BC64-1584AF85EDF3}"/>
+              </a:ext>
+            </a:extLst>
+          </p:cNvPr>
+          <p:cNvSpPr txBox="1"/>
+          <p:nvPr/>
+        </p:nvSpPr>
+        <p:spPr>
+          <a:xfrm>
+            <a:off x="5549375" y="290018"/>
+            <a:ext cx="918290" cy="646331"/>
+          </a:xfrm>
+          <a:prstGeom prst="rect">
+            <a:avLst/>
+          </a:prstGeom>
+          <a:noFill/>
+        </p:spPr>
+        <p:txBody>
+          <a:bodyPr wrap="square" rtlCol="0">
+            <a:spAutoFit/>
+          </a:bodyPr>
+          <a:lstStyle/>
+          <a:p>
+            <a:pPr algn="ctr"/>
+            <a:r>
+              <a:rPr lang="en-US" sz="3600" dirty="0">
+                <a:solidFill>
+                  <a:schemeClr val="bg1"/>
+                </a:solidFill>
+              </a:rPr>
+              <a:t>205</a:t>
+            </a:r>
+          </a:p>
+        </p:txBody>
+      </p:sp>
+      <p:sp>
+        <p:nvSpPr>
           <p:cNvPr id="19" name="TextBox 18">
             <a:extLst>
               <a:ext uri="{FF2B5EF4-FFF2-40B4-BE49-F238E27FC236}">
@@ -10711,10 +11254,10 @@
       </p:sp>
       <p:sp>
         <p:nvSpPr>
-          <p:cNvPr id="2" name="TextBox 1">
-            <a:extLst>
-              <a:ext uri="{FF2B5EF4-FFF2-40B4-BE49-F238E27FC236}">
-                <a16:creationId xmlns:a16="http://schemas.microsoft.com/office/drawing/2014/main" id="{0A759929-BDA3-420D-BC64-1584AF85EDF3}"/>
+          <p:cNvPr id="7" name="TextBox 6">
+            <a:extLst>
+              <a:ext uri="{FF2B5EF4-FFF2-40B4-BE49-F238E27FC236}">
+                <a16:creationId xmlns:a16="http://schemas.microsoft.com/office/drawing/2014/main" id="{BE3FA923-B472-49D2-A73E-C082D5A7211F}"/>
               </a:ext>
             </a:extLst>
           </p:cNvPr>
@@ -10723,8 +11266,8 @@
         </p:nvSpPr>
         <p:spPr>
           <a:xfrm>
-            <a:off x="7056887" y="307105"/>
-            <a:ext cx="918290" cy="646331"/>
+            <a:off x="4601542" y="809025"/>
+            <a:ext cx="1081560" cy="307777"/>
           </a:xfrm>
           <a:prstGeom prst="rect">
             <a:avLst/>
@@ -10737,18 +11280,46 @@
           </a:bodyPr>
           <a:lstStyle/>
           <a:p>
-            <a:pPr algn="ctr"/>
             <a:r>
-              <a:rPr lang="en-US" sz="3600" dirty="0">
+              <a:rPr lang="en-US" sz="1400" dirty="0">
                 <a:solidFill>
                   <a:schemeClr val="bg1"/>
                 </a:solidFill>
               </a:rPr>
-              <a:t>205</a:t>
+              <a:t>Fortune</a:t>
             </a:r>
           </a:p>
         </p:txBody>
       </p:sp>
+      <p:pic>
+        <p:nvPicPr>
+          <p:cNvPr id="21" name="Picture 20">
+            <a:extLst>
+              <a:ext uri="{FF2B5EF4-FFF2-40B4-BE49-F238E27FC236}">
+                <a16:creationId xmlns:a16="http://schemas.microsoft.com/office/drawing/2014/main" id="{42A5FF73-754B-45B0-9ED8-9B0A6D1EF089}"/>
+              </a:ext>
+            </a:extLst>
+          </p:cNvPr>
+          <p:cNvPicPr>
+            <a:picLocks noChangeAspect="1"/>
+          </p:cNvPicPr>
+          <p:nvPr/>
+        </p:nvPicPr>
+        <p:blipFill rotWithShape="1">
+          <a:blip r:embed="rId4"/>
+          <a:srcRect l="3324" t="15484" r="5058" b="24467"/>
+          <a:stretch/>
+        </p:blipFill>
+        <p:spPr>
+          <a:xfrm>
+            <a:off x="5379077" y="936349"/>
+            <a:ext cx="1055908" cy="102953"/>
+          </a:xfrm>
+          <a:prstGeom prst="rect">
+            <a:avLst/>
+          </a:prstGeom>
+        </p:spPr>
+      </p:pic>
       <p:sp>
         <p:nvSpPr>
           <p:cNvPr id="23" name="Rectangle: Rounded Corners 22">
@@ -10907,7 +11478,7 @@
           <p:nvPr/>
         </p:nvPicPr>
         <p:blipFill>
-          <a:blip r:embed="rId4">
+          <a:blip r:embed="rId5">
             <a:extLst>
               <a:ext uri="{28A0092B-C50C-407E-A947-70E740481C1C}">
                 <a14:useLocalDpi xmlns:a14="http://schemas.microsoft.com/office/drawing/2010/main" val="0"/>
@@ -10928,319 +11499,10 @@
           </a:prstGeom>
         </p:spPr>
       </p:pic>
-      <p:sp>
-        <p:nvSpPr>
-          <p:cNvPr id="27" name="Rectangle: Rounded Corners 26">
-            <a:extLst>
-              <a:ext uri="{FF2B5EF4-FFF2-40B4-BE49-F238E27FC236}">
-                <a16:creationId xmlns:a16="http://schemas.microsoft.com/office/drawing/2014/main" id="{4ADAC294-D022-4486-B0B1-9C198FA4A598}"/>
-              </a:ext>
-            </a:extLst>
-          </p:cNvPr>
-          <p:cNvSpPr/>
-          <p:nvPr/>
-        </p:nvSpPr>
-        <p:spPr>
-          <a:xfrm>
-            <a:off x="7317100" y="6129059"/>
-            <a:ext cx="641305" cy="450072"/>
-          </a:xfrm>
-          <a:prstGeom prst="roundRect">
-            <a:avLst/>
-          </a:prstGeom>
-          <a:solidFill>
-            <a:schemeClr val="tx1">
-              <a:lumMod val="85000"/>
-              <a:lumOff val="15000"/>
-            </a:schemeClr>
-          </a:solidFill>
-          <a:ln>
-            <a:solidFill>
-              <a:schemeClr val="tx1">
-                <a:lumMod val="50000"/>
-                <a:lumOff val="50000"/>
-              </a:schemeClr>
-            </a:solidFill>
-          </a:ln>
-        </p:spPr>
-        <p:style>
-          <a:lnRef idx="2">
-            <a:schemeClr val="accent1">
-              <a:shade val="50000"/>
-            </a:schemeClr>
-          </a:lnRef>
-          <a:fillRef idx="1">
-            <a:schemeClr val="accent1"/>
-          </a:fillRef>
-          <a:effectRef idx="0">
-            <a:schemeClr val="accent1"/>
-          </a:effectRef>
-          <a:fontRef idx="minor">
-            <a:schemeClr val="lt1"/>
-          </a:fontRef>
-        </p:style>
-        <p:txBody>
-          <a:bodyPr rtlCol="0" anchor="ctr"/>
-          <a:lstStyle/>
-          <a:p>
-            <a:pPr algn="ctr"/>
-            <a:r>
-              <a:rPr lang="en-US" sz="1600" dirty="0"/>
-              <a:t>Spell</a:t>
-            </a:r>
-          </a:p>
-        </p:txBody>
-      </p:sp>
-      <p:sp>
-        <p:nvSpPr>
-          <p:cNvPr id="33" name="Rectangle 32">
-            <a:extLst>
-              <a:ext uri="{FF2B5EF4-FFF2-40B4-BE49-F238E27FC236}">
-                <a16:creationId xmlns:a16="http://schemas.microsoft.com/office/drawing/2014/main" id="{EA811E52-E093-4979-A089-9BEAA7841332}"/>
-              </a:ext>
-            </a:extLst>
-          </p:cNvPr>
-          <p:cNvSpPr/>
-          <p:nvPr/>
-        </p:nvSpPr>
-        <p:spPr>
-          <a:xfrm>
-            <a:off x="5086925" y="331527"/>
-            <a:ext cx="2051001" cy="201893"/>
-          </a:xfrm>
-          <a:prstGeom prst="rect">
-            <a:avLst/>
-          </a:prstGeom>
-          <a:solidFill>
-            <a:schemeClr val="tx1">
-              <a:lumMod val="75000"/>
-              <a:lumOff val="25000"/>
-            </a:schemeClr>
-          </a:solidFill>
-          <a:ln>
-            <a:noFill/>
-          </a:ln>
-        </p:spPr>
-        <p:style>
-          <a:lnRef idx="2">
-            <a:schemeClr val="accent1">
-              <a:shade val="50000"/>
-            </a:schemeClr>
-          </a:lnRef>
-          <a:fillRef idx="1">
-            <a:schemeClr val="accent1"/>
-          </a:fillRef>
-          <a:effectRef idx="0">
-            <a:schemeClr val="accent1"/>
-          </a:effectRef>
-          <a:fontRef idx="minor">
-            <a:schemeClr val="lt1"/>
-          </a:fontRef>
-        </p:style>
-        <p:txBody>
-          <a:bodyPr rtlCol="0" anchor="ctr"/>
-          <a:lstStyle/>
-          <a:p>
-            <a:pPr algn="ctr"/>
-            <a:endParaRPr lang="en-US"/>
-          </a:p>
-        </p:txBody>
-      </p:sp>
-      <p:sp>
-        <p:nvSpPr>
-          <p:cNvPr id="34" name="TextBox 33">
-            <a:extLst>
-              <a:ext uri="{FF2B5EF4-FFF2-40B4-BE49-F238E27FC236}">
-                <a16:creationId xmlns:a16="http://schemas.microsoft.com/office/drawing/2014/main" id="{84705CD6-EC1C-4738-9195-436A5925FEE0}"/>
-              </a:ext>
-            </a:extLst>
-          </p:cNvPr>
-          <p:cNvSpPr txBox="1"/>
-          <p:nvPr/>
-        </p:nvSpPr>
-        <p:spPr>
-          <a:xfrm>
-            <a:off x="5017319" y="250642"/>
-            <a:ext cx="670042" cy="307777"/>
-          </a:xfrm>
-          <a:prstGeom prst="rect">
-            <a:avLst/>
-          </a:prstGeom>
-          <a:noFill/>
-        </p:spPr>
-        <p:txBody>
-          <a:bodyPr wrap="square" rtlCol="0">
-            <a:spAutoFit/>
-          </a:bodyPr>
-          <a:lstStyle/>
-          <a:p>
-            <a:r>
-              <a:rPr lang="en-US" sz="1400" dirty="0">
-                <a:solidFill>
-                  <a:schemeClr val="bg1"/>
-                </a:solidFill>
-              </a:rPr>
-              <a:t>Mana:</a:t>
-            </a:r>
-          </a:p>
-        </p:txBody>
-      </p:sp>
-      <p:pic>
-        <p:nvPicPr>
-          <p:cNvPr id="35" name="Picture 34">
-            <a:extLst>
-              <a:ext uri="{FF2B5EF4-FFF2-40B4-BE49-F238E27FC236}">
-                <a16:creationId xmlns:a16="http://schemas.microsoft.com/office/drawing/2014/main" id="{CB756B4A-ABEF-4897-A53F-9AF29BADFC67}"/>
-              </a:ext>
-            </a:extLst>
-          </p:cNvPr>
-          <p:cNvPicPr>
-            <a:picLocks noChangeAspect="1"/>
-          </p:cNvPicPr>
-          <p:nvPr/>
-        </p:nvPicPr>
-        <p:blipFill rotWithShape="1">
-          <a:blip r:embed="rId5"/>
-          <a:srcRect l="3324" t="15484" r="5058" b="24467"/>
-          <a:stretch/>
-        </p:blipFill>
-        <p:spPr>
-          <a:xfrm>
-            <a:off x="5794854" y="377966"/>
-            <a:ext cx="1055908" cy="102953"/>
-          </a:xfrm>
-          <a:prstGeom prst="rect">
-            <a:avLst/>
-          </a:prstGeom>
-        </p:spPr>
-      </p:pic>
-      <p:sp>
-        <p:nvSpPr>
-          <p:cNvPr id="36" name="Rectangle 35">
-            <a:extLst>
-              <a:ext uri="{FF2B5EF4-FFF2-40B4-BE49-F238E27FC236}">
-                <a16:creationId xmlns:a16="http://schemas.microsoft.com/office/drawing/2014/main" id="{5B214126-3FEA-438E-8B09-AC02939AA5A7}"/>
-              </a:ext>
-            </a:extLst>
-          </p:cNvPr>
-          <p:cNvSpPr/>
-          <p:nvPr/>
-        </p:nvSpPr>
-        <p:spPr>
-          <a:xfrm>
-            <a:off x="5086926" y="614306"/>
-            <a:ext cx="1969962" cy="225870"/>
-          </a:xfrm>
-          <a:prstGeom prst="rect">
-            <a:avLst/>
-          </a:prstGeom>
-          <a:solidFill>
-            <a:schemeClr val="tx1">
-              <a:lumMod val="75000"/>
-              <a:lumOff val="25000"/>
-            </a:schemeClr>
-          </a:solidFill>
-          <a:ln>
-            <a:noFill/>
-          </a:ln>
-        </p:spPr>
-        <p:style>
-          <a:lnRef idx="2">
-            <a:schemeClr val="accent1">
-              <a:shade val="50000"/>
-            </a:schemeClr>
-          </a:lnRef>
-          <a:fillRef idx="1">
-            <a:schemeClr val="accent1"/>
-          </a:fillRef>
-          <a:effectRef idx="0">
-            <a:schemeClr val="accent1"/>
-          </a:effectRef>
-          <a:fontRef idx="minor">
-            <a:schemeClr val="lt1"/>
-          </a:fontRef>
-        </p:style>
-        <p:txBody>
-          <a:bodyPr rtlCol="0" anchor="ctr"/>
-          <a:lstStyle/>
-          <a:p>
-            <a:pPr algn="ctr"/>
-            <a:endParaRPr lang="en-US"/>
-          </a:p>
-        </p:txBody>
-      </p:sp>
-      <p:sp>
-        <p:nvSpPr>
-          <p:cNvPr id="37" name="TextBox 36">
-            <a:extLst>
-              <a:ext uri="{FF2B5EF4-FFF2-40B4-BE49-F238E27FC236}">
-                <a16:creationId xmlns:a16="http://schemas.microsoft.com/office/drawing/2014/main" id="{B4E3F3D3-E071-4728-82A1-C765F34EB153}"/>
-              </a:ext>
-            </a:extLst>
-          </p:cNvPr>
-          <p:cNvSpPr txBox="1"/>
-          <p:nvPr/>
-        </p:nvSpPr>
-        <p:spPr>
-          <a:xfrm>
-            <a:off x="5017319" y="533421"/>
-            <a:ext cx="777535" cy="307777"/>
-          </a:xfrm>
-          <a:prstGeom prst="rect">
-            <a:avLst/>
-          </a:prstGeom>
-          <a:noFill/>
-        </p:spPr>
-        <p:txBody>
-          <a:bodyPr wrap="square" rtlCol="0">
-            <a:spAutoFit/>
-          </a:bodyPr>
-          <a:lstStyle/>
-          <a:p>
-            <a:r>
-              <a:rPr lang="en-US" sz="1400" dirty="0">
-                <a:solidFill>
-                  <a:schemeClr val="bg1"/>
-                </a:solidFill>
-              </a:rPr>
-              <a:t>Fortune</a:t>
-            </a:r>
-          </a:p>
-        </p:txBody>
-      </p:sp>
-      <p:pic>
-        <p:nvPicPr>
-          <p:cNvPr id="38" name="Picture 37">
-            <a:extLst>
-              <a:ext uri="{FF2B5EF4-FFF2-40B4-BE49-F238E27FC236}">
-                <a16:creationId xmlns:a16="http://schemas.microsoft.com/office/drawing/2014/main" id="{391C904E-4B39-4201-8C10-5CB790B6CB48}"/>
-              </a:ext>
-            </a:extLst>
-          </p:cNvPr>
-          <p:cNvPicPr>
-            <a:picLocks noChangeAspect="1"/>
-          </p:cNvPicPr>
-          <p:nvPr/>
-        </p:nvPicPr>
-        <p:blipFill rotWithShape="1">
-          <a:blip r:embed="rId5"/>
-          <a:srcRect l="3324" t="15484" r="5058" b="24467"/>
-          <a:stretch/>
-        </p:blipFill>
-        <p:spPr>
-          <a:xfrm>
-            <a:off x="5794854" y="660745"/>
-            <a:ext cx="1055908" cy="102953"/>
-          </a:xfrm>
-          <a:prstGeom prst="rect">
-            <a:avLst/>
-          </a:prstGeom>
-        </p:spPr>
-      </p:pic>
     </p:spTree>
     <p:extLst>
       <p:ext uri="{BB962C8B-B14F-4D97-AF65-F5344CB8AC3E}">
-        <p14:creationId xmlns:p14="http://schemas.microsoft.com/office/powerpoint/2010/main" val="1193455987"/>
+        <p14:creationId xmlns:p14="http://schemas.microsoft.com/office/powerpoint/2010/main" val="1891592699"/>
       </p:ext>
     </p:extLst>
   </p:cSld>
@@ -11469,6 +11731,196 @@
       </p:sp>
       <p:sp>
         <p:nvSpPr>
+          <p:cNvPr id="26" name="Rectangle 25">
+            <a:extLst>
+              <a:ext uri="{FF2B5EF4-FFF2-40B4-BE49-F238E27FC236}">
+                <a16:creationId xmlns:a16="http://schemas.microsoft.com/office/drawing/2014/main" id="{EEA356B7-F52F-4BC6-9D20-1056F3D1A3BC}"/>
+              </a:ext>
+            </a:extLst>
+          </p:cNvPr>
+          <p:cNvSpPr/>
+          <p:nvPr/>
+        </p:nvSpPr>
+        <p:spPr>
+          <a:xfrm>
+            <a:off x="4147561" y="177457"/>
+            <a:ext cx="3853566" cy="919121"/>
+          </a:xfrm>
+          <a:prstGeom prst="rect">
+            <a:avLst/>
+          </a:prstGeom>
+          <a:solidFill>
+            <a:schemeClr val="tx1">
+              <a:lumMod val="75000"/>
+              <a:lumOff val="25000"/>
+            </a:schemeClr>
+          </a:solidFill>
+          <a:ln>
+            <a:noFill/>
+          </a:ln>
+        </p:spPr>
+        <p:style>
+          <a:lnRef idx="2">
+            <a:schemeClr val="accent1">
+              <a:shade val="50000"/>
+            </a:schemeClr>
+          </a:lnRef>
+          <a:fillRef idx="1">
+            <a:schemeClr val="accent1"/>
+          </a:fillRef>
+          <a:effectRef idx="0">
+            <a:schemeClr val="accent1"/>
+          </a:effectRef>
+          <a:fontRef idx="minor">
+            <a:schemeClr val="lt1"/>
+          </a:fontRef>
+        </p:style>
+        <p:txBody>
+          <a:bodyPr rtlCol="0" anchor="ctr"/>
+          <a:lstStyle/>
+          <a:p>
+            <a:pPr algn="ctr"/>
+            <a:endParaRPr lang="en-US"/>
+          </a:p>
+        </p:txBody>
+      </p:sp>
+      <p:sp>
+        <p:nvSpPr>
+          <p:cNvPr id="5" name="Rectangle 4">
+            <a:extLst>
+              <a:ext uri="{FF2B5EF4-FFF2-40B4-BE49-F238E27FC236}">
+                <a16:creationId xmlns:a16="http://schemas.microsoft.com/office/drawing/2014/main" id="{175491A8-EA5B-4C2C-A048-E751C5A7E636}"/>
+              </a:ext>
+            </a:extLst>
+          </p:cNvPr>
+          <p:cNvSpPr/>
+          <p:nvPr/>
+        </p:nvSpPr>
+        <p:spPr>
+          <a:xfrm>
+            <a:off x="4152898" y="169104"/>
+            <a:ext cx="901178" cy="682060"/>
+          </a:xfrm>
+          <a:prstGeom prst="rect">
+            <a:avLst/>
+          </a:prstGeom>
+          <a:solidFill>
+            <a:schemeClr val="tx1">
+              <a:lumMod val="75000"/>
+              <a:lumOff val="25000"/>
+            </a:schemeClr>
+          </a:solidFill>
+          <a:ln>
+            <a:noFill/>
+          </a:ln>
+        </p:spPr>
+        <p:style>
+          <a:lnRef idx="2">
+            <a:schemeClr val="accent1">
+              <a:shade val="50000"/>
+            </a:schemeClr>
+          </a:lnRef>
+          <a:fillRef idx="1">
+            <a:schemeClr val="accent1"/>
+          </a:fillRef>
+          <a:effectRef idx="0">
+            <a:schemeClr val="accent1"/>
+          </a:effectRef>
+          <a:fontRef idx="minor">
+            <a:schemeClr val="lt1"/>
+          </a:fontRef>
+        </p:style>
+        <p:txBody>
+          <a:bodyPr rtlCol="0" anchor="ctr"/>
+          <a:lstStyle/>
+          <a:p>
+            <a:pPr algn="ctr"/>
+            <a:endParaRPr lang="en-US"/>
+          </a:p>
+        </p:txBody>
+      </p:sp>
+      <p:sp>
+        <p:nvSpPr>
+          <p:cNvPr id="6" name="TextBox 5">
+            <a:extLst>
+              <a:ext uri="{FF2B5EF4-FFF2-40B4-BE49-F238E27FC236}">
+                <a16:creationId xmlns:a16="http://schemas.microsoft.com/office/drawing/2014/main" id="{C5A2D7AE-E779-41F9-B90A-BC5411D76DD9}"/>
+              </a:ext>
+            </a:extLst>
+          </p:cNvPr>
+          <p:cNvSpPr txBox="1"/>
+          <p:nvPr/>
+        </p:nvSpPr>
+        <p:spPr>
+          <a:xfrm>
+            <a:off x="4223652" y="131919"/>
+            <a:ext cx="755780" cy="369332"/>
+          </a:xfrm>
+          <a:prstGeom prst="rect">
+            <a:avLst/>
+          </a:prstGeom>
+          <a:noFill/>
+        </p:spPr>
+        <p:txBody>
+          <a:bodyPr wrap="square" rtlCol="0">
+            <a:spAutoFit/>
+          </a:bodyPr>
+          <a:lstStyle/>
+          <a:p>
+            <a:pPr algn="ctr"/>
+            <a:r>
+              <a:rPr lang="en-US" dirty="0">
+                <a:solidFill>
+                  <a:schemeClr val="bg1"/>
+                </a:solidFill>
+              </a:rPr>
+              <a:t>Level</a:t>
+            </a:r>
+          </a:p>
+        </p:txBody>
+      </p:sp>
+      <p:sp>
+        <p:nvSpPr>
+          <p:cNvPr id="8" name="TextBox 7">
+            <a:extLst>
+              <a:ext uri="{FF2B5EF4-FFF2-40B4-BE49-F238E27FC236}">
+                <a16:creationId xmlns:a16="http://schemas.microsoft.com/office/drawing/2014/main" id="{E1BE5118-306B-4FFA-A54E-5C601C8394FA}"/>
+              </a:ext>
+            </a:extLst>
+          </p:cNvPr>
+          <p:cNvSpPr txBox="1"/>
+          <p:nvPr/>
+        </p:nvSpPr>
+        <p:spPr>
+          <a:xfrm>
+            <a:off x="7141639" y="150296"/>
+            <a:ext cx="755780" cy="369332"/>
+          </a:xfrm>
+          <a:prstGeom prst="rect">
+            <a:avLst/>
+          </a:prstGeom>
+          <a:noFill/>
+        </p:spPr>
+        <p:txBody>
+          <a:bodyPr wrap="square" rtlCol="0">
+            <a:spAutoFit/>
+          </a:bodyPr>
+          <a:lstStyle/>
+          <a:p>
+            <a:pPr algn="ctr"/>
+            <a:r>
+              <a:rPr lang="en-US" dirty="0">
+                <a:solidFill>
+                  <a:schemeClr val="bg1"/>
+                </a:solidFill>
+              </a:rPr>
+              <a:t>Score</a:t>
+            </a:r>
+          </a:p>
+        </p:txBody>
+      </p:sp>
+      <p:sp>
+        <p:nvSpPr>
           <p:cNvPr id="12" name="Rectangle 11">
             <a:extLst>
               <a:ext uri="{FF2B5EF4-FFF2-40B4-BE49-F238E27FC236}">
@@ -11645,7 +12097,7 @@
         </p:nvSpPr>
         <p:spPr>
           <a:xfrm>
-            <a:off x="4987171" y="6130212"/>
+            <a:off x="4961941" y="6130212"/>
             <a:ext cx="2274469" cy="450072"/>
           </a:xfrm>
           <a:prstGeom prst="roundRect">
@@ -11756,6 +12208,86 @@
       </p:sp>
       <p:sp>
         <p:nvSpPr>
+          <p:cNvPr id="19" name="TextBox 18">
+            <a:extLst>
+              <a:ext uri="{FF2B5EF4-FFF2-40B4-BE49-F238E27FC236}">
+                <a16:creationId xmlns:a16="http://schemas.microsoft.com/office/drawing/2014/main" id="{CF636CAF-E37E-49CC-90E0-59ACB65E3E51}"/>
+              </a:ext>
+            </a:extLst>
+          </p:cNvPr>
+          <p:cNvSpPr txBox="1"/>
+          <p:nvPr/>
+        </p:nvSpPr>
+        <p:spPr>
+          <a:xfrm>
+            <a:off x="4135786" y="290018"/>
+            <a:ext cx="918290" cy="646331"/>
+          </a:xfrm>
+          <a:prstGeom prst="rect">
+            <a:avLst/>
+          </a:prstGeom>
+          <a:noFill/>
+        </p:spPr>
+        <p:txBody>
+          <a:bodyPr wrap="square" rtlCol="0">
+            <a:spAutoFit/>
+          </a:bodyPr>
+          <a:lstStyle/>
+          <a:p>
+            <a:pPr algn="ctr"/>
+            <a:r>
+              <a:rPr lang="en-US" sz="3600" dirty="0">
+                <a:solidFill>
+                  <a:schemeClr val="bg1"/>
+                </a:solidFill>
+              </a:rPr>
+              <a:t>5</a:t>
+            </a:r>
+          </a:p>
+        </p:txBody>
+      </p:sp>
+      <p:sp>
+        <p:nvSpPr>
+          <p:cNvPr id="2" name="TextBox 1">
+            <a:extLst>
+              <a:ext uri="{FF2B5EF4-FFF2-40B4-BE49-F238E27FC236}">
+                <a16:creationId xmlns:a16="http://schemas.microsoft.com/office/drawing/2014/main" id="{0A759929-BDA3-420D-BC64-1584AF85EDF3}"/>
+              </a:ext>
+            </a:extLst>
+          </p:cNvPr>
+          <p:cNvSpPr txBox="1"/>
+          <p:nvPr/>
+        </p:nvSpPr>
+        <p:spPr>
+          <a:xfrm>
+            <a:off x="7056887" y="307105"/>
+            <a:ext cx="918290" cy="646331"/>
+          </a:xfrm>
+          <a:prstGeom prst="rect">
+            <a:avLst/>
+          </a:prstGeom>
+          <a:noFill/>
+        </p:spPr>
+        <p:txBody>
+          <a:bodyPr wrap="square" rtlCol="0">
+            <a:spAutoFit/>
+          </a:bodyPr>
+          <a:lstStyle/>
+          <a:p>
+            <a:pPr algn="ctr"/>
+            <a:r>
+              <a:rPr lang="en-US" sz="3600" dirty="0">
+                <a:solidFill>
+                  <a:schemeClr val="bg1"/>
+                </a:solidFill>
+              </a:rPr>
+              <a:t>205</a:t>
+            </a:r>
+          </a:p>
+        </p:txBody>
+      </p:sp>
+      <p:sp>
+        <p:nvSpPr>
           <p:cNvPr id="23" name="Rectangle: Rounded Corners 22">
             <a:extLst>
               <a:ext uri="{FF2B5EF4-FFF2-40B4-BE49-F238E27FC236}">
@@ -11852,7 +12384,7 @@
                   <a:schemeClr val="bg1"/>
                 </a:solidFill>
               </a:rPr>
-              <a:t>Spells</a:t>
+              <a:t>Submitted Words</a:t>
             </a:r>
           </a:p>
         </p:txBody>
@@ -11911,7 +12443,7 @@
           </p:cNvPicPr>
           <p:nvPr/>
         </p:nvPicPr>
-        <p:blipFill rotWithShape="1">
+        <p:blipFill>
           <a:blip r:embed="rId4">
             <a:extLst>
               <a:ext uri="{28A0092B-C50C-407E-A947-70E740481C1C}">
@@ -11919,43 +12451,14 @@
               </a:ext>
             </a:extLst>
           </a:blip>
-          <a:srcRect b="5035"/>
-          <a:stretch/>
-        </p:blipFill>
-        <p:spPr>
-          <a:xfrm>
-            <a:off x="4235622" y="993306"/>
-            <a:ext cx="3642779" cy="3431319"/>
-          </a:xfrm>
-          <a:prstGeom prst="rect">
-            <a:avLst/>
-          </a:prstGeom>
-        </p:spPr>
-      </p:pic>
-      <p:pic>
-        <p:nvPicPr>
-          <p:cNvPr id="3" name="Picture 2">
-            <a:extLst>
-              <a:ext uri="{FF2B5EF4-FFF2-40B4-BE49-F238E27FC236}">
-                <a16:creationId xmlns:a16="http://schemas.microsoft.com/office/drawing/2014/main" id="{7699C478-2173-450D-B22C-FC369959162B}"/>
-              </a:ext>
-            </a:extLst>
-          </p:cNvPr>
-          <p:cNvPicPr>
-            <a:picLocks noChangeAspect="1"/>
-          </p:cNvPicPr>
-          <p:nvPr/>
-        </p:nvPicPr>
-        <p:blipFill>
-          <a:blip r:embed="rId5"/>
           <a:stretch>
             <a:fillRect/>
           </a:stretch>
         </p:blipFill>
         <p:spPr>
           <a:xfrm>
-            <a:off x="4254827" y="4749468"/>
-            <a:ext cx="2151120" cy="787734"/>
+            <a:off x="4235622" y="993306"/>
+            <a:ext cx="3642779" cy="3642779"/>
           </a:xfrm>
           <a:prstGeom prst="rect">
             <a:avLst/>
@@ -11964,10 +12467,10 @@
       </p:pic>
       <p:sp>
         <p:nvSpPr>
-          <p:cNvPr id="39" name="Rectangle 38">
-            <a:extLst>
-              <a:ext uri="{FF2B5EF4-FFF2-40B4-BE49-F238E27FC236}">
-                <a16:creationId xmlns:a16="http://schemas.microsoft.com/office/drawing/2014/main" id="{D079F0D0-0D02-4C0D-B281-11BA969BB16D}"/>
+          <p:cNvPr id="27" name="Rectangle: Rounded Corners 26">
+            <a:extLst>
+              <a:ext uri="{FF2B5EF4-FFF2-40B4-BE49-F238E27FC236}">
+                <a16:creationId xmlns:a16="http://schemas.microsoft.com/office/drawing/2014/main" id="{4ADAC294-D022-4486-B0B1-9C198FA4A598}"/>
               </a:ext>
             </a:extLst>
           </p:cNvPr>
@@ -11976,535 +12479,7 @@
         </p:nvSpPr>
         <p:spPr>
           <a:xfrm>
-            <a:off x="4671148" y="889910"/>
-            <a:ext cx="2412373" cy="195829"/>
-          </a:xfrm>
-          <a:prstGeom prst="rect">
-            <a:avLst/>
-          </a:prstGeom>
-          <a:solidFill>
-            <a:schemeClr val="tx1">
-              <a:lumMod val="75000"/>
-              <a:lumOff val="25000"/>
-            </a:schemeClr>
-          </a:solidFill>
-          <a:ln>
-            <a:noFill/>
-          </a:ln>
-        </p:spPr>
-        <p:style>
-          <a:lnRef idx="2">
-            <a:schemeClr val="accent1">
-              <a:shade val="50000"/>
-            </a:schemeClr>
-          </a:lnRef>
-          <a:fillRef idx="1">
-            <a:schemeClr val="accent1"/>
-          </a:fillRef>
-          <a:effectRef idx="0">
-            <a:schemeClr val="accent1"/>
-          </a:effectRef>
-          <a:fontRef idx="minor">
-            <a:schemeClr val="lt1"/>
-          </a:fontRef>
-        </p:style>
-        <p:txBody>
-          <a:bodyPr rtlCol="0" anchor="ctr"/>
-          <a:lstStyle/>
-          <a:p>
-            <a:pPr algn="ctr"/>
-            <a:endParaRPr lang="en-US"/>
-          </a:p>
-        </p:txBody>
-      </p:sp>
-      <p:sp>
-        <p:nvSpPr>
-          <p:cNvPr id="40" name="Rectangle 39">
-            <a:extLst>
-              <a:ext uri="{FF2B5EF4-FFF2-40B4-BE49-F238E27FC236}">
-                <a16:creationId xmlns:a16="http://schemas.microsoft.com/office/drawing/2014/main" id="{E6FF3B87-2106-454B-A740-7D60D0758973}"/>
-              </a:ext>
-            </a:extLst>
-          </p:cNvPr>
-          <p:cNvSpPr/>
-          <p:nvPr/>
-        </p:nvSpPr>
-        <p:spPr>
-          <a:xfrm>
-            <a:off x="7099949" y="177458"/>
-            <a:ext cx="901178" cy="682060"/>
-          </a:xfrm>
-          <a:prstGeom prst="rect">
-            <a:avLst/>
-          </a:prstGeom>
-          <a:solidFill>
-            <a:schemeClr val="tx1">
-              <a:lumMod val="75000"/>
-              <a:lumOff val="25000"/>
-            </a:schemeClr>
-          </a:solidFill>
-          <a:ln>
-            <a:noFill/>
-          </a:ln>
-        </p:spPr>
-        <p:style>
-          <a:lnRef idx="2">
-            <a:schemeClr val="accent1">
-              <a:shade val="50000"/>
-            </a:schemeClr>
-          </a:lnRef>
-          <a:fillRef idx="1">
-            <a:schemeClr val="accent1"/>
-          </a:fillRef>
-          <a:effectRef idx="0">
-            <a:schemeClr val="accent1"/>
-          </a:effectRef>
-          <a:fontRef idx="minor">
-            <a:schemeClr val="lt1"/>
-          </a:fontRef>
-        </p:style>
-        <p:txBody>
-          <a:bodyPr rtlCol="0" anchor="ctr"/>
-          <a:lstStyle/>
-          <a:p>
-            <a:pPr algn="ctr"/>
-            <a:endParaRPr lang="en-US"/>
-          </a:p>
-        </p:txBody>
-      </p:sp>
-      <p:sp>
-        <p:nvSpPr>
-          <p:cNvPr id="41" name="Rectangle 40">
-            <a:extLst>
-              <a:ext uri="{FF2B5EF4-FFF2-40B4-BE49-F238E27FC236}">
-                <a16:creationId xmlns:a16="http://schemas.microsoft.com/office/drawing/2014/main" id="{B85EDD94-84B0-4476-9AA7-EB648A018C02}"/>
-              </a:ext>
-            </a:extLst>
-          </p:cNvPr>
-          <p:cNvSpPr/>
-          <p:nvPr/>
-        </p:nvSpPr>
-        <p:spPr>
-          <a:xfrm>
-            <a:off x="4147561" y="177457"/>
-            <a:ext cx="3853566" cy="919121"/>
-          </a:xfrm>
-          <a:prstGeom prst="rect">
-            <a:avLst/>
-          </a:prstGeom>
-          <a:solidFill>
-            <a:schemeClr val="tx1">
-              <a:lumMod val="75000"/>
-              <a:lumOff val="25000"/>
-            </a:schemeClr>
-          </a:solidFill>
-          <a:ln>
-            <a:noFill/>
-          </a:ln>
-        </p:spPr>
-        <p:style>
-          <a:lnRef idx="2">
-            <a:schemeClr val="accent1">
-              <a:shade val="50000"/>
-            </a:schemeClr>
-          </a:lnRef>
-          <a:fillRef idx="1">
-            <a:schemeClr val="accent1"/>
-          </a:fillRef>
-          <a:effectRef idx="0">
-            <a:schemeClr val="accent1"/>
-          </a:effectRef>
-          <a:fontRef idx="minor">
-            <a:schemeClr val="lt1"/>
-          </a:fontRef>
-        </p:style>
-        <p:txBody>
-          <a:bodyPr rtlCol="0" anchor="ctr"/>
-          <a:lstStyle/>
-          <a:p>
-            <a:pPr algn="ctr"/>
-            <a:endParaRPr lang="en-US"/>
-          </a:p>
-        </p:txBody>
-      </p:sp>
-      <p:sp>
-        <p:nvSpPr>
-          <p:cNvPr id="42" name="Rectangle 41">
-            <a:extLst>
-              <a:ext uri="{FF2B5EF4-FFF2-40B4-BE49-F238E27FC236}">
-                <a16:creationId xmlns:a16="http://schemas.microsoft.com/office/drawing/2014/main" id="{A04F8959-9817-4204-AF43-DD8D77D3D154}"/>
-              </a:ext>
-            </a:extLst>
-          </p:cNvPr>
-          <p:cNvSpPr/>
-          <p:nvPr/>
-        </p:nvSpPr>
-        <p:spPr>
-          <a:xfrm>
-            <a:off x="4152898" y="169104"/>
-            <a:ext cx="901178" cy="682060"/>
-          </a:xfrm>
-          <a:prstGeom prst="rect">
-            <a:avLst/>
-          </a:prstGeom>
-          <a:solidFill>
-            <a:schemeClr val="tx1">
-              <a:lumMod val="75000"/>
-              <a:lumOff val="25000"/>
-            </a:schemeClr>
-          </a:solidFill>
-          <a:ln>
-            <a:noFill/>
-          </a:ln>
-        </p:spPr>
-        <p:style>
-          <a:lnRef idx="2">
-            <a:schemeClr val="accent1">
-              <a:shade val="50000"/>
-            </a:schemeClr>
-          </a:lnRef>
-          <a:fillRef idx="1">
-            <a:schemeClr val="accent1"/>
-          </a:fillRef>
-          <a:effectRef idx="0">
-            <a:schemeClr val="accent1"/>
-          </a:effectRef>
-          <a:fontRef idx="minor">
-            <a:schemeClr val="lt1"/>
-          </a:fontRef>
-        </p:style>
-        <p:txBody>
-          <a:bodyPr rtlCol="0" anchor="ctr"/>
-          <a:lstStyle/>
-          <a:p>
-            <a:pPr algn="ctr"/>
-            <a:endParaRPr lang="en-US"/>
-          </a:p>
-        </p:txBody>
-      </p:sp>
-      <p:sp>
-        <p:nvSpPr>
-          <p:cNvPr id="43" name="TextBox 42">
-            <a:extLst>
-              <a:ext uri="{FF2B5EF4-FFF2-40B4-BE49-F238E27FC236}">
-                <a16:creationId xmlns:a16="http://schemas.microsoft.com/office/drawing/2014/main" id="{17B5DD7C-6375-486B-BB39-AC9AD32D0118}"/>
-              </a:ext>
-            </a:extLst>
-          </p:cNvPr>
-          <p:cNvSpPr txBox="1"/>
-          <p:nvPr/>
-        </p:nvSpPr>
-        <p:spPr>
-          <a:xfrm>
-            <a:off x="4223652" y="131919"/>
-            <a:ext cx="755780" cy="369332"/>
-          </a:xfrm>
-          <a:prstGeom prst="rect">
-            <a:avLst/>
-          </a:prstGeom>
-          <a:noFill/>
-        </p:spPr>
-        <p:txBody>
-          <a:bodyPr wrap="square" rtlCol="0">
-            <a:spAutoFit/>
-          </a:bodyPr>
-          <a:lstStyle/>
-          <a:p>
-            <a:pPr algn="ctr"/>
-            <a:r>
-              <a:rPr lang="en-US" dirty="0">
-                <a:solidFill>
-                  <a:schemeClr val="bg1"/>
-                </a:solidFill>
-              </a:rPr>
-              <a:t>Level</a:t>
-            </a:r>
-          </a:p>
-        </p:txBody>
-      </p:sp>
-      <p:sp>
-        <p:nvSpPr>
-          <p:cNvPr id="44" name="TextBox 43">
-            <a:extLst>
-              <a:ext uri="{FF2B5EF4-FFF2-40B4-BE49-F238E27FC236}">
-                <a16:creationId xmlns:a16="http://schemas.microsoft.com/office/drawing/2014/main" id="{78B56D01-CB0B-4F6F-8EF0-0757405AA60E}"/>
-              </a:ext>
-            </a:extLst>
-          </p:cNvPr>
-          <p:cNvSpPr txBox="1"/>
-          <p:nvPr/>
-        </p:nvSpPr>
-        <p:spPr>
-          <a:xfrm>
-            <a:off x="5634127" y="133209"/>
-            <a:ext cx="755780" cy="369332"/>
-          </a:xfrm>
-          <a:prstGeom prst="rect">
-            <a:avLst/>
-          </a:prstGeom>
-          <a:noFill/>
-        </p:spPr>
-        <p:txBody>
-          <a:bodyPr wrap="square" rtlCol="0">
-            <a:spAutoFit/>
-          </a:bodyPr>
-          <a:lstStyle/>
-          <a:p>
-            <a:pPr algn="ctr"/>
-            <a:r>
-              <a:rPr lang="en-US" dirty="0">
-                <a:solidFill>
-                  <a:schemeClr val="bg1"/>
-                </a:solidFill>
-              </a:rPr>
-              <a:t>Score</a:t>
-            </a:r>
-          </a:p>
-        </p:txBody>
-      </p:sp>
-      <p:sp>
-        <p:nvSpPr>
-          <p:cNvPr id="45" name="TextBox 44">
-            <a:extLst>
-              <a:ext uri="{FF2B5EF4-FFF2-40B4-BE49-F238E27FC236}">
-                <a16:creationId xmlns:a16="http://schemas.microsoft.com/office/drawing/2014/main" id="{AA303B46-761F-4ECC-A7EB-60EA37C834AC}"/>
-              </a:ext>
-            </a:extLst>
-          </p:cNvPr>
-          <p:cNvSpPr txBox="1"/>
-          <p:nvPr/>
-        </p:nvSpPr>
-        <p:spPr>
-          <a:xfrm>
-            <a:off x="7194677" y="131917"/>
-            <a:ext cx="755780" cy="369332"/>
-          </a:xfrm>
-          <a:prstGeom prst="rect">
-            <a:avLst/>
-          </a:prstGeom>
-          <a:noFill/>
-        </p:spPr>
-        <p:txBody>
-          <a:bodyPr wrap="square" rtlCol="0">
-            <a:spAutoFit/>
-          </a:bodyPr>
-          <a:lstStyle/>
-          <a:p>
-            <a:pPr algn="ctr"/>
-            <a:r>
-              <a:rPr lang="en-US" dirty="0">
-                <a:solidFill>
-                  <a:schemeClr val="bg1"/>
-                </a:solidFill>
-              </a:rPr>
-              <a:t>Mana</a:t>
-            </a:r>
-          </a:p>
-        </p:txBody>
-      </p:sp>
-      <p:sp>
-        <p:nvSpPr>
-          <p:cNvPr id="47" name="TextBox 46">
-            <a:extLst>
-              <a:ext uri="{FF2B5EF4-FFF2-40B4-BE49-F238E27FC236}">
-                <a16:creationId xmlns:a16="http://schemas.microsoft.com/office/drawing/2014/main" id="{A4E77068-47D4-4286-97CE-25B76BD78CBA}"/>
-              </a:ext>
-            </a:extLst>
-          </p:cNvPr>
-          <p:cNvSpPr txBox="1"/>
-          <p:nvPr/>
-        </p:nvSpPr>
-        <p:spPr>
-          <a:xfrm>
-            <a:off x="5549375" y="290018"/>
-            <a:ext cx="918290" cy="646331"/>
-          </a:xfrm>
-          <a:prstGeom prst="rect">
-            <a:avLst/>
-          </a:prstGeom>
-          <a:noFill/>
-        </p:spPr>
-        <p:txBody>
-          <a:bodyPr wrap="square" rtlCol="0">
-            <a:spAutoFit/>
-          </a:bodyPr>
-          <a:lstStyle/>
-          <a:p>
-            <a:pPr algn="ctr"/>
-            <a:r>
-              <a:rPr lang="en-US" sz="3600" dirty="0">
-                <a:solidFill>
-                  <a:schemeClr val="bg1"/>
-                </a:solidFill>
-              </a:rPr>
-              <a:t>205</a:t>
-            </a:r>
-          </a:p>
-        </p:txBody>
-      </p:sp>
-      <p:sp>
-        <p:nvSpPr>
-          <p:cNvPr id="48" name="TextBox 47">
-            <a:extLst>
-              <a:ext uri="{FF2B5EF4-FFF2-40B4-BE49-F238E27FC236}">
-                <a16:creationId xmlns:a16="http://schemas.microsoft.com/office/drawing/2014/main" id="{4104DAE3-44B8-4F3A-92A2-315A18217C29}"/>
-              </a:ext>
-            </a:extLst>
-          </p:cNvPr>
-          <p:cNvSpPr txBox="1"/>
-          <p:nvPr/>
-        </p:nvSpPr>
-        <p:spPr>
-          <a:xfrm>
-            <a:off x="4135786" y="290018"/>
-            <a:ext cx="918290" cy="646331"/>
-          </a:xfrm>
-          <a:prstGeom prst="rect">
-            <a:avLst/>
-          </a:prstGeom>
-          <a:noFill/>
-        </p:spPr>
-        <p:txBody>
-          <a:bodyPr wrap="square" rtlCol="0">
-            <a:spAutoFit/>
-          </a:bodyPr>
-          <a:lstStyle/>
-          <a:p>
-            <a:pPr algn="ctr"/>
-            <a:r>
-              <a:rPr lang="en-US" sz="3600" dirty="0">
-                <a:solidFill>
-                  <a:schemeClr val="bg1"/>
-                </a:solidFill>
-              </a:rPr>
-              <a:t>5</a:t>
-            </a:r>
-          </a:p>
-        </p:txBody>
-      </p:sp>
-      <p:sp>
-        <p:nvSpPr>
-          <p:cNvPr id="49" name="TextBox 48">
-            <a:extLst>
-              <a:ext uri="{FF2B5EF4-FFF2-40B4-BE49-F238E27FC236}">
-                <a16:creationId xmlns:a16="http://schemas.microsoft.com/office/drawing/2014/main" id="{0A8EF115-F8A2-4656-B1B6-2F6980A29EBE}"/>
-              </a:ext>
-            </a:extLst>
-          </p:cNvPr>
-          <p:cNvSpPr txBox="1"/>
-          <p:nvPr/>
-        </p:nvSpPr>
-        <p:spPr>
-          <a:xfrm>
-            <a:off x="7120806" y="316583"/>
-            <a:ext cx="918290" cy="646331"/>
-          </a:xfrm>
-          <a:prstGeom prst="rect">
-            <a:avLst/>
-          </a:prstGeom>
-          <a:noFill/>
-        </p:spPr>
-        <p:txBody>
-          <a:bodyPr wrap="square" rtlCol="0">
-            <a:spAutoFit/>
-          </a:bodyPr>
-          <a:lstStyle/>
-          <a:p>
-            <a:pPr algn="ctr"/>
-            <a:r>
-              <a:rPr lang="en-US" sz="3600" dirty="0">
-                <a:solidFill>
-                  <a:schemeClr val="bg1"/>
-                </a:solidFill>
-              </a:rPr>
-              <a:t>0</a:t>
-            </a:r>
-          </a:p>
-        </p:txBody>
-      </p:sp>
-      <p:sp>
-        <p:nvSpPr>
-          <p:cNvPr id="50" name="TextBox 49">
-            <a:extLst>
-              <a:ext uri="{FF2B5EF4-FFF2-40B4-BE49-F238E27FC236}">
-                <a16:creationId xmlns:a16="http://schemas.microsoft.com/office/drawing/2014/main" id="{CB4F47FE-4206-4909-9726-FFAB5EF8F0F5}"/>
-              </a:ext>
-            </a:extLst>
-          </p:cNvPr>
-          <p:cNvSpPr txBox="1"/>
-          <p:nvPr/>
-        </p:nvSpPr>
-        <p:spPr>
-          <a:xfrm>
-            <a:off x="4601542" y="809025"/>
-            <a:ext cx="1081560" cy="307777"/>
-          </a:xfrm>
-          <a:prstGeom prst="rect">
-            <a:avLst/>
-          </a:prstGeom>
-          <a:noFill/>
-        </p:spPr>
-        <p:txBody>
-          <a:bodyPr wrap="square" rtlCol="0">
-            <a:spAutoFit/>
-          </a:bodyPr>
-          <a:lstStyle/>
-          <a:p>
-            <a:r>
-              <a:rPr lang="en-US" sz="1400" dirty="0">
-                <a:solidFill>
-                  <a:schemeClr val="bg1"/>
-                </a:solidFill>
-              </a:rPr>
-              <a:t>Fortune</a:t>
-            </a:r>
-          </a:p>
-        </p:txBody>
-      </p:sp>
-      <p:pic>
-        <p:nvPicPr>
-          <p:cNvPr id="51" name="Picture 50">
-            <a:extLst>
-              <a:ext uri="{FF2B5EF4-FFF2-40B4-BE49-F238E27FC236}">
-                <a16:creationId xmlns:a16="http://schemas.microsoft.com/office/drawing/2014/main" id="{4F8D14BA-6704-4B7B-8F58-2FC3D2D5725C}"/>
-              </a:ext>
-            </a:extLst>
-          </p:cNvPr>
-          <p:cNvPicPr>
-            <a:picLocks noChangeAspect="1"/>
-          </p:cNvPicPr>
-          <p:nvPr/>
-        </p:nvPicPr>
-        <p:blipFill rotWithShape="1">
-          <a:blip r:embed="rId6"/>
-          <a:srcRect l="3324" t="15484" r="5058" b="24467"/>
-          <a:stretch/>
-        </p:blipFill>
-        <p:spPr>
-          <a:xfrm>
-            <a:off x="5379077" y="936349"/>
-            <a:ext cx="1055908" cy="102953"/>
-          </a:xfrm>
-          <a:prstGeom prst="rect">
-            <a:avLst/>
-          </a:prstGeom>
-        </p:spPr>
-      </p:pic>
-      <p:sp>
-        <p:nvSpPr>
-          <p:cNvPr id="52" name="Rectangle: Rounded Corners 51">
-            <a:extLst>
-              <a:ext uri="{FF2B5EF4-FFF2-40B4-BE49-F238E27FC236}">
-                <a16:creationId xmlns:a16="http://schemas.microsoft.com/office/drawing/2014/main" id="{3B13D153-A8ED-4636-87A4-F14CE5D0BC54}"/>
-              </a:ext>
-            </a:extLst>
-          </p:cNvPr>
-          <p:cNvSpPr/>
-          <p:nvPr/>
-        </p:nvSpPr>
-        <p:spPr>
-          <a:xfrm>
-            <a:off x="7329715" y="6123224"/>
+            <a:off x="7317100" y="6129059"/>
             <a:ext cx="641305" cy="450072"/>
           </a:xfrm>
           <a:prstGeom prst="roundRect">
@@ -12547,16 +12522,262 @@
           <a:p>
             <a:pPr algn="ctr"/>
             <a:r>
-              <a:rPr lang="en-US" sz="2800" dirty="0"/>
-              <a:t>I</a:t>
+              <a:rPr lang="en-US" sz="1600" dirty="0"/>
+              <a:t>Spell</a:t>
             </a:r>
           </a:p>
         </p:txBody>
       </p:sp>
+      <p:sp>
+        <p:nvSpPr>
+          <p:cNvPr id="33" name="Rectangle 32">
+            <a:extLst>
+              <a:ext uri="{FF2B5EF4-FFF2-40B4-BE49-F238E27FC236}">
+                <a16:creationId xmlns:a16="http://schemas.microsoft.com/office/drawing/2014/main" id="{EA811E52-E093-4979-A089-9BEAA7841332}"/>
+              </a:ext>
+            </a:extLst>
+          </p:cNvPr>
+          <p:cNvSpPr/>
+          <p:nvPr/>
+        </p:nvSpPr>
+        <p:spPr>
+          <a:xfrm>
+            <a:off x="5086925" y="331527"/>
+            <a:ext cx="2051001" cy="201893"/>
+          </a:xfrm>
+          <a:prstGeom prst="rect">
+            <a:avLst/>
+          </a:prstGeom>
+          <a:solidFill>
+            <a:schemeClr val="tx1">
+              <a:lumMod val="75000"/>
+              <a:lumOff val="25000"/>
+            </a:schemeClr>
+          </a:solidFill>
+          <a:ln>
+            <a:noFill/>
+          </a:ln>
+        </p:spPr>
+        <p:style>
+          <a:lnRef idx="2">
+            <a:schemeClr val="accent1">
+              <a:shade val="50000"/>
+            </a:schemeClr>
+          </a:lnRef>
+          <a:fillRef idx="1">
+            <a:schemeClr val="accent1"/>
+          </a:fillRef>
+          <a:effectRef idx="0">
+            <a:schemeClr val="accent1"/>
+          </a:effectRef>
+          <a:fontRef idx="minor">
+            <a:schemeClr val="lt1"/>
+          </a:fontRef>
+        </p:style>
+        <p:txBody>
+          <a:bodyPr rtlCol="0" anchor="ctr"/>
+          <a:lstStyle/>
+          <a:p>
+            <a:pPr algn="ctr"/>
+            <a:endParaRPr lang="en-US"/>
+          </a:p>
+        </p:txBody>
+      </p:sp>
+      <p:sp>
+        <p:nvSpPr>
+          <p:cNvPr id="34" name="TextBox 33">
+            <a:extLst>
+              <a:ext uri="{FF2B5EF4-FFF2-40B4-BE49-F238E27FC236}">
+                <a16:creationId xmlns:a16="http://schemas.microsoft.com/office/drawing/2014/main" id="{84705CD6-EC1C-4738-9195-436A5925FEE0}"/>
+              </a:ext>
+            </a:extLst>
+          </p:cNvPr>
+          <p:cNvSpPr txBox="1"/>
+          <p:nvPr/>
+        </p:nvSpPr>
+        <p:spPr>
+          <a:xfrm>
+            <a:off x="5017319" y="250642"/>
+            <a:ext cx="670042" cy="307777"/>
+          </a:xfrm>
+          <a:prstGeom prst="rect">
+            <a:avLst/>
+          </a:prstGeom>
+          <a:noFill/>
+        </p:spPr>
+        <p:txBody>
+          <a:bodyPr wrap="square" rtlCol="0">
+            <a:spAutoFit/>
+          </a:bodyPr>
+          <a:lstStyle/>
+          <a:p>
+            <a:r>
+              <a:rPr lang="en-US" sz="1400" dirty="0">
+                <a:solidFill>
+                  <a:schemeClr val="bg1"/>
+                </a:solidFill>
+              </a:rPr>
+              <a:t>Mana:</a:t>
+            </a:r>
+          </a:p>
+        </p:txBody>
+      </p:sp>
+      <p:pic>
+        <p:nvPicPr>
+          <p:cNvPr id="35" name="Picture 34">
+            <a:extLst>
+              <a:ext uri="{FF2B5EF4-FFF2-40B4-BE49-F238E27FC236}">
+                <a16:creationId xmlns:a16="http://schemas.microsoft.com/office/drawing/2014/main" id="{CB756B4A-ABEF-4897-A53F-9AF29BADFC67}"/>
+              </a:ext>
+            </a:extLst>
+          </p:cNvPr>
+          <p:cNvPicPr>
+            <a:picLocks noChangeAspect="1"/>
+          </p:cNvPicPr>
+          <p:nvPr/>
+        </p:nvPicPr>
+        <p:blipFill rotWithShape="1">
+          <a:blip r:embed="rId5"/>
+          <a:srcRect l="3324" t="15484" r="5058" b="24467"/>
+          <a:stretch/>
+        </p:blipFill>
+        <p:spPr>
+          <a:xfrm>
+            <a:off x="5794854" y="377966"/>
+            <a:ext cx="1055908" cy="102953"/>
+          </a:xfrm>
+          <a:prstGeom prst="rect">
+            <a:avLst/>
+          </a:prstGeom>
+        </p:spPr>
+      </p:pic>
+      <p:sp>
+        <p:nvSpPr>
+          <p:cNvPr id="36" name="Rectangle 35">
+            <a:extLst>
+              <a:ext uri="{FF2B5EF4-FFF2-40B4-BE49-F238E27FC236}">
+                <a16:creationId xmlns:a16="http://schemas.microsoft.com/office/drawing/2014/main" id="{5B214126-3FEA-438E-8B09-AC02939AA5A7}"/>
+              </a:ext>
+            </a:extLst>
+          </p:cNvPr>
+          <p:cNvSpPr/>
+          <p:nvPr/>
+        </p:nvSpPr>
+        <p:spPr>
+          <a:xfrm>
+            <a:off x="5086926" y="614306"/>
+            <a:ext cx="1969962" cy="225870"/>
+          </a:xfrm>
+          <a:prstGeom prst="rect">
+            <a:avLst/>
+          </a:prstGeom>
+          <a:solidFill>
+            <a:schemeClr val="tx1">
+              <a:lumMod val="75000"/>
+              <a:lumOff val="25000"/>
+            </a:schemeClr>
+          </a:solidFill>
+          <a:ln>
+            <a:noFill/>
+          </a:ln>
+        </p:spPr>
+        <p:style>
+          <a:lnRef idx="2">
+            <a:schemeClr val="accent1">
+              <a:shade val="50000"/>
+            </a:schemeClr>
+          </a:lnRef>
+          <a:fillRef idx="1">
+            <a:schemeClr val="accent1"/>
+          </a:fillRef>
+          <a:effectRef idx="0">
+            <a:schemeClr val="accent1"/>
+          </a:effectRef>
+          <a:fontRef idx="minor">
+            <a:schemeClr val="lt1"/>
+          </a:fontRef>
+        </p:style>
+        <p:txBody>
+          <a:bodyPr rtlCol="0" anchor="ctr"/>
+          <a:lstStyle/>
+          <a:p>
+            <a:pPr algn="ctr"/>
+            <a:endParaRPr lang="en-US"/>
+          </a:p>
+        </p:txBody>
+      </p:sp>
+      <p:sp>
+        <p:nvSpPr>
+          <p:cNvPr id="37" name="TextBox 36">
+            <a:extLst>
+              <a:ext uri="{FF2B5EF4-FFF2-40B4-BE49-F238E27FC236}">
+                <a16:creationId xmlns:a16="http://schemas.microsoft.com/office/drawing/2014/main" id="{B4E3F3D3-E071-4728-82A1-C765F34EB153}"/>
+              </a:ext>
+            </a:extLst>
+          </p:cNvPr>
+          <p:cNvSpPr txBox="1"/>
+          <p:nvPr/>
+        </p:nvSpPr>
+        <p:spPr>
+          <a:xfrm>
+            <a:off x="5017319" y="533421"/>
+            <a:ext cx="777535" cy="307777"/>
+          </a:xfrm>
+          <a:prstGeom prst="rect">
+            <a:avLst/>
+          </a:prstGeom>
+          <a:noFill/>
+        </p:spPr>
+        <p:txBody>
+          <a:bodyPr wrap="square" rtlCol="0">
+            <a:spAutoFit/>
+          </a:bodyPr>
+          <a:lstStyle/>
+          <a:p>
+            <a:r>
+              <a:rPr lang="en-US" sz="1400" dirty="0">
+                <a:solidFill>
+                  <a:schemeClr val="bg1"/>
+                </a:solidFill>
+              </a:rPr>
+              <a:t>Fortune</a:t>
+            </a:r>
+          </a:p>
+        </p:txBody>
+      </p:sp>
+      <p:pic>
+        <p:nvPicPr>
+          <p:cNvPr id="38" name="Picture 37">
+            <a:extLst>
+              <a:ext uri="{FF2B5EF4-FFF2-40B4-BE49-F238E27FC236}">
+                <a16:creationId xmlns:a16="http://schemas.microsoft.com/office/drawing/2014/main" id="{391C904E-4B39-4201-8C10-5CB790B6CB48}"/>
+              </a:ext>
+            </a:extLst>
+          </p:cNvPr>
+          <p:cNvPicPr>
+            <a:picLocks noChangeAspect="1"/>
+          </p:cNvPicPr>
+          <p:nvPr/>
+        </p:nvPicPr>
+        <p:blipFill rotWithShape="1">
+          <a:blip r:embed="rId5"/>
+          <a:srcRect l="3324" t="15484" r="5058" b="24467"/>
+          <a:stretch/>
+        </p:blipFill>
+        <p:spPr>
+          <a:xfrm>
+            <a:off x="5794854" y="660745"/>
+            <a:ext cx="1055908" cy="102953"/>
+          </a:xfrm>
+          <a:prstGeom prst="rect">
+            <a:avLst/>
+          </a:prstGeom>
+        </p:spPr>
+      </p:pic>
     </p:spTree>
     <p:extLst>
       <p:ext uri="{BB962C8B-B14F-4D97-AF65-F5344CB8AC3E}">
-        <p14:creationId xmlns:p14="http://schemas.microsoft.com/office/powerpoint/2010/main" val="101078367"/>
+        <p14:creationId xmlns:p14="http://schemas.microsoft.com/office/powerpoint/2010/main" val="1193455987"/>
       </p:ext>
     </p:extLst>
   </p:cSld>
@@ -12583,6 +12804,1322 @@
           <a:chExt cx="0" cy="0"/>
         </a:xfrm>
       </p:grpSpPr>
+      <p:pic>
+        <p:nvPicPr>
+          <p:cNvPr id="22" name="Picture 21">
+            <a:extLst>
+              <a:ext uri="{FF2B5EF4-FFF2-40B4-BE49-F238E27FC236}">
+                <a16:creationId xmlns:a16="http://schemas.microsoft.com/office/drawing/2014/main" id="{0FCA5D36-8C1E-4241-8338-51CAAC079E31}"/>
+              </a:ext>
+            </a:extLst>
+          </p:cNvPr>
+          <p:cNvPicPr>
+            <a:picLocks noChangeAspect="1"/>
+          </p:cNvPicPr>
+          <p:nvPr/>
+        </p:nvPicPr>
+        <p:blipFill rotWithShape="1">
+          <a:blip r:embed="rId3">
+            <a:extLst>
+              <a:ext uri="{28A0092B-C50C-407E-A947-70E740481C1C}">
+                <a14:useLocalDpi xmlns:a14="http://schemas.microsoft.com/office/drawing/2010/main" val="0"/>
+              </a:ext>
+            </a:extLst>
+          </a:blip>
+          <a:srcRect l="18699" r="24152"/>
+          <a:stretch/>
+        </p:blipFill>
+        <p:spPr>
+          <a:xfrm>
+            <a:off x="4037847" y="-169104"/>
+            <a:ext cx="4436198" cy="6858000"/>
+          </a:xfrm>
+          <a:prstGeom prst="rect">
+            <a:avLst/>
+          </a:prstGeom>
+        </p:spPr>
+      </p:pic>
+      <p:sp>
+        <p:nvSpPr>
+          <p:cNvPr id="31" name="Rectangle 30">
+            <a:extLst>
+              <a:ext uri="{FF2B5EF4-FFF2-40B4-BE49-F238E27FC236}">
+                <a16:creationId xmlns:a16="http://schemas.microsoft.com/office/drawing/2014/main" id="{9193FDD5-A21E-4C5E-9DF6-01D6CDFEECAE}"/>
+              </a:ext>
+            </a:extLst>
+          </p:cNvPr>
+          <p:cNvSpPr/>
+          <p:nvPr/>
+        </p:nvSpPr>
+        <p:spPr>
+          <a:xfrm>
+            <a:off x="4147560" y="4424625"/>
+            <a:ext cx="3891535" cy="2255918"/>
+          </a:xfrm>
+          <a:prstGeom prst="rect">
+            <a:avLst/>
+          </a:prstGeom>
+          <a:solidFill>
+            <a:schemeClr val="tx1">
+              <a:lumMod val="75000"/>
+              <a:lumOff val="25000"/>
+            </a:schemeClr>
+          </a:solidFill>
+          <a:ln>
+            <a:noFill/>
+          </a:ln>
+        </p:spPr>
+        <p:style>
+          <a:lnRef idx="2">
+            <a:schemeClr val="accent1">
+              <a:shade val="50000"/>
+            </a:schemeClr>
+          </a:lnRef>
+          <a:fillRef idx="1">
+            <a:schemeClr val="accent1"/>
+          </a:fillRef>
+          <a:effectRef idx="0">
+            <a:schemeClr val="accent1"/>
+          </a:effectRef>
+          <a:fontRef idx="minor">
+            <a:schemeClr val="lt1"/>
+          </a:fontRef>
+        </p:style>
+        <p:txBody>
+          <a:bodyPr rtlCol="0" anchor="ctr"/>
+          <a:lstStyle/>
+          <a:p>
+            <a:pPr algn="ctr"/>
+            <a:endParaRPr lang="en-US"/>
+          </a:p>
+        </p:txBody>
+      </p:sp>
+      <p:sp>
+        <p:nvSpPr>
+          <p:cNvPr id="30" name="Rectangle 29">
+            <a:extLst>
+              <a:ext uri="{FF2B5EF4-FFF2-40B4-BE49-F238E27FC236}">
+                <a16:creationId xmlns:a16="http://schemas.microsoft.com/office/drawing/2014/main" id="{2E875998-5134-4334-B56A-52CBA7EDC258}"/>
+              </a:ext>
+            </a:extLst>
+          </p:cNvPr>
+          <p:cNvSpPr/>
+          <p:nvPr/>
+        </p:nvSpPr>
+        <p:spPr>
+          <a:xfrm>
+            <a:off x="6617148" y="4469718"/>
+            <a:ext cx="1296761" cy="201869"/>
+          </a:xfrm>
+          <a:prstGeom prst="rect">
+            <a:avLst/>
+          </a:prstGeom>
+          <a:solidFill>
+            <a:schemeClr val="tx1">
+              <a:lumMod val="75000"/>
+              <a:lumOff val="25000"/>
+            </a:schemeClr>
+          </a:solidFill>
+          <a:ln>
+            <a:noFill/>
+          </a:ln>
+        </p:spPr>
+        <p:style>
+          <a:lnRef idx="2">
+            <a:schemeClr val="accent1">
+              <a:shade val="50000"/>
+            </a:schemeClr>
+          </a:lnRef>
+          <a:fillRef idx="1">
+            <a:schemeClr val="accent1"/>
+          </a:fillRef>
+          <a:effectRef idx="0">
+            <a:schemeClr val="accent1"/>
+          </a:effectRef>
+          <a:fontRef idx="minor">
+            <a:schemeClr val="lt1"/>
+          </a:fontRef>
+        </p:style>
+        <p:txBody>
+          <a:bodyPr rtlCol="0" anchor="ctr"/>
+          <a:lstStyle/>
+          <a:p>
+            <a:pPr algn="ctr"/>
+            <a:endParaRPr lang="en-US"/>
+          </a:p>
+        </p:txBody>
+      </p:sp>
+      <p:sp>
+        <p:nvSpPr>
+          <p:cNvPr id="29" name="Rectangle 28">
+            <a:extLst>
+              <a:ext uri="{FF2B5EF4-FFF2-40B4-BE49-F238E27FC236}">
+                <a16:creationId xmlns:a16="http://schemas.microsoft.com/office/drawing/2014/main" id="{E33C2376-9A44-498A-BC5B-DA616901B2F5}"/>
+              </a:ext>
+            </a:extLst>
+          </p:cNvPr>
+          <p:cNvSpPr/>
+          <p:nvPr/>
+        </p:nvSpPr>
+        <p:spPr>
+          <a:xfrm>
+            <a:off x="4224718" y="4483449"/>
+            <a:ext cx="2274469" cy="211860"/>
+          </a:xfrm>
+          <a:prstGeom prst="rect">
+            <a:avLst/>
+          </a:prstGeom>
+          <a:solidFill>
+            <a:schemeClr val="tx1">
+              <a:lumMod val="75000"/>
+              <a:lumOff val="25000"/>
+            </a:schemeClr>
+          </a:solidFill>
+          <a:ln>
+            <a:noFill/>
+          </a:ln>
+        </p:spPr>
+        <p:style>
+          <a:lnRef idx="2">
+            <a:schemeClr val="accent1">
+              <a:shade val="50000"/>
+            </a:schemeClr>
+          </a:lnRef>
+          <a:fillRef idx="1">
+            <a:schemeClr val="accent1"/>
+          </a:fillRef>
+          <a:effectRef idx="0">
+            <a:schemeClr val="accent1"/>
+          </a:effectRef>
+          <a:fontRef idx="minor">
+            <a:schemeClr val="lt1"/>
+          </a:fontRef>
+        </p:style>
+        <p:txBody>
+          <a:bodyPr rtlCol="0" anchor="ctr"/>
+          <a:lstStyle/>
+          <a:p>
+            <a:pPr algn="ctr"/>
+            <a:endParaRPr lang="en-US"/>
+          </a:p>
+        </p:txBody>
+      </p:sp>
+      <p:sp>
+        <p:nvSpPr>
+          <p:cNvPr id="12" name="Rectangle 11">
+            <a:extLst>
+              <a:ext uri="{FF2B5EF4-FFF2-40B4-BE49-F238E27FC236}">
+                <a16:creationId xmlns:a16="http://schemas.microsoft.com/office/drawing/2014/main" id="{136EB81B-AFB2-4FBA-9D99-048A1C443DF8}"/>
+              </a:ext>
+            </a:extLst>
+          </p:cNvPr>
+          <p:cNvSpPr/>
+          <p:nvPr/>
+        </p:nvSpPr>
+        <p:spPr>
+          <a:xfrm>
+            <a:off x="4220733" y="4671588"/>
+            <a:ext cx="2276669" cy="1393571"/>
+          </a:xfrm>
+          <a:prstGeom prst="rect">
+            <a:avLst/>
+          </a:prstGeom>
+          <a:solidFill>
+            <a:schemeClr val="tx1">
+              <a:lumMod val="65000"/>
+              <a:lumOff val="35000"/>
+            </a:schemeClr>
+          </a:solidFill>
+          <a:ln>
+            <a:solidFill>
+              <a:schemeClr val="bg1">
+                <a:lumMod val="50000"/>
+              </a:schemeClr>
+            </a:solidFill>
+          </a:ln>
+        </p:spPr>
+        <p:style>
+          <a:lnRef idx="2">
+            <a:schemeClr val="accent1">
+              <a:shade val="50000"/>
+            </a:schemeClr>
+          </a:lnRef>
+          <a:fillRef idx="1">
+            <a:schemeClr val="accent1"/>
+          </a:fillRef>
+          <a:effectRef idx="0">
+            <a:schemeClr val="accent1"/>
+          </a:effectRef>
+          <a:fontRef idx="minor">
+            <a:schemeClr val="lt1"/>
+          </a:fontRef>
+        </p:style>
+        <p:txBody>
+          <a:bodyPr rtlCol="0" anchor="ctr"/>
+          <a:lstStyle/>
+          <a:p>
+            <a:pPr algn="ctr"/>
+            <a:endParaRPr lang="en-US"/>
+          </a:p>
+        </p:txBody>
+      </p:sp>
+      <p:sp>
+        <p:nvSpPr>
+          <p:cNvPr id="13" name="Rectangle 12">
+            <a:extLst>
+              <a:ext uri="{FF2B5EF4-FFF2-40B4-BE49-F238E27FC236}">
+                <a16:creationId xmlns:a16="http://schemas.microsoft.com/office/drawing/2014/main" id="{529EBA8E-B57F-4AE8-BBE1-B837D15B557C}"/>
+              </a:ext>
+            </a:extLst>
+          </p:cNvPr>
+          <p:cNvSpPr/>
+          <p:nvPr/>
+        </p:nvSpPr>
+        <p:spPr>
+          <a:xfrm>
+            <a:off x="6609371" y="4671588"/>
+            <a:ext cx="1304539" cy="1393571"/>
+          </a:xfrm>
+          <a:prstGeom prst="rect">
+            <a:avLst/>
+          </a:prstGeom>
+          <a:solidFill>
+            <a:schemeClr val="tx1">
+              <a:lumMod val="65000"/>
+              <a:lumOff val="35000"/>
+            </a:schemeClr>
+          </a:solidFill>
+          <a:ln>
+            <a:solidFill>
+              <a:schemeClr val="bg1">
+                <a:lumMod val="50000"/>
+              </a:schemeClr>
+            </a:solidFill>
+          </a:ln>
+        </p:spPr>
+        <p:style>
+          <a:lnRef idx="2">
+            <a:schemeClr val="accent1">
+              <a:shade val="50000"/>
+            </a:schemeClr>
+          </a:lnRef>
+          <a:fillRef idx="1">
+            <a:schemeClr val="accent1"/>
+          </a:fillRef>
+          <a:effectRef idx="0">
+            <a:schemeClr val="accent1"/>
+          </a:effectRef>
+          <a:fontRef idx="minor">
+            <a:schemeClr val="lt1"/>
+          </a:fontRef>
+        </p:style>
+        <p:txBody>
+          <a:bodyPr rtlCol="0" anchor="ctr"/>
+          <a:lstStyle/>
+          <a:p>
+            <a:pPr algn="ctr"/>
+            <a:endParaRPr lang="en-US"/>
+          </a:p>
+        </p:txBody>
+      </p:sp>
+      <p:sp>
+        <p:nvSpPr>
+          <p:cNvPr id="15" name="Rectangle 14">
+            <a:extLst>
+              <a:ext uri="{FF2B5EF4-FFF2-40B4-BE49-F238E27FC236}">
+                <a16:creationId xmlns:a16="http://schemas.microsoft.com/office/drawing/2014/main" id="{599D2AFE-9F9D-4115-A04C-0E9E528FA050}"/>
+              </a:ext>
+            </a:extLst>
+          </p:cNvPr>
+          <p:cNvSpPr/>
+          <p:nvPr/>
+        </p:nvSpPr>
+        <p:spPr>
+          <a:xfrm>
+            <a:off x="10207690" y="1838131"/>
+            <a:ext cx="914400" cy="914400"/>
+          </a:xfrm>
+          <a:prstGeom prst="rect">
+            <a:avLst/>
+          </a:prstGeom>
+        </p:spPr>
+        <p:style>
+          <a:lnRef idx="2">
+            <a:schemeClr val="accent1">
+              <a:shade val="50000"/>
+            </a:schemeClr>
+          </a:lnRef>
+          <a:fillRef idx="1">
+            <a:schemeClr val="accent1"/>
+          </a:fillRef>
+          <a:effectRef idx="0">
+            <a:schemeClr val="accent1"/>
+          </a:effectRef>
+          <a:fontRef idx="minor">
+            <a:schemeClr val="lt1"/>
+          </a:fontRef>
+        </p:style>
+        <p:txBody>
+          <a:bodyPr rtlCol="0" anchor="ctr"/>
+          <a:lstStyle/>
+          <a:p>
+            <a:pPr algn="ctr"/>
+            <a:endParaRPr lang="en-US"/>
+          </a:p>
+        </p:txBody>
+      </p:sp>
+      <p:sp>
+        <p:nvSpPr>
+          <p:cNvPr id="16" name="Rectangle: Rounded Corners 15">
+            <a:extLst>
+              <a:ext uri="{FF2B5EF4-FFF2-40B4-BE49-F238E27FC236}">
+                <a16:creationId xmlns:a16="http://schemas.microsoft.com/office/drawing/2014/main" id="{5E679ADA-4B52-45D8-B69C-70ED61D3419C}"/>
+              </a:ext>
+            </a:extLst>
+          </p:cNvPr>
+          <p:cNvSpPr/>
+          <p:nvPr/>
+        </p:nvSpPr>
+        <p:spPr>
+          <a:xfrm>
+            <a:off x="4987171" y="6130212"/>
+            <a:ext cx="2274469" cy="450072"/>
+          </a:xfrm>
+          <a:prstGeom prst="roundRect">
+            <a:avLst/>
+          </a:prstGeom>
+          <a:solidFill>
+            <a:schemeClr val="tx1">
+              <a:lumMod val="85000"/>
+              <a:lumOff val="15000"/>
+            </a:schemeClr>
+          </a:solidFill>
+          <a:ln>
+            <a:solidFill>
+              <a:schemeClr val="tx1">
+                <a:lumMod val="50000"/>
+                <a:lumOff val="50000"/>
+              </a:schemeClr>
+            </a:solidFill>
+          </a:ln>
+        </p:spPr>
+        <p:style>
+          <a:lnRef idx="2">
+            <a:schemeClr val="accent1">
+              <a:shade val="50000"/>
+            </a:schemeClr>
+          </a:lnRef>
+          <a:fillRef idx="1">
+            <a:schemeClr val="accent1"/>
+          </a:fillRef>
+          <a:effectRef idx="0">
+            <a:schemeClr val="accent1"/>
+          </a:effectRef>
+          <a:fontRef idx="minor">
+            <a:schemeClr val="lt1"/>
+          </a:fontRef>
+        </p:style>
+        <p:txBody>
+          <a:bodyPr rtlCol="0" anchor="ctr"/>
+          <a:lstStyle/>
+          <a:p>
+            <a:pPr algn="ctr"/>
+            <a:r>
+              <a:rPr lang="en-US" sz="1400" dirty="0"/>
+              <a:t>Click on letters </a:t>
+            </a:r>
+          </a:p>
+          <a:p>
+            <a:pPr algn="ctr"/>
+            <a:r>
+              <a:rPr lang="en-US" sz="1400" dirty="0"/>
+              <a:t>to spell a word</a:t>
+            </a:r>
+          </a:p>
+        </p:txBody>
+      </p:sp>
+      <p:sp>
+        <p:nvSpPr>
+          <p:cNvPr id="18" name="Frame 17">
+            <a:extLst>
+              <a:ext uri="{FF2B5EF4-FFF2-40B4-BE49-F238E27FC236}">
+                <a16:creationId xmlns:a16="http://schemas.microsoft.com/office/drawing/2014/main" id="{846FA173-1D6E-473B-B9BB-4ACE6EC26BD4}"/>
+              </a:ext>
+            </a:extLst>
+          </p:cNvPr>
+          <p:cNvSpPr/>
+          <p:nvPr/>
+        </p:nvSpPr>
+        <p:spPr>
+          <a:xfrm>
+            <a:off x="3498980" y="-475860"/>
+            <a:ext cx="5178489" cy="7791060"/>
+          </a:xfrm>
+          <a:prstGeom prst="frame">
+            <a:avLst/>
+          </a:prstGeom>
+          <a:solidFill>
+            <a:schemeClr val="bg1"/>
+          </a:solidFill>
+        </p:spPr>
+        <p:style>
+          <a:lnRef idx="2">
+            <a:schemeClr val="accent1">
+              <a:shade val="50000"/>
+            </a:schemeClr>
+          </a:lnRef>
+          <a:fillRef idx="1">
+            <a:schemeClr val="accent1"/>
+          </a:fillRef>
+          <a:effectRef idx="0">
+            <a:schemeClr val="accent1"/>
+          </a:effectRef>
+          <a:fontRef idx="minor">
+            <a:schemeClr val="lt1"/>
+          </a:fontRef>
+        </p:style>
+        <p:txBody>
+          <a:bodyPr rtlCol="0" anchor="ctr"/>
+          <a:lstStyle/>
+          <a:p>
+            <a:pPr algn="ctr"/>
+            <a:endParaRPr lang="en-US">
+              <a:solidFill>
+                <a:schemeClr val="tx1"/>
+              </a:solidFill>
+            </a:endParaRPr>
+          </a:p>
+        </p:txBody>
+      </p:sp>
+      <p:sp>
+        <p:nvSpPr>
+          <p:cNvPr id="23" name="Rectangle: Rounded Corners 22">
+            <a:extLst>
+              <a:ext uri="{FF2B5EF4-FFF2-40B4-BE49-F238E27FC236}">
+                <a16:creationId xmlns:a16="http://schemas.microsoft.com/office/drawing/2014/main" id="{DECEE237-B7F2-447F-ADC9-0EE88DFB9FCD}"/>
+              </a:ext>
+            </a:extLst>
+          </p:cNvPr>
+          <p:cNvSpPr/>
+          <p:nvPr/>
+        </p:nvSpPr>
+        <p:spPr>
+          <a:xfrm>
+            <a:off x="4203228" y="6130212"/>
+            <a:ext cx="641305" cy="450072"/>
+          </a:xfrm>
+          <a:prstGeom prst="roundRect">
+            <a:avLst/>
+          </a:prstGeom>
+          <a:solidFill>
+            <a:schemeClr val="tx1">
+              <a:lumMod val="85000"/>
+              <a:lumOff val="15000"/>
+            </a:schemeClr>
+          </a:solidFill>
+          <a:ln>
+            <a:solidFill>
+              <a:schemeClr val="tx1">
+                <a:lumMod val="50000"/>
+                <a:lumOff val="50000"/>
+              </a:schemeClr>
+            </a:solidFill>
+          </a:ln>
+        </p:spPr>
+        <p:style>
+          <a:lnRef idx="2">
+            <a:schemeClr val="accent1">
+              <a:shade val="50000"/>
+            </a:schemeClr>
+          </a:lnRef>
+          <a:fillRef idx="1">
+            <a:schemeClr val="accent1"/>
+          </a:fillRef>
+          <a:effectRef idx="0">
+            <a:schemeClr val="accent1"/>
+          </a:effectRef>
+          <a:fontRef idx="minor">
+            <a:schemeClr val="lt1"/>
+          </a:fontRef>
+        </p:style>
+        <p:txBody>
+          <a:bodyPr rtlCol="0" anchor="ctr"/>
+          <a:lstStyle/>
+          <a:p>
+            <a:pPr algn="ctr"/>
+            <a:r>
+              <a:rPr lang="en-US" sz="2800" dirty="0"/>
+              <a:t>?</a:t>
+            </a:r>
+          </a:p>
+        </p:txBody>
+      </p:sp>
+      <p:sp>
+        <p:nvSpPr>
+          <p:cNvPr id="24" name="TextBox 23">
+            <a:extLst>
+              <a:ext uri="{FF2B5EF4-FFF2-40B4-BE49-F238E27FC236}">
+                <a16:creationId xmlns:a16="http://schemas.microsoft.com/office/drawing/2014/main" id="{79E992C7-1C4D-4AB8-A6BC-87F9464F40ED}"/>
+              </a:ext>
+            </a:extLst>
+          </p:cNvPr>
+          <p:cNvSpPr txBox="1"/>
+          <p:nvPr/>
+        </p:nvSpPr>
+        <p:spPr>
+          <a:xfrm>
+            <a:off x="4220733" y="4404402"/>
+            <a:ext cx="2276669" cy="307777"/>
+          </a:xfrm>
+          <a:prstGeom prst="rect">
+            <a:avLst/>
+          </a:prstGeom>
+          <a:noFill/>
+        </p:spPr>
+        <p:txBody>
+          <a:bodyPr wrap="square" rtlCol="0" anchor="ctr">
+            <a:spAutoFit/>
+          </a:bodyPr>
+          <a:lstStyle/>
+          <a:p>
+            <a:pPr algn="ctr"/>
+            <a:r>
+              <a:rPr lang="en-US" sz="1400" dirty="0">
+                <a:solidFill>
+                  <a:schemeClr val="bg1"/>
+                </a:solidFill>
+              </a:rPr>
+              <a:t>Spells</a:t>
+            </a:r>
+          </a:p>
+        </p:txBody>
+      </p:sp>
+      <p:sp>
+        <p:nvSpPr>
+          <p:cNvPr id="25" name="TextBox 24">
+            <a:extLst>
+              <a:ext uri="{FF2B5EF4-FFF2-40B4-BE49-F238E27FC236}">
+                <a16:creationId xmlns:a16="http://schemas.microsoft.com/office/drawing/2014/main" id="{979DB00E-0FCE-40D9-91C8-B68D2DF9D7EA}"/>
+              </a:ext>
+            </a:extLst>
+          </p:cNvPr>
+          <p:cNvSpPr txBox="1"/>
+          <p:nvPr/>
+        </p:nvSpPr>
+        <p:spPr>
+          <a:xfrm>
+            <a:off x="6617149" y="4404401"/>
+            <a:ext cx="1304540" cy="307777"/>
+          </a:xfrm>
+          <a:prstGeom prst="rect">
+            <a:avLst/>
+          </a:prstGeom>
+          <a:noFill/>
+        </p:spPr>
+        <p:txBody>
+          <a:bodyPr wrap="square" rtlCol="0" anchor="ctr">
+            <a:spAutoFit/>
+          </a:bodyPr>
+          <a:lstStyle/>
+          <a:p>
+            <a:pPr algn="ctr"/>
+            <a:r>
+              <a:rPr lang="en-US" sz="1400" dirty="0">
+                <a:solidFill>
+                  <a:schemeClr val="bg1"/>
+                </a:solidFill>
+              </a:rPr>
+              <a:t>Auditioned</a:t>
+            </a:r>
+          </a:p>
+        </p:txBody>
+      </p:sp>
+      <p:pic>
+        <p:nvPicPr>
+          <p:cNvPr id="32" name="Picture 31">
+            <a:extLst>
+              <a:ext uri="{FF2B5EF4-FFF2-40B4-BE49-F238E27FC236}">
+                <a16:creationId xmlns:a16="http://schemas.microsoft.com/office/drawing/2014/main" id="{1C819673-0B0C-4ACE-A45E-22F4C5989616}"/>
+              </a:ext>
+            </a:extLst>
+          </p:cNvPr>
+          <p:cNvPicPr>
+            <a:picLocks noChangeAspect="1"/>
+          </p:cNvPicPr>
+          <p:nvPr/>
+        </p:nvPicPr>
+        <p:blipFill rotWithShape="1">
+          <a:blip r:embed="rId4">
+            <a:extLst>
+              <a:ext uri="{28A0092B-C50C-407E-A947-70E740481C1C}">
+                <a14:useLocalDpi xmlns:a14="http://schemas.microsoft.com/office/drawing/2010/main" val="0"/>
+              </a:ext>
+            </a:extLst>
+          </a:blip>
+          <a:srcRect b="5035"/>
+          <a:stretch/>
+        </p:blipFill>
+        <p:spPr>
+          <a:xfrm>
+            <a:off x="4235622" y="993306"/>
+            <a:ext cx="3642779" cy="3431319"/>
+          </a:xfrm>
+          <a:prstGeom prst="rect">
+            <a:avLst/>
+          </a:prstGeom>
+        </p:spPr>
+      </p:pic>
+      <p:pic>
+        <p:nvPicPr>
+          <p:cNvPr id="3" name="Picture 2">
+            <a:extLst>
+              <a:ext uri="{FF2B5EF4-FFF2-40B4-BE49-F238E27FC236}">
+                <a16:creationId xmlns:a16="http://schemas.microsoft.com/office/drawing/2014/main" id="{7699C478-2173-450D-B22C-FC369959162B}"/>
+              </a:ext>
+            </a:extLst>
+          </p:cNvPr>
+          <p:cNvPicPr>
+            <a:picLocks noChangeAspect="1"/>
+          </p:cNvPicPr>
+          <p:nvPr/>
+        </p:nvPicPr>
+        <p:blipFill>
+          <a:blip r:embed="rId5"/>
+          <a:stretch>
+            <a:fillRect/>
+          </a:stretch>
+        </p:blipFill>
+        <p:spPr>
+          <a:xfrm>
+            <a:off x="4254827" y="4749468"/>
+            <a:ext cx="2151120" cy="787734"/>
+          </a:xfrm>
+          <a:prstGeom prst="rect">
+            <a:avLst/>
+          </a:prstGeom>
+        </p:spPr>
+      </p:pic>
+      <p:sp>
+        <p:nvSpPr>
+          <p:cNvPr id="39" name="Rectangle 38">
+            <a:extLst>
+              <a:ext uri="{FF2B5EF4-FFF2-40B4-BE49-F238E27FC236}">
+                <a16:creationId xmlns:a16="http://schemas.microsoft.com/office/drawing/2014/main" id="{D079F0D0-0D02-4C0D-B281-11BA969BB16D}"/>
+              </a:ext>
+            </a:extLst>
+          </p:cNvPr>
+          <p:cNvSpPr/>
+          <p:nvPr/>
+        </p:nvSpPr>
+        <p:spPr>
+          <a:xfrm>
+            <a:off x="4671148" y="889910"/>
+            <a:ext cx="2412373" cy="195829"/>
+          </a:xfrm>
+          <a:prstGeom prst="rect">
+            <a:avLst/>
+          </a:prstGeom>
+          <a:solidFill>
+            <a:schemeClr val="tx1">
+              <a:lumMod val="75000"/>
+              <a:lumOff val="25000"/>
+            </a:schemeClr>
+          </a:solidFill>
+          <a:ln>
+            <a:noFill/>
+          </a:ln>
+        </p:spPr>
+        <p:style>
+          <a:lnRef idx="2">
+            <a:schemeClr val="accent1">
+              <a:shade val="50000"/>
+            </a:schemeClr>
+          </a:lnRef>
+          <a:fillRef idx="1">
+            <a:schemeClr val="accent1"/>
+          </a:fillRef>
+          <a:effectRef idx="0">
+            <a:schemeClr val="accent1"/>
+          </a:effectRef>
+          <a:fontRef idx="minor">
+            <a:schemeClr val="lt1"/>
+          </a:fontRef>
+        </p:style>
+        <p:txBody>
+          <a:bodyPr rtlCol="0" anchor="ctr"/>
+          <a:lstStyle/>
+          <a:p>
+            <a:pPr algn="ctr"/>
+            <a:endParaRPr lang="en-US"/>
+          </a:p>
+        </p:txBody>
+      </p:sp>
+      <p:sp>
+        <p:nvSpPr>
+          <p:cNvPr id="40" name="Rectangle 39">
+            <a:extLst>
+              <a:ext uri="{FF2B5EF4-FFF2-40B4-BE49-F238E27FC236}">
+                <a16:creationId xmlns:a16="http://schemas.microsoft.com/office/drawing/2014/main" id="{E6FF3B87-2106-454B-A740-7D60D0758973}"/>
+              </a:ext>
+            </a:extLst>
+          </p:cNvPr>
+          <p:cNvSpPr/>
+          <p:nvPr/>
+        </p:nvSpPr>
+        <p:spPr>
+          <a:xfrm>
+            <a:off x="7099949" y="177458"/>
+            <a:ext cx="901178" cy="682060"/>
+          </a:xfrm>
+          <a:prstGeom prst="rect">
+            <a:avLst/>
+          </a:prstGeom>
+          <a:solidFill>
+            <a:schemeClr val="tx1">
+              <a:lumMod val="75000"/>
+              <a:lumOff val="25000"/>
+            </a:schemeClr>
+          </a:solidFill>
+          <a:ln>
+            <a:noFill/>
+          </a:ln>
+        </p:spPr>
+        <p:style>
+          <a:lnRef idx="2">
+            <a:schemeClr val="accent1">
+              <a:shade val="50000"/>
+            </a:schemeClr>
+          </a:lnRef>
+          <a:fillRef idx="1">
+            <a:schemeClr val="accent1"/>
+          </a:fillRef>
+          <a:effectRef idx="0">
+            <a:schemeClr val="accent1"/>
+          </a:effectRef>
+          <a:fontRef idx="minor">
+            <a:schemeClr val="lt1"/>
+          </a:fontRef>
+        </p:style>
+        <p:txBody>
+          <a:bodyPr rtlCol="0" anchor="ctr"/>
+          <a:lstStyle/>
+          <a:p>
+            <a:pPr algn="ctr"/>
+            <a:endParaRPr lang="en-US"/>
+          </a:p>
+        </p:txBody>
+      </p:sp>
+      <p:sp>
+        <p:nvSpPr>
+          <p:cNvPr id="41" name="Rectangle 40">
+            <a:extLst>
+              <a:ext uri="{FF2B5EF4-FFF2-40B4-BE49-F238E27FC236}">
+                <a16:creationId xmlns:a16="http://schemas.microsoft.com/office/drawing/2014/main" id="{B85EDD94-84B0-4476-9AA7-EB648A018C02}"/>
+              </a:ext>
+            </a:extLst>
+          </p:cNvPr>
+          <p:cNvSpPr/>
+          <p:nvPr/>
+        </p:nvSpPr>
+        <p:spPr>
+          <a:xfrm>
+            <a:off x="4147561" y="177457"/>
+            <a:ext cx="3853566" cy="919121"/>
+          </a:xfrm>
+          <a:prstGeom prst="rect">
+            <a:avLst/>
+          </a:prstGeom>
+          <a:solidFill>
+            <a:schemeClr val="tx1">
+              <a:lumMod val="75000"/>
+              <a:lumOff val="25000"/>
+            </a:schemeClr>
+          </a:solidFill>
+          <a:ln>
+            <a:noFill/>
+          </a:ln>
+        </p:spPr>
+        <p:style>
+          <a:lnRef idx="2">
+            <a:schemeClr val="accent1">
+              <a:shade val="50000"/>
+            </a:schemeClr>
+          </a:lnRef>
+          <a:fillRef idx="1">
+            <a:schemeClr val="accent1"/>
+          </a:fillRef>
+          <a:effectRef idx="0">
+            <a:schemeClr val="accent1"/>
+          </a:effectRef>
+          <a:fontRef idx="minor">
+            <a:schemeClr val="lt1"/>
+          </a:fontRef>
+        </p:style>
+        <p:txBody>
+          <a:bodyPr rtlCol="0" anchor="ctr"/>
+          <a:lstStyle/>
+          <a:p>
+            <a:pPr algn="ctr"/>
+            <a:endParaRPr lang="en-US"/>
+          </a:p>
+        </p:txBody>
+      </p:sp>
+      <p:sp>
+        <p:nvSpPr>
+          <p:cNvPr id="42" name="Rectangle 41">
+            <a:extLst>
+              <a:ext uri="{FF2B5EF4-FFF2-40B4-BE49-F238E27FC236}">
+                <a16:creationId xmlns:a16="http://schemas.microsoft.com/office/drawing/2014/main" id="{A04F8959-9817-4204-AF43-DD8D77D3D154}"/>
+              </a:ext>
+            </a:extLst>
+          </p:cNvPr>
+          <p:cNvSpPr/>
+          <p:nvPr/>
+        </p:nvSpPr>
+        <p:spPr>
+          <a:xfrm>
+            <a:off x="4152898" y="169104"/>
+            <a:ext cx="901178" cy="682060"/>
+          </a:xfrm>
+          <a:prstGeom prst="rect">
+            <a:avLst/>
+          </a:prstGeom>
+          <a:solidFill>
+            <a:schemeClr val="tx1">
+              <a:lumMod val="75000"/>
+              <a:lumOff val="25000"/>
+            </a:schemeClr>
+          </a:solidFill>
+          <a:ln>
+            <a:noFill/>
+          </a:ln>
+        </p:spPr>
+        <p:style>
+          <a:lnRef idx="2">
+            <a:schemeClr val="accent1">
+              <a:shade val="50000"/>
+            </a:schemeClr>
+          </a:lnRef>
+          <a:fillRef idx="1">
+            <a:schemeClr val="accent1"/>
+          </a:fillRef>
+          <a:effectRef idx="0">
+            <a:schemeClr val="accent1"/>
+          </a:effectRef>
+          <a:fontRef idx="minor">
+            <a:schemeClr val="lt1"/>
+          </a:fontRef>
+        </p:style>
+        <p:txBody>
+          <a:bodyPr rtlCol="0" anchor="ctr"/>
+          <a:lstStyle/>
+          <a:p>
+            <a:pPr algn="ctr"/>
+            <a:endParaRPr lang="en-US"/>
+          </a:p>
+        </p:txBody>
+      </p:sp>
+      <p:sp>
+        <p:nvSpPr>
+          <p:cNvPr id="43" name="TextBox 42">
+            <a:extLst>
+              <a:ext uri="{FF2B5EF4-FFF2-40B4-BE49-F238E27FC236}">
+                <a16:creationId xmlns:a16="http://schemas.microsoft.com/office/drawing/2014/main" id="{17B5DD7C-6375-486B-BB39-AC9AD32D0118}"/>
+              </a:ext>
+            </a:extLst>
+          </p:cNvPr>
+          <p:cNvSpPr txBox="1"/>
+          <p:nvPr/>
+        </p:nvSpPr>
+        <p:spPr>
+          <a:xfrm>
+            <a:off x="4223652" y="131919"/>
+            <a:ext cx="755780" cy="369332"/>
+          </a:xfrm>
+          <a:prstGeom prst="rect">
+            <a:avLst/>
+          </a:prstGeom>
+          <a:noFill/>
+        </p:spPr>
+        <p:txBody>
+          <a:bodyPr wrap="square" rtlCol="0">
+            <a:spAutoFit/>
+          </a:bodyPr>
+          <a:lstStyle/>
+          <a:p>
+            <a:pPr algn="ctr"/>
+            <a:r>
+              <a:rPr lang="en-US" dirty="0">
+                <a:solidFill>
+                  <a:schemeClr val="bg1"/>
+                </a:solidFill>
+              </a:rPr>
+              <a:t>Level</a:t>
+            </a:r>
+          </a:p>
+        </p:txBody>
+      </p:sp>
+      <p:sp>
+        <p:nvSpPr>
+          <p:cNvPr id="44" name="TextBox 43">
+            <a:extLst>
+              <a:ext uri="{FF2B5EF4-FFF2-40B4-BE49-F238E27FC236}">
+                <a16:creationId xmlns:a16="http://schemas.microsoft.com/office/drawing/2014/main" id="{78B56D01-CB0B-4F6F-8EF0-0757405AA60E}"/>
+              </a:ext>
+            </a:extLst>
+          </p:cNvPr>
+          <p:cNvSpPr txBox="1"/>
+          <p:nvPr/>
+        </p:nvSpPr>
+        <p:spPr>
+          <a:xfrm>
+            <a:off x="5634127" y="133209"/>
+            <a:ext cx="755780" cy="369332"/>
+          </a:xfrm>
+          <a:prstGeom prst="rect">
+            <a:avLst/>
+          </a:prstGeom>
+          <a:noFill/>
+        </p:spPr>
+        <p:txBody>
+          <a:bodyPr wrap="square" rtlCol="0">
+            <a:spAutoFit/>
+          </a:bodyPr>
+          <a:lstStyle/>
+          <a:p>
+            <a:pPr algn="ctr"/>
+            <a:r>
+              <a:rPr lang="en-US" dirty="0">
+                <a:solidFill>
+                  <a:schemeClr val="bg1"/>
+                </a:solidFill>
+              </a:rPr>
+              <a:t>Score</a:t>
+            </a:r>
+          </a:p>
+        </p:txBody>
+      </p:sp>
+      <p:sp>
+        <p:nvSpPr>
+          <p:cNvPr id="45" name="TextBox 44">
+            <a:extLst>
+              <a:ext uri="{FF2B5EF4-FFF2-40B4-BE49-F238E27FC236}">
+                <a16:creationId xmlns:a16="http://schemas.microsoft.com/office/drawing/2014/main" id="{AA303B46-761F-4ECC-A7EB-60EA37C834AC}"/>
+              </a:ext>
+            </a:extLst>
+          </p:cNvPr>
+          <p:cNvSpPr txBox="1"/>
+          <p:nvPr/>
+        </p:nvSpPr>
+        <p:spPr>
+          <a:xfrm>
+            <a:off x="7194677" y="131917"/>
+            <a:ext cx="755780" cy="369332"/>
+          </a:xfrm>
+          <a:prstGeom prst="rect">
+            <a:avLst/>
+          </a:prstGeom>
+          <a:noFill/>
+        </p:spPr>
+        <p:txBody>
+          <a:bodyPr wrap="square" rtlCol="0">
+            <a:spAutoFit/>
+          </a:bodyPr>
+          <a:lstStyle/>
+          <a:p>
+            <a:pPr algn="ctr"/>
+            <a:r>
+              <a:rPr lang="en-US" dirty="0">
+                <a:solidFill>
+                  <a:schemeClr val="bg1"/>
+                </a:solidFill>
+              </a:rPr>
+              <a:t>Mana</a:t>
+            </a:r>
+          </a:p>
+        </p:txBody>
+      </p:sp>
+      <p:sp>
+        <p:nvSpPr>
+          <p:cNvPr id="47" name="TextBox 46">
+            <a:extLst>
+              <a:ext uri="{FF2B5EF4-FFF2-40B4-BE49-F238E27FC236}">
+                <a16:creationId xmlns:a16="http://schemas.microsoft.com/office/drawing/2014/main" id="{A4E77068-47D4-4286-97CE-25B76BD78CBA}"/>
+              </a:ext>
+            </a:extLst>
+          </p:cNvPr>
+          <p:cNvSpPr txBox="1"/>
+          <p:nvPr/>
+        </p:nvSpPr>
+        <p:spPr>
+          <a:xfrm>
+            <a:off x="5549375" y="290018"/>
+            <a:ext cx="918290" cy="646331"/>
+          </a:xfrm>
+          <a:prstGeom prst="rect">
+            <a:avLst/>
+          </a:prstGeom>
+          <a:noFill/>
+        </p:spPr>
+        <p:txBody>
+          <a:bodyPr wrap="square" rtlCol="0">
+            <a:spAutoFit/>
+          </a:bodyPr>
+          <a:lstStyle/>
+          <a:p>
+            <a:pPr algn="ctr"/>
+            <a:r>
+              <a:rPr lang="en-US" sz="3600" dirty="0">
+                <a:solidFill>
+                  <a:schemeClr val="bg1"/>
+                </a:solidFill>
+              </a:rPr>
+              <a:t>205</a:t>
+            </a:r>
+          </a:p>
+        </p:txBody>
+      </p:sp>
+      <p:sp>
+        <p:nvSpPr>
+          <p:cNvPr id="48" name="TextBox 47">
+            <a:extLst>
+              <a:ext uri="{FF2B5EF4-FFF2-40B4-BE49-F238E27FC236}">
+                <a16:creationId xmlns:a16="http://schemas.microsoft.com/office/drawing/2014/main" id="{4104DAE3-44B8-4F3A-92A2-315A18217C29}"/>
+              </a:ext>
+            </a:extLst>
+          </p:cNvPr>
+          <p:cNvSpPr txBox="1"/>
+          <p:nvPr/>
+        </p:nvSpPr>
+        <p:spPr>
+          <a:xfrm>
+            <a:off x="4135786" y="290018"/>
+            <a:ext cx="918290" cy="646331"/>
+          </a:xfrm>
+          <a:prstGeom prst="rect">
+            <a:avLst/>
+          </a:prstGeom>
+          <a:noFill/>
+        </p:spPr>
+        <p:txBody>
+          <a:bodyPr wrap="square" rtlCol="0">
+            <a:spAutoFit/>
+          </a:bodyPr>
+          <a:lstStyle/>
+          <a:p>
+            <a:pPr algn="ctr"/>
+            <a:r>
+              <a:rPr lang="en-US" sz="3600" dirty="0">
+                <a:solidFill>
+                  <a:schemeClr val="bg1"/>
+                </a:solidFill>
+              </a:rPr>
+              <a:t>5</a:t>
+            </a:r>
+          </a:p>
+        </p:txBody>
+      </p:sp>
+      <p:sp>
+        <p:nvSpPr>
+          <p:cNvPr id="49" name="TextBox 48">
+            <a:extLst>
+              <a:ext uri="{FF2B5EF4-FFF2-40B4-BE49-F238E27FC236}">
+                <a16:creationId xmlns:a16="http://schemas.microsoft.com/office/drawing/2014/main" id="{0A8EF115-F8A2-4656-B1B6-2F6980A29EBE}"/>
+              </a:ext>
+            </a:extLst>
+          </p:cNvPr>
+          <p:cNvSpPr txBox="1"/>
+          <p:nvPr/>
+        </p:nvSpPr>
+        <p:spPr>
+          <a:xfrm>
+            <a:off x="7120806" y="316583"/>
+            <a:ext cx="918290" cy="646331"/>
+          </a:xfrm>
+          <a:prstGeom prst="rect">
+            <a:avLst/>
+          </a:prstGeom>
+          <a:noFill/>
+        </p:spPr>
+        <p:txBody>
+          <a:bodyPr wrap="square" rtlCol="0">
+            <a:spAutoFit/>
+          </a:bodyPr>
+          <a:lstStyle/>
+          <a:p>
+            <a:pPr algn="ctr"/>
+            <a:r>
+              <a:rPr lang="en-US" sz="3600" dirty="0">
+                <a:solidFill>
+                  <a:schemeClr val="bg1"/>
+                </a:solidFill>
+              </a:rPr>
+              <a:t>0</a:t>
+            </a:r>
+          </a:p>
+        </p:txBody>
+      </p:sp>
+      <p:sp>
+        <p:nvSpPr>
+          <p:cNvPr id="50" name="TextBox 49">
+            <a:extLst>
+              <a:ext uri="{FF2B5EF4-FFF2-40B4-BE49-F238E27FC236}">
+                <a16:creationId xmlns:a16="http://schemas.microsoft.com/office/drawing/2014/main" id="{CB4F47FE-4206-4909-9726-FFAB5EF8F0F5}"/>
+              </a:ext>
+            </a:extLst>
+          </p:cNvPr>
+          <p:cNvSpPr txBox="1"/>
+          <p:nvPr/>
+        </p:nvSpPr>
+        <p:spPr>
+          <a:xfrm>
+            <a:off x="4601542" y="809025"/>
+            <a:ext cx="1081560" cy="307777"/>
+          </a:xfrm>
+          <a:prstGeom prst="rect">
+            <a:avLst/>
+          </a:prstGeom>
+          <a:noFill/>
+        </p:spPr>
+        <p:txBody>
+          <a:bodyPr wrap="square" rtlCol="0">
+            <a:spAutoFit/>
+          </a:bodyPr>
+          <a:lstStyle/>
+          <a:p>
+            <a:r>
+              <a:rPr lang="en-US" sz="1400" dirty="0">
+                <a:solidFill>
+                  <a:schemeClr val="bg1"/>
+                </a:solidFill>
+              </a:rPr>
+              <a:t>Fortune</a:t>
+            </a:r>
+          </a:p>
+        </p:txBody>
+      </p:sp>
+      <p:pic>
+        <p:nvPicPr>
+          <p:cNvPr id="51" name="Picture 50">
+            <a:extLst>
+              <a:ext uri="{FF2B5EF4-FFF2-40B4-BE49-F238E27FC236}">
+                <a16:creationId xmlns:a16="http://schemas.microsoft.com/office/drawing/2014/main" id="{4F8D14BA-6704-4B7B-8F58-2FC3D2D5725C}"/>
+              </a:ext>
+            </a:extLst>
+          </p:cNvPr>
+          <p:cNvPicPr>
+            <a:picLocks noChangeAspect="1"/>
+          </p:cNvPicPr>
+          <p:nvPr/>
+        </p:nvPicPr>
+        <p:blipFill rotWithShape="1">
+          <a:blip r:embed="rId6"/>
+          <a:srcRect l="3324" t="15484" r="5058" b="24467"/>
+          <a:stretch/>
+        </p:blipFill>
+        <p:spPr>
+          <a:xfrm>
+            <a:off x="5379077" y="936349"/>
+            <a:ext cx="1055908" cy="102953"/>
+          </a:xfrm>
+          <a:prstGeom prst="rect">
+            <a:avLst/>
+          </a:prstGeom>
+        </p:spPr>
+      </p:pic>
+      <p:sp>
+        <p:nvSpPr>
+          <p:cNvPr id="52" name="Rectangle: Rounded Corners 51">
+            <a:extLst>
+              <a:ext uri="{FF2B5EF4-FFF2-40B4-BE49-F238E27FC236}">
+                <a16:creationId xmlns:a16="http://schemas.microsoft.com/office/drawing/2014/main" id="{3B13D153-A8ED-4636-87A4-F14CE5D0BC54}"/>
+              </a:ext>
+            </a:extLst>
+          </p:cNvPr>
+          <p:cNvSpPr/>
+          <p:nvPr/>
+        </p:nvSpPr>
+        <p:spPr>
+          <a:xfrm>
+            <a:off x="7329715" y="6123224"/>
+            <a:ext cx="641305" cy="450072"/>
+          </a:xfrm>
+          <a:prstGeom prst="roundRect">
+            <a:avLst/>
+          </a:prstGeom>
+          <a:solidFill>
+            <a:schemeClr val="tx1">
+              <a:lumMod val="85000"/>
+              <a:lumOff val="15000"/>
+            </a:schemeClr>
+          </a:solidFill>
+          <a:ln>
+            <a:solidFill>
+              <a:schemeClr val="tx1">
+                <a:lumMod val="50000"/>
+                <a:lumOff val="50000"/>
+              </a:schemeClr>
+            </a:solidFill>
+          </a:ln>
+        </p:spPr>
+        <p:style>
+          <a:lnRef idx="2">
+            <a:schemeClr val="accent1">
+              <a:shade val="50000"/>
+            </a:schemeClr>
+          </a:lnRef>
+          <a:fillRef idx="1">
+            <a:schemeClr val="accent1"/>
+          </a:fillRef>
+          <a:effectRef idx="0">
+            <a:schemeClr val="accent1"/>
+          </a:effectRef>
+          <a:fontRef idx="minor">
+            <a:schemeClr val="lt1"/>
+          </a:fontRef>
+        </p:style>
+        <p:txBody>
+          <a:bodyPr rtlCol="0" anchor="ctr"/>
+          <a:lstStyle/>
+          <a:p>
+            <a:pPr algn="ctr"/>
+            <a:r>
+              <a:rPr lang="en-US" sz="2800" dirty="0"/>
+              <a:t>I</a:t>
+            </a:r>
+          </a:p>
+        </p:txBody>
+      </p:sp>
+    </p:spTree>
+    <p:extLst>
+      <p:ext uri="{BB962C8B-B14F-4D97-AF65-F5344CB8AC3E}">
+        <p14:creationId xmlns:p14="http://schemas.microsoft.com/office/powerpoint/2010/main" val="101078367"/>
+      </p:ext>
+    </p:extLst>
+  </p:cSld>
+  <p:clrMapOvr>
+    <a:masterClrMapping/>
+  </p:clrMapOvr>
+</p:sld>
+</file>
+
+<file path=ppt/slides/slide17.xml><?xml version="1.0" encoding="utf-8"?>
+<p:sld xmlns:a="http://schemas.openxmlformats.org/drawingml/2006/main" xmlns:r="http://schemas.openxmlformats.org/officeDocument/2006/relationships" xmlns:p="http://schemas.openxmlformats.org/presentationml/2006/main">
+  <p:cSld>
+    <p:spTree>
+      <p:nvGrpSpPr>
+        <p:cNvPr id="1" name=""/>
+        <p:cNvGrpSpPr/>
+        <p:nvPr/>
+      </p:nvGrpSpPr>
+      <p:grpSpPr>
+        <a:xfrm>
+          <a:off x="0" y="0"/>
+          <a:ext cx="0" cy="0"/>
+          <a:chOff x="0" y="0"/>
+          <a:chExt cx="0" cy="0"/>
+        </a:xfrm>
+      </p:grpSpPr>
       <p:sp>
         <p:nvSpPr>
           <p:cNvPr id="4" name="Rectangle 3">
@@ -12679,6 +14216,96 @@
     <p:extLst>
       <p:ext uri="{BB962C8B-B14F-4D97-AF65-F5344CB8AC3E}">
         <p14:creationId xmlns:p14="http://schemas.microsoft.com/office/powerpoint/2010/main" val="1056036763"/>
+      </p:ext>
+    </p:extLst>
+  </p:cSld>
+  <p:clrMapOvr>
+    <a:masterClrMapping/>
+  </p:clrMapOvr>
+</p:sld>
+</file>
+
+<file path=ppt/slides/slide18.xml><?xml version="1.0" encoding="utf-8"?>
+<p:sld xmlns:a="http://schemas.openxmlformats.org/drawingml/2006/main" xmlns:r="http://schemas.openxmlformats.org/officeDocument/2006/relationships" xmlns:p="http://schemas.openxmlformats.org/presentationml/2006/main">
+  <p:cSld>
+    <p:spTree>
+      <p:nvGrpSpPr>
+        <p:cNvPr id="1" name=""/>
+        <p:cNvGrpSpPr/>
+        <p:nvPr/>
+      </p:nvGrpSpPr>
+      <p:grpSpPr>
+        <a:xfrm>
+          <a:off x="0" y="0"/>
+          <a:ext cx="0" cy="0"/>
+          <a:chOff x="0" y="0"/>
+          <a:chExt cx="0" cy="0"/>
+        </a:xfrm>
+      </p:grpSpPr>
+      <p:pic>
+        <p:nvPicPr>
+          <p:cNvPr id="3" name="Picture 2">
+            <a:extLst>
+              <a:ext uri="{FF2B5EF4-FFF2-40B4-BE49-F238E27FC236}">
+                <a16:creationId xmlns:a16="http://schemas.microsoft.com/office/drawing/2014/main" id="{151CBEE3-B310-4E9B-939D-C2A9FB5F10E0}"/>
+              </a:ext>
+            </a:extLst>
+          </p:cNvPr>
+          <p:cNvPicPr>
+            <a:picLocks noChangeAspect="1"/>
+          </p:cNvPicPr>
+          <p:nvPr/>
+        </p:nvPicPr>
+        <p:blipFill>
+          <a:blip r:embed="rId3"/>
+          <a:stretch>
+            <a:fillRect/>
+          </a:stretch>
+        </p:blipFill>
+        <p:spPr>
+          <a:xfrm>
+            <a:off x="4167187" y="128587"/>
+            <a:ext cx="3857625" cy="6600825"/>
+          </a:xfrm>
+          <a:prstGeom prst="rect">
+            <a:avLst/>
+          </a:prstGeom>
+        </p:spPr>
+      </p:pic>
+    </p:spTree>
+    <p:extLst>
+      <p:ext uri="{BB962C8B-B14F-4D97-AF65-F5344CB8AC3E}">
+        <p14:creationId xmlns:p14="http://schemas.microsoft.com/office/powerpoint/2010/main" val="1174816414"/>
+      </p:ext>
+    </p:extLst>
+  </p:cSld>
+  <p:clrMapOvr>
+    <a:masterClrMapping/>
+  </p:clrMapOvr>
+</p:sld>
+</file>
+
+<file path=ppt/slides/slide19.xml><?xml version="1.0" encoding="utf-8"?>
+<p:sld xmlns:a="http://schemas.openxmlformats.org/drawingml/2006/main" xmlns:r="http://schemas.openxmlformats.org/officeDocument/2006/relationships" xmlns:p="http://schemas.openxmlformats.org/presentationml/2006/main">
+  <p:cSld>
+    <p:spTree>
+      <p:nvGrpSpPr>
+        <p:cNvPr id="1" name=""/>
+        <p:cNvGrpSpPr/>
+        <p:nvPr/>
+      </p:nvGrpSpPr>
+      <p:grpSpPr>
+        <a:xfrm>
+          <a:off x="0" y="0"/>
+          <a:ext cx="0" cy="0"/>
+          <a:chOff x="0" y="0"/>
+          <a:chExt cx="0" cy="0"/>
+        </a:xfrm>
+      </p:grpSpPr>
+    </p:spTree>
+    <p:extLst>
+      <p:ext uri="{BB962C8B-B14F-4D97-AF65-F5344CB8AC3E}">
+        <p14:creationId xmlns:p14="http://schemas.microsoft.com/office/powerpoint/2010/main" val="2242788407"/>
       </p:ext>
     </p:extLst>
   </p:cSld>
@@ -14903,13 +16530,13 @@
         </p:nvPicPr>
         <p:blipFill rotWithShape="1">
           <a:blip r:embed="rId3"/>
-          <a:srcRect l="27934" t="22284" r="29171" b="19428"/>
+          <a:srcRect l="14610" t="22284" r="15583" b="19428"/>
           <a:stretch/>
         </p:blipFill>
         <p:spPr>
           <a:xfrm>
-            <a:off x="3856653" y="2329197"/>
-            <a:ext cx="2052553" cy="3294051"/>
+            <a:off x="3219061" y="2329197"/>
+            <a:ext cx="3340359" cy="3294051"/>
           </a:xfrm>
           <a:prstGeom prst="rect">
             <a:avLst/>
@@ -15228,10 +16855,10 @@
       </p:grpSpPr>
       <p:pic>
         <p:nvPicPr>
-          <p:cNvPr id="2" name="Picture 1">
-            <a:extLst>
-              <a:ext uri="{FF2B5EF4-FFF2-40B4-BE49-F238E27FC236}">
-                <a16:creationId xmlns:a16="http://schemas.microsoft.com/office/drawing/2014/main" id="{6A71F033-A817-4F32-AC99-7F3B3F72BC73}"/>
+          <p:cNvPr id="11" name="Picture 10">
+            <a:extLst>
+              <a:ext uri="{FF2B5EF4-FFF2-40B4-BE49-F238E27FC236}">
+                <a16:creationId xmlns:a16="http://schemas.microsoft.com/office/drawing/2014/main" id="{BBFBD1EA-1548-48CF-BD78-DABF5D7A687E}"/>
               </a:ext>
             </a:extLst>
           </p:cNvPr>
@@ -15240,26 +16867,305 @@
           </p:cNvPicPr>
           <p:nvPr/>
         </p:nvPicPr>
-        <p:blipFill>
+        <p:blipFill rotWithShape="1">
           <a:blip r:embed="rId3"/>
-          <a:stretch>
-            <a:fillRect/>
-          </a:stretch>
+          <a:srcRect l="14521" t="13750" r="14795" b="15000"/>
+          <a:stretch/>
         </p:blipFill>
         <p:spPr>
           <a:xfrm>
-            <a:off x="3738562" y="328612"/>
-            <a:ext cx="4714875" cy="6200775"/>
+            <a:off x="4862512" y="2185988"/>
+            <a:ext cx="2457451" cy="2443162"/>
           </a:xfrm>
           <a:prstGeom prst="rect">
             <a:avLst/>
           </a:prstGeom>
         </p:spPr>
       </p:pic>
+      <p:sp>
+        <p:nvSpPr>
+          <p:cNvPr id="5" name="Arrow: Right 4">
+            <a:extLst>
+              <a:ext uri="{FF2B5EF4-FFF2-40B4-BE49-F238E27FC236}">
+                <a16:creationId xmlns:a16="http://schemas.microsoft.com/office/drawing/2014/main" id="{308EAC56-0C2E-42C8-8C19-B0CFC14E8E9F}"/>
+              </a:ext>
+            </a:extLst>
+          </p:cNvPr>
+          <p:cNvSpPr/>
+          <p:nvPr/>
+        </p:nvSpPr>
+        <p:spPr>
+          <a:xfrm rot="10800000">
+            <a:off x="6228947" y="3787884"/>
+            <a:ext cx="191278" cy="191282"/>
+          </a:xfrm>
+          <a:prstGeom prst="rightArrow">
+            <a:avLst/>
+          </a:prstGeom>
+          <a:solidFill>
+            <a:srgbClr val="FFFF00"/>
+          </a:solidFill>
+          <a:ln>
+            <a:noFill/>
+          </a:ln>
+        </p:spPr>
+        <p:style>
+          <a:lnRef idx="2">
+            <a:schemeClr val="accent1">
+              <a:shade val="50000"/>
+            </a:schemeClr>
+          </a:lnRef>
+          <a:fillRef idx="1">
+            <a:schemeClr val="accent1"/>
+          </a:fillRef>
+          <a:effectRef idx="0">
+            <a:schemeClr val="accent1"/>
+          </a:effectRef>
+          <a:fontRef idx="minor">
+            <a:schemeClr val="lt1"/>
+          </a:fontRef>
+        </p:style>
+        <p:txBody>
+          <a:bodyPr rtlCol="0" anchor="ctr"/>
+          <a:lstStyle/>
+          <a:p>
+            <a:pPr algn="ctr"/>
+            <a:endParaRPr lang="en-US">
+              <a:solidFill>
+                <a:srgbClr val="FFFF00"/>
+              </a:solidFill>
+            </a:endParaRPr>
+          </a:p>
+        </p:txBody>
+      </p:sp>
+      <p:sp>
+        <p:nvSpPr>
+          <p:cNvPr id="6" name="Arrow: Right 5">
+            <a:extLst>
+              <a:ext uri="{FF2B5EF4-FFF2-40B4-BE49-F238E27FC236}">
+                <a16:creationId xmlns:a16="http://schemas.microsoft.com/office/drawing/2014/main" id="{155DFDC6-E125-4A4D-9FFE-6D93BBEEF3F1}"/>
+              </a:ext>
+            </a:extLst>
+          </p:cNvPr>
+          <p:cNvSpPr/>
+          <p:nvPr/>
+        </p:nvSpPr>
+        <p:spPr>
+          <a:xfrm rot="2439065">
+            <a:off x="5790217" y="3084718"/>
+            <a:ext cx="191278" cy="191282"/>
+          </a:xfrm>
+          <a:prstGeom prst="rightArrow">
+            <a:avLst/>
+          </a:prstGeom>
+          <a:solidFill>
+            <a:srgbClr val="FFFF00"/>
+          </a:solidFill>
+          <a:ln>
+            <a:noFill/>
+          </a:ln>
+        </p:spPr>
+        <p:style>
+          <a:lnRef idx="2">
+            <a:schemeClr val="accent1">
+              <a:shade val="50000"/>
+            </a:schemeClr>
+          </a:lnRef>
+          <a:fillRef idx="1">
+            <a:schemeClr val="accent1"/>
+          </a:fillRef>
+          <a:effectRef idx="0">
+            <a:schemeClr val="accent1"/>
+          </a:effectRef>
+          <a:fontRef idx="minor">
+            <a:schemeClr val="lt1"/>
+          </a:fontRef>
+        </p:style>
+        <p:txBody>
+          <a:bodyPr rtlCol="0" anchor="ctr"/>
+          <a:lstStyle/>
+          <a:p>
+            <a:pPr algn="ctr"/>
+            <a:endParaRPr lang="en-US">
+              <a:solidFill>
+                <a:srgbClr val="FFFF00"/>
+              </a:solidFill>
+            </a:endParaRPr>
+          </a:p>
+        </p:txBody>
+      </p:sp>
+      <p:sp>
+        <p:nvSpPr>
+          <p:cNvPr id="7" name="Arrow: Right 6">
+            <a:extLst>
+              <a:ext uri="{FF2B5EF4-FFF2-40B4-BE49-F238E27FC236}">
+                <a16:creationId xmlns:a16="http://schemas.microsoft.com/office/drawing/2014/main" id="{FBDD2F7B-A722-4D8D-A0BE-1E669B97578D}"/>
+              </a:ext>
+            </a:extLst>
+          </p:cNvPr>
+          <p:cNvSpPr/>
+          <p:nvPr/>
+        </p:nvSpPr>
+        <p:spPr>
+          <a:xfrm rot="10800000">
+            <a:off x="5750990" y="3787884"/>
+            <a:ext cx="191278" cy="191282"/>
+          </a:xfrm>
+          <a:prstGeom prst="rightArrow">
+            <a:avLst/>
+          </a:prstGeom>
+          <a:solidFill>
+            <a:srgbClr val="FFFF00"/>
+          </a:solidFill>
+          <a:ln>
+            <a:noFill/>
+          </a:ln>
+        </p:spPr>
+        <p:style>
+          <a:lnRef idx="2">
+            <a:schemeClr val="accent1">
+              <a:shade val="50000"/>
+            </a:schemeClr>
+          </a:lnRef>
+          <a:fillRef idx="1">
+            <a:schemeClr val="accent1"/>
+          </a:fillRef>
+          <a:effectRef idx="0">
+            <a:schemeClr val="accent1"/>
+          </a:effectRef>
+          <a:fontRef idx="minor">
+            <a:schemeClr val="lt1"/>
+          </a:fontRef>
+        </p:style>
+        <p:txBody>
+          <a:bodyPr rtlCol="0" anchor="ctr"/>
+          <a:lstStyle/>
+          <a:p>
+            <a:pPr algn="ctr"/>
+            <a:endParaRPr lang="en-US">
+              <a:solidFill>
+                <a:srgbClr val="FFFF00"/>
+              </a:solidFill>
+            </a:endParaRPr>
+          </a:p>
+        </p:txBody>
+      </p:sp>
+      <p:sp>
+        <p:nvSpPr>
+          <p:cNvPr id="8" name="Arrow: Right 7">
+            <a:extLst>
+              <a:ext uri="{FF2B5EF4-FFF2-40B4-BE49-F238E27FC236}">
+                <a16:creationId xmlns:a16="http://schemas.microsoft.com/office/drawing/2014/main" id="{51828E37-2D19-466B-AF74-0FFA35AA4800}"/>
+              </a:ext>
+            </a:extLst>
+          </p:cNvPr>
+          <p:cNvSpPr/>
+          <p:nvPr/>
+        </p:nvSpPr>
+        <p:spPr>
+          <a:xfrm rot="2439065">
+            <a:off x="6228947" y="3540936"/>
+            <a:ext cx="191278" cy="191282"/>
+          </a:xfrm>
+          <a:prstGeom prst="rightArrow">
+            <a:avLst/>
+          </a:prstGeom>
+          <a:solidFill>
+            <a:srgbClr val="FFFF00"/>
+          </a:solidFill>
+          <a:ln>
+            <a:noFill/>
+          </a:ln>
+        </p:spPr>
+        <p:style>
+          <a:lnRef idx="2">
+            <a:schemeClr val="accent1">
+              <a:shade val="50000"/>
+            </a:schemeClr>
+          </a:lnRef>
+          <a:fillRef idx="1">
+            <a:schemeClr val="accent1"/>
+          </a:fillRef>
+          <a:effectRef idx="0">
+            <a:schemeClr val="accent1"/>
+          </a:effectRef>
+          <a:fontRef idx="minor">
+            <a:schemeClr val="lt1"/>
+          </a:fontRef>
+        </p:style>
+        <p:txBody>
+          <a:bodyPr rtlCol="0" anchor="ctr"/>
+          <a:lstStyle/>
+          <a:p>
+            <a:pPr algn="ctr"/>
+            <a:endParaRPr lang="en-US">
+              <a:solidFill>
+                <a:srgbClr val="FFFF00"/>
+              </a:solidFill>
+            </a:endParaRPr>
+          </a:p>
+        </p:txBody>
+      </p:sp>
+      <p:sp>
+        <p:nvSpPr>
+          <p:cNvPr id="9" name="Arrow: Right 8">
+            <a:extLst>
+              <a:ext uri="{FF2B5EF4-FFF2-40B4-BE49-F238E27FC236}">
+                <a16:creationId xmlns:a16="http://schemas.microsoft.com/office/drawing/2014/main" id="{721764BF-ABD4-4D37-9AE1-0AA0DD7D9999}"/>
+              </a:ext>
+            </a:extLst>
+          </p:cNvPr>
+          <p:cNvSpPr/>
+          <p:nvPr/>
+        </p:nvSpPr>
+        <p:spPr>
+          <a:xfrm rot="16200000">
+            <a:off x="5521962" y="3540936"/>
+            <a:ext cx="191278" cy="191282"/>
+          </a:xfrm>
+          <a:prstGeom prst="rightArrow">
+            <a:avLst/>
+          </a:prstGeom>
+          <a:solidFill>
+            <a:srgbClr val="FFFF00"/>
+          </a:solidFill>
+          <a:ln>
+            <a:noFill/>
+          </a:ln>
+        </p:spPr>
+        <p:style>
+          <a:lnRef idx="2">
+            <a:schemeClr val="accent1">
+              <a:shade val="50000"/>
+            </a:schemeClr>
+          </a:lnRef>
+          <a:fillRef idx="1">
+            <a:schemeClr val="accent1"/>
+          </a:fillRef>
+          <a:effectRef idx="0">
+            <a:schemeClr val="accent1"/>
+          </a:effectRef>
+          <a:fontRef idx="minor">
+            <a:schemeClr val="lt1"/>
+          </a:fontRef>
+        </p:style>
+        <p:txBody>
+          <a:bodyPr rtlCol="0" anchor="ctr"/>
+          <a:lstStyle/>
+          <a:p>
+            <a:pPr algn="ctr"/>
+            <a:endParaRPr lang="en-US">
+              <a:solidFill>
+                <a:srgbClr val="FFFF00"/>
+              </a:solidFill>
+            </a:endParaRPr>
+          </a:p>
+        </p:txBody>
+      </p:sp>
     </p:spTree>
     <p:extLst>
       <p:ext uri="{BB962C8B-B14F-4D97-AF65-F5344CB8AC3E}">
-        <p14:creationId xmlns:p14="http://schemas.microsoft.com/office/powerpoint/2010/main" val="1677617755"/>
+        <p14:creationId xmlns:p14="http://schemas.microsoft.com/office/powerpoint/2010/main" val="3513946114"/>
       </p:ext>
     </p:extLst>
   </p:cSld>
@@ -15286,58 +17192,12 @@
           <a:chExt cx="0" cy="0"/>
         </a:xfrm>
       </p:grpSpPr>
-      <p:sp>
-        <p:nvSpPr>
-          <p:cNvPr id="4" name="Rectangle 3">
-            <a:extLst>
-              <a:ext uri="{FF2B5EF4-FFF2-40B4-BE49-F238E27FC236}">
-                <a16:creationId xmlns:a16="http://schemas.microsoft.com/office/drawing/2014/main" id="{7389EE0F-66DD-4EC4-8CEC-987B22D60A1D}"/>
-              </a:ext>
-            </a:extLst>
-          </p:cNvPr>
-          <p:cNvSpPr/>
-          <p:nvPr/>
-        </p:nvSpPr>
-        <p:spPr>
-          <a:xfrm>
-            <a:off x="4152899" y="169104"/>
-            <a:ext cx="3886199" cy="6483623"/>
-          </a:xfrm>
-          <a:prstGeom prst="rect">
-            <a:avLst/>
-          </a:prstGeom>
-        </p:spPr>
-        <p:style>
-          <a:lnRef idx="2">
-            <a:schemeClr val="accent1">
-              <a:shade val="50000"/>
-            </a:schemeClr>
-          </a:lnRef>
-          <a:fillRef idx="1">
-            <a:schemeClr val="accent1"/>
-          </a:fillRef>
-          <a:effectRef idx="0">
-            <a:schemeClr val="accent1"/>
-          </a:effectRef>
-          <a:fontRef idx="minor">
-            <a:schemeClr val="lt1"/>
-          </a:fontRef>
-        </p:style>
-        <p:txBody>
-          <a:bodyPr rtlCol="0" anchor="ctr"/>
-          <a:lstStyle/>
-          <a:p>
-            <a:pPr algn="ctr"/>
-            <a:endParaRPr lang="en-US"/>
-          </a:p>
-        </p:txBody>
-      </p:sp>
       <p:pic>
         <p:nvPicPr>
-          <p:cNvPr id="3" name="Picture 2">
-            <a:extLst>
-              <a:ext uri="{FF2B5EF4-FFF2-40B4-BE49-F238E27FC236}">
-                <a16:creationId xmlns:a16="http://schemas.microsoft.com/office/drawing/2014/main" id="{FED94A2B-26C1-48B6-82EF-BA1F1CFDC0A8}"/>
+          <p:cNvPr id="2" name="Picture 1">
+            <a:extLst>
+              <a:ext uri="{FF2B5EF4-FFF2-40B4-BE49-F238E27FC236}">
+                <a16:creationId xmlns:a16="http://schemas.microsoft.com/office/drawing/2014/main" id="{6A71F033-A817-4F32-AC99-7F3B3F72BC73}"/>
               </a:ext>
             </a:extLst>
           </p:cNvPr>
@@ -15354,678 +17214,18 @@
         </p:blipFill>
         <p:spPr>
           <a:xfrm>
-            <a:off x="3768398" y="833397"/>
-            <a:ext cx="4433210" cy="3314042"/>
+            <a:off x="3738562" y="328612"/>
+            <a:ext cx="4714875" cy="6200775"/>
           </a:xfrm>
           <a:prstGeom prst="rect">
             <a:avLst/>
           </a:prstGeom>
         </p:spPr>
       </p:pic>
-      <p:sp>
-        <p:nvSpPr>
-          <p:cNvPr id="5" name="Rectangle 4">
-            <a:extLst>
-              <a:ext uri="{FF2B5EF4-FFF2-40B4-BE49-F238E27FC236}">
-                <a16:creationId xmlns:a16="http://schemas.microsoft.com/office/drawing/2014/main" id="{175491A8-EA5B-4C2C-A048-E751C5A7E636}"/>
-              </a:ext>
-            </a:extLst>
-          </p:cNvPr>
-          <p:cNvSpPr/>
-          <p:nvPr/>
-        </p:nvSpPr>
-        <p:spPr>
-          <a:xfrm>
-            <a:off x="4814596" y="169103"/>
-            <a:ext cx="3224502" cy="664293"/>
-          </a:xfrm>
-          <a:prstGeom prst="rect">
-            <a:avLst/>
-          </a:prstGeom>
-          <a:solidFill>
-            <a:schemeClr val="tx1">
-              <a:lumMod val="75000"/>
-              <a:lumOff val="25000"/>
-            </a:schemeClr>
-          </a:solidFill>
-          <a:ln>
-            <a:noFill/>
-          </a:ln>
-        </p:spPr>
-        <p:style>
-          <a:lnRef idx="2">
-            <a:schemeClr val="accent1">
-              <a:shade val="50000"/>
-            </a:schemeClr>
-          </a:lnRef>
-          <a:fillRef idx="1">
-            <a:schemeClr val="accent1"/>
-          </a:fillRef>
-          <a:effectRef idx="0">
-            <a:schemeClr val="accent1"/>
-          </a:effectRef>
-          <a:fontRef idx="minor">
-            <a:schemeClr val="lt1"/>
-          </a:fontRef>
-        </p:style>
-        <p:txBody>
-          <a:bodyPr rtlCol="0" anchor="ctr"/>
-          <a:lstStyle/>
-          <a:p>
-            <a:pPr algn="ctr"/>
-            <a:endParaRPr lang="en-US"/>
-          </a:p>
-        </p:txBody>
-      </p:sp>
-      <p:sp>
-        <p:nvSpPr>
-          <p:cNvPr id="6" name="TextBox 5">
-            <a:extLst>
-              <a:ext uri="{FF2B5EF4-FFF2-40B4-BE49-F238E27FC236}">
-                <a16:creationId xmlns:a16="http://schemas.microsoft.com/office/drawing/2014/main" id="{C5A2D7AE-E779-41F9-B90A-BC5411D76DD9}"/>
-              </a:ext>
-            </a:extLst>
-          </p:cNvPr>
-          <p:cNvSpPr txBox="1"/>
-          <p:nvPr/>
-        </p:nvSpPr>
-        <p:spPr>
-          <a:xfrm>
-            <a:off x="4926563" y="131919"/>
-            <a:ext cx="755780" cy="369332"/>
-          </a:xfrm>
-          <a:prstGeom prst="rect">
-            <a:avLst/>
-          </a:prstGeom>
-          <a:noFill/>
-        </p:spPr>
-        <p:txBody>
-          <a:bodyPr wrap="square" rtlCol="0">
-            <a:spAutoFit/>
-          </a:bodyPr>
-          <a:lstStyle/>
-          <a:p>
-            <a:r>
-              <a:rPr lang="en-US" dirty="0">
-                <a:solidFill>
-                  <a:schemeClr val="bg1"/>
-                </a:solidFill>
-              </a:rPr>
-              <a:t>Level</a:t>
-            </a:r>
-          </a:p>
-        </p:txBody>
-      </p:sp>
-      <p:sp>
-        <p:nvSpPr>
-          <p:cNvPr id="8" name="TextBox 7">
-            <a:extLst>
-              <a:ext uri="{FF2B5EF4-FFF2-40B4-BE49-F238E27FC236}">
-                <a16:creationId xmlns:a16="http://schemas.microsoft.com/office/drawing/2014/main" id="{E1BE5118-306B-4FFA-A54E-5C601C8394FA}"/>
-              </a:ext>
-            </a:extLst>
-          </p:cNvPr>
-          <p:cNvSpPr txBox="1"/>
-          <p:nvPr/>
-        </p:nvSpPr>
-        <p:spPr>
-          <a:xfrm>
-            <a:off x="6104940" y="131919"/>
-            <a:ext cx="755780" cy="369332"/>
-          </a:xfrm>
-          <a:prstGeom prst="rect">
-            <a:avLst/>
-          </a:prstGeom>
-          <a:noFill/>
-        </p:spPr>
-        <p:txBody>
-          <a:bodyPr wrap="square" rtlCol="0">
-            <a:spAutoFit/>
-          </a:bodyPr>
-          <a:lstStyle/>
-          <a:p>
-            <a:r>
-              <a:rPr lang="en-US" dirty="0">
-                <a:solidFill>
-                  <a:schemeClr val="bg1"/>
-                </a:solidFill>
-              </a:rPr>
-              <a:t>Score</a:t>
-            </a:r>
-          </a:p>
-        </p:txBody>
-      </p:sp>
-      <p:sp>
-        <p:nvSpPr>
-          <p:cNvPr id="9" name="TextBox 8">
-            <a:extLst>
-              <a:ext uri="{FF2B5EF4-FFF2-40B4-BE49-F238E27FC236}">
-                <a16:creationId xmlns:a16="http://schemas.microsoft.com/office/drawing/2014/main" id="{8AAC14BD-8A83-4C74-898C-3B4C9220ED91}"/>
-              </a:ext>
-            </a:extLst>
-          </p:cNvPr>
-          <p:cNvSpPr txBox="1"/>
-          <p:nvPr/>
-        </p:nvSpPr>
-        <p:spPr>
-          <a:xfrm>
-            <a:off x="7245221" y="131919"/>
-            <a:ext cx="755780" cy="369332"/>
-          </a:xfrm>
-          <a:prstGeom prst="rect">
-            <a:avLst/>
-          </a:prstGeom>
-          <a:noFill/>
-        </p:spPr>
-        <p:txBody>
-          <a:bodyPr wrap="square" rtlCol="0">
-            <a:spAutoFit/>
-          </a:bodyPr>
-          <a:lstStyle/>
-          <a:p>
-            <a:r>
-              <a:rPr lang="en-US" dirty="0">
-                <a:solidFill>
-                  <a:schemeClr val="bg1"/>
-                </a:solidFill>
-              </a:rPr>
-              <a:t>Mana</a:t>
-            </a:r>
-          </a:p>
-        </p:txBody>
-      </p:sp>
-      <p:sp>
-        <p:nvSpPr>
-          <p:cNvPr id="10" name="Rectangle 9">
-            <a:extLst>
-              <a:ext uri="{FF2B5EF4-FFF2-40B4-BE49-F238E27FC236}">
-                <a16:creationId xmlns:a16="http://schemas.microsoft.com/office/drawing/2014/main" id="{25361B00-E3CA-4C04-B7E0-178473412C68}"/>
-              </a:ext>
-            </a:extLst>
-          </p:cNvPr>
-          <p:cNvSpPr/>
-          <p:nvPr/>
-        </p:nvSpPr>
-        <p:spPr>
-          <a:xfrm>
-            <a:off x="4152898" y="169103"/>
-            <a:ext cx="661697" cy="664293"/>
-          </a:xfrm>
-          <a:prstGeom prst="rect">
-            <a:avLst/>
-          </a:prstGeom>
-          <a:solidFill>
-            <a:schemeClr val="bg2">
-              <a:lumMod val="50000"/>
-            </a:schemeClr>
-          </a:solidFill>
-          <a:ln>
-            <a:noFill/>
-          </a:ln>
-        </p:spPr>
-        <p:style>
-          <a:lnRef idx="2">
-            <a:schemeClr val="accent1">
-              <a:shade val="50000"/>
-            </a:schemeClr>
-          </a:lnRef>
-          <a:fillRef idx="1">
-            <a:schemeClr val="accent1"/>
-          </a:fillRef>
-          <a:effectRef idx="0">
-            <a:schemeClr val="accent1"/>
-          </a:effectRef>
-          <a:fontRef idx="minor">
-            <a:schemeClr val="lt1"/>
-          </a:fontRef>
-        </p:style>
-        <p:txBody>
-          <a:bodyPr rtlCol="0" anchor="ctr"/>
-          <a:lstStyle/>
-          <a:p>
-            <a:pPr algn="ctr"/>
-            <a:endParaRPr lang="en-US"/>
-          </a:p>
-        </p:txBody>
-      </p:sp>
-      <p:sp>
-        <p:nvSpPr>
-          <p:cNvPr id="11" name="Rectangle 10">
-            <a:extLst>
-              <a:ext uri="{FF2B5EF4-FFF2-40B4-BE49-F238E27FC236}">
-                <a16:creationId xmlns:a16="http://schemas.microsoft.com/office/drawing/2014/main" id="{6F84A7B2-8A83-40D6-8C0D-E76FFA516B5F}"/>
-              </a:ext>
-            </a:extLst>
-          </p:cNvPr>
-          <p:cNvSpPr/>
-          <p:nvPr/>
-        </p:nvSpPr>
-        <p:spPr>
-          <a:xfrm>
-            <a:off x="4152898" y="4147439"/>
-            <a:ext cx="3886199" cy="2505288"/>
-          </a:xfrm>
-          <a:prstGeom prst="rect">
-            <a:avLst/>
-          </a:prstGeom>
-          <a:solidFill>
-            <a:srgbClr val="767171"/>
-          </a:solidFill>
-          <a:ln>
-            <a:noFill/>
-          </a:ln>
-        </p:spPr>
-        <p:style>
-          <a:lnRef idx="2">
-            <a:schemeClr val="accent1">
-              <a:shade val="50000"/>
-            </a:schemeClr>
-          </a:lnRef>
-          <a:fillRef idx="1">
-            <a:schemeClr val="accent1"/>
-          </a:fillRef>
-          <a:effectRef idx="0">
-            <a:schemeClr val="accent1"/>
-          </a:effectRef>
-          <a:fontRef idx="minor">
-            <a:schemeClr val="lt1"/>
-          </a:fontRef>
-        </p:style>
-        <p:txBody>
-          <a:bodyPr rtlCol="0" anchor="ctr"/>
-          <a:lstStyle/>
-          <a:p>
-            <a:pPr algn="ctr"/>
-            <a:endParaRPr lang="en-US"/>
-          </a:p>
-        </p:txBody>
-      </p:sp>
-      <p:sp>
-        <p:nvSpPr>
-          <p:cNvPr id="12" name="Rectangle 11">
-            <a:extLst>
-              <a:ext uri="{FF2B5EF4-FFF2-40B4-BE49-F238E27FC236}">
-                <a16:creationId xmlns:a16="http://schemas.microsoft.com/office/drawing/2014/main" id="{136EB81B-AFB2-4FBA-9D99-048A1C443DF8}"/>
-              </a:ext>
-            </a:extLst>
-          </p:cNvPr>
-          <p:cNvSpPr/>
-          <p:nvPr/>
-        </p:nvSpPr>
-        <p:spPr>
-          <a:xfrm>
-            <a:off x="4206161" y="4380181"/>
-            <a:ext cx="2276669" cy="1330153"/>
-          </a:xfrm>
-          <a:prstGeom prst="rect">
-            <a:avLst/>
-          </a:prstGeom>
-          <a:solidFill>
-            <a:srgbClr val="404040"/>
-          </a:solidFill>
-          <a:ln>
-            <a:noFill/>
-          </a:ln>
-        </p:spPr>
-        <p:style>
-          <a:lnRef idx="2">
-            <a:schemeClr val="accent1">
-              <a:shade val="50000"/>
-            </a:schemeClr>
-          </a:lnRef>
-          <a:fillRef idx="1">
-            <a:schemeClr val="accent1"/>
-          </a:fillRef>
-          <a:effectRef idx="0">
-            <a:schemeClr val="accent1"/>
-          </a:effectRef>
-          <a:fontRef idx="minor">
-            <a:schemeClr val="lt1"/>
-          </a:fontRef>
-        </p:style>
-        <p:txBody>
-          <a:bodyPr rtlCol="0" anchor="ctr"/>
-          <a:lstStyle/>
-          <a:p>
-            <a:pPr algn="ctr"/>
-            <a:endParaRPr lang="en-US"/>
-          </a:p>
-        </p:txBody>
-      </p:sp>
-      <p:sp>
-        <p:nvSpPr>
-          <p:cNvPr id="13" name="Rectangle 12">
-            <a:extLst>
-              <a:ext uri="{FF2B5EF4-FFF2-40B4-BE49-F238E27FC236}">
-                <a16:creationId xmlns:a16="http://schemas.microsoft.com/office/drawing/2014/main" id="{529EBA8E-B57F-4AE8-BBE1-B837D15B557C}"/>
-              </a:ext>
-            </a:extLst>
-          </p:cNvPr>
-          <p:cNvSpPr/>
-          <p:nvPr/>
-        </p:nvSpPr>
-        <p:spPr>
-          <a:xfrm>
-            <a:off x="6617150" y="4380181"/>
-            <a:ext cx="1304539" cy="1330153"/>
-          </a:xfrm>
-          <a:prstGeom prst="rect">
-            <a:avLst/>
-          </a:prstGeom>
-          <a:solidFill>
-            <a:srgbClr val="404040"/>
-          </a:solidFill>
-          <a:ln>
-            <a:noFill/>
-          </a:ln>
-        </p:spPr>
-        <p:style>
-          <a:lnRef idx="2">
-            <a:schemeClr val="accent1">
-              <a:shade val="50000"/>
-            </a:schemeClr>
-          </a:lnRef>
-          <a:fillRef idx="1">
-            <a:schemeClr val="accent1"/>
-          </a:fillRef>
-          <a:effectRef idx="0">
-            <a:schemeClr val="accent1"/>
-          </a:effectRef>
-          <a:fontRef idx="minor">
-            <a:schemeClr val="lt1"/>
-          </a:fontRef>
-        </p:style>
-        <p:txBody>
-          <a:bodyPr rtlCol="0" anchor="ctr"/>
-          <a:lstStyle/>
-          <a:p>
-            <a:pPr algn="ctr"/>
-            <a:endParaRPr lang="en-US"/>
-          </a:p>
-        </p:txBody>
-      </p:sp>
-      <p:sp>
-        <p:nvSpPr>
-          <p:cNvPr id="14" name="Rectangle: Rounded Corners 13">
-            <a:extLst>
-              <a:ext uri="{FF2B5EF4-FFF2-40B4-BE49-F238E27FC236}">
-                <a16:creationId xmlns:a16="http://schemas.microsoft.com/office/drawing/2014/main" id="{9336D1A6-639E-481D-BECE-EECC489038CC}"/>
-              </a:ext>
-            </a:extLst>
-          </p:cNvPr>
-          <p:cNvSpPr/>
-          <p:nvPr/>
-        </p:nvSpPr>
-        <p:spPr>
-          <a:xfrm>
-            <a:off x="4206161" y="6130212"/>
-            <a:ext cx="720402" cy="450072"/>
-          </a:xfrm>
-          <a:prstGeom prst="roundRect">
-            <a:avLst/>
-          </a:prstGeom>
-          <a:solidFill>
-            <a:srgbClr val="404040"/>
-          </a:solidFill>
-          <a:ln>
-            <a:solidFill>
-              <a:schemeClr val="tx1"/>
-            </a:solidFill>
-          </a:ln>
-        </p:spPr>
-        <p:style>
-          <a:lnRef idx="2">
-            <a:schemeClr val="accent1">
-              <a:shade val="50000"/>
-            </a:schemeClr>
-          </a:lnRef>
-          <a:fillRef idx="1">
-            <a:schemeClr val="accent1"/>
-          </a:fillRef>
-          <a:effectRef idx="0">
-            <a:schemeClr val="accent1"/>
-          </a:effectRef>
-          <a:fontRef idx="minor">
-            <a:schemeClr val="lt1"/>
-          </a:fontRef>
-        </p:style>
-        <p:txBody>
-          <a:bodyPr rtlCol="0" anchor="ctr"/>
-          <a:lstStyle/>
-          <a:p>
-            <a:pPr algn="ctr"/>
-            <a:r>
-              <a:rPr lang="en-US" sz="1400" dirty="0"/>
-              <a:t>Cast</a:t>
-            </a:r>
-          </a:p>
-        </p:txBody>
-      </p:sp>
-      <p:sp>
-        <p:nvSpPr>
-          <p:cNvPr id="15" name="Rectangle 14">
-            <a:extLst>
-              <a:ext uri="{FF2B5EF4-FFF2-40B4-BE49-F238E27FC236}">
-                <a16:creationId xmlns:a16="http://schemas.microsoft.com/office/drawing/2014/main" id="{599D2AFE-9F9D-4115-A04C-0E9E528FA050}"/>
-              </a:ext>
-            </a:extLst>
-          </p:cNvPr>
-          <p:cNvSpPr/>
-          <p:nvPr/>
-        </p:nvSpPr>
-        <p:spPr>
-          <a:xfrm>
-            <a:off x="10207690" y="1838131"/>
-            <a:ext cx="914400" cy="914400"/>
-          </a:xfrm>
-          <a:prstGeom prst="rect">
-            <a:avLst/>
-          </a:prstGeom>
-        </p:spPr>
-        <p:style>
-          <a:lnRef idx="2">
-            <a:schemeClr val="accent1">
-              <a:shade val="50000"/>
-            </a:schemeClr>
-          </a:lnRef>
-          <a:fillRef idx="1">
-            <a:schemeClr val="accent1"/>
-          </a:fillRef>
-          <a:effectRef idx="0">
-            <a:schemeClr val="accent1"/>
-          </a:effectRef>
-          <a:fontRef idx="minor">
-            <a:schemeClr val="lt1"/>
-          </a:fontRef>
-        </p:style>
-        <p:txBody>
-          <a:bodyPr rtlCol="0" anchor="ctr"/>
-          <a:lstStyle/>
-          <a:p>
-            <a:pPr algn="ctr"/>
-            <a:endParaRPr lang="en-US"/>
-          </a:p>
-        </p:txBody>
-      </p:sp>
-      <p:sp>
-        <p:nvSpPr>
-          <p:cNvPr id="16" name="Rectangle: Rounded Corners 15">
-            <a:extLst>
-              <a:ext uri="{FF2B5EF4-FFF2-40B4-BE49-F238E27FC236}">
-                <a16:creationId xmlns:a16="http://schemas.microsoft.com/office/drawing/2014/main" id="{5E679ADA-4B52-45D8-B69C-70ED61D3419C}"/>
-              </a:ext>
-            </a:extLst>
-          </p:cNvPr>
-          <p:cNvSpPr/>
-          <p:nvPr/>
-        </p:nvSpPr>
-        <p:spPr>
-          <a:xfrm>
-            <a:off x="4961941" y="6130212"/>
-            <a:ext cx="2959748" cy="450072"/>
-          </a:xfrm>
-          <a:prstGeom prst="roundRect">
-            <a:avLst/>
-          </a:prstGeom>
-          <a:solidFill>
-            <a:srgbClr val="404040"/>
-          </a:solidFill>
-          <a:ln>
-            <a:solidFill>
-              <a:schemeClr val="tx1"/>
-            </a:solidFill>
-          </a:ln>
-        </p:spPr>
-        <p:style>
-          <a:lnRef idx="2">
-            <a:schemeClr val="accent1">
-              <a:shade val="50000"/>
-            </a:schemeClr>
-          </a:lnRef>
-          <a:fillRef idx="1">
-            <a:schemeClr val="accent1"/>
-          </a:fillRef>
-          <a:effectRef idx="0">
-            <a:schemeClr val="accent1"/>
-          </a:effectRef>
-          <a:fontRef idx="minor">
-            <a:schemeClr val="lt1"/>
-          </a:fontRef>
-        </p:style>
-        <p:txBody>
-          <a:bodyPr rtlCol="0" anchor="ctr"/>
-          <a:lstStyle/>
-          <a:p>
-            <a:pPr algn="ctr"/>
-            <a:r>
-              <a:rPr lang="en-US" sz="1400" dirty="0"/>
-              <a:t>Click on letters </a:t>
-            </a:r>
-          </a:p>
-          <a:p>
-            <a:pPr algn="ctr"/>
-            <a:r>
-              <a:rPr lang="en-US" sz="1400" dirty="0"/>
-              <a:t>to spell a word</a:t>
-            </a:r>
-          </a:p>
-        </p:txBody>
-      </p:sp>
-      <p:sp>
-        <p:nvSpPr>
-          <p:cNvPr id="17" name="Frame 16">
-            <a:extLst>
-              <a:ext uri="{FF2B5EF4-FFF2-40B4-BE49-F238E27FC236}">
-                <a16:creationId xmlns:a16="http://schemas.microsoft.com/office/drawing/2014/main" id="{F90CFC72-B5F9-43D2-93D5-4AA9525D2CA3}"/>
-              </a:ext>
-            </a:extLst>
-          </p:cNvPr>
-          <p:cNvSpPr/>
-          <p:nvPr/>
-        </p:nvSpPr>
-        <p:spPr>
-          <a:xfrm>
-            <a:off x="4152898" y="833396"/>
-            <a:ext cx="3886198" cy="3314042"/>
-          </a:xfrm>
-          <a:prstGeom prst="frame">
-            <a:avLst>
-              <a:gd name="adj1" fmla="val 2322"/>
-            </a:avLst>
-          </a:prstGeom>
-          <a:solidFill>
-            <a:srgbClr val="404040"/>
-          </a:solidFill>
-          <a:ln>
-            <a:noFill/>
-          </a:ln>
-        </p:spPr>
-        <p:style>
-          <a:lnRef idx="2">
-            <a:schemeClr val="accent1">
-              <a:shade val="50000"/>
-            </a:schemeClr>
-          </a:lnRef>
-          <a:fillRef idx="1">
-            <a:schemeClr val="accent1"/>
-          </a:fillRef>
-          <a:effectRef idx="0">
-            <a:schemeClr val="accent1"/>
-          </a:effectRef>
-          <a:fontRef idx="minor">
-            <a:schemeClr val="lt1"/>
-          </a:fontRef>
-        </p:style>
-        <p:txBody>
-          <a:bodyPr rtlCol="0" anchor="ctr"/>
-          <a:lstStyle/>
-          <a:p>
-            <a:pPr algn="ctr"/>
-            <a:endParaRPr lang="en-US">
-              <a:solidFill>
-                <a:schemeClr val="tx1"/>
-              </a:solidFill>
-            </a:endParaRPr>
-          </a:p>
-        </p:txBody>
-      </p:sp>
-      <p:sp>
-        <p:nvSpPr>
-          <p:cNvPr id="18" name="Frame 17">
-            <a:extLst>
-              <a:ext uri="{FF2B5EF4-FFF2-40B4-BE49-F238E27FC236}">
-                <a16:creationId xmlns:a16="http://schemas.microsoft.com/office/drawing/2014/main" id="{846FA173-1D6E-473B-B9BB-4ACE6EC26BD4}"/>
-              </a:ext>
-            </a:extLst>
-          </p:cNvPr>
-          <p:cNvSpPr/>
-          <p:nvPr/>
-        </p:nvSpPr>
-        <p:spPr>
-          <a:xfrm>
-            <a:off x="3498980" y="-475860"/>
-            <a:ext cx="5178489" cy="7791060"/>
-          </a:xfrm>
-          <a:prstGeom prst="frame">
-            <a:avLst/>
-          </a:prstGeom>
-          <a:solidFill>
-            <a:schemeClr val="bg1"/>
-          </a:solidFill>
-        </p:spPr>
-        <p:style>
-          <a:lnRef idx="2">
-            <a:schemeClr val="accent1">
-              <a:shade val="50000"/>
-            </a:schemeClr>
-          </a:lnRef>
-          <a:fillRef idx="1">
-            <a:schemeClr val="accent1"/>
-          </a:fillRef>
-          <a:effectRef idx="0">
-            <a:schemeClr val="accent1"/>
-          </a:effectRef>
-          <a:fontRef idx="minor">
-            <a:schemeClr val="lt1"/>
-          </a:fontRef>
-        </p:style>
-        <p:txBody>
-          <a:bodyPr rtlCol="0" anchor="ctr"/>
-          <a:lstStyle/>
-          <a:p>
-            <a:pPr algn="ctr"/>
-            <a:endParaRPr lang="en-US">
-              <a:solidFill>
-                <a:schemeClr val="tx1"/>
-              </a:solidFill>
-            </a:endParaRPr>
-          </a:p>
-        </p:txBody>
-      </p:sp>
     </p:spTree>
     <p:extLst>
       <p:ext uri="{BB962C8B-B14F-4D97-AF65-F5344CB8AC3E}">
-        <p14:creationId xmlns:p14="http://schemas.microsoft.com/office/powerpoint/2010/main" val="626690383"/>
+        <p14:creationId xmlns:p14="http://schemas.microsoft.com/office/powerpoint/2010/main" val="1677617755"/>
       </p:ext>
     </p:extLst>
   </p:cSld>
@@ -16098,58 +17298,6 @@
           </a:p>
         </p:txBody>
       </p:sp>
-      <p:sp>
-        <p:nvSpPr>
-          <p:cNvPr id="11" name="Rectangle 10">
-            <a:extLst>
-              <a:ext uri="{FF2B5EF4-FFF2-40B4-BE49-F238E27FC236}">
-                <a16:creationId xmlns:a16="http://schemas.microsoft.com/office/drawing/2014/main" id="{6F84A7B2-8A83-40D6-8C0D-E76FFA516B5F}"/>
-              </a:ext>
-            </a:extLst>
-          </p:cNvPr>
-          <p:cNvSpPr/>
-          <p:nvPr/>
-        </p:nvSpPr>
-        <p:spPr>
-          <a:xfrm>
-            <a:off x="4152898" y="169103"/>
-            <a:ext cx="3886199" cy="6483624"/>
-          </a:xfrm>
-          <a:prstGeom prst="rect">
-            <a:avLst/>
-          </a:prstGeom>
-          <a:solidFill>
-            <a:srgbClr val="767171"/>
-          </a:solidFill>
-          <a:ln>
-            <a:noFill/>
-          </a:ln>
-        </p:spPr>
-        <p:style>
-          <a:lnRef idx="2">
-            <a:schemeClr val="accent1">
-              <a:shade val="50000"/>
-            </a:schemeClr>
-          </a:lnRef>
-          <a:fillRef idx="1">
-            <a:schemeClr val="accent1"/>
-          </a:fillRef>
-          <a:effectRef idx="0">
-            <a:schemeClr val="accent1"/>
-          </a:effectRef>
-          <a:fontRef idx="minor">
-            <a:schemeClr val="lt1"/>
-          </a:fontRef>
-        </p:style>
-        <p:txBody>
-          <a:bodyPr rtlCol="0" anchor="ctr"/>
-          <a:lstStyle/>
-          <a:p>
-            <a:pPr algn="ctr"/>
-            <a:endParaRPr lang="en-US"/>
-          </a:p>
-        </p:txBody>
-      </p:sp>
       <p:pic>
         <p:nvPicPr>
           <p:cNvPr id="3" name="Picture 2">
@@ -16172,7 +17320,7 @@
         </p:blipFill>
         <p:spPr>
           <a:xfrm>
-            <a:off x="3768952" y="1104355"/>
+            <a:off x="3768398" y="833397"/>
             <a:ext cx="4433210" cy="3314042"/>
           </a:xfrm>
           <a:prstGeom prst="rect">
@@ -16194,8 +17342,8 @@
         </p:nvSpPr>
         <p:spPr>
           <a:xfrm>
-            <a:off x="4152898" y="169103"/>
-            <a:ext cx="3886200" cy="939923"/>
+            <a:off x="4814596" y="169103"/>
+            <a:ext cx="3224502" cy="664293"/>
           </a:xfrm>
           <a:prstGeom prst="rect">
             <a:avLst/>
@@ -16249,7 +17397,7 @@
         </p:nvSpPr>
         <p:spPr>
           <a:xfrm>
-            <a:off x="4223652" y="131919"/>
+            <a:off x="4926563" y="131919"/>
             <a:ext cx="755780" cy="369332"/>
           </a:xfrm>
           <a:prstGeom prst="rect">
@@ -16263,7 +17411,6 @@
           </a:bodyPr>
           <a:lstStyle/>
           <a:p>
-            <a:pPr algn="ctr"/>
             <a:r>
               <a:rPr lang="en-US" dirty="0">
                 <a:solidFill>
@@ -16289,7 +17436,7 @@
         </p:nvSpPr>
         <p:spPr>
           <a:xfrm>
-            <a:off x="5634127" y="133209"/>
+            <a:off x="6104940" y="131919"/>
             <a:ext cx="755780" cy="369332"/>
           </a:xfrm>
           <a:prstGeom prst="rect">
@@ -16303,7 +17450,6 @@
           </a:bodyPr>
           <a:lstStyle/>
           <a:p>
-            <a:pPr algn="ctr"/>
             <a:r>
               <a:rPr lang="en-US" dirty="0">
                 <a:solidFill>
@@ -16329,7 +17475,7 @@
         </p:nvSpPr>
         <p:spPr>
           <a:xfrm>
-            <a:off x="7194677" y="131917"/>
+            <a:off x="7245221" y="131919"/>
             <a:ext cx="755780" cy="369332"/>
           </a:xfrm>
           <a:prstGeom prst="rect">
@@ -16343,7 +17489,6 @@
           </a:bodyPr>
           <a:lstStyle/>
           <a:p>
-            <a:pPr algn="ctr"/>
             <a:r>
               <a:rPr lang="en-US" dirty="0">
                 <a:solidFill>
@@ -16357,6 +17502,112 @@
       </p:sp>
       <p:sp>
         <p:nvSpPr>
+          <p:cNvPr id="10" name="Rectangle 9">
+            <a:extLst>
+              <a:ext uri="{FF2B5EF4-FFF2-40B4-BE49-F238E27FC236}">
+                <a16:creationId xmlns:a16="http://schemas.microsoft.com/office/drawing/2014/main" id="{25361B00-E3CA-4C04-B7E0-178473412C68}"/>
+              </a:ext>
+            </a:extLst>
+          </p:cNvPr>
+          <p:cNvSpPr/>
+          <p:nvPr/>
+        </p:nvSpPr>
+        <p:spPr>
+          <a:xfrm>
+            <a:off x="4152898" y="169103"/>
+            <a:ext cx="661697" cy="664293"/>
+          </a:xfrm>
+          <a:prstGeom prst="rect">
+            <a:avLst/>
+          </a:prstGeom>
+          <a:solidFill>
+            <a:schemeClr val="bg2">
+              <a:lumMod val="50000"/>
+            </a:schemeClr>
+          </a:solidFill>
+          <a:ln>
+            <a:noFill/>
+          </a:ln>
+        </p:spPr>
+        <p:style>
+          <a:lnRef idx="2">
+            <a:schemeClr val="accent1">
+              <a:shade val="50000"/>
+            </a:schemeClr>
+          </a:lnRef>
+          <a:fillRef idx="1">
+            <a:schemeClr val="accent1"/>
+          </a:fillRef>
+          <a:effectRef idx="0">
+            <a:schemeClr val="accent1"/>
+          </a:effectRef>
+          <a:fontRef idx="minor">
+            <a:schemeClr val="lt1"/>
+          </a:fontRef>
+        </p:style>
+        <p:txBody>
+          <a:bodyPr rtlCol="0" anchor="ctr"/>
+          <a:lstStyle/>
+          <a:p>
+            <a:pPr algn="ctr"/>
+            <a:endParaRPr lang="en-US"/>
+          </a:p>
+        </p:txBody>
+      </p:sp>
+      <p:sp>
+        <p:nvSpPr>
+          <p:cNvPr id="11" name="Rectangle 10">
+            <a:extLst>
+              <a:ext uri="{FF2B5EF4-FFF2-40B4-BE49-F238E27FC236}">
+                <a16:creationId xmlns:a16="http://schemas.microsoft.com/office/drawing/2014/main" id="{6F84A7B2-8A83-40D6-8C0D-E76FFA516B5F}"/>
+              </a:ext>
+            </a:extLst>
+          </p:cNvPr>
+          <p:cNvSpPr/>
+          <p:nvPr/>
+        </p:nvSpPr>
+        <p:spPr>
+          <a:xfrm>
+            <a:off x="4152898" y="4147439"/>
+            <a:ext cx="3886199" cy="2505288"/>
+          </a:xfrm>
+          <a:prstGeom prst="rect">
+            <a:avLst/>
+          </a:prstGeom>
+          <a:solidFill>
+            <a:srgbClr val="767171"/>
+          </a:solidFill>
+          <a:ln>
+            <a:noFill/>
+          </a:ln>
+        </p:spPr>
+        <p:style>
+          <a:lnRef idx="2">
+            <a:schemeClr val="accent1">
+              <a:shade val="50000"/>
+            </a:schemeClr>
+          </a:lnRef>
+          <a:fillRef idx="1">
+            <a:schemeClr val="accent1"/>
+          </a:fillRef>
+          <a:effectRef idx="0">
+            <a:schemeClr val="accent1"/>
+          </a:effectRef>
+          <a:fontRef idx="minor">
+            <a:schemeClr val="lt1"/>
+          </a:fontRef>
+        </p:style>
+        <p:txBody>
+          <a:bodyPr rtlCol="0" anchor="ctr"/>
+          <a:lstStyle/>
+          <a:p>
+            <a:pPr algn="ctr"/>
+            <a:endParaRPr lang="en-US"/>
+          </a:p>
+        </p:txBody>
+      </p:sp>
+      <p:sp>
+        <p:nvSpPr>
           <p:cNvPr id="12" name="Rectangle 11">
             <a:extLst>
               <a:ext uri="{FF2B5EF4-FFF2-40B4-BE49-F238E27FC236}">
@@ -16369,8 +17620,8 @@
         </p:nvSpPr>
         <p:spPr>
           <a:xfrm>
-            <a:off x="4220733" y="4671588"/>
-            <a:ext cx="2276669" cy="1393571"/>
+            <a:off x="4206161" y="4380181"/>
+            <a:ext cx="2276669" cy="1330153"/>
           </a:xfrm>
           <a:prstGeom prst="rect">
             <a:avLst/>
@@ -16421,8 +17672,8 @@
         </p:nvSpPr>
         <p:spPr>
           <a:xfrm>
-            <a:off x="6609371" y="4671588"/>
-            <a:ext cx="1304539" cy="1393571"/>
+            <a:off x="6617150" y="4380181"/>
+            <a:ext cx="1304539" cy="1330153"/>
           </a:xfrm>
           <a:prstGeom prst="rect">
             <a:avLst/>
@@ -16473,18 +17724,18 @@
         </p:nvSpPr>
         <p:spPr>
           <a:xfrm>
-            <a:off x="7187168" y="851163"/>
-            <a:ext cx="726741" cy="245416"/>
+            <a:off x="4206161" y="6130212"/>
+            <a:ext cx="720402" cy="450072"/>
           </a:xfrm>
           <a:prstGeom prst="roundRect">
             <a:avLst/>
           </a:prstGeom>
           <a:solidFill>
-            <a:schemeClr val="tx1"/>
+            <a:srgbClr val="404040"/>
           </a:solidFill>
           <a:ln>
             <a:solidFill>
-              <a:schemeClr val="bg1"/>
+              <a:schemeClr val="tx1"/>
             </a:solidFill>
           </a:ln>
         </p:spPr>
@@ -16583,11 +17834,11 @@
             <a:avLst/>
           </a:prstGeom>
           <a:solidFill>
-            <a:schemeClr val="tx1"/>
+            <a:srgbClr val="404040"/>
           </a:solidFill>
           <a:ln>
             <a:solidFill>
-              <a:schemeClr val="bg1"/>
+              <a:schemeClr val="tx1"/>
             </a:solidFill>
           </a:ln>
         </p:spPr>
@@ -16640,7 +17891,7 @@
         </p:nvSpPr>
         <p:spPr>
           <a:xfrm>
-            <a:off x="4153452" y="1104354"/>
+            <a:off x="4152898" y="833396"/>
             <a:ext cx="3886198" cy="3314042"/>
           </a:xfrm>
           <a:prstGeom prst="frame">
@@ -16737,335 +17988,10 @@
           </a:p>
         </p:txBody>
       </p:sp>
-      <p:sp>
-        <p:nvSpPr>
-          <p:cNvPr id="2" name="TextBox 1">
-            <a:extLst>
-              <a:ext uri="{FF2B5EF4-FFF2-40B4-BE49-F238E27FC236}">
-                <a16:creationId xmlns:a16="http://schemas.microsoft.com/office/drawing/2014/main" id="{0A759929-BDA3-420D-BC64-1584AF85EDF3}"/>
-              </a:ext>
-            </a:extLst>
-          </p:cNvPr>
-          <p:cNvSpPr txBox="1"/>
-          <p:nvPr/>
-        </p:nvSpPr>
-        <p:spPr>
-          <a:xfrm>
-            <a:off x="5549375" y="290018"/>
-            <a:ext cx="918290" cy="646331"/>
-          </a:xfrm>
-          <a:prstGeom prst="rect">
-            <a:avLst/>
-          </a:prstGeom>
-          <a:noFill/>
-        </p:spPr>
-        <p:txBody>
-          <a:bodyPr wrap="square" rtlCol="0">
-            <a:spAutoFit/>
-          </a:bodyPr>
-          <a:lstStyle/>
-          <a:p>
-            <a:pPr algn="ctr"/>
-            <a:r>
-              <a:rPr lang="en-US" sz="3600" dirty="0">
-                <a:solidFill>
-                  <a:schemeClr val="bg1"/>
-                </a:solidFill>
-              </a:rPr>
-              <a:t>205</a:t>
-            </a:r>
-          </a:p>
-        </p:txBody>
-      </p:sp>
-      <p:sp>
-        <p:nvSpPr>
-          <p:cNvPr id="19" name="TextBox 18">
-            <a:extLst>
-              <a:ext uri="{FF2B5EF4-FFF2-40B4-BE49-F238E27FC236}">
-                <a16:creationId xmlns:a16="http://schemas.microsoft.com/office/drawing/2014/main" id="{CF636CAF-E37E-49CC-90E0-59ACB65E3E51}"/>
-              </a:ext>
-            </a:extLst>
-          </p:cNvPr>
-          <p:cNvSpPr txBox="1"/>
-          <p:nvPr/>
-        </p:nvSpPr>
-        <p:spPr>
-          <a:xfrm>
-            <a:off x="4135786" y="290018"/>
-            <a:ext cx="918290" cy="646331"/>
-          </a:xfrm>
-          <a:prstGeom prst="rect">
-            <a:avLst/>
-          </a:prstGeom>
-          <a:noFill/>
-        </p:spPr>
-        <p:txBody>
-          <a:bodyPr wrap="square" rtlCol="0">
-            <a:spAutoFit/>
-          </a:bodyPr>
-          <a:lstStyle/>
-          <a:p>
-            <a:pPr algn="ctr"/>
-            <a:r>
-              <a:rPr lang="en-US" sz="3600" dirty="0">
-                <a:solidFill>
-                  <a:schemeClr val="bg1"/>
-                </a:solidFill>
-              </a:rPr>
-              <a:t>5</a:t>
-            </a:r>
-          </a:p>
-        </p:txBody>
-      </p:sp>
-      <p:sp>
-        <p:nvSpPr>
-          <p:cNvPr id="20" name="TextBox 19">
-            <a:extLst>
-              <a:ext uri="{FF2B5EF4-FFF2-40B4-BE49-F238E27FC236}">
-                <a16:creationId xmlns:a16="http://schemas.microsoft.com/office/drawing/2014/main" id="{C5FF8574-4F5C-4C8A-8536-DF9E68318D6B}"/>
-              </a:ext>
-            </a:extLst>
-          </p:cNvPr>
-          <p:cNvSpPr txBox="1"/>
-          <p:nvPr/>
-        </p:nvSpPr>
-        <p:spPr>
-          <a:xfrm>
-            <a:off x="7120806" y="316583"/>
-            <a:ext cx="918290" cy="646331"/>
-          </a:xfrm>
-          <a:prstGeom prst="rect">
-            <a:avLst/>
-          </a:prstGeom>
-          <a:noFill/>
-        </p:spPr>
-        <p:txBody>
-          <a:bodyPr wrap="square" rtlCol="0">
-            <a:spAutoFit/>
-          </a:bodyPr>
-          <a:lstStyle/>
-          <a:p>
-            <a:pPr algn="ctr"/>
-            <a:r>
-              <a:rPr lang="en-US" sz="3600" dirty="0">
-                <a:solidFill>
-                  <a:schemeClr val="bg1"/>
-                </a:solidFill>
-              </a:rPr>
-              <a:t>31</a:t>
-            </a:r>
-          </a:p>
-        </p:txBody>
-      </p:sp>
-      <p:sp>
-        <p:nvSpPr>
-          <p:cNvPr id="7" name="TextBox 6">
-            <a:extLst>
-              <a:ext uri="{FF2B5EF4-FFF2-40B4-BE49-F238E27FC236}">
-                <a16:creationId xmlns:a16="http://schemas.microsoft.com/office/drawing/2014/main" id="{BE3FA923-B472-49D2-A73E-C082D5A7211F}"/>
-              </a:ext>
-            </a:extLst>
-          </p:cNvPr>
-          <p:cNvSpPr txBox="1"/>
-          <p:nvPr/>
-        </p:nvSpPr>
-        <p:spPr>
-          <a:xfrm>
-            <a:off x="4601542" y="809025"/>
-            <a:ext cx="1081560" cy="307777"/>
-          </a:xfrm>
-          <a:prstGeom prst="rect">
-            <a:avLst/>
-          </a:prstGeom>
-          <a:noFill/>
-        </p:spPr>
-        <p:txBody>
-          <a:bodyPr wrap="square" rtlCol="0">
-            <a:spAutoFit/>
-          </a:bodyPr>
-          <a:lstStyle/>
-          <a:p>
-            <a:r>
-              <a:rPr lang="en-US" sz="1400" dirty="0">
-                <a:solidFill>
-                  <a:schemeClr val="bg1"/>
-                </a:solidFill>
-              </a:rPr>
-              <a:t>Fortune</a:t>
-            </a:r>
-          </a:p>
-        </p:txBody>
-      </p:sp>
-      <p:pic>
-        <p:nvPicPr>
-          <p:cNvPr id="21" name="Picture 20">
-            <a:extLst>
-              <a:ext uri="{FF2B5EF4-FFF2-40B4-BE49-F238E27FC236}">
-                <a16:creationId xmlns:a16="http://schemas.microsoft.com/office/drawing/2014/main" id="{42A5FF73-754B-45B0-9ED8-9B0A6D1EF089}"/>
-              </a:ext>
-            </a:extLst>
-          </p:cNvPr>
-          <p:cNvPicPr>
-            <a:picLocks noChangeAspect="1"/>
-          </p:cNvPicPr>
-          <p:nvPr/>
-        </p:nvPicPr>
-        <p:blipFill rotWithShape="1">
-          <a:blip r:embed="rId4"/>
-          <a:srcRect l="3324" t="15484" r="5058" b="24467"/>
-          <a:stretch/>
-        </p:blipFill>
-        <p:spPr>
-          <a:xfrm>
-            <a:off x="5379077" y="936349"/>
-            <a:ext cx="1055908" cy="102953"/>
-          </a:xfrm>
-          <a:prstGeom prst="rect">
-            <a:avLst/>
-          </a:prstGeom>
-        </p:spPr>
-      </p:pic>
-      <p:sp>
-        <p:nvSpPr>
-          <p:cNvPr id="23" name="Rectangle: Rounded Corners 22">
-            <a:extLst>
-              <a:ext uri="{FF2B5EF4-FFF2-40B4-BE49-F238E27FC236}">
-                <a16:creationId xmlns:a16="http://schemas.microsoft.com/office/drawing/2014/main" id="{DECEE237-B7F2-447F-ADC9-0EE88DFB9FCD}"/>
-              </a:ext>
-            </a:extLst>
-          </p:cNvPr>
-          <p:cNvSpPr/>
-          <p:nvPr/>
-        </p:nvSpPr>
-        <p:spPr>
-          <a:xfrm>
-            <a:off x="4203228" y="6130212"/>
-            <a:ext cx="641305" cy="450072"/>
-          </a:xfrm>
-          <a:prstGeom prst="roundRect">
-            <a:avLst/>
-          </a:prstGeom>
-          <a:solidFill>
-            <a:schemeClr val="tx1"/>
-          </a:solidFill>
-          <a:ln>
-            <a:solidFill>
-              <a:schemeClr val="bg1"/>
-            </a:solidFill>
-          </a:ln>
-        </p:spPr>
-        <p:style>
-          <a:lnRef idx="2">
-            <a:schemeClr val="accent1">
-              <a:shade val="50000"/>
-            </a:schemeClr>
-          </a:lnRef>
-          <a:fillRef idx="1">
-            <a:schemeClr val="accent1"/>
-          </a:fillRef>
-          <a:effectRef idx="0">
-            <a:schemeClr val="accent1"/>
-          </a:effectRef>
-          <a:fontRef idx="minor">
-            <a:schemeClr val="lt1"/>
-          </a:fontRef>
-        </p:style>
-        <p:txBody>
-          <a:bodyPr rtlCol="0" anchor="ctr"/>
-          <a:lstStyle/>
-          <a:p>
-            <a:pPr algn="ctr"/>
-            <a:r>
-              <a:rPr lang="en-US" sz="2800" dirty="0"/>
-              <a:t>?</a:t>
-            </a:r>
-          </a:p>
-        </p:txBody>
-      </p:sp>
-      <p:sp>
-        <p:nvSpPr>
-          <p:cNvPr id="24" name="TextBox 23">
-            <a:extLst>
-              <a:ext uri="{FF2B5EF4-FFF2-40B4-BE49-F238E27FC236}">
-                <a16:creationId xmlns:a16="http://schemas.microsoft.com/office/drawing/2014/main" id="{79E992C7-1C4D-4AB8-A6BC-87F9464F40ED}"/>
-              </a:ext>
-            </a:extLst>
-          </p:cNvPr>
-          <p:cNvSpPr txBox="1"/>
-          <p:nvPr/>
-        </p:nvSpPr>
-        <p:spPr>
-          <a:xfrm>
-            <a:off x="4220733" y="4404402"/>
-            <a:ext cx="2276669" cy="307777"/>
-          </a:xfrm>
-          <a:prstGeom prst="rect">
-            <a:avLst/>
-          </a:prstGeom>
-          <a:noFill/>
-        </p:spPr>
-        <p:txBody>
-          <a:bodyPr wrap="square" rtlCol="0" anchor="ctr">
-            <a:spAutoFit/>
-          </a:bodyPr>
-          <a:lstStyle/>
-          <a:p>
-            <a:pPr algn="ctr"/>
-            <a:r>
-              <a:rPr lang="en-US" sz="1400" dirty="0">
-                <a:solidFill>
-                  <a:schemeClr val="bg1"/>
-                </a:solidFill>
-              </a:rPr>
-              <a:t>Submitted Words</a:t>
-            </a:r>
-          </a:p>
-        </p:txBody>
-      </p:sp>
-      <p:sp>
-        <p:nvSpPr>
-          <p:cNvPr id="25" name="TextBox 24">
-            <a:extLst>
-              <a:ext uri="{FF2B5EF4-FFF2-40B4-BE49-F238E27FC236}">
-                <a16:creationId xmlns:a16="http://schemas.microsoft.com/office/drawing/2014/main" id="{979DB00E-0FCE-40D9-91C8-B68D2DF9D7EA}"/>
-              </a:ext>
-            </a:extLst>
-          </p:cNvPr>
-          <p:cNvSpPr txBox="1"/>
-          <p:nvPr/>
-        </p:nvSpPr>
-        <p:spPr>
-          <a:xfrm>
-            <a:off x="6617149" y="4404401"/>
-            <a:ext cx="1304540" cy="307777"/>
-          </a:xfrm>
-          <a:prstGeom prst="rect">
-            <a:avLst/>
-          </a:prstGeom>
-          <a:noFill/>
-        </p:spPr>
-        <p:txBody>
-          <a:bodyPr wrap="square" rtlCol="0" anchor="ctr">
-            <a:spAutoFit/>
-          </a:bodyPr>
-          <a:lstStyle/>
-          <a:p>
-            <a:pPr algn="ctr"/>
-            <a:r>
-              <a:rPr lang="en-US" sz="1400" dirty="0">
-                <a:solidFill>
-                  <a:schemeClr val="bg1"/>
-                </a:solidFill>
-              </a:rPr>
-              <a:t>Auditioned</a:t>
-            </a:r>
-          </a:p>
-        </p:txBody>
-      </p:sp>
     </p:spTree>
     <p:extLst>
       <p:ext uri="{BB962C8B-B14F-4D97-AF65-F5344CB8AC3E}">
-        <p14:creationId xmlns:p14="http://schemas.microsoft.com/office/powerpoint/2010/main" val="3926442064"/>
+        <p14:creationId xmlns:p14="http://schemas.microsoft.com/office/powerpoint/2010/main" val="626690383"/>
       </p:ext>
     </p:extLst>
   </p:cSld>
@@ -17092,48 +18018,12 @@
           <a:chExt cx="0" cy="0"/>
         </a:xfrm>
       </p:grpSpPr>
-      <p:pic>
-        <p:nvPicPr>
-          <p:cNvPr id="22" name="Picture 21">
-            <a:extLst>
-              <a:ext uri="{FF2B5EF4-FFF2-40B4-BE49-F238E27FC236}">
-                <a16:creationId xmlns:a16="http://schemas.microsoft.com/office/drawing/2014/main" id="{0FCA5D36-8C1E-4241-8338-51CAAC079E31}"/>
-              </a:ext>
-            </a:extLst>
-          </p:cNvPr>
-          <p:cNvPicPr>
-            <a:picLocks noChangeAspect="1"/>
-          </p:cNvPicPr>
-          <p:nvPr/>
-        </p:nvPicPr>
-        <p:blipFill>
-          <a:blip r:embed="rId3">
-            <a:extLst>
-              <a:ext uri="{28A0092B-C50C-407E-A947-70E740481C1C}">
-                <a14:useLocalDpi xmlns:a14="http://schemas.microsoft.com/office/drawing/2010/main" val="0"/>
-              </a:ext>
-            </a:extLst>
-          </a:blip>
-          <a:stretch>
-            <a:fillRect/>
-          </a:stretch>
-        </p:blipFill>
-        <p:spPr>
-          <a:xfrm>
-            <a:off x="2586489" y="-169104"/>
-            <a:ext cx="7762351" cy="6858000"/>
-          </a:xfrm>
-          <a:prstGeom prst="rect">
-            <a:avLst/>
-          </a:prstGeom>
-        </p:spPr>
-      </p:pic>
-      <p:sp>
-        <p:nvSpPr>
-          <p:cNvPr id="30" name="Rectangle 29">
-            <a:extLst>
-              <a:ext uri="{FF2B5EF4-FFF2-40B4-BE49-F238E27FC236}">
-                <a16:creationId xmlns:a16="http://schemas.microsoft.com/office/drawing/2014/main" id="{2E875998-5134-4334-B56A-52CBA7EDC258}"/>
+      <p:sp>
+        <p:nvSpPr>
+          <p:cNvPr id="4" name="Rectangle 3">
+            <a:extLst>
+              <a:ext uri="{FF2B5EF4-FFF2-40B4-BE49-F238E27FC236}">
+                <a16:creationId xmlns:a16="http://schemas.microsoft.com/office/drawing/2014/main" id="{7389EE0F-66DD-4EC4-8CEC-987B22D60A1D}"/>
               </a:ext>
             </a:extLst>
           </p:cNvPr>
@@ -17142,21 +18032,12 @@
         </p:nvSpPr>
         <p:spPr>
           <a:xfrm>
-            <a:off x="6617148" y="4469718"/>
-            <a:ext cx="1296761" cy="201869"/>
-          </a:xfrm>
-          <a:prstGeom prst="rect">
-            <a:avLst/>
-          </a:prstGeom>
-          <a:solidFill>
-            <a:schemeClr val="tx1">
-              <a:lumMod val="75000"/>
-              <a:lumOff val="25000"/>
-            </a:schemeClr>
-          </a:solidFill>
-          <a:ln>
-            <a:noFill/>
-          </a:ln>
+            <a:off x="4152899" y="169104"/>
+            <a:ext cx="3886199" cy="6483623"/>
+          </a:xfrm>
+          <a:prstGeom prst="rect">
+            <a:avLst/>
+          </a:prstGeom>
         </p:spPr>
         <p:style>
           <a:lnRef idx="2">
@@ -17185,10 +18066,10 @@
       </p:sp>
       <p:sp>
         <p:nvSpPr>
-          <p:cNvPr id="29" name="Rectangle 28">
-            <a:extLst>
-              <a:ext uri="{FF2B5EF4-FFF2-40B4-BE49-F238E27FC236}">
-                <a16:creationId xmlns:a16="http://schemas.microsoft.com/office/drawing/2014/main" id="{E33C2376-9A44-498A-BC5B-DA616901B2F5}"/>
+          <p:cNvPr id="11" name="Rectangle 10">
+            <a:extLst>
+              <a:ext uri="{FF2B5EF4-FFF2-40B4-BE49-F238E27FC236}">
+                <a16:creationId xmlns:a16="http://schemas.microsoft.com/office/drawing/2014/main" id="{6F84A7B2-8A83-40D6-8C0D-E76FFA516B5F}"/>
               </a:ext>
             </a:extLst>
           </p:cNvPr>
@@ -17197,17 +18078,14 @@
         </p:nvSpPr>
         <p:spPr>
           <a:xfrm>
-            <a:off x="4224718" y="4483449"/>
-            <a:ext cx="2274469" cy="211860"/>
+            <a:off x="4152898" y="169103"/>
+            <a:ext cx="3886199" cy="6483624"/>
           </a:xfrm>
           <a:prstGeom prst="rect">
             <a:avLst/>
           </a:prstGeom>
           <a:solidFill>
-            <a:schemeClr val="tx1">
-              <a:lumMod val="75000"/>
-              <a:lumOff val="25000"/>
-            </a:schemeClr>
+            <a:srgbClr val="767171"/>
           </a:solidFill>
           <a:ln>
             <a:noFill/>
@@ -17238,171 +18116,6 @@
           </a:p>
         </p:txBody>
       </p:sp>
-      <p:sp>
-        <p:nvSpPr>
-          <p:cNvPr id="28" name="Rectangle 27">
-            <a:extLst>
-              <a:ext uri="{FF2B5EF4-FFF2-40B4-BE49-F238E27FC236}">
-                <a16:creationId xmlns:a16="http://schemas.microsoft.com/office/drawing/2014/main" id="{2D61F2A4-31DA-431F-A6FD-B186EE73D619}"/>
-              </a:ext>
-            </a:extLst>
-          </p:cNvPr>
-          <p:cNvSpPr/>
-          <p:nvPr/>
-        </p:nvSpPr>
-        <p:spPr>
-          <a:xfrm>
-            <a:off x="4671148" y="889910"/>
-            <a:ext cx="2412373" cy="195829"/>
-          </a:xfrm>
-          <a:prstGeom prst="rect">
-            <a:avLst/>
-          </a:prstGeom>
-          <a:solidFill>
-            <a:schemeClr val="tx1">
-              <a:lumMod val="75000"/>
-              <a:lumOff val="25000"/>
-            </a:schemeClr>
-          </a:solidFill>
-          <a:ln>
-            <a:noFill/>
-          </a:ln>
-        </p:spPr>
-        <p:style>
-          <a:lnRef idx="2">
-            <a:schemeClr val="accent1">
-              <a:shade val="50000"/>
-            </a:schemeClr>
-          </a:lnRef>
-          <a:fillRef idx="1">
-            <a:schemeClr val="accent1"/>
-          </a:fillRef>
-          <a:effectRef idx="0">
-            <a:schemeClr val="accent1"/>
-          </a:effectRef>
-          <a:fontRef idx="minor">
-            <a:schemeClr val="lt1"/>
-          </a:fontRef>
-        </p:style>
-        <p:txBody>
-          <a:bodyPr rtlCol="0" anchor="ctr"/>
-          <a:lstStyle/>
-          <a:p>
-            <a:pPr algn="ctr"/>
-            <a:endParaRPr lang="en-US"/>
-          </a:p>
-        </p:txBody>
-      </p:sp>
-      <p:sp>
-        <p:nvSpPr>
-          <p:cNvPr id="27" name="Rectangle 26">
-            <a:extLst>
-              <a:ext uri="{FF2B5EF4-FFF2-40B4-BE49-F238E27FC236}">
-                <a16:creationId xmlns:a16="http://schemas.microsoft.com/office/drawing/2014/main" id="{43CB8AFC-BEB2-4F3D-BADA-7817EDE52DA7}"/>
-              </a:ext>
-            </a:extLst>
-          </p:cNvPr>
-          <p:cNvSpPr/>
-          <p:nvPr/>
-        </p:nvSpPr>
-        <p:spPr>
-          <a:xfrm>
-            <a:off x="7099949" y="177458"/>
-            <a:ext cx="901178" cy="682060"/>
-          </a:xfrm>
-          <a:prstGeom prst="rect">
-            <a:avLst/>
-          </a:prstGeom>
-          <a:solidFill>
-            <a:schemeClr val="tx1">
-              <a:lumMod val="75000"/>
-              <a:lumOff val="25000"/>
-            </a:schemeClr>
-          </a:solidFill>
-          <a:ln>
-            <a:noFill/>
-          </a:ln>
-        </p:spPr>
-        <p:style>
-          <a:lnRef idx="2">
-            <a:schemeClr val="accent1">
-              <a:shade val="50000"/>
-            </a:schemeClr>
-          </a:lnRef>
-          <a:fillRef idx="1">
-            <a:schemeClr val="accent1"/>
-          </a:fillRef>
-          <a:effectRef idx="0">
-            <a:schemeClr val="accent1"/>
-          </a:effectRef>
-          <a:fontRef idx="minor">
-            <a:schemeClr val="lt1"/>
-          </a:fontRef>
-        </p:style>
-        <p:txBody>
-          <a:bodyPr rtlCol="0" anchor="ctr"/>
-          <a:lstStyle/>
-          <a:p>
-            <a:pPr algn="ctr"/>
-            <a:endParaRPr lang="en-US"/>
-          </a:p>
-        </p:txBody>
-      </p:sp>
-      <p:sp>
-        <p:nvSpPr>
-          <p:cNvPr id="26" name="Rectangle 25">
-            <a:extLst>
-              <a:ext uri="{FF2B5EF4-FFF2-40B4-BE49-F238E27FC236}">
-                <a16:creationId xmlns:a16="http://schemas.microsoft.com/office/drawing/2014/main" id="{EEA356B7-F52F-4BC6-9D20-1056F3D1A3BC}"/>
-              </a:ext>
-            </a:extLst>
-          </p:cNvPr>
-          <p:cNvSpPr/>
-          <p:nvPr/>
-        </p:nvSpPr>
-        <p:spPr>
-          <a:xfrm>
-            <a:off x="5427522" y="177458"/>
-            <a:ext cx="1189626" cy="682060"/>
-          </a:xfrm>
-          <a:prstGeom prst="rect">
-            <a:avLst/>
-          </a:prstGeom>
-          <a:solidFill>
-            <a:schemeClr val="tx1">
-              <a:lumMod val="75000"/>
-              <a:lumOff val="25000"/>
-            </a:schemeClr>
-          </a:solidFill>
-          <a:ln>
-            <a:noFill/>
-          </a:ln>
-        </p:spPr>
-        <p:style>
-          <a:lnRef idx="2">
-            <a:schemeClr val="accent1">
-              <a:shade val="50000"/>
-            </a:schemeClr>
-          </a:lnRef>
-          <a:fillRef idx="1">
-            <a:schemeClr val="accent1"/>
-          </a:fillRef>
-          <a:effectRef idx="0">
-            <a:schemeClr val="accent1"/>
-          </a:effectRef>
-          <a:fontRef idx="minor">
-            <a:schemeClr val="lt1"/>
-          </a:fontRef>
-        </p:style>
-        <p:txBody>
-          <a:bodyPr rtlCol="0" anchor="ctr"/>
-          <a:lstStyle/>
-          <a:p>
-            <a:pPr algn="ctr"/>
-            <a:endParaRPr lang="en-US"/>
-          </a:p>
-        </p:txBody>
-      </p:sp>
       <p:pic>
         <p:nvPicPr>
           <p:cNvPr id="3" name="Picture 2">
@@ -17418,7 +18131,7 @@
           <p:nvPr/>
         </p:nvPicPr>
         <p:blipFill>
-          <a:blip r:embed="rId4"/>
+          <a:blip r:embed="rId3"/>
           <a:stretch>
             <a:fillRect/>
           </a:stretch>
@@ -17447,8 +18160,8 @@
         </p:nvSpPr>
         <p:spPr>
           <a:xfrm>
-            <a:off x="4152898" y="169104"/>
-            <a:ext cx="901178" cy="682060"/>
+            <a:off x="4152898" y="169103"/>
+            <a:ext cx="3886200" cy="939923"/>
           </a:xfrm>
           <a:prstGeom prst="rect">
             <a:avLst/>
@@ -17629,17 +18342,10 @@
             <a:avLst/>
           </a:prstGeom>
           <a:solidFill>
-            <a:schemeClr val="tx1">
-              <a:lumMod val="65000"/>
-              <a:lumOff val="35000"/>
-            </a:schemeClr>
+            <a:srgbClr val="404040"/>
           </a:solidFill>
           <a:ln>
-            <a:solidFill>
-              <a:schemeClr val="bg1">
-                <a:lumMod val="50000"/>
-              </a:schemeClr>
-            </a:solidFill>
+            <a:noFill/>
           </a:ln>
         </p:spPr>
         <p:style>
@@ -17688,17 +18394,10 @@
             <a:avLst/>
           </a:prstGeom>
           <a:solidFill>
-            <a:schemeClr val="tx1">
-              <a:lumMod val="65000"/>
-              <a:lumOff val="35000"/>
-            </a:schemeClr>
+            <a:srgbClr val="404040"/>
           </a:solidFill>
           <a:ln>
-            <a:solidFill>
-              <a:schemeClr val="bg1">
-                <a:lumMod val="50000"/>
-              </a:schemeClr>
-            </a:solidFill>
+            <a:noFill/>
           </a:ln>
         </p:spPr>
         <p:style>
@@ -17747,14 +18446,11 @@
             <a:avLst/>
           </a:prstGeom>
           <a:solidFill>
-            <a:srgbClr val="4C1F65"/>
+            <a:schemeClr val="tx1"/>
           </a:solidFill>
           <a:ln>
             <a:solidFill>
-              <a:schemeClr val="tx1">
-                <a:lumMod val="50000"/>
-                <a:lumOff val="50000"/>
-              </a:schemeClr>
+              <a:schemeClr val="bg1"/>
             </a:solidFill>
           </a:ln>
         </p:spPr>
@@ -17853,17 +18549,11 @@
             <a:avLst/>
           </a:prstGeom>
           <a:solidFill>
-            <a:schemeClr val="tx1">
-              <a:lumMod val="85000"/>
-              <a:lumOff val="15000"/>
-            </a:schemeClr>
+            <a:schemeClr val="tx1"/>
           </a:solidFill>
           <a:ln>
             <a:solidFill>
-              <a:schemeClr val="tx1">
-                <a:lumMod val="50000"/>
-                <a:lumOff val="50000"/>
-              </a:schemeClr>
+              <a:schemeClr val="bg1"/>
             </a:solidFill>
           </a:ln>
         </p:spPr>
@@ -18187,7 +18877,7 @@
           <p:nvPr/>
         </p:nvPicPr>
         <p:blipFill rotWithShape="1">
-          <a:blip r:embed="rId5"/>
+          <a:blip r:embed="rId4"/>
           <a:srcRect l="3324" t="15484" r="5058" b="24467"/>
           <a:stretch/>
         </p:blipFill>
@@ -18222,17 +18912,11 @@
             <a:avLst/>
           </a:prstGeom>
           <a:solidFill>
-            <a:schemeClr val="tx1">
-              <a:lumMod val="85000"/>
-              <a:lumOff val="15000"/>
-            </a:schemeClr>
+            <a:schemeClr val="tx1"/>
           </a:solidFill>
           <a:ln>
             <a:solidFill>
-              <a:schemeClr val="tx1">
-                <a:lumMod val="50000"/>
-                <a:lumOff val="50000"/>
-              </a:schemeClr>
+              <a:schemeClr val="bg1"/>
             </a:solidFill>
           </a:ln>
         </p:spPr>
@@ -18347,7 +19031,7 @@
     </p:spTree>
     <p:extLst>
       <p:ext uri="{BB962C8B-B14F-4D97-AF65-F5344CB8AC3E}">
-        <p14:creationId xmlns:p14="http://schemas.microsoft.com/office/powerpoint/2010/main" val="687059974"/>
+        <p14:creationId xmlns:p14="http://schemas.microsoft.com/office/powerpoint/2010/main" val="3926442064"/>
       </p:ext>
     </p:extLst>
   </p:cSld>
